--- a/report/shell改进.pptx
+++ b/report/shell改进.pptx
@@ -1,30 +1,33 @@
 
 <file path=ppt/presentation.xml><?xml version="1.0" encoding="utf-8"?>
-<p:presentation xmlns:a="http://schemas.openxmlformats.org/drawingml/2006/main" xmlns:r="http://schemas.openxmlformats.org/officeDocument/2006/relationships" xmlns:p="http://schemas.openxmlformats.org/presentationml/2006/main" saveSubsetFonts="1">
+<p:presentation xmlns:a="http://schemas.openxmlformats.org/drawingml/2006/main" xmlns:r="http://schemas.openxmlformats.org/officeDocument/2006/relationships" xmlns:p="http://schemas.openxmlformats.org/presentationml/2006/main">
   <p:sldMasterIdLst>
-    <p:sldMasterId id="2147483840" r:id="rId1"/>
-    <p:sldMasterId id="2147483996" r:id="rId2"/>
+    <p:sldMasterId id="2147483648" r:id="rId1"/>
+    <p:sldMasterId id="2147483660" r:id="rId3"/>
   </p:sldMasterIdLst>
   <p:handoutMasterIdLst>
-    <p:handoutMasterId r:id="rId19"/>
+    <p:handoutMasterId r:id="rId23"/>
   </p:handoutMasterIdLst>
   <p:sldIdLst>
-    <p:sldId id="256" r:id="rId3"/>
-    <p:sldId id="257" r:id="rId4"/>
-    <p:sldId id="258" r:id="rId5"/>
-    <p:sldId id="261" r:id="rId6"/>
-    <p:sldId id="267" r:id="rId7"/>
-    <p:sldId id="263" r:id="rId8"/>
-    <p:sldId id="264" r:id="rId9"/>
-    <p:sldId id="265" r:id="rId10"/>
-    <p:sldId id="260" r:id="rId11"/>
-    <p:sldId id="268" r:id="rId12"/>
-    <p:sldId id="270" r:id="rId13"/>
-    <p:sldId id="269" r:id="rId14"/>
-    <p:sldId id="271" r:id="rId15"/>
-    <p:sldId id="272" r:id="rId16"/>
-    <p:sldId id="273" r:id="rId17"/>
-    <p:sldId id="259" r:id="rId18"/>
+    <p:sldId id="256" r:id="rId4"/>
+    <p:sldId id="257" r:id="rId5"/>
+    <p:sldId id="258" r:id="rId6"/>
+    <p:sldId id="261" r:id="rId7"/>
+    <p:sldId id="267" r:id="rId8"/>
+    <p:sldId id="263" r:id="rId9"/>
+    <p:sldId id="264" r:id="rId10"/>
+    <p:sldId id="265" r:id="rId11"/>
+    <p:sldId id="260" r:id="rId12"/>
+    <p:sldId id="279" r:id="rId13"/>
+    <p:sldId id="280" r:id="rId14"/>
+    <p:sldId id="281" r:id="rId15"/>
+    <p:sldId id="268" r:id="rId16"/>
+    <p:sldId id="270" r:id="rId17"/>
+    <p:sldId id="269" r:id="rId18"/>
+    <p:sldId id="271" r:id="rId19"/>
+    <p:sldId id="272" r:id="rId20"/>
+    <p:sldId id="273" r:id="rId21"/>
+    <p:sldId id="259" r:id="rId22"/>
   </p:sldIdLst>
   <p:sldSz cx="12192000" cy="6858000"/>
   <p:notesSz cx="6858000" cy="9144000"/>
@@ -123,14 +126,6 @@
       </a:defRPr>
     </a:lvl9pPr>
   </p:defaultTextStyle>
-  <p:extLst>
-    <p:ext uri="{EFAFB233-063F-42B5-8137-9DF3F51BA10A}">
-      <p15:sldGuideLst xmlns:p15="http://schemas.microsoft.com/office/powerpoint/2012/main"/>
-    </p:ext>
-    <p:ext uri="{2D200454-40CA-4A62-9FC3-DE9A4176ACB9}">
-      <p15:notesGuideLst xmlns:p15="http://schemas.microsoft.com/office/powerpoint/2012/main"/>
-    </p:ext>
-  </p:extLst>
 </p:presentation>
 </file>
 
@@ -216,7 +211,6 @@
           <a:p>
             <a:fld id="{9F92F661-F35D-4A58-AC76-5E2F6C285E87}" type="datetimeFigureOut">
               <a:rPr lang="zh-CN" altLang="en-US" smtClean="0"/>
-              <a:t>2018/6/28</a:t>
             </a:fld>
             <a:endParaRPr lang="zh-CN" altLang="en-US"/>
           </a:p>
@@ -282,18 +276,12 @@
           <a:p>
             <a:fld id="{DAEBBFC0-00AB-46B3-BB3C-3C8EBCE6C6D1}" type="slidenum">
               <a:rPr lang="zh-CN" altLang="en-US" smtClean="0"/>
-              <a:t>‹#›</a:t>
             </a:fld>
             <a:endParaRPr lang="zh-CN" altLang="en-US"/>
           </a:p>
         </p:txBody>
       </p:sp>
     </p:spTree>
-    <p:extLst>
-      <p:ext uri="{BB962C8B-B14F-4D97-AF65-F5344CB8AC3E}">
-        <p14:creationId xmlns:p14="http://schemas.microsoft.com/office/powerpoint/2010/main" val="682098842"/>
-      </p:ext>
-    </p:extLst>
   </p:cSld>
   <p:clrMap bg1="lt1" tx1="dk1" bg2="lt2" tx2="dk2" accent1="accent1" accent2="accent2" accent3="accent3" accent4="accent4" accent5="accent5" accent6="accent6" hlink="hlink" folHlink="folHlink"/>
 </p:handoutMaster>
@@ -357,7 +345,7 @@
             <a:spLocks noGrp="1"/>
           </p:cNvSpPr>
           <p:nvPr>
-            <p:ph type="subTitle" idx="1"/>
+            <p:ph type="subTitle" idx="1" hasCustomPrompt="1"/>
           </p:nvPr>
         </p:nvSpPr>
         <p:spPr>
@@ -441,7 +429,6 @@
           <a:p>
             <a:fld id="{2858BA8F-555C-419C-A9C0-2C2309CFF272}" type="datetimeFigureOut">
               <a:rPr lang="zh-CN" altLang="en-US" smtClean="0"/>
-              <a:t>2018/6/28</a:t>
             </a:fld>
             <a:endParaRPr lang="zh-CN" altLang="en-US"/>
           </a:p>
@@ -483,18 +470,12 @@
           <a:p>
             <a:fld id="{2E5E38D8-10EC-484B-86A2-4E8D68055A5A}" type="slidenum">
               <a:rPr lang="zh-CN" altLang="en-US" smtClean="0"/>
-              <a:t>‹#›</a:t>
             </a:fld>
             <a:endParaRPr lang="zh-CN" altLang="en-US"/>
           </a:p>
         </p:txBody>
       </p:sp>
     </p:spTree>
-    <p:extLst>
-      <p:ext uri="{BB962C8B-B14F-4D97-AF65-F5344CB8AC3E}">
-        <p14:creationId xmlns:p14="http://schemas.microsoft.com/office/powerpoint/2010/main" val="3627749580"/>
-      </p:ext>
-    </p:extLst>
   </p:cSld>
   <p:clrMapOvr>
     <a:masterClrMapping/>
@@ -549,7 +530,7 @@
             <a:spLocks noGrp="1"/>
           </p:cNvSpPr>
           <p:nvPr>
-            <p:ph type="body" orient="vert" idx="1"/>
+            <p:ph type="body" orient="vert" idx="1" hasCustomPrompt="1"/>
           </p:nvPr>
         </p:nvSpPr>
         <p:spPr/>
@@ -562,6 +543,7 @@
               <a:rPr lang="zh-CN" altLang="en-US" smtClean="0"/>
               <a:t>编辑母版文本样式</a:t>
             </a:r>
+            <a:endParaRPr lang="zh-CN" altLang="en-US" smtClean="0"/>
           </a:p>
           <a:p>
             <a:pPr lvl="1"/>
@@ -569,6 +551,7 @@
               <a:rPr lang="zh-CN" altLang="en-US" smtClean="0"/>
               <a:t>第二级</a:t>
             </a:r>
+            <a:endParaRPr lang="zh-CN" altLang="en-US" smtClean="0"/>
           </a:p>
           <a:p>
             <a:pPr lvl="2"/>
@@ -576,6 +559,7 @@
               <a:rPr lang="zh-CN" altLang="en-US" smtClean="0"/>
               <a:t>第三级</a:t>
             </a:r>
+            <a:endParaRPr lang="zh-CN" altLang="en-US" smtClean="0"/>
           </a:p>
           <a:p>
             <a:pPr lvl="3"/>
@@ -583,6 +567,7 @@
               <a:rPr lang="zh-CN" altLang="en-US" smtClean="0"/>
               <a:t>第四级</a:t>
             </a:r>
+            <a:endParaRPr lang="zh-CN" altLang="en-US" smtClean="0"/>
           </a:p>
           <a:p>
             <a:pPr lvl="4"/>
@@ -611,7 +596,6 @@
           <a:p>
             <a:fld id="{2858BA8F-555C-419C-A9C0-2C2309CFF272}" type="datetimeFigureOut">
               <a:rPr lang="zh-CN" altLang="en-US" smtClean="0"/>
-              <a:t>2018/6/28</a:t>
             </a:fld>
             <a:endParaRPr lang="zh-CN" altLang="en-US"/>
           </a:p>
@@ -653,18 +637,12 @@
           <a:p>
             <a:fld id="{2E5E38D8-10EC-484B-86A2-4E8D68055A5A}" type="slidenum">
               <a:rPr lang="zh-CN" altLang="en-US" smtClean="0"/>
-              <a:t>‹#›</a:t>
             </a:fld>
             <a:endParaRPr lang="zh-CN" altLang="en-US"/>
           </a:p>
         </p:txBody>
       </p:sp>
     </p:spTree>
-    <p:extLst>
-      <p:ext uri="{BB962C8B-B14F-4D97-AF65-F5344CB8AC3E}">
-        <p14:creationId xmlns:p14="http://schemas.microsoft.com/office/powerpoint/2010/main" val="883400353"/>
-      </p:ext>
-    </p:extLst>
   </p:cSld>
   <p:clrMapOvr>
     <a:masterClrMapping/>
@@ -724,7 +702,7 @@
             <a:spLocks noGrp="1"/>
           </p:cNvSpPr>
           <p:nvPr>
-            <p:ph type="body" orient="vert" idx="1"/>
+            <p:ph type="body" orient="vert" idx="1" hasCustomPrompt="1"/>
           </p:nvPr>
         </p:nvSpPr>
         <p:spPr>
@@ -742,6 +720,7 @@
               <a:rPr lang="zh-CN" altLang="en-US" smtClean="0"/>
               <a:t>编辑母版文本样式</a:t>
             </a:r>
+            <a:endParaRPr lang="zh-CN" altLang="en-US" smtClean="0"/>
           </a:p>
           <a:p>
             <a:pPr lvl="1"/>
@@ -749,6 +728,7 @@
               <a:rPr lang="zh-CN" altLang="en-US" smtClean="0"/>
               <a:t>第二级</a:t>
             </a:r>
+            <a:endParaRPr lang="zh-CN" altLang="en-US" smtClean="0"/>
           </a:p>
           <a:p>
             <a:pPr lvl="2"/>
@@ -756,6 +736,7 @@
               <a:rPr lang="zh-CN" altLang="en-US" smtClean="0"/>
               <a:t>第三级</a:t>
             </a:r>
+            <a:endParaRPr lang="zh-CN" altLang="en-US" smtClean="0"/>
           </a:p>
           <a:p>
             <a:pPr lvl="3"/>
@@ -763,6 +744,7 @@
               <a:rPr lang="zh-CN" altLang="en-US" smtClean="0"/>
               <a:t>第四级</a:t>
             </a:r>
+            <a:endParaRPr lang="zh-CN" altLang="en-US" smtClean="0"/>
           </a:p>
           <a:p>
             <a:pPr lvl="4"/>
@@ -791,7 +773,6 @@
           <a:p>
             <a:fld id="{2858BA8F-555C-419C-A9C0-2C2309CFF272}" type="datetimeFigureOut">
               <a:rPr lang="zh-CN" altLang="en-US" smtClean="0"/>
-              <a:t>2018/6/28</a:t>
             </a:fld>
             <a:endParaRPr lang="zh-CN" altLang="en-US"/>
           </a:p>
@@ -833,18 +814,12 @@
           <a:p>
             <a:fld id="{2E5E38D8-10EC-484B-86A2-4E8D68055A5A}" type="slidenum">
               <a:rPr lang="zh-CN" altLang="en-US" smtClean="0"/>
-              <a:t>‹#›</a:t>
             </a:fld>
             <a:endParaRPr lang="zh-CN" altLang="en-US"/>
           </a:p>
         </p:txBody>
       </p:sp>
     </p:spTree>
-    <p:extLst>
-      <p:ext uri="{BB962C8B-B14F-4D97-AF65-F5344CB8AC3E}">
-        <p14:creationId xmlns:p14="http://schemas.microsoft.com/office/powerpoint/2010/main" val="4259053591"/>
-      </p:ext>
-    </p:extLst>
   </p:cSld>
   <p:clrMapOvr>
     <a:masterClrMapping/>
@@ -910,7 +885,7 @@
             <a:spLocks noGrp="1"/>
           </p:cNvSpPr>
           <p:nvPr>
-            <p:ph type="subTitle" idx="1"/>
+            <p:ph type="subTitle" idx="1" hasCustomPrompt="1"/>
           </p:nvPr>
         </p:nvSpPr>
         <p:spPr>
@@ -991,7 +966,6 @@
           <a:p>
             <a:fld id="{2858BA8F-555C-419C-A9C0-2C2309CFF272}" type="datetimeFigureOut">
               <a:rPr lang="zh-CN" altLang="en-US" smtClean="0"/>
-              <a:t>2018/6/28</a:t>
             </a:fld>
             <a:endParaRPr lang="zh-CN" altLang="en-US"/>
           </a:p>
@@ -1043,7 +1017,6 @@
           <a:p>
             <a:fld id="{2E5E38D8-10EC-484B-86A2-4E8D68055A5A}" type="slidenum">
               <a:rPr lang="zh-CN" altLang="en-US" smtClean="0"/>
-              <a:t>‹#›</a:t>
             </a:fld>
             <a:endParaRPr lang="zh-CN" altLang="en-US"/>
           </a:p>
@@ -1081,11 +1054,6 @@
         </p:style>
       </p:cxnSp>
     </p:spTree>
-    <p:extLst>
-      <p:ext uri="{BB962C8B-B14F-4D97-AF65-F5344CB8AC3E}">
-        <p14:creationId xmlns:p14="http://schemas.microsoft.com/office/powerpoint/2010/main" val="3985802284"/>
-      </p:ext>
-    </p:extLst>
   </p:cSld>
   <p:clrMapOvr>
     <a:masterClrMapping/>
@@ -1140,7 +1108,7 @@
             <a:spLocks noGrp="1"/>
           </p:cNvSpPr>
           <p:nvPr>
-            <p:ph idx="1"/>
+            <p:ph idx="1" hasCustomPrompt="1"/>
           </p:nvPr>
         </p:nvSpPr>
         <p:spPr/>
@@ -1153,6 +1121,7 @@
               <a:rPr lang="zh-CN" altLang="en-US" smtClean="0"/>
               <a:t>编辑母版文本样式</a:t>
             </a:r>
+            <a:endParaRPr lang="zh-CN" altLang="en-US" smtClean="0"/>
           </a:p>
           <a:p>
             <a:pPr lvl="1"/>
@@ -1160,6 +1129,7 @@
               <a:rPr lang="zh-CN" altLang="en-US" smtClean="0"/>
               <a:t>第二级</a:t>
             </a:r>
+            <a:endParaRPr lang="zh-CN" altLang="en-US" smtClean="0"/>
           </a:p>
           <a:p>
             <a:pPr lvl="2"/>
@@ -1167,6 +1137,7 @@
               <a:rPr lang="zh-CN" altLang="en-US" smtClean="0"/>
               <a:t>第三级</a:t>
             </a:r>
+            <a:endParaRPr lang="zh-CN" altLang="en-US" smtClean="0"/>
           </a:p>
           <a:p>
             <a:pPr lvl="3"/>
@@ -1174,6 +1145,7 @@
               <a:rPr lang="zh-CN" altLang="en-US" smtClean="0"/>
               <a:t>第四级</a:t>
             </a:r>
+            <a:endParaRPr lang="zh-CN" altLang="en-US" smtClean="0"/>
           </a:p>
           <a:p>
             <a:pPr lvl="4"/>
@@ -1202,7 +1174,6 @@
           <a:p>
             <a:fld id="{2858BA8F-555C-419C-A9C0-2C2309CFF272}" type="datetimeFigureOut">
               <a:rPr lang="zh-CN" altLang="en-US" smtClean="0"/>
-              <a:t>2018/6/28</a:t>
             </a:fld>
             <a:endParaRPr lang="zh-CN" altLang="en-US"/>
           </a:p>
@@ -1244,7 +1215,6 @@
           <a:p>
             <a:fld id="{2E5E38D8-10EC-484B-86A2-4E8D68055A5A}" type="slidenum">
               <a:rPr lang="zh-CN" altLang="en-US" smtClean="0"/>
-              <a:t>‹#›</a:t>
             </a:fld>
             <a:endParaRPr lang="zh-CN" altLang="en-US"/>
           </a:p>
@@ -1282,11 +1252,6 @@
         </p:style>
       </p:cxnSp>
     </p:spTree>
-    <p:extLst>
-      <p:ext uri="{BB962C8B-B14F-4D97-AF65-F5344CB8AC3E}">
-        <p14:creationId xmlns:p14="http://schemas.microsoft.com/office/powerpoint/2010/main" val="3988149757"/>
-      </p:ext>
-    </p:extLst>
   </p:cSld>
   <p:clrMapOvr>
     <a:masterClrMapping/>
@@ -1352,7 +1317,7 @@
             <a:spLocks noGrp="1"/>
           </p:cNvSpPr>
           <p:nvPr>
-            <p:ph type="body" idx="1"/>
+            <p:ph type="body" idx="1" hasCustomPrompt="1"/>
           </p:nvPr>
         </p:nvSpPr>
         <p:spPr>
@@ -1461,6 +1426,7 @@
               <a:rPr lang="zh-CN" altLang="en-US" smtClean="0"/>
               <a:t>编辑母版文本样式</a:t>
             </a:r>
+            <a:endParaRPr lang="zh-CN" altLang="en-US" smtClean="0"/>
           </a:p>
         </p:txBody>
       </p:sp>
@@ -1481,7 +1447,6 @@
           <a:p>
             <a:fld id="{2858BA8F-555C-419C-A9C0-2C2309CFF272}" type="datetimeFigureOut">
               <a:rPr lang="zh-CN" altLang="en-US" smtClean="0"/>
-              <a:t>2018/6/28</a:t>
             </a:fld>
             <a:endParaRPr lang="zh-CN" altLang="en-US"/>
           </a:p>
@@ -1523,7 +1488,6 @@
           <a:p>
             <a:fld id="{2E5E38D8-10EC-484B-86A2-4E8D68055A5A}" type="slidenum">
               <a:rPr lang="zh-CN" altLang="en-US" smtClean="0"/>
-              <a:t>‹#›</a:t>
             </a:fld>
             <a:endParaRPr lang="zh-CN" altLang="en-US"/>
           </a:p>
@@ -1561,11 +1525,6 @@
         </p:style>
       </p:cxnSp>
     </p:spTree>
-    <p:extLst>
-      <p:ext uri="{BB962C8B-B14F-4D97-AF65-F5344CB8AC3E}">
-        <p14:creationId xmlns:p14="http://schemas.microsoft.com/office/powerpoint/2010/main" val="1487308880"/>
-      </p:ext>
-    </p:extLst>
   </p:cSld>
   <p:clrMapOvr>
     <a:masterClrMapping/>
@@ -1625,7 +1584,7 @@
             <a:spLocks noGrp="1"/>
           </p:cNvSpPr>
           <p:nvPr>
-            <p:ph sz="half" idx="1"/>
+            <p:ph sz="half" idx="1" hasCustomPrompt="1"/>
           </p:nvPr>
         </p:nvSpPr>
         <p:spPr>
@@ -1643,6 +1602,7 @@
               <a:rPr lang="zh-CN" altLang="en-US" smtClean="0"/>
               <a:t>编辑母版文本样式</a:t>
             </a:r>
+            <a:endParaRPr lang="zh-CN" altLang="en-US" smtClean="0"/>
           </a:p>
           <a:p>
             <a:pPr lvl="1"/>
@@ -1650,6 +1610,7 @@
               <a:rPr lang="zh-CN" altLang="en-US" smtClean="0"/>
               <a:t>第二级</a:t>
             </a:r>
+            <a:endParaRPr lang="zh-CN" altLang="en-US" smtClean="0"/>
           </a:p>
           <a:p>
             <a:pPr lvl="2"/>
@@ -1657,6 +1618,7 @@
               <a:rPr lang="zh-CN" altLang="en-US" smtClean="0"/>
               <a:t>第三级</a:t>
             </a:r>
+            <a:endParaRPr lang="zh-CN" altLang="en-US" smtClean="0"/>
           </a:p>
           <a:p>
             <a:pPr lvl="3"/>
@@ -1664,6 +1626,7 @@
               <a:rPr lang="zh-CN" altLang="en-US" smtClean="0"/>
               <a:t>第四级</a:t>
             </a:r>
+            <a:endParaRPr lang="zh-CN" altLang="en-US" smtClean="0"/>
           </a:p>
           <a:p>
             <a:pPr lvl="4"/>
@@ -1682,7 +1645,7 @@
             <a:spLocks noGrp="1"/>
           </p:cNvSpPr>
           <p:nvPr>
-            <p:ph sz="half" idx="2"/>
+            <p:ph sz="half" idx="2" hasCustomPrompt="1"/>
           </p:nvPr>
         </p:nvSpPr>
         <p:spPr>
@@ -1700,6 +1663,7 @@
               <a:rPr lang="zh-CN" altLang="en-US" smtClean="0"/>
               <a:t>编辑母版文本样式</a:t>
             </a:r>
+            <a:endParaRPr lang="zh-CN" altLang="en-US" smtClean="0"/>
           </a:p>
           <a:p>
             <a:pPr lvl="1"/>
@@ -1707,6 +1671,7 @@
               <a:rPr lang="zh-CN" altLang="en-US" smtClean="0"/>
               <a:t>第二级</a:t>
             </a:r>
+            <a:endParaRPr lang="zh-CN" altLang="en-US" smtClean="0"/>
           </a:p>
           <a:p>
             <a:pPr lvl="2"/>
@@ -1714,6 +1679,7 @@
               <a:rPr lang="zh-CN" altLang="en-US" smtClean="0"/>
               <a:t>第三级</a:t>
             </a:r>
+            <a:endParaRPr lang="zh-CN" altLang="en-US" smtClean="0"/>
           </a:p>
           <a:p>
             <a:pPr lvl="3"/>
@@ -1721,6 +1687,7 @@
               <a:rPr lang="zh-CN" altLang="en-US" smtClean="0"/>
               <a:t>第四级</a:t>
             </a:r>
+            <a:endParaRPr lang="zh-CN" altLang="en-US" smtClean="0"/>
           </a:p>
           <a:p>
             <a:pPr lvl="4"/>
@@ -1749,7 +1716,6 @@
           <a:p>
             <a:fld id="{2858BA8F-555C-419C-A9C0-2C2309CFF272}" type="datetimeFigureOut">
               <a:rPr lang="zh-CN" altLang="en-US" smtClean="0"/>
-              <a:t>2018/6/28</a:t>
             </a:fld>
             <a:endParaRPr lang="zh-CN" altLang="en-US"/>
           </a:p>
@@ -1791,7 +1757,6 @@
           <a:p>
             <a:fld id="{2E5E38D8-10EC-484B-86A2-4E8D68055A5A}" type="slidenum">
               <a:rPr lang="zh-CN" altLang="en-US" smtClean="0"/>
-              <a:t>‹#›</a:t>
             </a:fld>
             <a:endParaRPr lang="zh-CN" altLang="en-US"/>
           </a:p>
@@ -1829,20 +1794,10 @@
         </p:style>
       </p:cxnSp>
     </p:spTree>
-    <p:extLst>
-      <p:ext uri="{BB962C8B-B14F-4D97-AF65-F5344CB8AC3E}">
-        <p14:creationId xmlns:p14="http://schemas.microsoft.com/office/powerpoint/2010/main" val="2220717513"/>
-      </p:ext>
-    </p:extLst>
   </p:cSld>
   <p:clrMapOvr>
     <a:masterClrMapping/>
   </p:clrMapOvr>
-  <p:extLst>
-    <p:ext uri="{DCECCB84-F9BA-43D5-87BE-67443E8EF086}">
-      <p15:sldGuideLst xmlns:p15="http://schemas.microsoft.com/office/powerpoint/2012/main"/>
-    </p:ext>
-  </p:extLst>
 </p:sldLayout>
 </file>
 
@@ -1898,7 +1853,7 @@
             <a:spLocks noGrp="1"/>
           </p:cNvSpPr>
           <p:nvPr>
-            <p:ph type="body" idx="1"/>
+            <p:ph type="body" idx="1" hasCustomPrompt="1"/>
           </p:nvPr>
         </p:nvSpPr>
         <p:spPr>
@@ -1962,6 +1917,7 @@
               <a:rPr lang="zh-CN" altLang="en-US" smtClean="0"/>
               <a:t>编辑母版文本样式</a:t>
             </a:r>
+            <a:endParaRPr lang="zh-CN" altLang="en-US" smtClean="0"/>
           </a:p>
         </p:txBody>
       </p:sp>
@@ -1972,7 +1928,7 @@
             <a:spLocks noGrp="1"/>
           </p:cNvSpPr>
           <p:nvPr>
-            <p:ph sz="half" idx="2"/>
+            <p:ph sz="half" idx="2" hasCustomPrompt="1"/>
           </p:nvPr>
         </p:nvSpPr>
         <p:spPr>
@@ -1990,6 +1946,7 @@
               <a:rPr lang="zh-CN" altLang="en-US" smtClean="0"/>
               <a:t>编辑母版文本样式</a:t>
             </a:r>
+            <a:endParaRPr lang="zh-CN" altLang="en-US" smtClean="0"/>
           </a:p>
           <a:p>
             <a:pPr lvl="1"/>
@@ -1997,6 +1954,7 @@
               <a:rPr lang="zh-CN" altLang="en-US" smtClean="0"/>
               <a:t>第二级</a:t>
             </a:r>
+            <a:endParaRPr lang="zh-CN" altLang="en-US" smtClean="0"/>
           </a:p>
           <a:p>
             <a:pPr lvl="2"/>
@@ -2004,6 +1962,7 @@
               <a:rPr lang="zh-CN" altLang="en-US" smtClean="0"/>
               <a:t>第三级</a:t>
             </a:r>
+            <a:endParaRPr lang="zh-CN" altLang="en-US" smtClean="0"/>
           </a:p>
           <a:p>
             <a:pPr lvl="3"/>
@@ -2011,6 +1970,7 @@
               <a:rPr lang="zh-CN" altLang="en-US" smtClean="0"/>
               <a:t>第四级</a:t>
             </a:r>
+            <a:endParaRPr lang="zh-CN" altLang="en-US" smtClean="0"/>
           </a:p>
           <a:p>
             <a:pPr lvl="4"/>
@@ -2029,7 +1989,7 @@
             <a:spLocks noGrp="1"/>
           </p:cNvSpPr>
           <p:nvPr>
-            <p:ph type="body" sz="quarter" idx="3"/>
+            <p:ph type="body" sz="quarter" idx="3" hasCustomPrompt="1"/>
           </p:nvPr>
         </p:nvSpPr>
         <p:spPr>
@@ -2093,6 +2053,7 @@
               <a:rPr lang="zh-CN" altLang="en-US" smtClean="0"/>
               <a:t>编辑母版文本样式</a:t>
             </a:r>
+            <a:endParaRPr lang="zh-CN" altLang="en-US" smtClean="0"/>
           </a:p>
         </p:txBody>
       </p:sp>
@@ -2103,7 +2064,7 @@
             <a:spLocks noGrp="1"/>
           </p:cNvSpPr>
           <p:nvPr>
-            <p:ph sz="quarter" idx="4"/>
+            <p:ph sz="quarter" idx="4" hasCustomPrompt="1"/>
           </p:nvPr>
         </p:nvSpPr>
         <p:spPr>
@@ -2121,6 +2082,7 @@
               <a:rPr lang="zh-CN" altLang="en-US" smtClean="0"/>
               <a:t>编辑母版文本样式</a:t>
             </a:r>
+            <a:endParaRPr lang="zh-CN" altLang="en-US" smtClean="0"/>
           </a:p>
           <a:p>
             <a:pPr lvl="1"/>
@@ -2128,6 +2090,7 @@
               <a:rPr lang="zh-CN" altLang="en-US" smtClean="0"/>
               <a:t>第二级</a:t>
             </a:r>
+            <a:endParaRPr lang="zh-CN" altLang="en-US" smtClean="0"/>
           </a:p>
           <a:p>
             <a:pPr lvl="2"/>
@@ -2135,6 +2098,7 @@
               <a:rPr lang="zh-CN" altLang="en-US" smtClean="0"/>
               <a:t>第三级</a:t>
             </a:r>
+            <a:endParaRPr lang="zh-CN" altLang="en-US" smtClean="0"/>
           </a:p>
           <a:p>
             <a:pPr lvl="3"/>
@@ -2142,6 +2106,7 @@
               <a:rPr lang="zh-CN" altLang="en-US" smtClean="0"/>
               <a:t>第四级</a:t>
             </a:r>
+            <a:endParaRPr lang="zh-CN" altLang="en-US" smtClean="0"/>
           </a:p>
           <a:p>
             <a:pPr lvl="4"/>
@@ -2170,7 +2135,6 @@
           <a:p>
             <a:fld id="{2858BA8F-555C-419C-A9C0-2C2309CFF272}" type="datetimeFigureOut">
               <a:rPr lang="zh-CN" altLang="en-US" smtClean="0"/>
-              <a:t>2018/6/28</a:t>
             </a:fld>
             <a:endParaRPr lang="zh-CN" altLang="en-US"/>
           </a:p>
@@ -2212,7 +2176,6 @@
           <a:p>
             <a:fld id="{2E5E38D8-10EC-484B-86A2-4E8D68055A5A}" type="slidenum">
               <a:rPr lang="zh-CN" altLang="en-US" smtClean="0"/>
-              <a:t>‹#›</a:t>
             </a:fld>
             <a:endParaRPr lang="zh-CN" altLang="en-US"/>
           </a:p>
@@ -2250,20 +2213,10 @@
         </p:style>
       </p:cxnSp>
     </p:spTree>
-    <p:extLst>
-      <p:ext uri="{BB962C8B-B14F-4D97-AF65-F5344CB8AC3E}">
-        <p14:creationId xmlns:p14="http://schemas.microsoft.com/office/powerpoint/2010/main" val="1432677240"/>
-      </p:ext>
-    </p:extLst>
   </p:cSld>
   <p:clrMapOvr>
     <a:masterClrMapping/>
   </p:clrMapOvr>
-  <p:extLst>
-    <p:ext uri="{DCECCB84-F9BA-43D5-87BE-67443E8EF086}">
-      <p15:sldGuideLst xmlns:p15="http://schemas.microsoft.com/office/powerpoint/2012/main"/>
-    </p:ext>
-  </p:extLst>
 </p:sldLayout>
 </file>
 
@@ -2324,7 +2277,6 @@
           <a:p>
             <a:fld id="{2858BA8F-555C-419C-A9C0-2C2309CFF272}" type="datetimeFigureOut">
               <a:rPr lang="zh-CN" altLang="en-US" smtClean="0"/>
-              <a:t>2018/6/28</a:t>
             </a:fld>
             <a:endParaRPr lang="zh-CN" altLang="en-US"/>
           </a:p>
@@ -2366,7 +2318,6 @@
           <a:p>
             <a:fld id="{2E5E38D8-10EC-484B-86A2-4E8D68055A5A}" type="slidenum">
               <a:rPr lang="zh-CN" altLang="en-US" smtClean="0"/>
-              <a:t>‹#›</a:t>
             </a:fld>
             <a:endParaRPr lang="zh-CN" altLang="en-US"/>
           </a:p>
@@ -2404,11 +2355,6 @@
         </p:style>
       </p:cxnSp>
     </p:spTree>
-    <p:extLst>
-      <p:ext uri="{BB962C8B-B14F-4D97-AF65-F5344CB8AC3E}">
-        <p14:creationId xmlns:p14="http://schemas.microsoft.com/office/powerpoint/2010/main" val="4056256987"/>
-      </p:ext>
-    </p:extLst>
   </p:cSld>
   <p:clrMapOvr>
     <a:masterClrMapping/>
@@ -2450,7 +2396,6 @@
           <a:p>
             <a:fld id="{2858BA8F-555C-419C-A9C0-2C2309CFF272}" type="datetimeFigureOut">
               <a:rPr lang="zh-CN" altLang="en-US" smtClean="0"/>
-              <a:t>2018/6/28</a:t>
             </a:fld>
             <a:endParaRPr lang="zh-CN" altLang="en-US"/>
           </a:p>
@@ -2492,18 +2437,12 @@
           <a:p>
             <a:fld id="{2E5E38D8-10EC-484B-86A2-4E8D68055A5A}" type="slidenum">
               <a:rPr lang="zh-CN" altLang="en-US" smtClean="0"/>
-              <a:t>‹#›</a:t>
             </a:fld>
             <a:endParaRPr lang="zh-CN" altLang="en-US"/>
           </a:p>
         </p:txBody>
       </p:sp>
     </p:spTree>
-    <p:extLst>
-      <p:ext uri="{BB962C8B-B14F-4D97-AF65-F5344CB8AC3E}">
-        <p14:creationId xmlns:p14="http://schemas.microsoft.com/office/powerpoint/2010/main" val="3284436979"/>
-      </p:ext>
-    </p:extLst>
   </p:cSld>
   <p:clrMapOvr>
     <a:masterClrMapping/>
@@ -2569,7 +2508,7 @@
             <a:spLocks noGrp="1"/>
           </p:cNvSpPr>
           <p:nvPr>
-            <p:ph idx="1"/>
+            <p:ph idx="1" hasCustomPrompt="1"/>
           </p:nvPr>
         </p:nvSpPr>
         <p:spPr>
@@ -2587,6 +2526,7 @@
               <a:rPr lang="zh-CN" altLang="en-US" smtClean="0"/>
               <a:t>编辑母版文本样式</a:t>
             </a:r>
+            <a:endParaRPr lang="zh-CN" altLang="en-US" smtClean="0"/>
           </a:p>
           <a:p>
             <a:pPr lvl="1"/>
@@ -2594,6 +2534,7 @@
               <a:rPr lang="zh-CN" altLang="en-US" smtClean="0"/>
               <a:t>第二级</a:t>
             </a:r>
+            <a:endParaRPr lang="zh-CN" altLang="en-US" smtClean="0"/>
           </a:p>
           <a:p>
             <a:pPr lvl="2"/>
@@ -2601,6 +2542,7 @@
               <a:rPr lang="zh-CN" altLang="en-US" smtClean="0"/>
               <a:t>第三级</a:t>
             </a:r>
+            <a:endParaRPr lang="zh-CN" altLang="en-US" smtClean="0"/>
           </a:p>
           <a:p>
             <a:pPr lvl="3"/>
@@ -2608,6 +2550,7 @@
               <a:rPr lang="zh-CN" altLang="en-US" smtClean="0"/>
               <a:t>第四级</a:t>
             </a:r>
+            <a:endParaRPr lang="zh-CN" altLang="en-US" smtClean="0"/>
           </a:p>
           <a:p>
             <a:pPr lvl="4"/>
@@ -2626,7 +2569,7 @@
             <a:spLocks noGrp="1"/>
           </p:cNvSpPr>
           <p:nvPr>
-            <p:ph type="body" sz="half" idx="2"/>
+            <p:ph type="body" sz="half" idx="2" hasCustomPrompt="1"/>
           </p:nvPr>
         </p:nvSpPr>
         <p:spPr>
@@ -2681,6 +2624,7 @@
               <a:rPr lang="zh-CN" altLang="en-US" smtClean="0"/>
               <a:t>编辑母版文本样式</a:t>
             </a:r>
+            <a:endParaRPr lang="zh-CN" altLang="en-US" smtClean="0"/>
           </a:p>
         </p:txBody>
       </p:sp>
@@ -2701,7 +2645,6 @@
           <a:p>
             <a:fld id="{2858BA8F-555C-419C-A9C0-2C2309CFF272}" type="datetimeFigureOut">
               <a:rPr lang="zh-CN" altLang="en-US" smtClean="0"/>
-              <a:t>2018/6/28</a:t>
             </a:fld>
             <a:endParaRPr lang="zh-CN" altLang="en-US"/>
           </a:p>
@@ -2743,7 +2686,6 @@
           <a:p>
             <a:fld id="{2E5E38D8-10EC-484B-86A2-4E8D68055A5A}" type="slidenum">
               <a:rPr lang="zh-CN" altLang="en-US" smtClean="0"/>
-              <a:t>‹#›</a:t>
             </a:fld>
             <a:endParaRPr lang="zh-CN" altLang="en-US"/>
           </a:p>
@@ -2781,20 +2723,10 @@
         </p:style>
       </p:cxnSp>
     </p:spTree>
-    <p:extLst>
-      <p:ext uri="{BB962C8B-B14F-4D97-AF65-F5344CB8AC3E}">
-        <p14:creationId xmlns:p14="http://schemas.microsoft.com/office/powerpoint/2010/main" val="1680860542"/>
-      </p:ext>
-    </p:extLst>
   </p:cSld>
   <p:clrMapOvr>
     <a:masterClrMapping/>
   </p:clrMapOvr>
-  <p:extLst>
-    <p:ext uri="{DCECCB84-F9BA-43D5-87BE-67443E8EF086}">
-      <p15:sldGuideLst xmlns:p15="http://schemas.microsoft.com/office/powerpoint/2012/main"/>
-    </p:ext>
-  </p:extLst>
 </p:sldLayout>
 </file>
 
@@ -2845,7 +2777,7 @@
             <a:spLocks noGrp="1"/>
           </p:cNvSpPr>
           <p:nvPr>
-            <p:ph idx="1"/>
+            <p:ph idx="1" hasCustomPrompt="1"/>
           </p:nvPr>
         </p:nvSpPr>
         <p:spPr/>
@@ -2858,6 +2790,7 @@
               <a:rPr lang="zh-CN" altLang="en-US" smtClean="0"/>
               <a:t>编辑母版文本样式</a:t>
             </a:r>
+            <a:endParaRPr lang="zh-CN" altLang="en-US" smtClean="0"/>
           </a:p>
           <a:p>
             <a:pPr lvl="1"/>
@@ -2865,6 +2798,7 @@
               <a:rPr lang="zh-CN" altLang="en-US" smtClean="0"/>
               <a:t>第二级</a:t>
             </a:r>
+            <a:endParaRPr lang="zh-CN" altLang="en-US" smtClean="0"/>
           </a:p>
           <a:p>
             <a:pPr lvl="2"/>
@@ -2872,6 +2806,7 @@
               <a:rPr lang="zh-CN" altLang="en-US" smtClean="0"/>
               <a:t>第三级</a:t>
             </a:r>
+            <a:endParaRPr lang="zh-CN" altLang="en-US" smtClean="0"/>
           </a:p>
           <a:p>
             <a:pPr lvl="3"/>
@@ -2879,6 +2814,7 @@
               <a:rPr lang="zh-CN" altLang="en-US" smtClean="0"/>
               <a:t>第四级</a:t>
             </a:r>
+            <a:endParaRPr lang="zh-CN" altLang="en-US" smtClean="0"/>
           </a:p>
           <a:p>
             <a:pPr lvl="4"/>
@@ -2907,7 +2843,6 @@
           <a:p>
             <a:fld id="{2858BA8F-555C-419C-A9C0-2C2309CFF272}" type="datetimeFigureOut">
               <a:rPr lang="zh-CN" altLang="en-US" smtClean="0"/>
-              <a:t>2018/6/28</a:t>
             </a:fld>
             <a:endParaRPr lang="zh-CN" altLang="en-US"/>
           </a:p>
@@ -2949,18 +2884,12 @@
           <a:p>
             <a:fld id="{2E5E38D8-10EC-484B-86A2-4E8D68055A5A}" type="slidenum">
               <a:rPr lang="zh-CN" altLang="en-US" smtClean="0"/>
-              <a:t>‹#›</a:t>
             </a:fld>
             <a:endParaRPr lang="zh-CN" altLang="en-US"/>
           </a:p>
         </p:txBody>
       </p:sp>
     </p:spTree>
-    <p:extLst>
-      <p:ext uri="{BB962C8B-B14F-4D97-AF65-F5344CB8AC3E}">
-        <p14:creationId xmlns:p14="http://schemas.microsoft.com/office/powerpoint/2010/main" val="3901340608"/>
-      </p:ext>
-    </p:extLst>
   </p:cSld>
   <p:clrMapOvr>
     <a:masterClrMapping/>
@@ -3235,7 +3164,7 @@
             <a:spLocks noGrp="1"/>
           </p:cNvSpPr>
           <p:nvPr>
-            <p:ph type="body" sz="half" idx="2"/>
+            <p:ph type="body" sz="half" idx="2" hasCustomPrompt="1"/>
           </p:nvPr>
         </p:nvSpPr>
         <p:spPr>
@@ -3292,6 +3221,7 @@
               <a:rPr lang="zh-CN" altLang="en-US" smtClean="0"/>
               <a:t>编辑母版文本样式</a:t>
             </a:r>
+            <a:endParaRPr lang="zh-CN" altLang="en-US" smtClean="0"/>
           </a:p>
         </p:txBody>
       </p:sp>
@@ -3321,7 +3251,6 @@
           <a:p>
             <a:fld id="{2858BA8F-555C-419C-A9C0-2C2309CFF272}" type="datetimeFigureOut">
               <a:rPr lang="zh-CN" altLang="en-US" smtClean="0"/>
-              <a:t>2018/6/28</a:t>
             </a:fld>
             <a:endParaRPr lang="zh-CN" altLang="en-US"/>
           </a:p>
@@ -3368,7 +3297,6 @@
           <a:p>
             <a:fld id="{2E5E38D8-10EC-484B-86A2-4E8D68055A5A}" type="slidenum">
               <a:rPr lang="zh-CN" altLang="en-US" smtClean="0"/>
-              <a:t>‹#›</a:t>
             </a:fld>
             <a:endParaRPr lang="zh-CN" altLang="en-US"/>
           </a:p>
@@ -3406,11 +3334,6 @@
         </p:style>
       </p:cxnSp>
     </p:spTree>
-    <p:extLst>
-      <p:ext uri="{BB962C8B-B14F-4D97-AF65-F5344CB8AC3E}">
-        <p14:creationId xmlns:p14="http://schemas.microsoft.com/office/powerpoint/2010/main" val="1079623601"/>
-      </p:ext>
-    </p:extLst>
   </p:cSld>
   <p:clrMapOvr>
     <a:masterClrMapping/>
@@ -3465,7 +3388,7 @@
             <a:spLocks noGrp="1"/>
           </p:cNvSpPr>
           <p:nvPr>
-            <p:ph type="body" orient="vert" idx="1"/>
+            <p:ph type="body" orient="vert" idx="1" hasCustomPrompt="1"/>
           </p:nvPr>
         </p:nvSpPr>
         <p:spPr/>
@@ -3478,6 +3401,7 @@
               <a:rPr lang="zh-CN" altLang="en-US" smtClean="0"/>
               <a:t>编辑母版文本样式</a:t>
             </a:r>
+            <a:endParaRPr lang="zh-CN" altLang="en-US" smtClean="0"/>
           </a:p>
           <a:p>
             <a:pPr lvl="1"/>
@@ -3485,6 +3409,7 @@
               <a:rPr lang="zh-CN" altLang="en-US" smtClean="0"/>
               <a:t>第二级</a:t>
             </a:r>
+            <a:endParaRPr lang="zh-CN" altLang="en-US" smtClean="0"/>
           </a:p>
           <a:p>
             <a:pPr lvl="2"/>
@@ -3492,6 +3417,7 @@
               <a:rPr lang="zh-CN" altLang="en-US" smtClean="0"/>
               <a:t>第三级</a:t>
             </a:r>
+            <a:endParaRPr lang="zh-CN" altLang="en-US" smtClean="0"/>
           </a:p>
           <a:p>
             <a:pPr lvl="3"/>
@@ -3499,6 +3425,7 @@
               <a:rPr lang="zh-CN" altLang="en-US" smtClean="0"/>
               <a:t>第四级</a:t>
             </a:r>
+            <a:endParaRPr lang="zh-CN" altLang="en-US" smtClean="0"/>
           </a:p>
           <a:p>
             <a:pPr lvl="4"/>
@@ -3527,7 +3454,6 @@
           <a:p>
             <a:fld id="{2858BA8F-555C-419C-A9C0-2C2309CFF272}" type="datetimeFigureOut">
               <a:rPr lang="zh-CN" altLang="en-US" smtClean="0"/>
-              <a:t>2018/6/28</a:t>
             </a:fld>
             <a:endParaRPr lang="zh-CN" altLang="en-US"/>
           </a:p>
@@ -3569,7 +3495,6 @@
           <a:p>
             <a:fld id="{2E5E38D8-10EC-484B-86A2-4E8D68055A5A}" type="slidenum">
               <a:rPr lang="zh-CN" altLang="en-US" smtClean="0"/>
-              <a:t>‹#›</a:t>
             </a:fld>
             <a:endParaRPr lang="zh-CN" altLang="en-US"/>
           </a:p>
@@ -3607,11 +3532,6 @@
         </p:style>
       </p:cxnSp>
     </p:spTree>
-    <p:extLst>
-      <p:ext uri="{BB962C8B-B14F-4D97-AF65-F5344CB8AC3E}">
-        <p14:creationId xmlns:p14="http://schemas.microsoft.com/office/powerpoint/2010/main" val="4210315443"/>
-      </p:ext>
-    </p:extLst>
   </p:cSld>
   <p:clrMapOvr>
     <a:masterClrMapping/>
@@ -3675,7 +3595,7 @@
             <a:spLocks noGrp="1"/>
           </p:cNvSpPr>
           <p:nvPr>
-            <p:ph type="body" orient="vert" idx="1"/>
+            <p:ph type="body" orient="vert" idx="1" hasCustomPrompt="1"/>
           </p:nvPr>
         </p:nvSpPr>
         <p:spPr>
@@ -3693,6 +3613,7 @@
               <a:rPr lang="zh-CN" altLang="en-US" smtClean="0"/>
               <a:t>编辑母版文本样式</a:t>
             </a:r>
+            <a:endParaRPr lang="zh-CN" altLang="en-US" smtClean="0"/>
           </a:p>
           <a:p>
             <a:pPr lvl="1"/>
@@ -3700,6 +3621,7 @@
               <a:rPr lang="zh-CN" altLang="en-US" smtClean="0"/>
               <a:t>第二级</a:t>
             </a:r>
+            <a:endParaRPr lang="zh-CN" altLang="en-US" smtClean="0"/>
           </a:p>
           <a:p>
             <a:pPr lvl="2"/>
@@ -3707,6 +3629,7 @@
               <a:rPr lang="zh-CN" altLang="en-US" smtClean="0"/>
               <a:t>第三级</a:t>
             </a:r>
+            <a:endParaRPr lang="zh-CN" altLang="en-US" smtClean="0"/>
           </a:p>
           <a:p>
             <a:pPr lvl="3"/>
@@ -3714,6 +3637,7 @@
               <a:rPr lang="zh-CN" altLang="en-US" smtClean="0"/>
               <a:t>第四级</a:t>
             </a:r>
+            <a:endParaRPr lang="zh-CN" altLang="en-US" smtClean="0"/>
           </a:p>
           <a:p>
             <a:pPr lvl="4"/>
@@ -3742,7 +3666,6 @@
           <a:p>
             <a:fld id="{2858BA8F-555C-419C-A9C0-2C2309CFF272}" type="datetimeFigureOut">
               <a:rPr lang="zh-CN" altLang="en-US" smtClean="0"/>
-              <a:t>2018/6/28</a:t>
             </a:fld>
             <a:endParaRPr lang="zh-CN" altLang="en-US"/>
           </a:p>
@@ -3784,7 +3707,6 @@
           <a:p>
             <a:fld id="{2E5E38D8-10EC-484B-86A2-4E8D68055A5A}" type="slidenum">
               <a:rPr lang="zh-CN" altLang="en-US" smtClean="0"/>
-              <a:t>‹#›</a:t>
             </a:fld>
             <a:endParaRPr lang="zh-CN" altLang="en-US"/>
           </a:p>
@@ -3822,11 +3744,6 @@
         </p:style>
       </p:cxnSp>
     </p:spTree>
-    <p:extLst>
-      <p:ext uri="{BB962C8B-B14F-4D97-AF65-F5344CB8AC3E}">
-        <p14:creationId xmlns:p14="http://schemas.microsoft.com/office/powerpoint/2010/main" val="4007824250"/>
-      </p:ext>
-    </p:extLst>
   </p:cSld>
   <p:clrMapOvr>
     <a:masterClrMapping/>
@@ -3892,7 +3809,7 @@
             <a:spLocks noGrp="1"/>
           </p:cNvSpPr>
           <p:nvPr>
-            <p:ph type="body" idx="1"/>
+            <p:ph type="body" idx="1" hasCustomPrompt="1"/>
           </p:nvPr>
         </p:nvSpPr>
         <p:spPr>
@@ -4004,6 +3921,7 @@
               <a:rPr lang="zh-CN" altLang="en-US" smtClean="0"/>
               <a:t>编辑母版文本样式</a:t>
             </a:r>
+            <a:endParaRPr lang="zh-CN" altLang="en-US" smtClean="0"/>
           </a:p>
         </p:txBody>
       </p:sp>
@@ -4024,7 +3942,6 @@
           <a:p>
             <a:fld id="{2858BA8F-555C-419C-A9C0-2C2309CFF272}" type="datetimeFigureOut">
               <a:rPr lang="zh-CN" altLang="en-US" smtClean="0"/>
-              <a:t>2018/6/28</a:t>
             </a:fld>
             <a:endParaRPr lang="zh-CN" altLang="en-US"/>
           </a:p>
@@ -4066,18 +3983,12 @@
           <a:p>
             <a:fld id="{2E5E38D8-10EC-484B-86A2-4E8D68055A5A}" type="slidenum">
               <a:rPr lang="zh-CN" altLang="en-US" smtClean="0"/>
-              <a:t>‹#›</a:t>
             </a:fld>
             <a:endParaRPr lang="zh-CN" altLang="en-US"/>
           </a:p>
         </p:txBody>
       </p:sp>
     </p:spTree>
-    <p:extLst>
-      <p:ext uri="{BB962C8B-B14F-4D97-AF65-F5344CB8AC3E}">
-        <p14:creationId xmlns:p14="http://schemas.microsoft.com/office/powerpoint/2010/main" val="3380115150"/>
-      </p:ext>
-    </p:extLst>
   </p:cSld>
   <p:clrMapOvr>
     <a:masterClrMapping/>
@@ -4132,7 +4043,7 @@
             <a:spLocks noGrp="1"/>
           </p:cNvSpPr>
           <p:nvPr>
-            <p:ph sz="half" idx="1"/>
+            <p:ph sz="half" idx="1" hasCustomPrompt="1"/>
           </p:nvPr>
         </p:nvSpPr>
         <p:spPr>
@@ -4150,6 +4061,7 @@
               <a:rPr lang="zh-CN" altLang="en-US" smtClean="0"/>
               <a:t>编辑母版文本样式</a:t>
             </a:r>
+            <a:endParaRPr lang="zh-CN" altLang="en-US" smtClean="0"/>
           </a:p>
           <a:p>
             <a:pPr lvl="1"/>
@@ -4157,6 +4069,7 @@
               <a:rPr lang="zh-CN" altLang="en-US" smtClean="0"/>
               <a:t>第二级</a:t>
             </a:r>
+            <a:endParaRPr lang="zh-CN" altLang="en-US" smtClean="0"/>
           </a:p>
           <a:p>
             <a:pPr lvl="2"/>
@@ -4164,6 +4077,7 @@
               <a:rPr lang="zh-CN" altLang="en-US" smtClean="0"/>
               <a:t>第三级</a:t>
             </a:r>
+            <a:endParaRPr lang="zh-CN" altLang="en-US" smtClean="0"/>
           </a:p>
           <a:p>
             <a:pPr lvl="3"/>
@@ -4171,6 +4085,7 @@
               <a:rPr lang="zh-CN" altLang="en-US" smtClean="0"/>
               <a:t>第四级</a:t>
             </a:r>
+            <a:endParaRPr lang="zh-CN" altLang="en-US" smtClean="0"/>
           </a:p>
           <a:p>
             <a:pPr lvl="4"/>
@@ -4189,7 +4104,7 @@
             <a:spLocks noGrp="1"/>
           </p:cNvSpPr>
           <p:nvPr>
-            <p:ph sz="half" idx="2"/>
+            <p:ph sz="half" idx="2" hasCustomPrompt="1"/>
           </p:nvPr>
         </p:nvSpPr>
         <p:spPr>
@@ -4207,6 +4122,7 @@
               <a:rPr lang="zh-CN" altLang="en-US" smtClean="0"/>
               <a:t>编辑母版文本样式</a:t>
             </a:r>
+            <a:endParaRPr lang="zh-CN" altLang="en-US" smtClean="0"/>
           </a:p>
           <a:p>
             <a:pPr lvl="1"/>
@@ -4214,6 +4130,7 @@
               <a:rPr lang="zh-CN" altLang="en-US" smtClean="0"/>
               <a:t>第二级</a:t>
             </a:r>
+            <a:endParaRPr lang="zh-CN" altLang="en-US" smtClean="0"/>
           </a:p>
           <a:p>
             <a:pPr lvl="2"/>
@@ -4221,6 +4138,7 @@
               <a:rPr lang="zh-CN" altLang="en-US" smtClean="0"/>
               <a:t>第三级</a:t>
             </a:r>
+            <a:endParaRPr lang="zh-CN" altLang="en-US" smtClean="0"/>
           </a:p>
           <a:p>
             <a:pPr lvl="3"/>
@@ -4228,6 +4146,7 @@
               <a:rPr lang="zh-CN" altLang="en-US" smtClean="0"/>
               <a:t>第四级</a:t>
             </a:r>
+            <a:endParaRPr lang="zh-CN" altLang="en-US" smtClean="0"/>
           </a:p>
           <a:p>
             <a:pPr lvl="4"/>
@@ -4256,7 +4175,6 @@
           <a:p>
             <a:fld id="{2858BA8F-555C-419C-A9C0-2C2309CFF272}" type="datetimeFigureOut">
               <a:rPr lang="zh-CN" altLang="en-US" smtClean="0"/>
-              <a:t>2018/6/28</a:t>
             </a:fld>
             <a:endParaRPr lang="zh-CN" altLang="en-US"/>
           </a:p>
@@ -4298,27 +4216,16 @@
           <a:p>
             <a:fld id="{2E5E38D8-10EC-484B-86A2-4E8D68055A5A}" type="slidenum">
               <a:rPr lang="zh-CN" altLang="en-US" smtClean="0"/>
-              <a:t>‹#›</a:t>
             </a:fld>
             <a:endParaRPr lang="zh-CN" altLang="en-US"/>
           </a:p>
         </p:txBody>
       </p:sp>
     </p:spTree>
-    <p:extLst>
-      <p:ext uri="{BB962C8B-B14F-4D97-AF65-F5344CB8AC3E}">
-        <p14:creationId xmlns:p14="http://schemas.microsoft.com/office/powerpoint/2010/main" val="1776211619"/>
-      </p:ext>
-    </p:extLst>
   </p:cSld>
   <p:clrMapOvr>
     <a:masterClrMapping/>
   </p:clrMapOvr>
-  <p:extLst>
-    <p:ext uri="{DCECCB84-F9BA-43D5-87BE-67443E8EF086}">
-      <p15:sldGuideLst xmlns:p15="http://schemas.microsoft.com/office/powerpoint/2012/main"/>
-    </p:ext>
-  </p:extLst>
 </p:sldLayout>
 </file>
 
@@ -4346,7 +4253,7 @@
             <a:spLocks noGrp="1"/>
           </p:cNvSpPr>
           <p:nvPr>
-            <p:ph type="body" idx="1"/>
+            <p:ph type="body" idx="1" hasCustomPrompt="1"/>
           </p:nvPr>
         </p:nvSpPr>
         <p:spPr>
@@ -4406,6 +4313,7 @@
               <a:rPr lang="zh-CN" altLang="en-US" smtClean="0"/>
               <a:t>编辑母版文本样式</a:t>
             </a:r>
+            <a:endParaRPr lang="zh-CN" altLang="en-US" smtClean="0"/>
           </a:p>
         </p:txBody>
       </p:sp>
@@ -4416,7 +4324,7 @@
             <a:spLocks noGrp="1"/>
           </p:cNvSpPr>
           <p:nvPr>
-            <p:ph sz="half" idx="2"/>
+            <p:ph sz="half" idx="2" hasCustomPrompt="1"/>
           </p:nvPr>
         </p:nvSpPr>
         <p:spPr>
@@ -4434,6 +4342,7 @@
               <a:rPr lang="zh-CN" altLang="en-US" smtClean="0"/>
               <a:t>编辑母版文本样式</a:t>
             </a:r>
+            <a:endParaRPr lang="zh-CN" altLang="en-US" smtClean="0"/>
           </a:p>
           <a:p>
             <a:pPr lvl="1"/>
@@ -4441,6 +4350,7 @@
               <a:rPr lang="zh-CN" altLang="en-US" smtClean="0"/>
               <a:t>第二级</a:t>
             </a:r>
+            <a:endParaRPr lang="zh-CN" altLang="en-US" smtClean="0"/>
           </a:p>
           <a:p>
             <a:pPr lvl="2"/>
@@ -4448,6 +4358,7 @@
               <a:rPr lang="zh-CN" altLang="en-US" smtClean="0"/>
               <a:t>第三级</a:t>
             </a:r>
+            <a:endParaRPr lang="zh-CN" altLang="en-US" smtClean="0"/>
           </a:p>
           <a:p>
             <a:pPr lvl="3"/>
@@ -4455,6 +4366,7 @@
               <a:rPr lang="zh-CN" altLang="en-US" smtClean="0"/>
               <a:t>第四级</a:t>
             </a:r>
+            <a:endParaRPr lang="zh-CN" altLang="en-US" smtClean="0"/>
           </a:p>
           <a:p>
             <a:pPr lvl="4"/>
@@ -4473,7 +4385,7 @@
             <a:spLocks noGrp="1"/>
           </p:cNvSpPr>
           <p:nvPr>
-            <p:ph type="body" sz="quarter" idx="3"/>
+            <p:ph type="body" sz="quarter" idx="3" hasCustomPrompt="1"/>
           </p:nvPr>
         </p:nvSpPr>
         <p:spPr>
@@ -4531,6 +4443,7 @@
               <a:rPr lang="zh-CN" altLang="en-US" smtClean="0"/>
               <a:t>编辑母版文本样式</a:t>
             </a:r>
+            <a:endParaRPr lang="zh-CN" altLang="en-US" smtClean="0"/>
           </a:p>
         </p:txBody>
       </p:sp>
@@ -4541,7 +4454,7 @@
             <a:spLocks noGrp="1"/>
           </p:cNvSpPr>
           <p:nvPr>
-            <p:ph sz="quarter" idx="4"/>
+            <p:ph sz="quarter" idx="4" hasCustomPrompt="1"/>
           </p:nvPr>
         </p:nvSpPr>
         <p:spPr>
@@ -4559,6 +4472,7 @@
               <a:rPr lang="zh-CN" altLang="en-US" smtClean="0"/>
               <a:t>编辑母版文本样式</a:t>
             </a:r>
+            <a:endParaRPr lang="zh-CN" altLang="en-US" smtClean="0"/>
           </a:p>
           <a:p>
             <a:pPr lvl="1"/>
@@ -4566,6 +4480,7 @@
               <a:rPr lang="zh-CN" altLang="en-US" smtClean="0"/>
               <a:t>第二级</a:t>
             </a:r>
+            <a:endParaRPr lang="zh-CN" altLang="en-US" smtClean="0"/>
           </a:p>
           <a:p>
             <a:pPr lvl="2"/>
@@ -4573,6 +4488,7 @@
               <a:rPr lang="zh-CN" altLang="en-US" smtClean="0"/>
               <a:t>第三级</a:t>
             </a:r>
+            <a:endParaRPr lang="zh-CN" altLang="en-US" smtClean="0"/>
           </a:p>
           <a:p>
             <a:pPr lvl="3"/>
@@ -4580,6 +4496,7 @@
               <a:rPr lang="zh-CN" altLang="en-US" smtClean="0"/>
               <a:t>第四级</a:t>
             </a:r>
+            <a:endParaRPr lang="zh-CN" altLang="en-US" smtClean="0"/>
           </a:p>
           <a:p>
             <a:pPr lvl="4"/>
@@ -4608,7 +4525,6 @@
           <a:p>
             <a:fld id="{2858BA8F-555C-419C-A9C0-2C2309CFF272}" type="datetimeFigureOut">
               <a:rPr lang="zh-CN" altLang="en-US" smtClean="0"/>
-              <a:t>2018/6/28</a:t>
             </a:fld>
             <a:endParaRPr lang="zh-CN" altLang="en-US"/>
           </a:p>
@@ -4650,7 +4566,6 @@
           <a:p>
             <a:fld id="{2E5E38D8-10EC-484B-86A2-4E8D68055A5A}" type="slidenum">
               <a:rPr lang="zh-CN" altLang="en-US" smtClean="0"/>
-              <a:t>‹#›</a:t>
             </a:fld>
             <a:endParaRPr lang="zh-CN" altLang="en-US"/>
           </a:p>
@@ -4680,20 +4595,10 @@
         </p:txBody>
       </p:sp>
     </p:spTree>
-    <p:extLst>
-      <p:ext uri="{BB962C8B-B14F-4D97-AF65-F5344CB8AC3E}">
-        <p14:creationId xmlns:p14="http://schemas.microsoft.com/office/powerpoint/2010/main" val="2849078008"/>
-      </p:ext>
-    </p:extLst>
   </p:cSld>
   <p:clrMapOvr>
     <a:masterClrMapping/>
   </p:clrMapOvr>
-  <p:extLst>
-    <p:ext uri="{DCECCB84-F9BA-43D5-87BE-67443E8EF086}">
-      <p15:sldGuideLst xmlns:p15="http://schemas.microsoft.com/office/powerpoint/2012/main"/>
-    </p:ext>
-  </p:extLst>
 </p:sldLayout>
 </file>
 
@@ -4731,7 +4636,6 @@
           <a:p>
             <a:fld id="{2858BA8F-555C-419C-A9C0-2C2309CFF272}" type="datetimeFigureOut">
               <a:rPr lang="zh-CN" altLang="en-US" smtClean="0"/>
-              <a:t>2018/6/28</a:t>
             </a:fld>
             <a:endParaRPr lang="zh-CN" altLang="en-US"/>
           </a:p>
@@ -4773,7 +4677,6 @@
           <a:p>
             <a:fld id="{2E5E38D8-10EC-484B-86A2-4E8D68055A5A}" type="slidenum">
               <a:rPr lang="zh-CN" altLang="en-US" smtClean="0"/>
-              <a:t>‹#›</a:t>
             </a:fld>
             <a:endParaRPr lang="zh-CN" altLang="en-US"/>
           </a:p>
@@ -4803,11 +4706,6 @@
         </p:txBody>
       </p:sp>
     </p:spTree>
-    <p:extLst>
-      <p:ext uri="{BB962C8B-B14F-4D97-AF65-F5344CB8AC3E}">
-        <p14:creationId xmlns:p14="http://schemas.microsoft.com/office/powerpoint/2010/main" val="4209673557"/>
-      </p:ext>
-    </p:extLst>
   </p:cSld>
   <p:clrMapOvr>
     <a:masterClrMapping/>
@@ -4849,7 +4747,6 @@
           <a:p>
             <a:fld id="{2858BA8F-555C-419C-A9C0-2C2309CFF272}" type="datetimeFigureOut">
               <a:rPr lang="zh-CN" altLang="en-US" smtClean="0"/>
-              <a:t>2018/6/28</a:t>
             </a:fld>
             <a:endParaRPr lang="zh-CN" altLang="en-US"/>
           </a:p>
@@ -4891,18 +4788,12 @@
           <a:p>
             <a:fld id="{2E5E38D8-10EC-484B-86A2-4E8D68055A5A}" type="slidenum">
               <a:rPr lang="zh-CN" altLang="en-US" smtClean="0"/>
-              <a:t>‹#›</a:t>
             </a:fld>
             <a:endParaRPr lang="zh-CN" altLang="en-US"/>
           </a:p>
         </p:txBody>
       </p:sp>
     </p:spTree>
-    <p:extLst>
-      <p:ext uri="{BB962C8B-B14F-4D97-AF65-F5344CB8AC3E}">
-        <p14:creationId xmlns:p14="http://schemas.microsoft.com/office/powerpoint/2010/main" val="648458270"/>
-      </p:ext>
-    </p:extLst>
   </p:cSld>
   <p:clrMapOvr>
     <a:masterClrMapping/>
@@ -4968,7 +4859,7 @@
             <a:spLocks noGrp="1"/>
           </p:cNvSpPr>
           <p:nvPr>
-            <p:ph idx="1"/>
+            <p:ph idx="1" hasCustomPrompt="1"/>
           </p:nvPr>
         </p:nvSpPr>
         <p:spPr>
@@ -5014,6 +4905,7 @@
               <a:rPr lang="zh-CN" altLang="en-US" smtClean="0"/>
               <a:t>编辑母版文本样式</a:t>
             </a:r>
+            <a:endParaRPr lang="zh-CN" altLang="en-US" smtClean="0"/>
           </a:p>
           <a:p>
             <a:pPr lvl="1"/>
@@ -5021,6 +4913,7 @@
               <a:rPr lang="zh-CN" altLang="en-US" smtClean="0"/>
               <a:t>第二级</a:t>
             </a:r>
+            <a:endParaRPr lang="zh-CN" altLang="en-US" smtClean="0"/>
           </a:p>
           <a:p>
             <a:pPr lvl="2"/>
@@ -5028,6 +4921,7 @@
               <a:rPr lang="zh-CN" altLang="en-US" smtClean="0"/>
               <a:t>第三级</a:t>
             </a:r>
+            <a:endParaRPr lang="zh-CN" altLang="en-US" smtClean="0"/>
           </a:p>
           <a:p>
             <a:pPr lvl="3"/>
@@ -5035,6 +4929,7 @@
               <a:rPr lang="zh-CN" altLang="en-US" smtClean="0"/>
               <a:t>第四级</a:t>
             </a:r>
+            <a:endParaRPr lang="zh-CN" altLang="en-US" smtClean="0"/>
           </a:p>
           <a:p>
             <a:pPr lvl="4"/>
@@ -5053,7 +4948,7 @@
             <a:spLocks noGrp="1"/>
           </p:cNvSpPr>
           <p:nvPr>
-            <p:ph type="body" sz="half" idx="2"/>
+            <p:ph type="body" sz="half" idx="2" hasCustomPrompt="1"/>
           </p:nvPr>
         </p:nvSpPr>
         <p:spPr>
@@ -5113,6 +5008,7 @@
               <a:rPr lang="zh-CN" altLang="en-US" smtClean="0"/>
               <a:t>编辑母版文本样式</a:t>
             </a:r>
+            <a:endParaRPr lang="zh-CN" altLang="en-US" smtClean="0"/>
           </a:p>
         </p:txBody>
       </p:sp>
@@ -5133,7 +5029,6 @@
           <a:p>
             <a:fld id="{2858BA8F-555C-419C-A9C0-2C2309CFF272}" type="datetimeFigureOut">
               <a:rPr lang="zh-CN" altLang="en-US" smtClean="0"/>
-              <a:t>2018/6/28</a:t>
             </a:fld>
             <a:endParaRPr lang="zh-CN" altLang="en-US"/>
           </a:p>
@@ -5175,27 +5070,16 @@
           <a:p>
             <a:fld id="{2E5E38D8-10EC-484B-86A2-4E8D68055A5A}" type="slidenum">
               <a:rPr lang="zh-CN" altLang="en-US" smtClean="0"/>
-              <a:t>‹#›</a:t>
             </a:fld>
             <a:endParaRPr lang="zh-CN" altLang="en-US"/>
           </a:p>
         </p:txBody>
       </p:sp>
     </p:spTree>
-    <p:extLst>
-      <p:ext uri="{BB962C8B-B14F-4D97-AF65-F5344CB8AC3E}">
-        <p14:creationId xmlns:p14="http://schemas.microsoft.com/office/powerpoint/2010/main" val="889334698"/>
-      </p:ext>
-    </p:extLst>
   </p:cSld>
   <p:clrMapOvr>
     <a:masterClrMapping/>
   </p:clrMapOvr>
-  <p:extLst>
-    <p:ext uri="{DCECCB84-F9BA-43D5-87BE-67443E8EF086}">
-      <p15:sldGuideLst xmlns:p15="http://schemas.microsoft.com/office/powerpoint/2012/main"/>
-    </p:ext>
-  </p:extLst>
 </p:sldLayout>
 </file>
 
@@ -5322,7 +5206,7 @@
             <a:spLocks noGrp="1"/>
           </p:cNvSpPr>
           <p:nvPr>
-            <p:ph type="body" sz="half" idx="2"/>
+            <p:ph type="body" sz="half" idx="2" hasCustomPrompt="1"/>
           </p:nvPr>
         </p:nvSpPr>
         <p:spPr>
@@ -5382,6 +5266,7 @@
               <a:rPr lang="zh-CN" altLang="en-US" smtClean="0"/>
               <a:t>编辑母版文本样式</a:t>
             </a:r>
+            <a:endParaRPr lang="zh-CN" altLang="en-US" smtClean="0"/>
           </a:p>
         </p:txBody>
       </p:sp>
@@ -5402,7 +5287,6 @@
           <a:p>
             <a:fld id="{2858BA8F-555C-419C-A9C0-2C2309CFF272}" type="datetimeFigureOut">
               <a:rPr lang="zh-CN" altLang="en-US" smtClean="0"/>
-              <a:t>2018/6/28</a:t>
             </a:fld>
             <a:endParaRPr lang="zh-CN" altLang="en-US"/>
           </a:p>
@@ -5444,18 +5328,12 @@
           <a:p>
             <a:fld id="{2E5E38D8-10EC-484B-86A2-4E8D68055A5A}" type="slidenum">
               <a:rPr lang="zh-CN" altLang="en-US" smtClean="0"/>
-              <a:t>‹#›</a:t>
             </a:fld>
             <a:endParaRPr lang="zh-CN" altLang="en-US"/>
           </a:p>
         </p:txBody>
       </p:sp>
     </p:spTree>
-    <p:extLst>
-      <p:ext uri="{BB962C8B-B14F-4D97-AF65-F5344CB8AC3E}">
-        <p14:creationId xmlns:p14="http://schemas.microsoft.com/office/powerpoint/2010/main" val="3823985607"/>
-      </p:ext>
-    </p:extLst>
   </p:cSld>
   <p:clrMapOvr>
     <a:masterClrMapping/>
@@ -5548,6 +5426,7 @@
               <a:rPr lang="zh-CN" altLang="en-US" smtClean="0"/>
               <a:t>编辑母版文本样式</a:t>
             </a:r>
+            <a:endParaRPr lang="zh-CN" altLang="en-US" smtClean="0"/>
           </a:p>
           <a:p>
             <a:pPr lvl="1"/>
@@ -5555,6 +5434,7 @@
               <a:rPr lang="zh-CN" altLang="en-US" smtClean="0"/>
               <a:t>第二级</a:t>
             </a:r>
+            <a:endParaRPr lang="zh-CN" altLang="en-US" smtClean="0"/>
           </a:p>
           <a:p>
             <a:pPr lvl="2"/>
@@ -5562,6 +5442,7 @@
               <a:rPr lang="zh-CN" altLang="en-US" smtClean="0"/>
               <a:t>第三级</a:t>
             </a:r>
+            <a:endParaRPr lang="zh-CN" altLang="en-US" smtClean="0"/>
           </a:p>
           <a:p>
             <a:pPr lvl="3"/>
@@ -5569,6 +5450,7 @@
               <a:rPr lang="zh-CN" altLang="en-US" smtClean="0"/>
               <a:t>第四级</a:t>
             </a:r>
+            <a:endParaRPr lang="zh-CN" altLang="en-US" smtClean="0"/>
           </a:p>
           <a:p>
             <a:pPr lvl="4"/>
@@ -5616,7 +5498,6 @@
           <a:p>
             <a:fld id="{2858BA8F-555C-419C-A9C0-2C2309CFF272}" type="datetimeFigureOut">
               <a:rPr lang="zh-CN" altLang="en-US" smtClean="0"/>
-              <a:t>2018/6/28</a:t>
             </a:fld>
             <a:endParaRPr lang="zh-CN" altLang="en-US"/>
           </a:p>
@@ -5695,32 +5576,26 @@
           <a:p>
             <a:fld id="{2E5E38D8-10EC-484B-86A2-4E8D68055A5A}" type="slidenum">
               <a:rPr lang="zh-CN" altLang="en-US" smtClean="0"/>
-              <a:t>‹#›</a:t>
             </a:fld>
             <a:endParaRPr lang="zh-CN" altLang="en-US"/>
           </a:p>
         </p:txBody>
       </p:sp>
     </p:spTree>
-    <p:extLst>
-      <p:ext uri="{BB962C8B-B14F-4D97-AF65-F5344CB8AC3E}">
-        <p14:creationId xmlns:p14="http://schemas.microsoft.com/office/powerpoint/2010/main" val="1909267213"/>
-      </p:ext>
-    </p:extLst>
   </p:cSld>
   <p:clrMap bg1="lt1" tx1="dk1" bg2="lt2" tx2="dk2" accent1="accent1" accent2="accent2" accent3="accent3" accent4="accent4" accent5="accent5" accent6="accent6" hlink="hlink" folHlink="folHlink"/>
   <p:sldLayoutIdLst>
-    <p:sldLayoutId id="2147483841" r:id="rId1"/>
-    <p:sldLayoutId id="2147483842" r:id="rId2"/>
-    <p:sldLayoutId id="2147483843" r:id="rId3"/>
-    <p:sldLayoutId id="2147483844" r:id="rId4"/>
-    <p:sldLayoutId id="2147483845" r:id="rId5"/>
-    <p:sldLayoutId id="2147483846" r:id="rId6"/>
-    <p:sldLayoutId id="2147483847" r:id="rId7"/>
-    <p:sldLayoutId id="2147483848" r:id="rId8"/>
-    <p:sldLayoutId id="2147483849" r:id="rId9"/>
-    <p:sldLayoutId id="2147483850" r:id="rId10"/>
-    <p:sldLayoutId id="2147483851" r:id="rId11"/>
+    <p:sldLayoutId id="2147483649" r:id="rId1"/>
+    <p:sldLayoutId id="2147483650" r:id="rId2"/>
+    <p:sldLayoutId id="2147483651" r:id="rId3"/>
+    <p:sldLayoutId id="2147483652" r:id="rId4"/>
+    <p:sldLayoutId id="2147483653" r:id="rId5"/>
+    <p:sldLayoutId id="2147483654" r:id="rId6"/>
+    <p:sldLayoutId id="2147483655" r:id="rId7"/>
+    <p:sldLayoutId id="2147483656" r:id="rId8"/>
+    <p:sldLayoutId id="2147483657" r:id="rId9"/>
+    <p:sldLayoutId id="2147483658" r:id="rId10"/>
+    <p:sldLayoutId id="2147483659" r:id="rId11"/>
   </p:sldLayoutIdLst>
   <p:txStyles>
     <p:titleStyle>
@@ -5750,7 +5625,7 @@
         <a:spcBef>
           <a:spcPts val="1000"/>
         </a:spcBef>
-        <a:buFont typeface="Wingdings 2" pitchFamily="18" charset="2"/>
+        <a:buFont typeface="Wingdings 2" panose="05020102010507070707" pitchFamily="18" charset="2"/>
         <a:buChar char=""/>
         <a:defRPr sz="2800" kern="1200">
           <a:solidFill>
@@ -5768,7 +5643,7 @@
         <a:spcBef>
           <a:spcPts val="500"/>
         </a:spcBef>
-        <a:buFont typeface="Wingdings 2" pitchFamily="18" charset="2"/>
+        <a:buFont typeface="Wingdings 2" panose="05020102010507070707" pitchFamily="18" charset="2"/>
         <a:buChar char=""/>
         <a:defRPr sz="2400" kern="1200">
           <a:solidFill>
@@ -5786,7 +5661,7 @@
         <a:spcBef>
           <a:spcPts val="500"/>
         </a:spcBef>
-        <a:buFont typeface="Wingdings 2" pitchFamily="18" charset="2"/>
+        <a:buFont typeface="Wingdings 2" panose="05020102010507070707" pitchFamily="18" charset="2"/>
         <a:buChar char=""/>
         <a:defRPr sz="2000" kern="1200">
           <a:solidFill>
@@ -5804,7 +5679,7 @@
         <a:spcBef>
           <a:spcPts val="500"/>
         </a:spcBef>
-        <a:buFont typeface="Wingdings 2" pitchFamily="18" charset="2"/>
+        <a:buFont typeface="Wingdings 2" panose="05020102010507070707" pitchFamily="18" charset="2"/>
         <a:buChar char=""/>
         <a:defRPr sz="1800" kern="1200">
           <a:solidFill>
@@ -5822,7 +5697,7 @@
         <a:spcBef>
           <a:spcPts val="500"/>
         </a:spcBef>
-        <a:buFont typeface="Wingdings 2" pitchFamily="18" charset="2"/>
+        <a:buFont typeface="Wingdings 2" panose="05020102010507070707" pitchFamily="18" charset="2"/>
         <a:buChar char=""/>
         <a:defRPr sz="1800" kern="1200">
           <a:solidFill>
@@ -5837,7 +5712,7 @@
         <a:spcBef>
           <a:spcPct val="20000"/>
         </a:spcBef>
-        <a:buFont typeface="Wingdings 2" pitchFamily="18" charset="2"/>
+        <a:buFont typeface="Wingdings 2" panose="05020102010507070707" pitchFamily="18" charset="2"/>
         <a:buChar char=""/>
         <a:defRPr sz="1800" kern="1200">
           <a:solidFill>
@@ -5852,7 +5727,7 @@
         <a:spcBef>
           <a:spcPct val="20000"/>
         </a:spcBef>
-        <a:buFont typeface="Wingdings 2" pitchFamily="18" charset="2"/>
+        <a:buFont typeface="Wingdings 2" panose="05020102010507070707" pitchFamily="18" charset="2"/>
         <a:buChar char=""/>
         <a:defRPr sz="1800" kern="1200">
           <a:solidFill>
@@ -5867,7 +5742,7 @@
         <a:spcBef>
           <a:spcPct val="20000"/>
         </a:spcBef>
-        <a:buFont typeface="Wingdings 2" pitchFamily="18" charset="2"/>
+        <a:buFont typeface="Wingdings 2" panose="05020102010507070707" pitchFamily="18" charset="2"/>
         <a:buChar char=""/>
         <a:defRPr sz="1800" kern="1200">
           <a:solidFill>
@@ -5882,7 +5757,7 @@
         <a:spcBef>
           <a:spcPct val="20000"/>
         </a:spcBef>
-        <a:buFont typeface="Wingdings 2" pitchFamily="18" charset="2"/>
+        <a:buFont typeface="Wingdings 2" panose="05020102010507070707" pitchFamily="18" charset="2"/>
         <a:buChar char=""/>
         <a:defRPr sz="1800" kern="1200">
           <a:solidFill>
@@ -5990,11 +5865,6 @@
       </a:lvl9pPr>
     </p:otherStyle>
   </p:txStyles>
-  <p:extLst>
-    <p:ext uri="{27BBF7A9-308A-43DC-89C8-2F10F3537804}">
-      <p15:sldGuideLst xmlns:p15="http://schemas.microsoft.com/office/powerpoint/2012/main"/>
-    </p:ext>
-  </p:extLst>
 </p:sldMaster>
 </file>
 
@@ -6078,7 +5948,7 @@
           <p:nvPr/>
         </p:nvPicPr>
         <p:blipFill rotWithShape="1">
-          <a:blip r:embed="rId13">
+          <a:blip r:embed="rId12">
             <a:extLst>
               <a:ext uri="{28A0092B-C50C-407E-A947-70E740481C1C}">
                 <a14:useLocalDpi xmlns:a14="http://schemas.microsoft.com/office/drawing/2010/main" val="0"/>
@@ -6086,7 +5956,9 @@
             </a:extLst>
           </a:blip>
           <a:srcRect t="1538" b="-1538"/>
-          <a:stretch/>
+          <a:stretch>
+            <a:fillRect/>
+          </a:stretch>
         </p:blipFill>
         <p:spPr bwMode="black">
           <a:xfrm>
@@ -6161,6 +6033,7 @@
               <a:rPr lang="en-US" dirty="0"/>
               <a:t>Edit Master text styles</a:t>
             </a:r>
+            <a:endParaRPr lang="en-US" dirty="0"/>
           </a:p>
           <a:p>
             <a:pPr lvl="1"/>
@@ -6168,6 +6041,7 @@
               <a:rPr lang="en-US" dirty="0"/>
               <a:t>Second level</a:t>
             </a:r>
+            <a:endParaRPr lang="en-US" dirty="0"/>
           </a:p>
           <a:p>
             <a:pPr lvl="2"/>
@@ -6175,6 +6049,7 @@
               <a:rPr lang="en-US" dirty="0"/>
               <a:t>Third level</a:t>
             </a:r>
+            <a:endParaRPr lang="en-US" dirty="0"/>
           </a:p>
           <a:p>
             <a:pPr lvl="3"/>
@@ -6182,6 +6057,7 @@
               <a:rPr lang="en-US" dirty="0"/>
               <a:t>Fourth level</a:t>
             </a:r>
+            <a:endParaRPr lang="en-US" dirty="0"/>
           </a:p>
           <a:p>
             <a:pPr lvl="4"/>
@@ -6189,6 +6065,7 @@
               <a:rPr lang="en-US" dirty="0"/>
               <a:t>Fifth level</a:t>
             </a:r>
+            <a:endParaRPr lang="en-US" dirty="0"/>
           </a:p>
         </p:txBody>
       </p:sp>
@@ -6227,7 +6104,6 @@
           <a:p>
             <a:fld id="{2858BA8F-555C-419C-A9C0-2C2309CFF272}" type="datetimeFigureOut">
               <a:rPr lang="zh-CN" altLang="en-US" smtClean="0"/>
-              <a:t>2018/6/28</a:t>
             </a:fld>
             <a:endParaRPr lang="zh-CN" altLang="en-US"/>
           </a:p>
@@ -6303,7 +6179,6 @@
           <a:p>
             <a:fld id="{2E5E38D8-10EC-484B-86A2-4E8D68055A5A}" type="slidenum">
               <a:rPr lang="zh-CN" altLang="en-US" smtClean="0"/>
-              <a:t>‹#›</a:t>
             </a:fld>
             <a:endParaRPr lang="zh-CN" altLang="en-US"/>
           </a:p>
@@ -6347,25 +6222,20 @@
         </p:style>
       </p:cxnSp>
     </p:spTree>
-    <p:extLst>
-      <p:ext uri="{BB962C8B-B14F-4D97-AF65-F5344CB8AC3E}">
-        <p14:creationId xmlns:p14="http://schemas.microsoft.com/office/powerpoint/2010/main" val="3795507202"/>
-      </p:ext>
-    </p:extLst>
   </p:cSld>
   <p:clrMap bg1="lt1" tx1="dk1" bg2="lt2" tx2="dk2" accent1="accent1" accent2="accent2" accent3="accent3" accent4="accent4" accent5="accent5" accent6="accent6" hlink="hlink" folHlink="folHlink"/>
   <p:sldLayoutIdLst>
-    <p:sldLayoutId id="2147483997" r:id="rId1"/>
-    <p:sldLayoutId id="2147483998" r:id="rId2"/>
-    <p:sldLayoutId id="2147483999" r:id="rId3"/>
-    <p:sldLayoutId id="2147484000" r:id="rId4"/>
-    <p:sldLayoutId id="2147484001" r:id="rId5"/>
-    <p:sldLayoutId id="2147484002" r:id="rId6"/>
-    <p:sldLayoutId id="2147484003" r:id="rId7"/>
-    <p:sldLayoutId id="2147484004" r:id="rId8"/>
-    <p:sldLayoutId id="2147484005" r:id="rId9"/>
-    <p:sldLayoutId id="2147484006" r:id="rId10"/>
-    <p:sldLayoutId id="2147484007" r:id="rId11"/>
+    <p:sldLayoutId id="2147483661" r:id="rId1"/>
+    <p:sldLayoutId id="2147483662" r:id="rId2"/>
+    <p:sldLayoutId id="2147483663" r:id="rId3"/>
+    <p:sldLayoutId id="2147483664" r:id="rId4"/>
+    <p:sldLayoutId id="2147483665" r:id="rId5"/>
+    <p:sldLayoutId id="2147483666" r:id="rId6"/>
+    <p:sldLayoutId id="2147483667" r:id="rId7"/>
+    <p:sldLayoutId id="2147483668" r:id="rId8"/>
+    <p:sldLayoutId id="2147483669" r:id="rId9"/>
+    <p:sldLayoutId id="2147483670" r:id="rId10"/>
+    <p:sldLayoutId id="2147483671" r:id="rId11"/>
   </p:sldLayoutIdLst>
   <p:txStyles>
     <p:titleStyle>
@@ -6693,11 +6563,6 @@
       </a:lvl9pPr>
     </p:otherStyle>
   </p:txStyles>
-  <p:extLst>
-    <p:ext uri="{27BBF7A9-308A-43DC-89C8-2F10F3537804}">
-      <p15:sldGuideLst xmlns:p15="http://schemas.microsoft.com/office/powerpoint/2012/main"/>
-    </p:ext>
-  </p:extLst>
 </p:sldMaster>
 </file>
 
@@ -6799,13 +6664,6 @@
               </a:rPr>
               <a:t>		2016013275</a:t>
             </a:r>
-            <a:r>
-              <a:rPr lang="en-US" altLang="zh-CN" sz="2000" dirty="0">
-                <a:latin typeface="华文中宋" panose="02010600040101010101" pitchFamily="2" charset="-122"/>
-                <a:ea typeface="华文中宋" panose="02010600040101010101" pitchFamily="2" charset="-122"/>
-              </a:rPr>
-              <a:t/>
-            </a:r>
             <a:br>
               <a:rPr lang="en-US" altLang="zh-CN" sz="2000" dirty="0">
                 <a:latin typeface="华文中宋" panose="02010600040101010101" pitchFamily="2" charset="-122"/>
@@ -6833,13 +6691,6 @@
               </a:rPr>
               <a:t>		2016013223</a:t>
             </a:r>
-            <a:r>
-              <a:rPr lang="en-US" altLang="zh-CN" sz="2000" dirty="0">
-                <a:latin typeface="华文中宋" panose="02010600040101010101" pitchFamily="2" charset="-122"/>
-                <a:ea typeface="华文中宋" panose="02010600040101010101" pitchFamily="2" charset="-122"/>
-              </a:rPr>
-              <a:t/>
-            </a:r>
             <a:br>
               <a:rPr lang="en-US" altLang="zh-CN" sz="2000" dirty="0">
                 <a:latin typeface="华文中宋" panose="02010600040101010101" pitchFamily="2" charset="-122"/>
@@ -6866,13 +6717,6 @@
                 <a:ea typeface="华文中宋" panose="02010600040101010101" pitchFamily="2" charset="-122"/>
               </a:rPr>
               <a:t>	2016080045</a:t>
-            </a:r>
-            <a:r>
-              <a:rPr lang="en-US" altLang="zh-CN" sz="2000" dirty="0">
-                <a:latin typeface="华文中宋" panose="02010600040101010101" pitchFamily="2" charset="-122"/>
-                <a:ea typeface="华文中宋" panose="02010600040101010101" pitchFamily="2" charset="-122"/>
-              </a:rPr>
-              <a:t/>
             </a:r>
             <a:br>
               <a:rPr lang="en-US" altLang="zh-CN" sz="2000" dirty="0">
@@ -6909,11 +6753,6 @@
         </p:txBody>
       </p:sp>
     </p:spTree>
-    <p:extLst>
-      <p:ext uri="{BB962C8B-B14F-4D97-AF65-F5344CB8AC3E}">
-        <p14:creationId xmlns:p14="http://schemas.microsoft.com/office/powerpoint/2010/main" val="1312852084"/>
-      </p:ext>
-    </p:extLst>
   </p:cSld>
   <p:clrMapOvr>
     <a:masterClrMapping/>
@@ -6940,6 +6779,352 @@
         <p:cNvGrpSpPr/>
         <p:nvPr/>
       </p:nvGrpSpPr>
+      <p:grpSpPr/>
+      <p:sp>
+        <p:nvSpPr>
+          <p:cNvPr id="2" name="标题 1"/>
+          <p:cNvSpPr>
+            <a:spLocks noGrp="1"/>
+          </p:cNvSpPr>
+          <p:nvPr>
+            <p:ph type="title"/>
+          </p:nvPr>
+        </p:nvSpPr>
+        <p:spPr/>
+        <p:txBody>
+          <a:bodyPr/>
+          <a:p>
+            <a:r>
+              <a:rPr lang="zh-CN" altLang="en-US" sz="4800">
+                <a:latin typeface="华文中宋" panose="02010600040101010101" pitchFamily="2" charset="-122"/>
+                <a:ea typeface="华文中宋" panose="02010600040101010101" pitchFamily="2" charset="-122"/>
+              </a:rPr>
+              <a:t>文件管理：文件的复制</a:t>
+            </a:r>
+            <a:endParaRPr lang="zh-CN" altLang="en-US" sz="4800">
+              <a:latin typeface="华文中宋" panose="02010600040101010101" pitchFamily="2" charset="-122"/>
+              <a:ea typeface="华文中宋" panose="02010600040101010101" pitchFamily="2" charset="-122"/>
+            </a:endParaRPr>
+          </a:p>
+        </p:txBody>
+      </p:sp>
+      <p:sp>
+        <p:nvSpPr>
+          <p:cNvPr id="3" name="内容占位符 2"/>
+          <p:cNvSpPr>
+            <a:spLocks noGrp="1"/>
+          </p:cNvSpPr>
+          <p:nvPr>
+            <p:ph idx="1"/>
+          </p:nvPr>
+        </p:nvSpPr>
+        <p:spPr/>
+        <p:txBody>
+          <a:bodyPr/>
+          <a:p>
+            <a:r>
+              <a:rPr lang="zh-CN" altLang="en-US" sz="3600">
+                <a:latin typeface="华文中宋" panose="02010600040101010101" pitchFamily="2" charset="-122"/>
+                <a:ea typeface="华文中宋" panose="02010600040101010101" pitchFamily="2" charset="-122"/>
+              </a:rPr>
+              <a:t>使用方法：</a:t>
+            </a:r>
+            <a:r>
+              <a:rPr lang="en-US" altLang="zh-CN" sz="3600">
+                <a:latin typeface="华文中宋" panose="02010600040101010101" pitchFamily="2" charset="-122"/>
+                <a:ea typeface="华文中宋" panose="02010600040101010101" pitchFamily="2" charset="-122"/>
+              </a:rPr>
+              <a:t>cp file1/document</a:t>
+            </a:r>
+            <a:r>
+              <a:rPr lang="en-US" altLang="zh-CN" sz="3600">
+                <a:latin typeface="华文中宋" panose="02010600040101010101" pitchFamily="2" charset="-122"/>
+                <a:ea typeface="华文中宋" panose="02010600040101010101" pitchFamily="2" charset="-122"/>
+              </a:rPr>
+              <a:t> file2</a:t>
+            </a:r>
+            <a:endParaRPr lang="zh-CN" altLang="en-US" sz="3600">
+              <a:latin typeface="华文中宋" panose="02010600040101010101" pitchFamily="2" charset="-122"/>
+              <a:ea typeface="华文中宋" panose="02010600040101010101" pitchFamily="2" charset="-122"/>
+            </a:endParaRPr>
+          </a:p>
+        </p:txBody>
+      </p:sp>
+      <p:pic>
+        <p:nvPicPr>
+          <p:cNvPr id="5" name="图片 4" descr="cp2"/>
+          <p:cNvPicPr>
+            <a:picLocks noChangeAspect="1"/>
+          </p:cNvPicPr>
+          <p:nvPr/>
+        </p:nvPicPr>
+        <p:blipFill>
+          <a:blip r:embed="rId1"/>
+          <a:stretch>
+            <a:fillRect/>
+          </a:stretch>
+        </p:blipFill>
+        <p:spPr>
+          <a:xfrm>
+            <a:off x="2722880" y="3838575"/>
+            <a:ext cx="6329680" cy="1510030"/>
+          </a:xfrm>
+          <a:prstGeom prst="rect">
+            <a:avLst/>
+          </a:prstGeom>
+        </p:spPr>
+      </p:pic>
+    </p:spTree>
+  </p:cSld>
+  <p:clrMapOvr>
+    <a:masterClrMapping/>
+  </p:clrMapOvr>
+</p:sld>
+</file>
+
+<file path=ppt/slides/slide11.xml><?xml version="1.0" encoding="utf-8"?>
+<p:sld xmlns:a="http://schemas.openxmlformats.org/drawingml/2006/main" xmlns:r="http://schemas.openxmlformats.org/officeDocument/2006/relationships" xmlns:p="http://schemas.openxmlformats.org/presentationml/2006/main">
+  <p:cSld>
+    <p:spTree>
+      <p:nvGrpSpPr>
+        <p:cNvPr id="1" name=""/>
+        <p:cNvGrpSpPr/>
+        <p:nvPr/>
+      </p:nvGrpSpPr>
+      <p:grpSpPr/>
+      <p:sp>
+        <p:nvSpPr>
+          <p:cNvPr id="2" name="标题 1"/>
+          <p:cNvSpPr>
+            <a:spLocks noGrp="1"/>
+          </p:cNvSpPr>
+          <p:nvPr>
+            <p:ph type="title"/>
+          </p:nvPr>
+        </p:nvSpPr>
+        <p:spPr/>
+        <p:txBody>
+          <a:bodyPr/>
+          <a:p>
+            <a:r>
+              <a:rPr lang="zh-CN" altLang="en-US" sz="4800">
+                <a:latin typeface="华文中宋" panose="02010600040101010101" pitchFamily="2" charset="-122"/>
+                <a:ea typeface="华文中宋" panose="02010600040101010101" pitchFamily="2" charset="-122"/>
+                <a:sym typeface="+mn-ea"/>
+              </a:rPr>
+              <a:t>文件管理：文件的移动</a:t>
+            </a:r>
+            <a:endParaRPr lang="zh-CN" altLang="en-US" sz="4800">
+              <a:latin typeface="华文中宋" panose="02010600040101010101" pitchFamily="2" charset="-122"/>
+              <a:ea typeface="华文中宋" panose="02010600040101010101" pitchFamily="2" charset="-122"/>
+              <a:sym typeface="+mn-ea"/>
+            </a:endParaRPr>
+          </a:p>
+        </p:txBody>
+      </p:sp>
+      <p:sp>
+        <p:nvSpPr>
+          <p:cNvPr id="3" name="内容占位符 2"/>
+          <p:cNvSpPr>
+            <a:spLocks noGrp="1"/>
+          </p:cNvSpPr>
+          <p:nvPr>
+            <p:ph idx="1"/>
+          </p:nvPr>
+        </p:nvSpPr>
+        <p:spPr/>
+        <p:txBody>
+          <a:bodyPr/>
+          <a:p>
+            <a:r>
+              <a:rPr lang="zh-CN" altLang="en-US" sz="3600">
+                <a:latin typeface="华文中宋" panose="02010600040101010101" pitchFamily="2" charset="-122"/>
+                <a:ea typeface="华文中宋" panose="02010600040101010101" pitchFamily="2" charset="-122"/>
+                <a:sym typeface="+mn-ea"/>
+              </a:rPr>
+              <a:t>使用方法：</a:t>
+            </a:r>
+            <a:r>
+              <a:rPr lang="en-US" altLang="zh-CN" sz="3600">
+                <a:latin typeface="华文中宋" panose="02010600040101010101" pitchFamily="2" charset="-122"/>
+                <a:ea typeface="华文中宋" panose="02010600040101010101" pitchFamily="2" charset="-122"/>
+                <a:sym typeface="+mn-ea"/>
+              </a:rPr>
+              <a:t>mv file1 file2</a:t>
+            </a:r>
+            <a:endParaRPr lang="en-US" altLang="zh-CN" sz="3600">
+              <a:latin typeface="华文中宋" panose="02010600040101010101" pitchFamily="2" charset="-122"/>
+              <a:ea typeface="华文中宋" panose="02010600040101010101" pitchFamily="2" charset="-122"/>
+              <a:sym typeface="+mn-ea"/>
+            </a:endParaRPr>
+          </a:p>
+          <a:p>
+            <a:pPr marL="0" indent="0">
+              <a:buNone/>
+            </a:pPr>
+            <a:endParaRPr lang="zh-CN" altLang="en-US" sz="3600">
+              <a:latin typeface="华文中宋" panose="02010600040101010101" pitchFamily="2" charset="-122"/>
+              <a:ea typeface="华文中宋" panose="02010600040101010101" pitchFamily="2" charset="-122"/>
+            </a:endParaRPr>
+          </a:p>
+          <a:p>
+            <a:endParaRPr lang="zh-CN" altLang="en-US" sz="3600"/>
+          </a:p>
+        </p:txBody>
+      </p:sp>
+      <p:pic>
+        <p:nvPicPr>
+          <p:cNvPr id="4" name="图片 3" descr="mv2"/>
+          <p:cNvPicPr>
+            <a:picLocks noChangeAspect="1"/>
+          </p:cNvPicPr>
+          <p:nvPr/>
+        </p:nvPicPr>
+        <p:blipFill>
+          <a:blip r:embed="rId1"/>
+          <a:stretch>
+            <a:fillRect/>
+          </a:stretch>
+        </p:blipFill>
+        <p:spPr>
+          <a:xfrm>
+            <a:off x="2894330" y="3782060"/>
+            <a:ext cx="6255385" cy="1529715"/>
+          </a:xfrm>
+          <a:prstGeom prst="rect">
+            <a:avLst/>
+          </a:prstGeom>
+        </p:spPr>
+      </p:pic>
+    </p:spTree>
+  </p:cSld>
+  <p:clrMapOvr>
+    <a:masterClrMapping/>
+  </p:clrMapOvr>
+</p:sld>
+</file>
+
+<file path=ppt/slides/slide12.xml><?xml version="1.0" encoding="utf-8"?>
+<p:sld xmlns:a="http://schemas.openxmlformats.org/drawingml/2006/main" xmlns:r="http://schemas.openxmlformats.org/officeDocument/2006/relationships" xmlns:p="http://schemas.openxmlformats.org/presentationml/2006/main">
+  <p:cSld>
+    <p:spTree>
+      <p:nvGrpSpPr>
+        <p:cNvPr id="1" name=""/>
+        <p:cNvGrpSpPr/>
+        <p:nvPr/>
+      </p:nvGrpSpPr>
+      <p:grpSpPr/>
+      <p:sp>
+        <p:nvSpPr>
+          <p:cNvPr id="2" name="标题 1"/>
+          <p:cNvSpPr>
+            <a:spLocks noGrp="1"/>
+          </p:cNvSpPr>
+          <p:nvPr>
+            <p:ph type="title"/>
+          </p:nvPr>
+        </p:nvSpPr>
+        <p:spPr/>
+        <p:txBody>
+          <a:bodyPr/>
+          <a:p>
+            <a:r>
+              <a:rPr lang="zh-CN" altLang="en-US" sz="4800">
+                <a:latin typeface="华文中宋" panose="02010600040101010101" pitchFamily="2" charset="-122"/>
+                <a:ea typeface="华文中宋" panose="02010600040101010101" pitchFamily="2" charset="-122"/>
+                <a:sym typeface="+mn-ea"/>
+              </a:rPr>
+              <a:t>文件管理：文件的搜索</a:t>
+            </a:r>
+            <a:endParaRPr lang="zh-CN" altLang="en-US" sz="4800">
+              <a:latin typeface="华文中宋" panose="02010600040101010101" pitchFamily="2" charset="-122"/>
+              <a:ea typeface="华文中宋" panose="02010600040101010101" pitchFamily="2" charset="-122"/>
+              <a:sym typeface="+mn-ea"/>
+            </a:endParaRPr>
+          </a:p>
+        </p:txBody>
+      </p:sp>
+      <p:sp>
+        <p:nvSpPr>
+          <p:cNvPr id="3" name="内容占位符 2"/>
+          <p:cNvSpPr>
+            <a:spLocks noGrp="1"/>
+          </p:cNvSpPr>
+          <p:nvPr>
+            <p:ph idx="1"/>
+          </p:nvPr>
+        </p:nvSpPr>
+        <p:spPr/>
+        <p:txBody>
+          <a:bodyPr/>
+          <a:p>
+            <a:r>
+              <a:rPr lang="zh-CN" altLang="en-US" sz="3600">
+                <a:latin typeface="华文中宋" panose="02010600040101010101" pitchFamily="2" charset="-122"/>
+                <a:ea typeface="华文中宋" panose="02010600040101010101" pitchFamily="2" charset="-122"/>
+                <a:sym typeface="+mn-ea"/>
+              </a:rPr>
+              <a:t>使用方法：</a:t>
+            </a:r>
+            <a:r>
+              <a:rPr lang="en-US" altLang="zh-CN" sz="3600">
+                <a:latin typeface="华文中宋" panose="02010600040101010101" pitchFamily="2" charset="-122"/>
+                <a:ea typeface="华文中宋" panose="02010600040101010101" pitchFamily="2" charset="-122"/>
+                <a:sym typeface="+mn-ea"/>
+              </a:rPr>
+              <a:t>find file</a:t>
+            </a:r>
+            <a:endParaRPr lang="zh-CN" altLang="en-US">
+              <a:latin typeface="华文中宋" panose="02010600040101010101" pitchFamily="2" charset="-122"/>
+              <a:ea typeface="华文中宋" panose="02010600040101010101" pitchFamily="2" charset="-122"/>
+            </a:endParaRPr>
+          </a:p>
+          <a:p>
+            <a:endParaRPr lang="zh-CN" altLang="en-US"/>
+          </a:p>
+        </p:txBody>
+      </p:sp>
+      <p:pic>
+        <p:nvPicPr>
+          <p:cNvPr id="4" name="图片 3" descr="find2"/>
+          <p:cNvPicPr>
+            <a:picLocks noChangeAspect="1"/>
+          </p:cNvPicPr>
+          <p:nvPr/>
+        </p:nvPicPr>
+        <p:blipFill>
+          <a:blip r:embed="rId1"/>
+          <a:stretch>
+            <a:fillRect/>
+          </a:stretch>
+        </p:blipFill>
+        <p:spPr>
+          <a:xfrm>
+            <a:off x="2951480" y="3789045"/>
+            <a:ext cx="5361940" cy="1617980"/>
+          </a:xfrm>
+          <a:prstGeom prst="rect">
+            <a:avLst/>
+          </a:prstGeom>
+        </p:spPr>
+      </p:pic>
+    </p:spTree>
+  </p:cSld>
+  <p:clrMapOvr>
+    <a:masterClrMapping/>
+  </p:clrMapOvr>
+</p:sld>
+</file>
+
+<file path=ppt/slides/slide13.xml><?xml version="1.0" encoding="utf-8"?>
+<p:sld xmlns:a="http://schemas.openxmlformats.org/drawingml/2006/main" xmlns:r="http://schemas.openxmlformats.org/officeDocument/2006/relationships" xmlns:p="http://schemas.openxmlformats.org/presentationml/2006/main">
+  <p:cSld>
+    <p:spTree>
+      <p:nvGrpSpPr>
+        <p:cNvPr id="1" name=""/>
+        <p:cNvGrpSpPr/>
+        <p:nvPr/>
+      </p:nvGrpSpPr>
       <p:grpSpPr>
         <a:xfrm>
           <a:off x="0" y="0"/>
@@ -7054,7 +7239,7 @@
           <p:nvPr/>
         </p:nvPicPr>
         <p:blipFill>
-          <a:blip r:embed="rId2"/>
+          <a:blip r:embed="rId1"/>
           <a:stretch>
             <a:fillRect/>
           </a:stretch>
@@ -7073,6 +7258,8 @@
             </a:solidFill>
             <a:prstDash val="solid"/>
             <a:miter lim="800000"/>
+            <a:headEnd/>
+            <a:tailEnd/>
           </a:ln>
           <a:effectLst>
             <a:outerShdw blurRad="50800" dist="38100" dir="2700000" algn="tl" rotWithShape="0">
@@ -7092,7 +7279,7 @@
           <p:nvPr/>
         </p:nvPicPr>
         <p:blipFill>
-          <a:blip r:embed="rId3"/>
+          <a:blip r:embed="rId2"/>
           <a:stretch>
             <a:fillRect/>
           </a:stretch>
@@ -7111,6 +7298,8 @@
             </a:solidFill>
             <a:prstDash val="solid"/>
             <a:miter lim="800000"/>
+            <a:headEnd/>
+            <a:tailEnd/>
           </a:ln>
           <a:effectLst>
             <a:outerShdw blurRad="50800" dist="38100" dir="2700000" algn="tl" rotWithShape="0">
@@ -7122,11 +7311,6 @@
         </p:spPr>
       </p:pic>
     </p:spTree>
-    <p:extLst>
-      <p:ext uri="{BB962C8B-B14F-4D97-AF65-F5344CB8AC3E}">
-        <p14:creationId xmlns:p14="http://schemas.microsoft.com/office/powerpoint/2010/main" val="425780069"/>
-      </p:ext>
-    </p:extLst>
   </p:cSld>
   <p:clrMapOvr>
     <a:masterClrMapping/>
@@ -7239,590 +7423,6 @@
 </p:sld>
 </file>
 
-<file path=ppt/slides/slide11.xml><?xml version="1.0" encoding="utf-8"?>
-<p:sld xmlns:a="http://schemas.openxmlformats.org/drawingml/2006/main" xmlns:r="http://schemas.openxmlformats.org/officeDocument/2006/relationships" xmlns:p="http://schemas.openxmlformats.org/presentationml/2006/main">
-  <p:cSld>
-    <p:spTree>
-      <p:nvGrpSpPr>
-        <p:cNvPr id="1" name=""/>
-        <p:cNvGrpSpPr/>
-        <p:nvPr/>
-      </p:nvGrpSpPr>
-      <p:grpSpPr>
-        <a:xfrm>
-          <a:off x="0" y="0"/>
-          <a:ext cx="0" cy="0"/>
-          <a:chOff x="0" y="0"/>
-          <a:chExt cx="0" cy="0"/>
-        </a:xfrm>
-      </p:grpSpPr>
-      <p:sp>
-        <p:nvSpPr>
-          <p:cNvPr id="2" name="标题 1"/>
-          <p:cNvSpPr>
-            <a:spLocks noGrp="1"/>
-          </p:cNvSpPr>
-          <p:nvPr>
-            <p:ph type="title"/>
-          </p:nvPr>
-        </p:nvSpPr>
-        <p:spPr/>
-        <p:txBody>
-          <a:bodyPr>
-            <a:normAutofit/>
-          </a:bodyPr>
-          <a:lstStyle/>
-          <a:p>
-            <a:r>
-              <a:rPr lang="zh-CN" altLang="en-US" sz="4800" dirty="0" smtClean="0">
-                <a:latin typeface="华文中宋" panose="02010600040101010101" pitchFamily="2" charset="-122"/>
-                <a:ea typeface="华文中宋" panose="02010600040101010101" pitchFamily="2" charset="-122"/>
-              </a:rPr>
-              <a:t>文档编辑</a:t>
-            </a:r>
-            <a:endParaRPr lang="zh-CN" altLang="en-US" sz="4800" dirty="0">
-              <a:latin typeface="华文中宋" panose="02010600040101010101" pitchFamily="2" charset="-122"/>
-              <a:ea typeface="华文中宋" panose="02010600040101010101" pitchFamily="2" charset="-122"/>
-            </a:endParaRPr>
-          </a:p>
-        </p:txBody>
-      </p:sp>
-      <p:sp>
-        <p:nvSpPr>
-          <p:cNvPr id="3" name="内容占位符 2"/>
-          <p:cNvSpPr>
-            <a:spLocks noGrp="1"/>
-          </p:cNvSpPr>
-          <p:nvPr>
-            <p:ph idx="1"/>
-          </p:nvPr>
-        </p:nvSpPr>
-        <p:spPr/>
-        <p:txBody>
-          <a:bodyPr>
-            <a:normAutofit/>
-          </a:bodyPr>
-          <a:lstStyle/>
-          <a:p>
-            <a:pPr marL="457200" indent="-457200">
-              <a:buFont typeface="+mj-lt"/>
-              <a:buAutoNum type="arabicPeriod"/>
-            </a:pPr>
-            <a:r>
-              <a:rPr lang="zh-CN" altLang="en-US" sz="3600" dirty="0" smtClean="0">
-                <a:latin typeface="华文中宋" panose="02010600040101010101" pitchFamily="2" charset="-122"/>
-                <a:ea typeface="华文中宋" panose="02010600040101010101" pitchFamily="2" charset="-122"/>
-              </a:rPr>
-              <a:t>读取、创建文件</a:t>
-            </a:r>
-            <a:endParaRPr lang="en-US" altLang="zh-CN" sz="3600" dirty="0" smtClean="0">
-              <a:latin typeface="华文中宋" panose="02010600040101010101" pitchFamily="2" charset="-122"/>
-              <a:ea typeface="华文中宋" panose="02010600040101010101" pitchFamily="2" charset="-122"/>
-            </a:endParaRPr>
-          </a:p>
-          <a:p>
-            <a:pPr marL="457200" indent="-457200">
-              <a:buFont typeface="+mj-lt"/>
-              <a:buAutoNum type="arabicPeriod"/>
-            </a:pPr>
-            <a:r>
-              <a:rPr lang="zh-CN" altLang="en-US" sz="3600" dirty="0" smtClean="0">
-                <a:latin typeface="华文中宋" panose="02010600040101010101" pitchFamily="2" charset="-122"/>
-                <a:ea typeface="华文中宋" panose="02010600040101010101" pitchFamily="2" charset="-122"/>
-              </a:rPr>
-              <a:t>命令</a:t>
-            </a:r>
-            <a:r>
-              <a:rPr lang="zh-CN" altLang="en-US" sz="3600" dirty="0">
-                <a:latin typeface="华文中宋" panose="02010600040101010101" pitchFamily="2" charset="-122"/>
-                <a:ea typeface="华文中宋" panose="02010600040101010101" pitchFamily="2" charset="-122"/>
-              </a:rPr>
-              <a:t>、输入</a:t>
-            </a:r>
-            <a:r>
-              <a:rPr lang="zh-CN" altLang="en-US" sz="3600" dirty="0" smtClean="0">
-                <a:latin typeface="华文中宋" panose="02010600040101010101" pitchFamily="2" charset="-122"/>
-                <a:ea typeface="华文中宋" panose="02010600040101010101" pitchFamily="2" charset="-122"/>
-              </a:rPr>
-              <a:t>模式</a:t>
-            </a:r>
-            <a:endParaRPr lang="en-US" altLang="zh-CN" sz="3600" dirty="0" smtClean="0">
-              <a:latin typeface="华文中宋" panose="02010600040101010101" pitchFamily="2" charset="-122"/>
-              <a:ea typeface="华文中宋" panose="02010600040101010101" pitchFamily="2" charset="-122"/>
-            </a:endParaRPr>
-          </a:p>
-          <a:p>
-            <a:pPr marL="457200" indent="-457200">
-              <a:buFont typeface="+mj-lt"/>
-              <a:buAutoNum type="arabicPeriod"/>
-            </a:pPr>
-            <a:r>
-              <a:rPr lang="zh-CN" altLang="en-US" sz="3600" dirty="0">
-                <a:latin typeface="华文中宋" panose="02010600040101010101" pitchFamily="2" charset="-122"/>
-                <a:ea typeface="华文中宋" panose="02010600040101010101" pitchFamily="2" charset="-122"/>
-              </a:rPr>
-              <a:t>任意位置插入删除</a:t>
-            </a:r>
-            <a:endParaRPr lang="en-US" altLang="zh-CN" sz="3600" dirty="0" smtClean="0">
-              <a:latin typeface="华文中宋" panose="02010600040101010101" pitchFamily="2" charset="-122"/>
-              <a:ea typeface="华文中宋" panose="02010600040101010101" pitchFamily="2" charset="-122"/>
-            </a:endParaRPr>
-          </a:p>
-          <a:p>
-            <a:pPr marL="457200" indent="-457200">
-              <a:buFont typeface="+mj-lt"/>
-              <a:buAutoNum type="arabicPeriod"/>
-            </a:pPr>
-            <a:r>
-              <a:rPr lang="zh-CN" altLang="en-US" sz="3600" dirty="0">
-                <a:latin typeface="华文中宋" panose="02010600040101010101" pitchFamily="2" charset="-122"/>
-                <a:ea typeface="华文中宋" panose="02010600040101010101" pitchFamily="2" charset="-122"/>
-              </a:rPr>
-              <a:t>其他</a:t>
-            </a:r>
-            <a:endParaRPr lang="zh-CN" altLang="en-US" sz="3600" dirty="0">
-              <a:latin typeface="华文中宋" panose="02010600040101010101" pitchFamily="2" charset="-122"/>
-              <a:ea typeface="华文中宋" panose="02010600040101010101" pitchFamily="2" charset="-122"/>
-            </a:endParaRPr>
-          </a:p>
-        </p:txBody>
-      </p:sp>
-    </p:spTree>
-    <p:extLst>
-      <p:ext uri="{BB962C8B-B14F-4D97-AF65-F5344CB8AC3E}">
-        <p14:creationId xmlns:p14="http://schemas.microsoft.com/office/powerpoint/2010/main" val="1199235527"/>
-      </p:ext>
-    </p:extLst>
-  </p:cSld>
-  <p:clrMapOvr>
-    <a:masterClrMapping/>
-  </p:clrMapOvr>
-  <p:transition spd="slow">
-    <p:wipe/>
-  </p:transition>
-  <p:timing>
-    <p:tnLst>
-      <p:par>
-        <p:cTn id="1" dur="indefinite" restart="never" nodeType="tmRoot"/>
-      </p:par>
-    </p:tnLst>
-  </p:timing>
-</p:sld>
-</file>
-
-<file path=ppt/slides/slide12.xml><?xml version="1.0" encoding="utf-8"?>
-<p:sld xmlns:a="http://schemas.openxmlformats.org/drawingml/2006/main" xmlns:r="http://schemas.openxmlformats.org/officeDocument/2006/relationships" xmlns:p="http://schemas.openxmlformats.org/presentationml/2006/main">
-  <p:cSld>
-    <p:spTree>
-      <p:nvGrpSpPr>
-        <p:cNvPr id="1" name=""/>
-        <p:cNvGrpSpPr/>
-        <p:nvPr/>
-      </p:nvGrpSpPr>
-      <p:grpSpPr>
-        <a:xfrm>
-          <a:off x="0" y="0"/>
-          <a:ext cx="0" cy="0"/>
-          <a:chOff x="0" y="0"/>
-          <a:chExt cx="0" cy="0"/>
-        </a:xfrm>
-      </p:grpSpPr>
-      <p:sp>
-        <p:nvSpPr>
-          <p:cNvPr id="2" name="标题 1"/>
-          <p:cNvSpPr>
-            <a:spLocks noGrp="1"/>
-          </p:cNvSpPr>
-          <p:nvPr>
-            <p:ph type="title"/>
-          </p:nvPr>
-        </p:nvSpPr>
-        <p:spPr/>
-        <p:txBody>
-          <a:bodyPr>
-            <a:normAutofit/>
-          </a:bodyPr>
-          <a:lstStyle/>
-          <a:p>
-            <a:r>
-              <a:rPr lang="zh-CN" altLang="en-US" sz="4800" dirty="0" smtClean="0">
-                <a:latin typeface="华文中宋" panose="02010600040101010101" pitchFamily="2" charset="-122"/>
-                <a:ea typeface="华文中宋" panose="02010600040101010101" pitchFamily="2" charset="-122"/>
-              </a:rPr>
-              <a:t>文档编辑</a:t>
-            </a:r>
-            <a:r>
-              <a:rPr lang="zh-CN" altLang="en-US" sz="4800" dirty="0" smtClean="0">
-                <a:latin typeface="华文中宋" panose="02010600040101010101" pitchFamily="2" charset="-122"/>
-                <a:ea typeface="华文中宋" panose="02010600040101010101" pitchFamily="2" charset="-122"/>
-              </a:rPr>
-              <a:t>：读取、创建文件</a:t>
-            </a:r>
-            <a:endParaRPr lang="zh-CN" altLang="en-US" sz="4800" dirty="0">
-              <a:latin typeface="华文中宋" panose="02010600040101010101" pitchFamily="2" charset="-122"/>
-              <a:ea typeface="华文中宋" panose="02010600040101010101" pitchFamily="2" charset="-122"/>
-            </a:endParaRPr>
-          </a:p>
-        </p:txBody>
-      </p:sp>
-      <p:sp>
-        <p:nvSpPr>
-          <p:cNvPr id="3" name="内容占位符 2"/>
-          <p:cNvSpPr>
-            <a:spLocks noGrp="1"/>
-          </p:cNvSpPr>
-          <p:nvPr>
-            <p:ph idx="1"/>
-          </p:nvPr>
-        </p:nvSpPr>
-        <p:spPr/>
-        <p:txBody>
-          <a:bodyPr>
-            <a:normAutofit/>
-          </a:bodyPr>
-          <a:lstStyle/>
-          <a:p>
-            <a:r>
-              <a:rPr lang="zh-CN" altLang="en-US" sz="3600" dirty="0" smtClean="0">
-                <a:latin typeface="华文中宋" panose="02010600040101010101" pitchFamily="2" charset="-122"/>
-                <a:ea typeface="华文中宋" panose="02010600040101010101" pitchFamily="2" charset="-122"/>
-              </a:rPr>
-              <a:t>使用方法： </a:t>
-            </a:r>
-            <a:r>
-              <a:rPr lang="en-US" altLang="zh-CN" sz="3600" dirty="0" smtClean="0">
-                <a:latin typeface="华文中宋" panose="02010600040101010101" pitchFamily="2" charset="-122"/>
-                <a:ea typeface="华文中宋" panose="02010600040101010101" pitchFamily="2" charset="-122"/>
-              </a:rPr>
-              <a:t>edit filename</a:t>
-            </a:r>
-            <a:endParaRPr lang="en-US" altLang="zh-CN" sz="2400" dirty="0">
-              <a:latin typeface="华文中宋" panose="02010600040101010101" pitchFamily="2" charset="-122"/>
-              <a:ea typeface="华文中宋" panose="02010600040101010101" pitchFamily="2" charset="-122"/>
-            </a:endParaRPr>
-          </a:p>
-          <a:p>
-            <a:r>
-              <a:rPr lang="zh-CN" altLang="en-US" sz="2400" dirty="0" smtClean="0">
-                <a:latin typeface="华文中宋" panose="02010600040101010101" pitchFamily="2" charset="-122"/>
-                <a:ea typeface="华文中宋" panose="02010600040101010101" pitchFamily="2" charset="-122"/>
-              </a:rPr>
-              <a:t>若存在文件则读取文件，否则创建新文件</a:t>
-            </a:r>
-            <a:endParaRPr lang="en-US" altLang="zh-CN" sz="2400" dirty="0" smtClean="0">
-              <a:latin typeface="华文中宋" panose="02010600040101010101" pitchFamily="2" charset="-122"/>
-              <a:ea typeface="华文中宋" panose="02010600040101010101" pitchFamily="2" charset="-122"/>
-            </a:endParaRPr>
-          </a:p>
-          <a:p>
-            <a:endParaRPr lang="en-US" altLang="zh-CN" sz="3600" dirty="0">
-              <a:latin typeface="华文中宋" panose="02010600040101010101" pitchFamily="2" charset="-122"/>
-              <a:ea typeface="华文中宋" panose="02010600040101010101" pitchFamily="2" charset="-122"/>
-            </a:endParaRPr>
-          </a:p>
-          <a:p>
-            <a:endParaRPr lang="en-US" altLang="zh-CN" sz="3600" dirty="0">
-              <a:latin typeface="华文中宋" panose="02010600040101010101" pitchFamily="2" charset="-122"/>
-              <a:ea typeface="华文中宋" panose="02010600040101010101" pitchFamily="2" charset="-122"/>
-            </a:endParaRPr>
-          </a:p>
-        </p:txBody>
-      </p:sp>
-      <p:pic>
-        <p:nvPicPr>
-          <p:cNvPr id="4" name="图片 3"/>
-          <p:cNvPicPr>
-            <a:picLocks noChangeAspect="1"/>
-          </p:cNvPicPr>
-          <p:nvPr/>
-        </p:nvPicPr>
-        <p:blipFill rotWithShape="1">
-          <a:blip r:embed="rId2">
-            <a:extLst>
-              <a:ext uri="{28A0092B-C50C-407E-A947-70E740481C1C}">
-                <a14:useLocalDpi xmlns:a14="http://schemas.microsoft.com/office/drawing/2010/main" val="0"/>
-              </a:ext>
-            </a:extLst>
-          </a:blip>
-          <a:srcRect r="22181"/>
-          <a:stretch/>
-        </p:blipFill>
-        <p:spPr>
-          <a:xfrm>
-            <a:off x="1451580" y="4026570"/>
-            <a:ext cx="5217075" cy="883339"/>
-          </a:xfrm>
-          <a:prstGeom prst="rect">
-            <a:avLst/>
-          </a:prstGeom>
-        </p:spPr>
-      </p:pic>
-      <p:pic>
-        <p:nvPicPr>
-          <p:cNvPr id="7" name="图片 6"/>
-          <p:cNvPicPr>
-            <a:picLocks noChangeAspect="1"/>
-          </p:cNvPicPr>
-          <p:nvPr/>
-        </p:nvPicPr>
-        <p:blipFill>
-          <a:blip r:embed="rId3">
-            <a:extLst>
-              <a:ext uri="{28A0092B-C50C-407E-A947-70E740481C1C}">
-                <a14:useLocalDpi xmlns:a14="http://schemas.microsoft.com/office/drawing/2010/main" val="0"/>
-              </a:ext>
-            </a:extLst>
-          </a:blip>
-          <a:stretch>
-            <a:fillRect/>
-          </a:stretch>
-        </p:blipFill>
-        <p:spPr>
-          <a:xfrm>
-            <a:off x="7341478" y="3608197"/>
-            <a:ext cx="3040553" cy="1720083"/>
-          </a:xfrm>
-          <a:prstGeom prst="rect">
-            <a:avLst/>
-          </a:prstGeom>
-        </p:spPr>
-      </p:pic>
-    </p:spTree>
-    <p:extLst>
-      <p:ext uri="{BB962C8B-B14F-4D97-AF65-F5344CB8AC3E}">
-        <p14:creationId xmlns:p14="http://schemas.microsoft.com/office/powerpoint/2010/main" val="2226541151"/>
-      </p:ext>
-    </p:extLst>
-  </p:cSld>
-  <p:clrMapOvr>
-    <a:masterClrMapping/>
-  </p:clrMapOvr>
-  <p:transition spd="slow">
-    <p:wipe/>
-  </p:transition>
-  <p:timing>
-    <p:tnLst>
-      <p:par>
-        <p:cTn id="1" dur="indefinite" restart="never" nodeType="tmRoot"/>
-      </p:par>
-    </p:tnLst>
-  </p:timing>
-</p:sld>
-</file>
-
-<file path=ppt/slides/slide13.xml><?xml version="1.0" encoding="utf-8"?>
-<p:sld xmlns:a="http://schemas.openxmlformats.org/drawingml/2006/main" xmlns:r="http://schemas.openxmlformats.org/officeDocument/2006/relationships" xmlns:p="http://schemas.openxmlformats.org/presentationml/2006/main">
-  <p:cSld>
-    <p:spTree>
-      <p:nvGrpSpPr>
-        <p:cNvPr id="1" name=""/>
-        <p:cNvGrpSpPr/>
-        <p:nvPr/>
-      </p:nvGrpSpPr>
-      <p:grpSpPr>
-        <a:xfrm>
-          <a:off x="0" y="0"/>
-          <a:ext cx="0" cy="0"/>
-          <a:chOff x="0" y="0"/>
-          <a:chExt cx="0" cy="0"/>
-        </a:xfrm>
-      </p:grpSpPr>
-      <p:sp>
-        <p:nvSpPr>
-          <p:cNvPr id="2" name="标题 1"/>
-          <p:cNvSpPr>
-            <a:spLocks noGrp="1"/>
-          </p:cNvSpPr>
-          <p:nvPr>
-            <p:ph type="title"/>
-          </p:nvPr>
-        </p:nvSpPr>
-        <p:spPr/>
-        <p:txBody>
-          <a:bodyPr>
-            <a:normAutofit/>
-          </a:bodyPr>
-          <a:lstStyle/>
-          <a:p>
-            <a:r>
-              <a:rPr lang="zh-CN" altLang="en-US" sz="4800" dirty="0" smtClean="0">
-                <a:latin typeface="华文中宋" panose="02010600040101010101" pitchFamily="2" charset="-122"/>
-                <a:ea typeface="华文中宋" panose="02010600040101010101" pitchFamily="2" charset="-122"/>
-              </a:rPr>
-              <a:t>文档编辑</a:t>
-            </a:r>
-            <a:r>
-              <a:rPr lang="zh-CN" altLang="en-US" sz="4800" dirty="0" smtClean="0">
-                <a:latin typeface="华文中宋" panose="02010600040101010101" pitchFamily="2" charset="-122"/>
-                <a:ea typeface="华文中宋" panose="02010600040101010101" pitchFamily="2" charset="-122"/>
-              </a:rPr>
-              <a:t>：命令、输入模式</a:t>
-            </a:r>
-            <a:endParaRPr lang="zh-CN" altLang="en-US" sz="4800" dirty="0">
-              <a:latin typeface="华文中宋" panose="02010600040101010101" pitchFamily="2" charset="-122"/>
-              <a:ea typeface="华文中宋" panose="02010600040101010101" pitchFamily="2" charset="-122"/>
-            </a:endParaRPr>
-          </a:p>
-        </p:txBody>
-      </p:sp>
-      <p:sp>
-        <p:nvSpPr>
-          <p:cNvPr id="3" name="内容占位符 2"/>
-          <p:cNvSpPr>
-            <a:spLocks noGrp="1"/>
-          </p:cNvSpPr>
-          <p:nvPr>
-            <p:ph idx="1"/>
-          </p:nvPr>
-        </p:nvSpPr>
-        <p:spPr/>
-        <p:txBody>
-          <a:bodyPr>
-            <a:normAutofit/>
-          </a:bodyPr>
-          <a:lstStyle/>
-          <a:p>
-            <a:r>
-              <a:rPr lang="zh-CN" altLang="en-US" sz="2400" dirty="0" smtClean="0">
-                <a:latin typeface="华文中宋" panose="02010600040101010101" pitchFamily="2" charset="-122"/>
-                <a:ea typeface="华文中宋" panose="02010600040101010101" pitchFamily="2" charset="-122"/>
-              </a:rPr>
-              <a:t>命令模式：进入编辑模式</a:t>
-            </a:r>
-            <a:r>
-              <a:rPr lang="en-US" altLang="zh-CN" sz="2400" dirty="0" smtClean="0">
-                <a:latin typeface="华文中宋" panose="02010600040101010101" pitchFamily="2" charset="-122"/>
-                <a:ea typeface="华文中宋" panose="02010600040101010101" pitchFamily="2" charset="-122"/>
-              </a:rPr>
-              <a:t>(e)</a:t>
-            </a:r>
-            <a:r>
-              <a:rPr lang="zh-CN" altLang="en-US" sz="2400" dirty="0" smtClean="0">
-                <a:latin typeface="华文中宋" panose="02010600040101010101" pitchFamily="2" charset="-122"/>
-                <a:ea typeface="华文中宋" panose="02010600040101010101" pitchFamily="2" charset="-122"/>
-              </a:rPr>
-              <a:t>、退出</a:t>
-            </a:r>
-            <a:r>
-              <a:rPr lang="en-US" altLang="zh-CN" sz="2400" dirty="0" smtClean="0">
-                <a:latin typeface="华文中宋" panose="02010600040101010101" pitchFamily="2" charset="-122"/>
-                <a:ea typeface="华文中宋" panose="02010600040101010101" pitchFamily="2" charset="-122"/>
-              </a:rPr>
-              <a:t>(q)</a:t>
-            </a:r>
-            <a:r>
-              <a:rPr lang="zh-CN" altLang="en-US" sz="2400" dirty="0" smtClean="0">
-                <a:latin typeface="华文中宋" panose="02010600040101010101" pitchFamily="2" charset="-122"/>
-                <a:ea typeface="华文中宋" panose="02010600040101010101" pitchFamily="2" charset="-122"/>
-              </a:rPr>
-              <a:t>、保存</a:t>
-            </a:r>
-            <a:r>
-              <a:rPr lang="en-US" altLang="zh-CN" sz="2400" dirty="0" smtClean="0">
-                <a:latin typeface="华文中宋" panose="02010600040101010101" pitchFamily="2" charset="-122"/>
-                <a:ea typeface="华文中宋" panose="02010600040101010101" pitchFamily="2" charset="-122"/>
-              </a:rPr>
-              <a:t>(s)</a:t>
-            </a:r>
-          </a:p>
-          <a:p>
-            <a:r>
-              <a:rPr lang="zh-CN" altLang="en-US" sz="2400" dirty="0" smtClean="0">
-                <a:latin typeface="华文中宋" panose="02010600040101010101" pitchFamily="2" charset="-122"/>
-                <a:ea typeface="华文中宋" panose="02010600040101010101" pitchFamily="2" charset="-122"/>
-              </a:rPr>
-              <a:t>输入模式：上方显示编辑结果，下方为编辑区</a:t>
-            </a:r>
-            <a:endParaRPr lang="zh-CN" altLang="en-US" sz="2400" dirty="0">
-              <a:latin typeface="华文中宋" panose="02010600040101010101" pitchFamily="2" charset="-122"/>
-              <a:ea typeface="华文中宋" panose="02010600040101010101" pitchFamily="2" charset="-122"/>
-            </a:endParaRPr>
-          </a:p>
-        </p:txBody>
-      </p:sp>
-      <p:pic>
-        <p:nvPicPr>
-          <p:cNvPr id="4" name="图片 3"/>
-          <p:cNvPicPr>
-            <a:picLocks noChangeAspect="1"/>
-          </p:cNvPicPr>
-          <p:nvPr/>
-        </p:nvPicPr>
-        <p:blipFill>
-          <a:blip r:embed="rId2">
-            <a:extLst>
-              <a:ext uri="{28A0092B-C50C-407E-A947-70E740481C1C}">
-                <a14:useLocalDpi xmlns:a14="http://schemas.microsoft.com/office/drawing/2010/main" val="0"/>
-              </a:ext>
-            </a:extLst>
-          </a:blip>
-          <a:stretch>
-            <a:fillRect/>
-          </a:stretch>
-        </p:blipFill>
-        <p:spPr>
-          <a:xfrm>
-            <a:off x="8820727" y="2015732"/>
-            <a:ext cx="2234127" cy="4706410"/>
-          </a:xfrm>
-          <a:prstGeom prst="rect">
-            <a:avLst/>
-          </a:prstGeom>
-        </p:spPr>
-      </p:pic>
-      <p:pic>
-        <p:nvPicPr>
-          <p:cNvPr id="7" name="图片 6"/>
-          <p:cNvPicPr>
-            <a:picLocks noChangeAspect="1"/>
-          </p:cNvPicPr>
-          <p:nvPr/>
-        </p:nvPicPr>
-        <p:blipFill>
-          <a:blip r:embed="rId3">
-            <a:extLst>
-              <a:ext uri="{28A0092B-C50C-407E-A947-70E740481C1C}">
-                <a14:useLocalDpi xmlns:a14="http://schemas.microsoft.com/office/drawing/2010/main" val="0"/>
-              </a:ext>
-            </a:extLst>
-          </a:blip>
-          <a:stretch>
-            <a:fillRect/>
-          </a:stretch>
-        </p:blipFill>
-        <p:spPr>
-          <a:xfrm>
-            <a:off x="1772870" y="3213546"/>
-            <a:ext cx="2313341" cy="656489"/>
-          </a:xfrm>
-          <a:prstGeom prst="rect">
-            <a:avLst/>
-          </a:prstGeom>
-        </p:spPr>
-      </p:pic>
-    </p:spTree>
-    <p:extLst>
-      <p:ext uri="{BB962C8B-B14F-4D97-AF65-F5344CB8AC3E}">
-        <p14:creationId xmlns:p14="http://schemas.microsoft.com/office/powerpoint/2010/main" val="3521927685"/>
-      </p:ext>
-    </p:extLst>
-  </p:cSld>
-  <p:clrMapOvr>
-    <a:masterClrMapping/>
-  </p:clrMapOvr>
-  <p:transition spd="slow">
-    <p:wipe/>
-  </p:transition>
-  <p:timing>
-    <p:tnLst>
-      <p:par>
-        <p:cTn id="1" dur="indefinite" restart="never" nodeType="tmRoot"/>
-      </p:par>
-    </p:tnLst>
-  </p:timing>
-</p:sld>
-</file>
-
 <file path=ppt/slides/slide14.xml><?xml version="1.0" encoding="utf-8"?>
 <p:sld xmlns:a="http://schemas.openxmlformats.org/drawingml/2006/main" xmlns:r="http://schemas.openxmlformats.org/officeDocument/2006/relationships" xmlns:p="http://schemas.openxmlformats.org/presentationml/2006/main">
   <p:cSld>
@@ -7864,13 +7464,6 @@
               </a:rPr>
               <a:t>文档编辑</a:t>
             </a:r>
-            <a:r>
-              <a:rPr lang="zh-CN" altLang="en-US" sz="4800" dirty="0" smtClean="0">
-                <a:latin typeface="华文中宋" panose="02010600040101010101" pitchFamily="2" charset="-122"/>
-                <a:ea typeface="华文中宋" panose="02010600040101010101" pitchFamily="2" charset="-122"/>
-              </a:rPr>
-              <a:t>：任意位置插入删除</a:t>
-            </a:r>
             <a:endParaRPr lang="zh-CN" altLang="en-US" sz="4800" dirty="0">
               <a:latin typeface="华文中宋" panose="02010600040101010101" pitchFamily="2" charset="-122"/>
               <a:ea typeface="华文中宋" panose="02010600040101010101" pitchFamily="2" charset="-122"/>
@@ -7895,215 +7488,90 @@
           </a:bodyPr>
           <a:lstStyle/>
           <a:p>
-            <a:r>
-              <a:rPr lang="zh-CN" altLang="en-US" sz="2400" dirty="0" smtClean="0">
-                <a:latin typeface="华文中宋" panose="02010600040101010101" pitchFamily="2" charset="-122"/>
-                <a:ea typeface="华文中宋" panose="02010600040101010101" pitchFamily="2" charset="-122"/>
-              </a:rPr>
-              <a:t>使用方法</a:t>
-            </a:r>
-            <a:r>
-              <a:rPr lang="zh-CN" altLang="en-US" sz="2400" dirty="0" smtClean="0">
-                <a:latin typeface="华文中宋" panose="02010600040101010101" pitchFamily="2" charset="-122"/>
-                <a:ea typeface="华文中宋" panose="02010600040101010101" pitchFamily="2" charset="-122"/>
-              </a:rPr>
-              <a:t>：上下左右键移动光标，输入字符进行操作</a:t>
-            </a:r>
-            <a:endParaRPr lang="en-US" altLang="zh-CN" sz="2400" dirty="0" smtClean="0">
+            <a:pPr marL="457200" indent="-457200">
+              <a:buFont typeface="+mj-lt"/>
+              <a:buAutoNum type="arabicPeriod"/>
+            </a:pPr>
+            <a:r>
+              <a:rPr lang="zh-CN" altLang="en-US" sz="3600" dirty="0" smtClean="0">
+                <a:latin typeface="华文中宋" panose="02010600040101010101" pitchFamily="2" charset="-122"/>
+                <a:ea typeface="华文中宋" panose="02010600040101010101" pitchFamily="2" charset="-122"/>
+              </a:rPr>
+              <a:t>读取、创建文件</a:t>
+            </a:r>
+            <a:endParaRPr lang="en-US" altLang="zh-CN" sz="3600" dirty="0" smtClean="0">
               <a:latin typeface="华文中宋" panose="02010600040101010101" pitchFamily="2" charset="-122"/>
               <a:ea typeface="华文中宋" panose="02010600040101010101" pitchFamily="2" charset="-122"/>
             </a:endParaRPr>
           </a:p>
           <a:p>
-            <a:r>
-              <a:rPr lang="zh-CN" altLang="en-US" dirty="0" smtClean="0">
-                <a:latin typeface="华文中宋" panose="02010600040101010101" pitchFamily="2" charset="-122"/>
-                <a:ea typeface="华文中宋" panose="02010600040101010101" pitchFamily="2" charset="-122"/>
-              </a:rPr>
-              <a:t>插入：将光标移动到相应位置直接输入即可</a:t>
-            </a:r>
-            <a:endParaRPr lang="en-US" altLang="zh-CN" dirty="0" smtClean="0">
+            <a:pPr marL="457200" indent="-457200">
+              <a:buFont typeface="+mj-lt"/>
+              <a:buAutoNum type="arabicPeriod"/>
+            </a:pPr>
+            <a:r>
+              <a:rPr lang="zh-CN" altLang="en-US" sz="3600" dirty="0" smtClean="0">
+                <a:latin typeface="华文中宋" panose="02010600040101010101" pitchFamily="2" charset="-122"/>
+                <a:ea typeface="华文中宋" panose="02010600040101010101" pitchFamily="2" charset="-122"/>
+              </a:rPr>
+              <a:t>命令</a:t>
+            </a:r>
+            <a:r>
+              <a:rPr lang="zh-CN" altLang="en-US" sz="3600" dirty="0">
+                <a:latin typeface="华文中宋" panose="02010600040101010101" pitchFamily="2" charset="-122"/>
+                <a:ea typeface="华文中宋" panose="02010600040101010101" pitchFamily="2" charset="-122"/>
+              </a:rPr>
+              <a:t>、输入</a:t>
+            </a:r>
+            <a:r>
+              <a:rPr lang="zh-CN" altLang="en-US" sz="3600" dirty="0" smtClean="0">
+                <a:latin typeface="华文中宋" panose="02010600040101010101" pitchFamily="2" charset="-122"/>
+                <a:ea typeface="华文中宋" panose="02010600040101010101" pitchFamily="2" charset="-122"/>
+              </a:rPr>
+              <a:t>模式</a:t>
+            </a:r>
+            <a:endParaRPr lang="en-US" altLang="zh-CN" sz="3600" dirty="0" smtClean="0">
               <a:latin typeface="华文中宋" panose="02010600040101010101" pitchFamily="2" charset="-122"/>
               <a:ea typeface="华文中宋" panose="02010600040101010101" pitchFamily="2" charset="-122"/>
             </a:endParaRPr>
           </a:p>
           <a:p>
-            <a:r>
-              <a:rPr lang="zh-CN" altLang="en-US" dirty="0" smtClean="0">
-                <a:latin typeface="华文中宋" panose="02010600040101010101" pitchFamily="2" charset="-122"/>
-                <a:ea typeface="华文中宋" panose="02010600040101010101" pitchFamily="2" charset="-122"/>
-              </a:rPr>
-              <a:t>删除：将光标移动到相应位置输入</a:t>
-            </a:r>
-            <a:r>
-              <a:rPr lang="en-US" altLang="zh-CN" dirty="0" smtClean="0">
-                <a:latin typeface="华文中宋" panose="02010600040101010101" pitchFamily="2" charset="-122"/>
-                <a:ea typeface="华文中宋" panose="02010600040101010101" pitchFamily="2" charset="-122"/>
-              </a:rPr>
-              <a:t>@</a:t>
-            </a:r>
-            <a:r>
-              <a:rPr lang="zh-CN" altLang="en-US" dirty="0" smtClean="0">
-                <a:latin typeface="华文中宋" panose="02010600040101010101" pitchFamily="2" charset="-122"/>
-                <a:ea typeface="华文中宋" panose="02010600040101010101" pitchFamily="2" charset="-122"/>
-              </a:rPr>
-              <a:t>进行删除字符</a:t>
-            </a:r>
-            <a:endParaRPr lang="en-US" altLang="zh-CN" dirty="0" smtClean="0">
+            <a:pPr marL="457200" indent="-457200">
+              <a:buFont typeface="+mj-lt"/>
+              <a:buAutoNum type="arabicPeriod"/>
+            </a:pPr>
+            <a:r>
+              <a:rPr lang="zh-CN" altLang="en-US" sz="3600" dirty="0">
+                <a:latin typeface="华文中宋" panose="02010600040101010101" pitchFamily="2" charset="-122"/>
+                <a:ea typeface="华文中宋" panose="02010600040101010101" pitchFamily="2" charset="-122"/>
+              </a:rPr>
+              <a:t>任意位置插入删除</a:t>
+            </a:r>
+            <a:endParaRPr lang="en-US" altLang="zh-CN" sz="3600" dirty="0" smtClean="0">
               <a:latin typeface="华文中宋" panose="02010600040101010101" pitchFamily="2" charset="-122"/>
               <a:ea typeface="华文中宋" panose="02010600040101010101" pitchFamily="2" charset="-122"/>
             </a:endParaRPr>
           </a:p>
           <a:p>
-            <a:endParaRPr lang="zh-CN" altLang="en-US" dirty="0">
+            <a:pPr marL="457200" indent="-457200">
+              <a:buFont typeface="+mj-lt"/>
+              <a:buAutoNum type="arabicPeriod"/>
+            </a:pPr>
+            <a:r>
+              <a:rPr lang="zh-CN" altLang="en-US" sz="3600" dirty="0">
+                <a:latin typeface="华文中宋" panose="02010600040101010101" pitchFamily="2" charset="-122"/>
+                <a:ea typeface="华文中宋" panose="02010600040101010101" pitchFamily="2" charset="-122"/>
+              </a:rPr>
+              <a:t>其他</a:t>
+            </a:r>
+            <a:endParaRPr lang="zh-CN" altLang="en-US" sz="3600" dirty="0">
               <a:latin typeface="华文中宋" panose="02010600040101010101" pitchFamily="2" charset="-122"/>
               <a:ea typeface="华文中宋" panose="02010600040101010101" pitchFamily="2" charset="-122"/>
             </a:endParaRPr>
           </a:p>
         </p:txBody>
       </p:sp>
-      <p:pic>
-        <p:nvPicPr>
-          <p:cNvPr id="4" name="图片 3"/>
-          <p:cNvPicPr>
-            <a:picLocks noChangeAspect="1"/>
-          </p:cNvPicPr>
-          <p:nvPr/>
-        </p:nvPicPr>
-        <p:blipFill rotWithShape="1">
-          <a:blip r:embed="rId2">
-            <a:extLst>
-              <a:ext uri="{28A0092B-C50C-407E-A947-70E740481C1C}">
-                <a14:useLocalDpi xmlns:a14="http://schemas.microsoft.com/office/drawing/2010/main" val="0"/>
-              </a:ext>
-            </a:extLst>
-          </a:blip>
-          <a:srcRect r="37290"/>
-          <a:stretch/>
-        </p:blipFill>
-        <p:spPr>
-          <a:xfrm>
-            <a:off x="7461408" y="2643682"/>
-            <a:ext cx="1553284" cy="3777022"/>
-          </a:xfrm>
-          <a:prstGeom prst="rect">
-            <a:avLst/>
-          </a:prstGeom>
-        </p:spPr>
-      </p:pic>
-      <p:sp>
-        <p:nvSpPr>
-          <p:cNvPr id="7" name="右箭头 6"/>
-          <p:cNvSpPr/>
-          <p:nvPr/>
-        </p:nvSpPr>
-        <p:spPr>
-          <a:xfrm>
-            <a:off x="9319492" y="4119418"/>
-            <a:ext cx="341745" cy="412775"/>
-          </a:xfrm>
-          <a:prstGeom prst="rightArrow">
-            <a:avLst/>
-          </a:prstGeom>
-        </p:spPr>
-        <p:style>
-          <a:lnRef idx="2">
-            <a:schemeClr val="accent1">
-              <a:shade val="50000"/>
-            </a:schemeClr>
-          </a:lnRef>
-          <a:fillRef idx="1">
-            <a:schemeClr val="accent1"/>
-          </a:fillRef>
-          <a:effectRef idx="0">
-            <a:schemeClr val="accent1"/>
-          </a:effectRef>
-          <a:fontRef idx="minor">
-            <a:schemeClr val="lt1"/>
-          </a:fontRef>
-        </p:style>
-        <p:txBody>
-          <a:bodyPr rtlCol="0" anchor="ctr"/>
-          <a:lstStyle/>
-          <a:p>
-            <a:pPr algn="ctr"/>
-            <a:endParaRPr lang="zh-CN" altLang="en-US"/>
-          </a:p>
-        </p:txBody>
-      </p:sp>
-      <p:pic>
-        <p:nvPicPr>
-          <p:cNvPr id="8" name="图片 7"/>
-          <p:cNvPicPr>
-            <a:picLocks noChangeAspect="1"/>
-          </p:cNvPicPr>
-          <p:nvPr/>
-        </p:nvPicPr>
-        <p:blipFill rotWithShape="1">
-          <a:blip r:embed="rId3">
-            <a:extLst>
-              <a:ext uri="{28A0092B-C50C-407E-A947-70E740481C1C}">
-                <a14:useLocalDpi xmlns:a14="http://schemas.microsoft.com/office/drawing/2010/main" val="0"/>
-              </a:ext>
-            </a:extLst>
-          </a:blip>
-          <a:srcRect r="22099"/>
-          <a:stretch/>
-        </p:blipFill>
-        <p:spPr>
-          <a:xfrm>
-            <a:off x="9869809" y="2643682"/>
-            <a:ext cx="1435500" cy="3777022"/>
-          </a:xfrm>
-          <a:prstGeom prst="rect">
-            <a:avLst/>
-          </a:prstGeom>
-        </p:spPr>
-      </p:pic>
-      <p:sp>
-        <p:nvSpPr>
-          <p:cNvPr id="9" name="文本框 8"/>
-          <p:cNvSpPr txBox="1"/>
-          <p:nvPr/>
-        </p:nvSpPr>
-        <p:spPr>
-          <a:xfrm>
-            <a:off x="5650723" y="4162861"/>
-            <a:ext cx="2743200" cy="369332"/>
-          </a:xfrm>
-          <a:prstGeom prst="rect">
-            <a:avLst/>
-          </a:prstGeom>
-          <a:noFill/>
-        </p:spPr>
-        <p:txBody>
-          <a:bodyPr wrap="square" rtlCol="0">
-            <a:spAutoFit/>
-          </a:bodyPr>
-          <a:lstStyle/>
-          <a:p>
-            <a:r>
-              <a:rPr lang="zh-CN" altLang="en-US" dirty="0" smtClean="0"/>
-              <a:t>在‘</a:t>
-            </a:r>
-            <a:r>
-              <a:rPr lang="en-US" altLang="zh-CN" dirty="0" err="1" smtClean="0"/>
-              <a:t>int</a:t>
-            </a:r>
-            <a:r>
-              <a:rPr lang="zh-CN" altLang="en-US" dirty="0" smtClean="0"/>
-              <a:t>’左侧插入*</a:t>
-            </a:r>
-            <a:endParaRPr lang="zh-CN" altLang="en-US" dirty="0"/>
-          </a:p>
-        </p:txBody>
-      </p:sp>
     </p:spTree>
-    <p:extLst>
-      <p:ext uri="{BB962C8B-B14F-4D97-AF65-F5344CB8AC3E}">
-        <p14:creationId xmlns:p14="http://schemas.microsoft.com/office/powerpoint/2010/main" val="3438817803"/>
-      </p:ext>
-    </p:extLst>
   </p:cSld>
   <p:clrMapOvr>
     <a:masterClrMapping/>
@@ -8160,14 +7628,7 @@
                 <a:latin typeface="华文中宋" panose="02010600040101010101" pitchFamily="2" charset="-122"/>
                 <a:ea typeface="华文中宋" panose="02010600040101010101" pitchFamily="2" charset="-122"/>
               </a:rPr>
-              <a:t>文档编辑</a:t>
-            </a:r>
-            <a:r>
-              <a:rPr lang="zh-CN" altLang="en-US" sz="4800" dirty="0" smtClean="0">
-                <a:latin typeface="华文中宋" panose="02010600040101010101" pitchFamily="2" charset="-122"/>
-                <a:ea typeface="华文中宋" panose="02010600040101010101" pitchFamily="2" charset="-122"/>
-              </a:rPr>
-              <a:t>：其他</a:t>
+              <a:t>文档编辑：读取、创建文件</a:t>
             </a:r>
             <a:endParaRPr lang="zh-CN" altLang="en-US" sz="4800" dirty="0">
               <a:latin typeface="华文中宋" panose="02010600040101010101" pitchFamily="2" charset="-122"/>
@@ -8194,11 +7655,31 @@
           <a:lstStyle/>
           <a:p>
             <a:r>
+              <a:rPr lang="zh-CN" altLang="en-US" sz="3600" dirty="0" smtClean="0">
+                <a:latin typeface="华文中宋" panose="02010600040101010101" pitchFamily="2" charset="-122"/>
+                <a:ea typeface="华文中宋" panose="02010600040101010101" pitchFamily="2" charset="-122"/>
+              </a:rPr>
+              <a:t>使用方法： </a:t>
+            </a:r>
+            <a:r>
+              <a:rPr lang="en-US" altLang="zh-CN" sz="3600" dirty="0" smtClean="0">
+                <a:latin typeface="华文中宋" panose="02010600040101010101" pitchFamily="2" charset="-122"/>
+                <a:ea typeface="华文中宋" panose="02010600040101010101" pitchFamily="2" charset="-122"/>
+              </a:rPr>
+              <a:t>edit filename</a:t>
+            </a:r>
+            <a:endParaRPr lang="en-US" altLang="zh-CN" sz="2400" dirty="0">
+              <a:latin typeface="华文中宋" panose="02010600040101010101" pitchFamily="2" charset="-122"/>
+              <a:ea typeface="华文中宋" panose="02010600040101010101" pitchFamily="2" charset="-122"/>
+            </a:endParaRPr>
+          </a:p>
+          <a:p>
+            <a:r>
               <a:rPr lang="zh-CN" altLang="en-US" sz="2400" dirty="0" smtClean="0">
                 <a:latin typeface="华文中宋" panose="02010600040101010101" pitchFamily="2" charset="-122"/>
                 <a:ea typeface="华文中宋" panose="02010600040101010101" pitchFamily="2" charset="-122"/>
               </a:rPr>
-              <a:t>识别特定代码并进行高亮处理</a:t>
+              <a:t>若存在文件则读取文件，否则创建新文件</a:t>
             </a:r>
             <a:endParaRPr lang="en-US" altLang="zh-CN" sz="2400" dirty="0" smtClean="0">
               <a:latin typeface="华文中宋" panose="02010600040101010101" pitchFamily="2" charset="-122"/>
@@ -8206,20 +7687,50 @@
             </a:endParaRPr>
           </a:p>
           <a:p>
-            <a:r>
-              <a:rPr lang="zh-CN" altLang="en-US" sz="2400" dirty="0" smtClean="0">
-                <a:latin typeface="华文中宋" panose="02010600040101010101" pitchFamily="2" charset="-122"/>
-                <a:ea typeface="华文中宋" panose="02010600040101010101" pitchFamily="2" charset="-122"/>
-              </a:rPr>
-              <a:t>输出行号</a:t>
-            </a:r>
-            <a:endParaRPr lang="zh-CN" altLang="en-US" sz="2400" dirty="0">
+            <a:endParaRPr lang="en-US" altLang="zh-CN" sz="3600" dirty="0">
               <a:latin typeface="华文中宋" panose="02010600040101010101" pitchFamily="2" charset="-122"/>
               <a:ea typeface="华文中宋" panose="02010600040101010101" pitchFamily="2" charset="-122"/>
             </a:endParaRPr>
           </a:p>
-        </p:txBody>
-      </p:sp>
+          <a:p>
+            <a:endParaRPr lang="en-US" altLang="zh-CN" sz="3600" dirty="0">
+              <a:latin typeface="华文中宋" panose="02010600040101010101" pitchFamily="2" charset="-122"/>
+              <a:ea typeface="华文中宋" panose="02010600040101010101" pitchFamily="2" charset="-122"/>
+            </a:endParaRPr>
+          </a:p>
+        </p:txBody>
+      </p:sp>
+      <p:pic>
+        <p:nvPicPr>
+          <p:cNvPr id="4" name="图片 3"/>
+          <p:cNvPicPr>
+            <a:picLocks noChangeAspect="1"/>
+          </p:cNvPicPr>
+          <p:nvPr/>
+        </p:nvPicPr>
+        <p:blipFill rotWithShape="1">
+          <a:blip r:embed="rId1">
+            <a:extLst>
+              <a:ext uri="{28A0092B-C50C-407E-A947-70E740481C1C}">
+                <a14:useLocalDpi xmlns:a14="http://schemas.microsoft.com/office/drawing/2010/main" val="0"/>
+              </a:ext>
+            </a:extLst>
+          </a:blip>
+          <a:srcRect r="22181"/>
+          <a:stretch>
+            <a:fillRect/>
+          </a:stretch>
+        </p:blipFill>
+        <p:spPr>
+          <a:xfrm>
+            <a:off x="1451580" y="4026570"/>
+            <a:ext cx="5217075" cy="883339"/>
+          </a:xfrm>
+          <a:prstGeom prst="rect">
+            <a:avLst/>
+          </a:prstGeom>
+        </p:spPr>
+      </p:pic>
       <p:pic>
         <p:nvPicPr>
           <p:cNvPr id="7" name="图片 6"/>
@@ -8228,7 +7739,7 @@
           </p:cNvPicPr>
           <p:nvPr/>
         </p:nvPicPr>
-        <p:blipFill rotWithShape="1">
+        <p:blipFill>
           <a:blip r:embed="rId2">
             <a:extLst>
               <a:ext uri="{28A0092B-C50C-407E-A947-70E740481C1C}">
@@ -8236,13 +7747,14 @@
               </a:ext>
             </a:extLst>
           </a:blip>
-          <a:srcRect b="67077"/>
-          <a:stretch/>
+          <a:stretch>
+            <a:fillRect/>
+          </a:stretch>
         </p:blipFill>
         <p:spPr>
           <a:xfrm>
-            <a:off x="1884218" y="3179515"/>
-            <a:ext cx="3749964" cy="2600830"/>
+            <a:off x="7341478" y="3608197"/>
+            <a:ext cx="3040553" cy="1720083"/>
           </a:xfrm>
           <a:prstGeom prst="rect">
             <a:avLst/>
@@ -8250,11 +7762,6 @@
         </p:spPr>
       </p:pic>
     </p:spTree>
-    <p:extLst>
-      <p:ext uri="{BB962C8B-B14F-4D97-AF65-F5344CB8AC3E}">
-        <p14:creationId xmlns:p14="http://schemas.microsoft.com/office/powerpoint/2010/main" val="1371306734"/>
-      </p:ext>
-    </p:extLst>
   </p:cSld>
   <p:clrMapOvr>
     <a:masterClrMapping/>
@@ -8311,35 +7818,7 @@
                 <a:latin typeface="华文中宋" panose="02010600040101010101" pitchFamily="2" charset="-122"/>
                 <a:ea typeface="华文中宋" panose="02010600040101010101" pitchFamily="2" charset="-122"/>
               </a:rPr>
-              <a:t>其余改进</a:t>
-            </a:r>
-            <a:r>
-              <a:rPr lang="zh-CN" altLang="en-US" sz="4800" dirty="0">
-                <a:latin typeface="华文中宋" panose="02010600040101010101" pitchFamily="2" charset="-122"/>
-                <a:ea typeface="华文中宋" panose="02010600040101010101" pitchFamily="2" charset="-122"/>
-              </a:rPr>
-              <a:t>：</a:t>
-            </a:r>
-            <a:r>
-              <a:rPr lang="zh-CN" altLang="en-US" sz="4800" dirty="0" smtClean="0">
-                <a:latin typeface="华文中宋" panose="02010600040101010101" pitchFamily="2" charset="-122"/>
-                <a:ea typeface="华文中宋" panose="02010600040101010101" pitchFamily="2" charset="-122"/>
-              </a:rPr>
-              <a:t>命令行</a:t>
-            </a:r>
-            <a:r>
-              <a:rPr lang="zh-CN" altLang="en-US" sz="4800" dirty="0">
-                <a:latin typeface="华文中宋" panose="02010600040101010101" pitchFamily="2" charset="-122"/>
-                <a:ea typeface="华文中宋" panose="02010600040101010101" pitchFamily="2" charset="-122"/>
-              </a:rPr>
-              <a:t>式</a:t>
-            </a:r>
-            <a:r>
-              <a:rPr lang="zh-CN" altLang="en-US" sz="4800" dirty="0" smtClean="0">
-                <a:latin typeface="华文中宋" panose="02010600040101010101" pitchFamily="2" charset="-122"/>
-                <a:ea typeface="华文中宋" panose="02010600040101010101" pitchFamily="2" charset="-122"/>
-              </a:rPr>
-              <a:t>计算器</a:t>
+              <a:t>文档编辑：命令、输入模式</a:t>
             </a:r>
             <a:endParaRPr lang="zh-CN" altLang="en-US" sz="4800" dirty="0">
               <a:latin typeface="华文中宋" panose="02010600040101010101" pitchFamily="2" charset="-122"/>
@@ -8366,46 +7845,61 @@
           <a:lstStyle/>
           <a:p>
             <a:r>
-              <a:rPr lang="zh-CN" altLang="en-US" sz="3600" dirty="0" smtClean="0">
-                <a:latin typeface="华文中宋" panose="02010600040101010101" pitchFamily="2" charset="-122"/>
-                <a:ea typeface="华文中宋" panose="02010600040101010101" pitchFamily="2" charset="-122"/>
-              </a:rPr>
-              <a:t>支持浮点数运算</a:t>
-            </a:r>
-            <a:endParaRPr lang="en-US" altLang="zh-CN" sz="3600" dirty="0" smtClean="0">
+              <a:rPr lang="zh-CN" altLang="en-US" sz="2400" dirty="0" smtClean="0">
+                <a:latin typeface="华文中宋" panose="02010600040101010101" pitchFamily="2" charset="-122"/>
+                <a:ea typeface="华文中宋" panose="02010600040101010101" pitchFamily="2" charset="-122"/>
+              </a:rPr>
+              <a:t>命令模式：进入编辑模式</a:t>
+            </a:r>
+            <a:r>
+              <a:rPr lang="en-US" altLang="zh-CN" sz="2400" dirty="0" smtClean="0">
+                <a:latin typeface="华文中宋" panose="02010600040101010101" pitchFamily="2" charset="-122"/>
+                <a:ea typeface="华文中宋" panose="02010600040101010101" pitchFamily="2" charset="-122"/>
+              </a:rPr>
+              <a:t>(e)</a:t>
+            </a:r>
+            <a:r>
+              <a:rPr lang="zh-CN" altLang="en-US" sz="2400" dirty="0" smtClean="0">
+                <a:latin typeface="华文中宋" panose="02010600040101010101" pitchFamily="2" charset="-122"/>
+                <a:ea typeface="华文中宋" panose="02010600040101010101" pitchFamily="2" charset="-122"/>
+              </a:rPr>
+              <a:t>、退出</a:t>
+            </a:r>
+            <a:r>
+              <a:rPr lang="en-US" altLang="zh-CN" sz="2400" dirty="0" smtClean="0">
+                <a:latin typeface="华文中宋" panose="02010600040101010101" pitchFamily="2" charset="-122"/>
+                <a:ea typeface="华文中宋" panose="02010600040101010101" pitchFamily="2" charset="-122"/>
+              </a:rPr>
+              <a:t>(q)</a:t>
+            </a:r>
+            <a:r>
+              <a:rPr lang="zh-CN" altLang="en-US" sz="2400" dirty="0" smtClean="0">
+                <a:latin typeface="华文中宋" panose="02010600040101010101" pitchFamily="2" charset="-122"/>
+                <a:ea typeface="华文中宋" panose="02010600040101010101" pitchFamily="2" charset="-122"/>
+              </a:rPr>
+              <a:t>、保存</a:t>
+            </a:r>
+            <a:r>
+              <a:rPr lang="en-US" altLang="zh-CN" sz="2400" dirty="0" smtClean="0">
+                <a:latin typeface="华文中宋" panose="02010600040101010101" pitchFamily="2" charset="-122"/>
+                <a:ea typeface="华文中宋" panose="02010600040101010101" pitchFamily="2" charset="-122"/>
+              </a:rPr>
+              <a:t>(s)</a:t>
+            </a:r>
+            <a:endParaRPr lang="en-US" altLang="zh-CN" sz="2400" dirty="0" smtClean="0">
               <a:latin typeface="华文中宋" panose="02010600040101010101" pitchFamily="2" charset="-122"/>
               <a:ea typeface="华文中宋" panose="02010600040101010101" pitchFamily="2" charset="-122"/>
             </a:endParaRPr>
           </a:p>
           <a:p>
             <a:r>
-              <a:rPr lang="zh-CN" altLang="en-US" sz="3600" dirty="0" smtClean="0">
-                <a:latin typeface="华文中宋" panose="02010600040101010101" pitchFamily="2" charset="-122"/>
-                <a:ea typeface="华文中宋" panose="02010600040101010101" pitchFamily="2" charset="-122"/>
-              </a:rPr>
-              <a:t>支持运算符：</a:t>
-            </a:r>
-            <a:r>
-              <a:rPr lang="en-US" altLang="zh-CN" sz="3600" dirty="0" smtClean="0">
-                <a:latin typeface="华文中宋" panose="02010600040101010101" pitchFamily="2" charset="-122"/>
-                <a:ea typeface="华文中宋" panose="02010600040101010101" pitchFamily="2" charset="-122"/>
-              </a:rPr>
-              <a:t>+ - * / ! ( ) </a:t>
-            </a:r>
-            <a:r>
-              <a:rPr lang="zh-CN" altLang="en-US" sz="3600" dirty="0">
-                <a:latin typeface="华文中宋" panose="02010600040101010101" pitchFamily="2" charset="-122"/>
-                <a:ea typeface="华文中宋" panose="02010600040101010101" pitchFamily="2" charset="-122"/>
-              </a:rPr>
-              <a:t/>
-            </a:r>
-            <a:br>
-              <a:rPr lang="zh-CN" altLang="en-US" sz="3600" dirty="0">
-                <a:latin typeface="华文中宋" panose="02010600040101010101" pitchFamily="2" charset="-122"/>
-                <a:ea typeface="华文中宋" panose="02010600040101010101" pitchFamily="2" charset="-122"/>
-              </a:rPr>
-            </a:br>
-            <a:endParaRPr lang="zh-CN" altLang="en-US" sz="3600" dirty="0">
+              <a:rPr lang="zh-CN" altLang="en-US" sz="2400" dirty="0" smtClean="0">
+                <a:latin typeface="华文中宋" panose="02010600040101010101" pitchFamily="2" charset="-122"/>
+                <a:ea typeface="华文中宋" panose="02010600040101010101" pitchFamily="2" charset="-122"/>
+              </a:rPr>
+              <a:t>输入模式：上方显示编辑结果，下方为编辑区</a:t>
+            </a:r>
+            <a:endParaRPr lang="zh-CN" altLang="en-US" sz="2400" dirty="0">
               <a:latin typeface="华文中宋" panose="02010600040101010101" pitchFamily="2" charset="-122"/>
               <a:ea typeface="华文中宋" panose="02010600040101010101" pitchFamily="2" charset="-122"/>
             </a:endParaRPr>
@@ -8421,7 +7915,642 @@
           <p:nvPr/>
         </p:nvPicPr>
         <p:blipFill>
-          <a:blip r:embed="rId2"/>
+          <a:blip r:embed="rId1">
+            <a:extLst>
+              <a:ext uri="{28A0092B-C50C-407E-A947-70E740481C1C}">
+                <a14:useLocalDpi xmlns:a14="http://schemas.microsoft.com/office/drawing/2010/main" val="0"/>
+              </a:ext>
+            </a:extLst>
+          </a:blip>
+          <a:stretch>
+            <a:fillRect/>
+          </a:stretch>
+        </p:blipFill>
+        <p:spPr>
+          <a:xfrm>
+            <a:off x="8820727" y="2015732"/>
+            <a:ext cx="2234127" cy="4706410"/>
+          </a:xfrm>
+          <a:prstGeom prst="rect">
+            <a:avLst/>
+          </a:prstGeom>
+        </p:spPr>
+      </p:pic>
+      <p:pic>
+        <p:nvPicPr>
+          <p:cNvPr id="7" name="图片 6"/>
+          <p:cNvPicPr>
+            <a:picLocks noChangeAspect="1"/>
+          </p:cNvPicPr>
+          <p:nvPr/>
+        </p:nvPicPr>
+        <p:blipFill>
+          <a:blip r:embed="rId2">
+            <a:extLst>
+              <a:ext uri="{28A0092B-C50C-407E-A947-70E740481C1C}">
+                <a14:useLocalDpi xmlns:a14="http://schemas.microsoft.com/office/drawing/2010/main" val="0"/>
+              </a:ext>
+            </a:extLst>
+          </a:blip>
+          <a:stretch>
+            <a:fillRect/>
+          </a:stretch>
+        </p:blipFill>
+        <p:spPr>
+          <a:xfrm>
+            <a:off x="1772870" y="3213546"/>
+            <a:ext cx="2313341" cy="656489"/>
+          </a:xfrm>
+          <a:prstGeom prst="rect">
+            <a:avLst/>
+          </a:prstGeom>
+        </p:spPr>
+      </p:pic>
+    </p:spTree>
+  </p:cSld>
+  <p:clrMapOvr>
+    <a:masterClrMapping/>
+  </p:clrMapOvr>
+  <p:transition spd="slow">
+    <p:wipe/>
+  </p:transition>
+  <p:timing>
+    <p:tnLst>
+      <p:par>
+        <p:cTn id="1" dur="indefinite" restart="never" nodeType="tmRoot"/>
+      </p:par>
+    </p:tnLst>
+  </p:timing>
+</p:sld>
+</file>
+
+<file path=ppt/slides/slide17.xml><?xml version="1.0" encoding="utf-8"?>
+<p:sld xmlns:a="http://schemas.openxmlformats.org/drawingml/2006/main" xmlns:r="http://schemas.openxmlformats.org/officeDocument/2006/relationships" xmlns:p="http://schemas.openxmlformats.org/presentationml/2006/main">
+  <p:cSld>
+    <p:spTree>
+      <p:nvGrpSpPr>
+        <p:cNvPr id="1" name=""/>
+        <p:cNvGrpSpPr/>
+        <p:nvPr/>
+      </p:nvGrpSpPr>
+      <p:grpSpPr>
+        <a:xfrm>
+          <a:off x="0" y="0"/>
+          <a:ext cx="0" cy="0"/>
+          <a:chOff x="0" y="0"/>
+          <a:chExt cx="0" cy="0"/>
+        </a:xfrm>
+      </p:grpSpPr>
+      <p:sp>
+        <p:nvSpPr>
+          <p:cNvPr id="2" name="标题 1"/>
+          <p:cNvSpPr>
+            <a:spLocks noGrp="1"/>
+          </p:cNvSpPr>
+          <p:nvPr>
+            <p:ph type="title"/>
+          </p:nvPr>
+        </p:nvSpPr>
+        <p:spPr/>
+        <p:txBody>
+          <a:bodyPr>
+            <a:normAutofit/>
+          </a:bodyPr>
+          <a:lstStyle/>
+          <a:p>
+            <a:r>
+              <a:rPr lang="zh-CN" altLang="en-US" sz="4800" dirty="0" smtClean="0">
+                <a:latin typeface="华文中宋" panose="02010600040101010101" pitchFamily="2" charset="-122"/>
+                <a:ea typeface="华文中宋" panose="02010600040101010101" pitchFamily="2" charset="-122"/>
+              </a:rPr>
+              <a:t>文档编辑：任意位置插入删除</a:t>
+            </a:r>
+            <a:endParaRPr lang="zh-CN" altLang="en-US" sz="4800" dirty="0">
+              <a:latin typeface="华文中宋" panose="02010600040101010101" pitchFamily="2" charset="-122"/>
+              <a:ea typeface="华文中宋" panose="02010600040101010101" pitchFamily="2" charset="-122"/>
+            </a:endParaRPr>
+          </a:p>
+        </p:txBody>
+      </p:sp>
+      <p:sp>
+        <p:nvSpPr>
+          <p:cNvPr id="3" name="内容占位符 2"/>
+          <p:cNvSpPr>
+            <a:spLocks noGrp="1"/>
+          </p:cNvSpPr>
+          <p:nvPr>
+            <p:ph idx="1"/>
+          </p:nvPr>
+        </p:nvSpPr>
+        <p:spPr/>
+        <p:txBody>
+          <a:bodyPr>
+            <a:normAutofit/>
+          </a:bodyPr>
+          <a:lstStyle/>
+          <a:p>
+            <a:r>
+              <a:rPr lang="zh-CN" altLang="en-US" sz="2400" dirty="0" smtClean="0">
+                <a:latin typeface="华文中宋" panose="02010600040101010101" pitchFamily="2" charset="-122"/>
+                <a:ea typeface="华文中宋" panose="02010600040101010101" pitchFamily="2" charset="-122"/>
+              </a:rPr>
+              <a:t>使用方法：上下左右键移动光标，输入字符进行操作</a:t>
+            </a:r>
+            <a:endParaRPr lang="en-US" altLang="zh-CN" sz="2400" dirty="0" smtClean="0">
+              <a:latin typeface="华文中宋" panose="02010600040101010101" pitchFamily="2" charset="-122"/>
+              <a:ea typeface="华文中宋" panose="02010600040101010101" pitchFamily="2" charset="-122"/>
+            </a:endParaRPr>
+          </a:p>
+          <a:p>
+            <a:r>
+              <a:rPr lang="zh-CN" altLang="en-US" dirty="0" smtClean="0">
+                <a:latin typeface="华文中宋" panose="02010600040101010101" pitchFamily="2" charset="-122"/>
+                <a:ea typeface="华文中宋" panose="02010600040101010101" pitchFamily="2" charset="-122"/>
+              </a:rPr>
+              <a:t>插入：将光标移动到相应位置直接输入即可</a:t>
+            </a:r>
+            <a:endParaRPr lang="en-US" altLang="zh-CN" dirty="0" smtClean="0">
+              <a:latin typeface="华文中宋" panose="02010600040101010101" pitchFamily="2" charset="-122"/>
+              <a:ea typeface="华文中宋" panose="02010600040101010101" pitchFamily="2" charset="-122"/>
+            </a:endParaRPr>
+          </a:p>
+          <a:p>
+            <a:r>
+              <a:rPr lang="zh-CN" altLang="en-US" dirty="0" smtClean="0">
+                <a:latin typeface="华文中宋" panose="02010600040101010101" pitchFamily="2" charset="-122"/>
+                <a:ea typeface="华文中宋" panose="02010600040101010101" pitchFamily="2" charset="-122"/>
+              </a:rPr>
+              <a:t>删除：将光标移动到相应位置输入</a:t>
+            </a:r>
+            <a:r>
+              <a:rPr lang="en-US" altLang="zh-CN" dirty="0" smtClean="0">
+                <a:latin typeface="华文中宋" panose="02010600040101010101" pitchFamily="2" charset="-122"/>
+                <a:ea typeface="华文中宋" panose="02010600040101010101" pitchFamily="2" charset="-122"/>
+              </a:rPr>
+              <a:t>@</a:t>
+            </a:r>
+            <a:r>
+              <a:rPr lang="zh-CN" altLang="en-US" dirty="0" smtClean="0">
+                <a:latin typeface="华文中宋" panose="02010600040101010101" pitchFamily="2" charset="-122"/>
+                <a:ea typeface="华文中宋" panose="02010600040101010101" pitchFamily="2" charset="-122"/>
+              </a:rPr>
+              <a:t>进行删除字符</a:t>
+            </a:r>
+            <a:endParaRPr lang="en-US" altLang="zh-CN" dirty="0" smtClean="0">
+              <a:latin typeface="华文中宋" panose="02010600040101010101" pitchFamily="2" charset="-122"/>
+              <a:ea typeface="华文中宋" panose="02010600040101010101" pitchFamily="2" charset="-122"/>
+            </a:endParaRPr>
+          </a:p>
+          <a:p>
+            <a:endParaRPr lang="zh-CN" altLang="en-US" dirty="0">
+              <a:latin typeface="华文中宋" panose="02010600040101010101" pitchFamily="2" charset="-122"/>
+              <a:ea typeface="华文中宋" panose="02010600040101010101" pitchFamily="2" charset="-122"/>
+            </a:endParaRPr>
+          </a:p>
+        </p:txBody>
+      </p:sp>
+      <p:pic>
+        <p:nvPicPr>
+          <p:cNvPr id="4" name="图片 3"/>
+          <p:cNvPicPr>
+            <a:picLocks noChangeAspect="1"/>
+          </p:cNvPicPr>
+          <p:nvPr/>
+        </p:nvPicPr>
+        <p:blipFill rotWithShape="1">
+          <a:blip r:embed="rId1">
+            <a:extLst>
+              <a:ext uri="{28A0092B-C50C-407E-A947-70E740481C1C}">
+                <a14:useLocalDpi xmlns:a14="http://schemas.microsoft.com/office/drawing/2010/main" val="0"/>
+              </a:ext>
+            </a:extLst>
+          </a:blip>
+          <a:srcRect r="37290"/>
+          <a:stretch>
+            <a:fillRect/>
+          </a:stretch>
+        </p:blipFill>
+        <p:spPr>
+          <a:xfrm>
+            <a:off x="7461408" y="2643682"/>
+            <a:ext cx="1553284" cy="3777022"/>
+          </a:xfrm>
+          <a:prstGeom prst="rect">
+            <a:avLst/>
+          </a:prstGeom>
+        </p:spPr>
+      </p:pic>
+      <p:sp>
+        <p:nvSpPr>
+          <p:cNvPr id="7" name="右箭头 6"/>
+          <p:cNvSpPr/>
+          <p:nvPr/>
+        </p:nvSpPr>
+        <p:spPr>
+          <a:xfrm>
+            <a:off x="9319492" y="4119418"/>
+            <a:ext cx="341745" cy="412775"/>
+          </a:xfrm>
+          <a:prstGeom prst="rightArrow">
+            <a:avLst/>
+          </a:prstGeom>
+        </p:spPr>
+        <p:style>
+          <a:lnRef idx="2">
+            <a:schemeClr val="accent1">
+              <a:shade val="50000"/>
+            </a:schemeClr>
+          </a:lnRef>
+          <a:fillRef idx="1">
+            <a:schemeClr val="accent1"/>
+          </a:fillRef>
+          <a:effectRef idx="0">
+            <a:schemeClr val="accent1"/>
+          </a:effectRef>
+          <a:fontRef idx="minor">
+            <a:schemeClr val="lt1"/>
+          </a:fontRef>
+        </p:style>
+        <p:txBody>
+          <a:bodyPr rtlCol="0" anchor="ctr"/>
+          <a:lstStyle/>
+          <a:p>
+            <a:pPr algn="ctr"/>
+            <a:endParaRPr lang="zh-CN" altLang="en-US"/>
+          </a:p>
+        </p:txBody>
+      </p:sp>
+      <p:pic>
+        <p:nvPicPr>
+          <p:cNvPr id="8" name="图片 7"/>
+          <p:cNvPicPr>
+            <a:picLocks noChangeAspect="1"/>
+          </p:cNvPicPr>
+          <p:nvPr/>
+        </p:nvPicPr>
+        <p:blipFill rotWithShape="1">
+          <a:blip r:embed="rId2">
+            <a:extLst>
+              <a:ext uri="{28A0092B-C50C-407E-A947-70E740481C1C}">
+                <a14:useLocalDpi xmlns:a14="http://schemas.microsoft.com/office/drawing/2010/main" val="0"/>
+              </a:ext>
+            </a:extLst>
+          </a:blip>
+          <a:srcRect r="22099"/>
+          <a:stretch>
+            <a:fillRect/>
+          </a:stretch>
+        </p:blipFill>
+        <p:spPr>
+          <a:xfrm>
+            <a:off x="9869809" y="2643682"/>
+            <a:ext cx="1435500" cy="3777022"/>
+          </a:xfrm>
+          <a:prstGeom prst="rect">
+            <a:avLst/>
+          </a:prstGeom>
+        </p:spPr>
+      </p:pic>
+      <p:sp>
+        <p:nvSpPr>
+          <p:cNvPr id="9" name="文本框 8"/>
+          <p:cNvSpPr txBox="1"/>
+          <p:nvPr/>
+        </p:nvSpPr>
+        <p:spPr>
+          <a:xfrm>
+            <a:off x="5650723" y="4162861"/>
+            <a:ext cx="2743200" cy="369332"/>
+          </a:xfrm>
+          <a:prstGeom prst="rect">
+            <a:avLst/>
+          </a:prstGeom>
+          <a:noFill/>
+        </p:spPr>
+        <p:txBody>
+          <a:bodyPr wrap="square" rtlCol="0">
+            <a:spAutoFit/>
+          </a:bodyPr>
+          <a:lstStyle/>
+          <a:p>
+            <a:r>
+              <a:rPr lang="zh-CN" altLang="en-US" dirty="0" smtClean="0"/>
+              <a:t>在‘</a:t>
+            </a:r>
+            <a:r>
+              <a:rPr lang="en-US" altLang="zh-CN" dirty="0" err="1" smtClean="0"/>
+              <a:t>int</a:t>
+            </a:r>
+            <a:r>
+              <a:rPr lang="zh-CN" altLang="en-US" dirty="0" smtClean="0"/>
+              <a:t>’左侧插入*</a:t>
+            </a:r>
+            <a:endParaRPr lang="zh-CN" altLang="en-US" dirty="0"/>
+          </a:p>
+        </p:txBody>
+      </p:sp>
+    </p:spTree>
+  </p:cSld>
+  <p:clrMapOvr>
+    <a:masterClrMapping/>
+  </p:clrMapOvr>
+  <p:transition spd="slow">
+    <p:wipe/>
+  </p:transition>
+  <p:timing>
+    <p:tnLst>
+      <p:par>
+        <p:cTn id="1" dur="indefinite" restart="never" nodeType="tmRoot"/>
+      </p:par>
+    </p:tnLst>
+  </p:timing>
+</p:sld>
+</file>
+
+<file path=ppt/slides/slide18.xml><?xml version="1.0" encoding="utf-8"?>
+<p:sld xmlns:a="http://schemas.openxmlformats.org/drawingml/2006/main" xmlns:r="http://schemas.openxmlformats.org/officeDocument/2006/relationships" xmlns:p="http://schemas.openxmlformats.org/presentationml/2006/main">
+  <p:cSld>
+    <p:spTree>
+      <p:nvGrpSpPr>
+        <p:cNvPr id="1" name=""/>
+        <p:cNvGrpSpPr/>
+        <p:nvPr/>
+      </p:nvGrpSpPr>
+      <p:grpSpPr>
+        <a:xfrm>
+          <a:off x="0" y="0"/>
+          <a:ext cx="0" cy="0"/>
+          <a:chOff x="0" y="0"/>
+          <a:chExt cx="0" cy="0"/>
+        </a:xfrm>
+      </p:grpSpPr>
+      <p:sp>
+        <p:nvSpPr>
+          <p:cNvPr id="2" name="标题 1"/>
+          <p:cNvSpPr>
+            <a:spLocks noGrp="1"/>
+          </p:cNvSpPr>
+          <p:nvPr>
+            <p:ph type="title"/>
+          </p:nvPr>
+        </p:nvSpPr>
+        <p:spPr/>
+        <p:txBody>
+          <a:bodyPr>
+            <a:normAutofit/>
+          </a:bodyPr>
+          <a:lstStyle/>
+          <a:p>
+            <a:r>
+              <a:rPr lang="zh-CN" altLang="en-US" sz="4800" dirty="0" smtClean="0">
+                <a:latin typeface="华文中宋" panose="02010600040101010101" pitchFamily="2" charset="-122"/>
+                <a:ea typeface="华文中宋" panose="02010600040101010101" pitchFamily="2" charset="-122"/>
+              </a:rPr>
+              <a:t>文档编辑：其他</a:t>
+            </a:r>
+            <a:endParaRPr lang="zh-CN" altLang="en-US" sz="4800" dirty="0">
+              <a:latin typeface="华文中宋" panose="02010600040101010101" pitchFamily="2" charset="-122"/>
+              <a:ea typeface="华文中宋" panose="02010600040101010101" pitchFamily="2" charset="-122"/>
+            </a:endParaRPr>
+          </a:p>
+        </p:txBody>
+      </p:sp>
+      <p:sp>
+        <p:nvSpPr>
+          <p:cNvPr id="3" name="内容占位符 2"/>
+          <p:cNvSpPr>
+            <a:spLocks noGrp="1"/>
+          </p:cNvSpPr>
+          <p:nvPr>
+            <p:ph idx="1"/>
+          </p:nvPr>
+        </p:nvSpPr>
+        <p:spPr/>
+        <p:txBody>
+          <a:bodyPr>
+            <a:normAutofit/>
+          </a:bodyPr>
+          <a:lstStyle/>
+          <a:p>
+            <a:r>
+              <a:rPr lang="zh-CN" altLang="en-US" sz="2400" dirty="0" smtClean="0">
+                <a:latin typeface="华文中宋" panose="02010600040101010101" pitchFamily="2" charset="-122"/>
+                <a:ea typeface="华文中宋" panose="02010600040101010101" pitchFamily="2" charset="-122"/>
+              </a:rPr>
+              <a:t>识别特定代码并进行高亮处理</a:t>
+            </a:r>
+            <a:endParaRPr lang="en-US" altLang="zh-CN" sz="2400" dirty="0" smtClean="0">
+              <a:latin typeface="华文中宋" panose="02010600040101010101" pitchFamily="2" charset="-122"/>
+              <a:ea typeface="华文中宋" panose="02010600040101010101" pitchFamily="2" charset="-122"/>
+            </a:endParaRPr>
+          </a:p>
+          <a:p>
+            <a:r>
+              <a:rPr lang="zh-CN" altLang="en-US" sz="2400" dirty="0" smtClean="0">
+                <a:latin typeface="华文中宋" panose="02010600040101010101" pitchFamily="2" charset="-122"/>
+                <a:ea typeface="华文中宋" panose="02010600040101010101" pitchFamily="2" charset="-122"/>
+              </a:rPr>
+              <a:t>输出行号</a:t>
+            </a:r>
+            <a:endParaRPr lang="zh-CN" altLang="en-US" sz="2400" dirty="0">
+              <a:latin typeface="华文中宋" panose="02010600040101010101" pitchFamily="2" charset="-122"/>
+              <a:ea typeface="华文中宋" panose="02010600040101010101" pitchFamily="2" charset="-122"/>
+            </a:endParaRPr>
+          </a:p>
+        </p:txBody>
+      </p:sp>
+      <p:pic>
+        <p:nvPicPr>
+          <p:cNvPr id="7" name="图片 6"/>
+          <p:cNvPicPr>
+            <a:picLocks noChangeAspect="1"/>
+          </p:cNvPicPr>
+          <p:nvPr/>
+        </p:nvPicPr>
+        <p:blipFill rotWithShape="1">
+          <a:blip r:embed="rId1">
+            <a:extLst>
+              <a:ext uri="{28A0092B-C50C-407E-A947-70E740481C1C}">
+                <a14:useLocalDpi xmlns:a14="http://schemas.microsoft.com/office/drawing/2010/main" val="0"/>
+              </a:ext>
+            </a:extLst>
+          </a:blip>
+          <a:srcRect b="67077"/>
+          <a:stretch>
+            <a:fillRect/>
+          </a:stretch>
+        </p:blipFill>
+        <p:spPr>
+          <a:xfrm>
+            <a:off x="1884218" y="3179515"/>
+            <a:ext cx="3749964" cy="2600830"/>
+          </a:xfrm>
+          <a:prstGeom prst="rect">
+            <a:avLst/>
+          </a:prstGeom>
+        </p:spPr>
+      </p:pic>
+    </p:spTree>
+  </p:cSld>
+  <p:clrMapOvr>
+    <a:masterClrMapping/>
+  </p:clrMapOvr>
+  <p:transition spd="slow">
+    <p:wipe/>
+  </p:transition>
+  <p:timing>
+    <p:tnLst>
+      <p:par>
+        <p:cTn id="1" dur="indefinite" restart="never" nodeType="tmRoot"/>
+      </p:par>
+    </p:tnLst>
+  </p:timing>
+</p:sld>
+</file>
+
+<file path=ppt/slides/slide19.xml><?xml version="1.0" encoding="utf-8"?>
+<p:sld xmlns:a="http://schemas.openxmlformats.org/drawingml/2006/main" xmlns:r="http://schemas.openxmlformats.org/officeDocument/2006/relationships" xmlns:p="http://schemas.openxmlformats.org/presentationml/2006/main">
+  <p:cSld>
+    <p:spTree>
+      <p:nvGrpSpPr>
+        <p:cNvPr id="1" name=""/>
+        <p:cNvGrpSpPr/>
+        <p:nvPr/>
+      </p:nvGrpSpPr>
+      <p:grpSpPr>
+        <a:xfrm>
+          <a:off x="0" y="0"/>
+          <a:ext cx="0" cy="0"/>
+          <a:chOff x="0" y="0"/>
+          <a:chExt cx="0" cy="0"/>
+        </a:xfrm>
+      </p:grpSpPr>
+      <p:sp>
+        <p:nvSpPr>
+          <p:cNvPr id="2" name="标题 1"/>
+          <p:cNvSpPr>
+            <a:spLocks noGrp="1"/>
+          </p:cNvSpPr>
+          <p:nvPr>
+            <p:ph type="title"/>
+          </p:nvPr>
+        </p:nvSpPr>
+        <p:spPr/>
+        <p:txBody>
+          <a:bodyPr>
+            <a:normAutofit/>
+          </a:bodyPr>
+          <a:lstStyle/>
+          <a:p>
+            <a:r>
+              <a:rPr lang="zh-CN" altLang="en-US" sz="4800" dirty="0" smtClean="0">
+                <a:latin typeface="华文中宋" panose="02010600040101010101" pitchFamily="2" charset="-122"/>
+                <a:ea typeface="华文中宋" panose="02010600040101010101" pitchFamily="2" charset="-122"/>
+              </a:rPr>
+              <a:t>其余改进</a:t>
+            </a:r>
+            <a:r>
+              <a:rPr lang="zh-CN" altLang="en-US" sz="4800" dirty="0">
+                <a:latin typeface="华文中宋" panose="02010600040101010101" pitchFamily="2" charset="-122"/>
+                <a:ea typeface="华文中宋" panose="02010600040101010101" pitchFamily="2" charset="-122"/>
+              </a:rPr>
+              <a:t>：</a:t>
+            </a:r>
+            <a:r>
+              <a:rPr lang="zh-CN" altLang="en-US" sz="4800" dirty="0" smtClean="0">
+                <a:latin typeface="华文中宋" panose="02010600040101010101" pitchFamily="2" charset="-122"/>
+                <a:ea typeface="华文中宋" panose="02010600040101010101" pitchFamily="2" charset="-122"/>
+              </a:rPr>
+              <a:t>命令行</a:t>
+            </a:r>
+            <a:r>
+              <a:rPr lang="zh-CN" altLang="en-US" sz="4800" dirty="0">
+                <a:latin typeface="华文中宋" panose="02010600040101010101" pitchFamily="2" charset="-122"/>
+                <a:ea typeface="华文中宋" panose="02010600040101010101" pitchFamily="2" charset="-122"/>
+              </a:rPr>
+              <a:t>式</a:t>
+            </a:r>
+            <a:r>
+              <a:rPr lang="zh-CN" altLang="en-US" sz="4800" dirty="0" smtClean="0">
+                <a:latin typeface="华文中宋" panose="02010600040101010101" pitchFamily="2" charset="-122"/>
+                <a:ea typeface="华文中宋" panose="02010600040101010101" pitchFamily="2" charset="-122"/>
+              </a:rPr>
+              <a:t>计算器</a:t>
+            </a:r>
+            <a:endParaRPr lang="zh-CN" altLang="en-US" sz="4800" dirty="0">
+              <a:latin typeface="华文中宋" panose="02010600040101010101" pitchFamily="2" charset="-122"/>
+              <a:ea typeface="华文中宋" panose="02010600040101010101" pitchFamily="2" charset="-122"/>
+            </a:endParaRPr>
+          </a:p>
+        </p:txBody>
+      </p:sp>
+      <p:sp>
+        <p:nvSpPr>
+          <p:cNvPr id="3" name="内容占位符 2"/>
+          <p:cNvSpPr>
+            <a:spLocks noGrp="1"/>
+          </p:cNvSpPr>
+          <p:nvPr>
+            <p:ph idx="1"/>
+          </p:nvPr>
+        </p:nvSpPr>
+        <p:spPr/>
+        <p:txBody>
+          <a:bodyPr>
+            <a:normAutofit/>
+          </a:bodyPr>
+          <a:lstStyle/>
+          <a:p>
+            <a:r>
+              <a:rPr lang="zh-CN" altLang="en-US" sz="3600" dirty="0" smtClean="0">
+                <a:latin typeface="华文中宋" panose="02010600040101010101" pitchFamily="2" charset="-122"/>
+                <a:ea typeface="华文中宋" panose="02010600040101010101" pitchFamily="2" charset="-122"/>
+              </a:rPr>
+              <a:t>支持浮点数运算</a:t>
+            </a:r>
+            <a:endParaRPr lang="en-US" altLang="zh-CN" sz="3600" dirty="0" smtClean="0">
+              <a:latin typeface="华文中宋" panose="02010600040101010101" pitchFamily="2" charset="-122"/>
+              <a:ea typeface="华文中宋" panose="02010600040101010101" pitchFamily="2" charset="-122"/>
+            </a:endParaRPr>
+          </a:p>
+          <a:p>
+            <a:r>
+              <a:rPr lang="zh-CN" altLang="en-US" sz="3600" dirty="0" smtClean="0">
+                <a:latin typeface="华文中宋" panose="02010600040101010101" pitchFamily="2" charset="-122"/>
+                <a:ea typeface="华文中宋" panose="02010600040101010101" pitchFamily="2" charset="-122"/>
+              </a:rPr>
+              <a:t>支持运算符：</a:t>
+            </a:r>
+            <a:r>
+              <a:rPr lang="en-US" altLang="zh-CN" sz="3600" dirty="0" smtClean="0">
+                <a:latin typeface="华文中宋" panose="02010600040101010101" pitchFamily="2" charset="-122"/>
+                <a:ea typeface="华文中宋" panose="02010600040101010101" pitchFamily="2" charset="-122"/>
+              </a:rPr>
+              <a:t>+ - * / ! ( ) </a:t>
+            </a:r>
+            <a:br>
+              <a:rPr lang="zh-CN" altLang="en-US" sz="3600" dirty="0">
+                <a:latin typeface="华文中宋" panose="02010600040101010101" pitchFamily="2" charset="-122"/>
+                <a:ea typeface="华文中宋" panose="02010600040101010101" pitchFamily="2" charset="-122"/>
+              </a:rPr>
+            </a:br>
+            <a:endParaRPr lang="zh-CN" altLang="en-US" sz="3600" dirty="0">
+              <a:latin typeface="华文中宋" panose="02010600040101010101" pitchFamily="2" charset="-122"/>
+              <a:ea typeface="华文中宋" panose="02010600040101010101" pitchFamily="2" charset="-122"/>
+            </a:endParaRPr>
+          </a:p>
+        </p:txBody>
+      </p:sp>
+      <p:pic>
+        <p:nvPicPr>
+          <p:cNvPr id="4" name="图片 3"/>
+          <p:cNvPicPr>
+            <a:picLocks noChangeAspect="1"/>
+          </p:cNvPicPr>
+          <p:nvPr/>
+        </p:nvPicPr>
+        <p:blipFill>
+          <a:blip r:embed="rId1"/>
           <a:stretch>
             <a:fillRect/>
           </a:stretch>
@@ -8440,6 +8569,8 @@
             </a:solidFill>
             <a:prstDash val="solid"/>
             <a:miter lim="800000"/>
+            <a:headEnd/>
+            <a:tailEnd/>
           </a:ln>
           <a:effectLst>
             <a:outerShdw blurRad="50800" dist="38100" dir="2700000" algn="tl" rotWithShape="0">
@@ -8451,11 +8582,6 @@
         </p:spPr>
       </p:pic>
     </p:spTree>
-    <p:extLst>
-      <p:ext uri="{BB962C8B-B14F-4D97-AF65-F5344CB8AC3E}">
-        <p14:creationId xmlns:p14="http://schemas.microsoft.com/office/powerpoint/2010/main" val="3131877192"/>
-      </p:ext>
-    </p:extLst>
   </p:cSld>
   <p:clrMapOvr>
     <a:masterClrMapping/>
@@ -8680,11 +8806,6 @@
         </p:txBody>
       </p:sp>
     </p:spTree>
-    <p:extLst>
-      <p:ext uri="{BB962C8B-B14F-4D97-AF65-F5344CB8AC3E}">
-        <p14:creationId xmlns:p14="http://schemas.microsoft.com/office/powerpoint/2010/main" val="402897380"/>
-      </p:ext>
-    </p:extLst>
   </p:cSld>
   <p:clrMapOvr>
     <a:masterClrMapping/>
@@ -8888,10 +9009,6 @@
               </a:rPr>
               <a:t>的前后向移动</a:t>
             </a:r>
-            <a:r>
-              <a:rPr lang="zh-CN" altLang="en-US" sz="3200" dirty="0"/>
-              <a:t/>
-            </a:r>
             <a:br>
               <a:rPr lang="zh-CN" altLang="en-US" sz="3200" dirty="0"/>
             </a:br>
@@ -8900,11 +9017,6 @@
         </p:txBody>
       </p:sp>
     </p:spTree>
-    <p:extLst>
-      <p:ext uri="{BB962C8B-B14F-4D97-AF65-F5344CB8AC3E}">
-        <p14:creationId xmlns:p14="http://schemas.microsoft.com/office/powerpoint/2010/main" val="1117693491"/>
-      </p:ext>
-    </p:extLst>
   </p:cSld>
   <p:clrMapOvr>
     <a:masterClrMapping/>
@@ -9035,6 +9147,10 @@
               </a:rPr>
               <a:t>fork*</a:t>
             </a:r>
+            <a:endParaRPr lang="en-US" altLang="zh-CN" sz="3200" dirty="0" smtClean="0">
+              <a:latin typeface="华文中宋" panose="02010600040101010101" pitchFamily="2" charset="-122"/>
+              <a:ea typeface="华文中宋" panose="02010600040101010101" pitchFamily="2" charset="-122"/>
+            </a:endParaRPr>
           </a:p>
           <a:p>
             <a:r>
@@ -9050,10 +9166,6 @@
                 <a:ea typeface="华文中宋" panose="02010600040101010101" pitchFamily="2" charset="-122"/>
               </a:rPr>
               <a:t>forktest</a:t>
-            </a:r>
-            <a:r>
-              <a:rPr lang="zh-CN" altLang="en-US" sz="3200" dirty="0"/>
-              <a:t/>
             </a:r>
             <a:br>
               <a:rPr lang="zh-CN" altLang="en-US" sz="3200" dirty="0"/>
@@ -9071,7 +9183,7 @@
           <p:nvPr/>
         </p:nvPicPr>
         <p:blipFill>
-          <a:blip r:embed="rId2"/>
+          <a:blip r:embed="rId1"/>
           <a:stretch>
             <a:fillRect/>
           </a:stretch>
@@ -9090,6 +9202,8 @@
             </a:solidFill>
             <a:prstDash val="solid"/>
             <a:miter lim="800000"/>
+            <a:headEnd/>
+            <a:tailEnd/>
           </a:ln>
           <a:effectLst>
             <a:innerShdw blurRad="76200">
@@ -9107,7 +9221,7 @@
           <p:nvPr/>
         </p:nvPicPr>
         <p:blipFill>
-          <a:blip r:embed="rId3"/>
+          <a:blip r:embed="rId2"/>
           <a:stretch>
             <a:fillRect/>
           </a:stretch>
@@ -9126,6 +9240,8 @@
             </a:solidFill>
             <a:prstDash val="solid"/>
             <a:miter lim="800000"/>
+            <a:headEnd/>
+            <a:tailEnd/>
           </a:ln>
           <a:effectLst>
             <a:innerShdw blurRad="76200">
@@ -9143,7 +9259,7 @@
           <p:nvPr/>
         </p:nvPicPr>
         <p:blipFill>
-          <a:blip r:embed="rId4"/>
+          <a:blip r:embed="rId3"/>
           <a:stretch>
             <a:fillRect/>
           </a:stretch>
@@ -9162,6 +9278,8 @@
             </a:solidFill>
             <a:prstDash val="solid"/>
             <a:miter lim="800000"/>
+            <a:headEnd/>
+            <a:tailEnd/>
           </a:ln>
           <a:effectLst>
             <a:innerShdw blurRad="76200">
@@ -9171,11 +9289,6 @@
         </p:spPr>
       </p:pic>
     </p:spTree>
-    <p:extLst>
-      <p:ext uri="{BB962C8B-B14F-4D97-AF65-F5344CB8AC3E}">
-        <p14:creationId xmlns:p14="http://schemas.microsoft.com/office/powerpoint/2010/main" val="2711931342"/>
-      </p:ext>
-    </p:extLst>
   </p:cSld>
   <p:clrMapOvr>
     <a:masterClrMapping/>
@@ -9474,6 +9587,10 @@
               </a:rPr>
               <a:t> README</a:t>
             </a:r>
+            <a:endParaRPr lang="en-US" altLang="zh-CN" sz="3200" dirty="0" smtClean="0">
+              <a:latin typeface="华文中宋" panose="02010600040101010101" pitchFamily="2" charset="-122"/>
+              <a:ea typeface="华文中宋" panose="02010600040101010101" pitchFamily="2" charset="-122"/>
+            </a:endParaRPr>
           </a:p>
           <a:p>
             <a:r>
@@ -9503,10 +9620,6 @@
                 <a:ea typeface="华文中宋" panose="02010600040101010101" pitchFamily="2" charset="-122"/>
               </a:rPr>
               <a:t>cat README</a:t>
-            </a:r>
-            <a:r>
-              <a:rPr lang="zh-CN" altLang="en-US" sz="3200" dirty="0"/>
-              <a:t/>
             </a:r>
             <a:br>
               <a:rPr lang="zh-CN" altLang="en-US" sz="3200" dirty="0"/>
@@ -9524,7 +9637,7 @@
           <p:nvPr/>
         </p:nvPicPr>
         <p:blipFill>
-          <a:blip r:embed="rId2"/>
+          <a:blip r:embed="rId1"/>
           <a:stretch>
             <a:fillRect/>
           </a:stretch>
@@ -9543,6 +9656,8 @@
             </a:solidFill>
             <a:prstDash val="solid"/>
             <a:miter lim="800000"/>
+            <a:headEnd/>
+            <a:tailEnd/>
           </a:ln>
           <a:effectLst>
             <a:innerShdw blurRad="76200">
@@ -9552,11 +9667,6 @@
         </p:spPr>
       </p:pic>
     </p:spTree>
-    <p:extLst>
-      <p:ext uri="{BB962C8B-B14F-4D97-AF65-F5344CB8AC3E}">
-        <p14:creationId xmlns:p14="http://schemas.microsoft.com/office/powerpoint/2010/main" val="3249973018"/>
-      </p:ext>
-    </p:extLst>
   </p:cSld>
   <p:clrMapOvr>
     <a:masterClrMapping/>
@@ -9777,10 +9887,6 @@
               </a:rPr>
               <a:t>条指令。</a:t>
             </a:r>
-            <a:r>
-              <a:rPr lang="zh-CN" altLang="en-US" sz="3200" dirty="0"/>
-              <a:t/>
-            </a:r>
             <a:br>
               <a:rPr lang="zh-CN" altLang="en-US" sz="3200" dirty="0"/>
             </a:br>
@@ -9797,7 +9903,7 @@
           <p:nvPr/>
         </p:nvPicPr>
         <p:blipFill>
-          <a:blip r:embed="rId2"/>
+          <a:blip r:embed="rId1"/>
           <a:stretch>
             <a:fillRect/>
           </a:stretch>
@@ -9816,6 +9922,8 @@
             </a:solidFill>
             <a:prstDash val="solid"/>
             <a:miter lim="800000"/>
+            <a:headEnd/>
+            <a:tailEnd/>
           </a:ln>
           <a:effectLst>
             <a:innerShdw blurRad="76200">
@@ -9833,7 +9941,7 @@
           <p:nvPr/>
         </p:nvPicPr>
         <p:blipFill>
-          <a:blip r:embed="rId3"/>
+          <a:blip r:embed="rId2"/>
           <a:stretch>
             <a:fillRect/>
           </a:stretch>
@@ -9852,6 +9960,8 @@
             </a:solidFill>
             <a:prstDash val="solid"/>
             <a:miter lim="800000"/>
+            <a:headEnd/>
+            <a:tailEnd/>
           </a:ln>
           <a:effectLst>
             <a:innerShdw blurRad="76200">
@@ -9861,11 +9971,6 @@
         </p:spPr>
       </p:pic>
     </p:spTree>
-    <p:extLst>
-      <p:ext uri="{BB962C8B-B14F-4D97-AF65-F5344CB8AC3E}">
-        <p14:creationId xmlns:p14="http://schemas.microsoft.com/office/powerpoint/2010/main" val="2736590657"/>
-      </p:ext>
-    </p:extLst>
   </p:cSld>
   <p:clrMapOvr>
     <a:masterClrMapping/>
@@ -10101,10 +10206,6 @@
               </a:rPr>
               <a:t>条历史指令。</a:t>
             </a:r>
-            <a:r>
-              <a:rPr lang="zh-CN" altLang="en-US" sz="3200" dirty="0"/>
-              <a:t/>
-            </a:r>
             <a:br>
               <a:rPr lang="zh-CN" altLang="en-US" sz="3200" dirty="0"/>
             </a:br>
@@ -10121,7 +10222,7 @@
           <p:nvPr/>
         </p:nvPicPr>
         <p:blipFill>
-          <a:blip r:embed="rId2"/>
+          <a:blip r:embed="rId1"/>
           <a:stretch>
             <a:fillRect/>
           </a:stretch>
@@ -10140,6 +10241,8 @@
             </a:solidFill>
             <a:prstDash val="solid"/>
             <a:miter lim="800000"/>
+            <a:headEnd/>
+            <a:tailEnd/>
           </a:ln>
           <a:effectLst>
             <a:innerShdw blurRad="76200">
@@ -10157,7 +10260,7 @@
           <p:nvPr/>
         </p:nvPicPr>
         <p:blipFill>
-          <a:blip r:embed="rId3"/>
+          <a:blip r:embed="rId2"/>
           <a:stretch>
             <a:fillRect/>
           </a:stretch>
@@ -10176,6 +10279,8 @@
             </a:solidFill>
             <a:prstDash val="solid"/>
             <a:miter lim="800000"/>
+            <a:headEnd/>
+            <a:tailEnd/>
           </a:ln>
           <a:effectLst>
             <a:innerShdw blurRad="76200">
@@ -10185,11 +10290,6 @@
         </p:spPr>
       </p:pic>
     </p:spTree>
-    <p:extLst>
-      <p:ext uri="{BB962C8B-B14F-4D97-AF65-F5344CB8AC3E}">
-        <p14:creationId xmlns:p14="http://schemas.microsoft.com/office/powerpoint/2010/main" val="2201696338"/>
-      </p:ext>
-    </p:extLst>
   </p:cSld>
   <p:clrMapOvr>
     <a:masterClrMapping/>
@@ -10450,10 +10550,6 @@
               </a:rPr>
               <a:t>即可执行清屏。</a:t>
             </a:r>
-            <a:r>
-              <a:rPr lang="zh-CN" altLang="en-US" sz="3200" dirty="0"/>
-              <a:t/>
-            </a:r>
             <a:br>
               <a:rPr lang="zh-CN" altLang="en-US" sz="3200" dirty="0"/>
             </a:br>
@@ -10470,7 +10566,7 @@
           <p:nvPr/>
         </p:nvPicPr>
         <p:blipFill>
-          <a:blip r:embed="rId2"/>
+          <a:blip r:embed="rId1"/>
           <a:stretch>
             <a:fillRect/>
           </a:stretch>
@@ -10504,7 +10600,7 @@
           <p:nvPr/>
         </p:nvPicPr>
         <p:blipFill>
-          <a:blip r:embed="rId3"/>
+          <a:blip r:embed="rId2"/>
           <a:stretch>
             <a:fillRect/>
           </a:stretch>
@@ -10530,11 +10626,6 @@
         </p:spPr>
       </p:pic>
     </p:spTree>
-    <p:extLst>
-      <p:ext uri="{BB962C8B-B14F-4D97-AF65-F5344CB8AC3E}">
-        <p14:creationId xmlns:p14="http://schemas.microsoft.com/office/powerpoint/2010/main" val="840877402"/>
-      </p:ext>
-    </p:extLst>
   </p:cSld>
   <p:clrMapOvr>
     <a:masterClrMapping/>
@@ -10832,15 +10923,14 @@
               </a:rPr>
               <a:t>的更名</a:t>
             </a:r>
+            <a:endParaRPr lang="zh-CN" altLang="en-US" sz="3600" dirty="0">
+              <a:latin typeface="华文中宋" panose="02010600040101010101" pitchFamily="2" charset="-122"/>
+              <a:ea typeface="华文中宋" panose="02010600040101010101" pitchFamily="2" charset="-122"/>
+            </a:endParaRPr>
           </a:p>
         </p:txBody>
       </p:sp>
     </p:spTree>
-    <p:extLst>
-      <p:ext uri="{BB962C8B-B14F-4D97-AF65-F5344CB8AC3E}">
-        <p14:creationId xmlns:p14="http://schemas.microsoft.com/office/powerpoint/2010/main" val="156706931"/>
-      </p:ext>
-    </p:extLst>
   </p:cSld>
   <p:clrMapOvr>
     <a:masterClrMapping/>
@@ -11106,8 +11196,11 @@
       </a:bgFillStyleLst>
     </a:fmtScheme>
   </a:themeElements>
-  <a:objectDefaults/>
-  <a:extraClrSchemeLst/>
+  <a:extLst>
+    <a:ext uri="{05A4C25C-085E-4340-85A3-A5531E510DB2}">
+      <thm15:themeFamily xmlns:thm15="http://schemas.microsoft.com/office/thememl/2012/main" name="Office Theme" id="{62F939B6-93AF-4DB8-9C6B-D6C7DFDC589F}" vid="{4A3C46E8-61CC-4603-A589-7422A47A8E4A}"/>
+    </a:ext>
+  </a:extLst>
 </a:theme>
 </file>
 
@@ -11154,7 +11247,7 @@
     </a:clrScheme>
     <a:fontScheme name="Gallery">
       <a:majorFont>
-        <a:latin typeface="Gill Sans MT" panose="020B0502020104020203"/>
+        <a:latin typeface="Gill Sans MT"/>
         <a:ea typeface=""/>
         <a:cs typeface=""/>
         <a:font script="Jpan" typeface="游ゴシック Light"/>
@@ -11189,7 +11282,7 @@
         <a:font script="Geor" typeface="Sylfaen"/>
       </a:majorFont>
       <a:minorFont>
-        <a:latin typeface="Gill Sans MT" panose="020B0502020104020203"/>
+        <a:latin typeface="Gill Sans MT"/>
         <a:ea typeface=""/>
         <a:cs typeface=""/>
         <a:font script="Jpan" typeface="游ゴシック"/>
@@ -11354,11 +11447,9 @@
       </a:bgFillStyleLst>
     </a:fmtScheme>
   </a:themeElements>
-  <a:objectDefaults/>
-  <a:extraClrSchemeLst/>
   <a:extLst>
     <a:ext uri="{05A4C25C-085E-4340-85A3-A5531E510DB2}">
-      <thm15:themeFamily xmlns:thm15="http://schemas.microsoft.com/office/thememl/2012/main" name="Gallery" id="{BBFCD31E-59A1-489D-B089-A3EAD7CAE12E}" vid="{F5E91637-A7B6-4E27-B710-77DA7014EE1E}"/>
+      <thm15:themeFamily xmlns:thm15="http://schemas.microsoft.com/office/thememl/2012/main" name="Office Theme" id="{62F939B6-93AF-4DB8-9C6B-D6C7DFDC589F}" vid="{4A3C46E8-61CC-4603-A589-7422A47A8E4A}"/>
     </a:ext>
   </a:extLst>
 </a:theme>
@@ -11407,7 +11498,7 @@
     </a:clrScheme>
     <a:fontScheme name="Office">
       <a:majorFont>
-        <a:latin typeface="等线 Light" panose="020F0302020204030204"/>
+        <a:latin typeface="等线 Light"/>
         <a:ea typeface=""/>
         <a:cs typeface=""/>
         <a:font script="Jpan" typeface="游ゴシック Light"/>
@@ -11442,7 +11533,7 @@
         <a:font script="Geor" typeface="Sylfaen"/>
       </a:majorFont>
       <a:minorFont>
-        <a:latin typeface="等线" panose="020F0502020204030204"/>
+        <a:latin typeface="等线"/>
         <a:ea typeface=""/>
         <a:cs typeface=""/>
         <a:font script="Jpan" typeface="游ゴシック"/>
@@ -11615,8 +11706,6 @@
       </a:bgFillStyleLst>
     </a:fmtScheme>
   </a:themeElements>
-  <a:objectDefaults/>
-  <a:extraClrSchemeLst/>
   <a:extLst>
     <a:ext uri="{05A4C25C-085E-4340-85A3-A5531E510DB2}">
       <thm15:themeFamily xmlns:thm15="http://schemas.microsoft.com/office/thememl/2012/main" name="Office Theme" id="{62F939B6-93AF-4DB8-9C6B-D6C7DFDC589F}" vid="{4A3C46E8-61CC-4603-A589-7422A47A8E4A}"/>

--- a/report/shell改进.pptx
+++ b/report/shell改进.pptx
@@ -6,7 +6,7 @@
     <p:sldMasterId id="2147483660" r:id="rId3"/>
   </p:sldMasterIdLst>
   <p:handoutMasterIdLst>
-    <p:handoutMasterId r:id="rId23"/>
+    <p:handoutMasterId r:id="rId22"/>
   </p:handoutMasterIdLst>
   <p:sldIdLst>
     <p:sldId id="256" r:id="rId4"/>
@@ -20,14 +20,13 @@
     <p:sldId id="260" r:id="rId12"/>
     <p:sldId id="279" r:id="rId13"/>
     <p:sldId id="280" r:id="rId14"/>
-    <p:sldId id="281" r:id="rId15"/>
-    <p:sldId id="268" r:id="rId16"/>
-    <p:sldId id="270" r:id="rId17"/>
-    <p:sldId id="269" r:id="rId18"/>
-    <p:sldId id="271" r:id="rId19"/>
-    <p:sldId id="272" r:id="rId20"/>
+    <p:sldId id="268" r:id="rId15"/>
+    <p:sldId id="270" r:id="rId16"/>
+    <p:sldId id="269" r:id="rId17"/>
+    <p:sldId id="271" r:id="rId18"/>
+    <p:sldId id="272" r:id="rId19"/>
+    <p:sldId id="259" r:id="rId20"/>
     <p:sldId id="273" r:id="rId21"/>
-    <p:sldId id="259" r:id="rId22"/>
   </p:sldIdLst>
   <p:sldSz cx="12192000" cy="6858000"/>
   <p:notesSz cx="6858000" cy="9144000"/>
@@ -6834,14 +6833,7 @@
                 <a:latin typeface="华文中宋" panose="02010600040101010101" pitchFamily="2" charset="-122"/>
                 <a:ea typeface="华文中宋" panose="02010600040101010101" pitchFamily="2" charset="-122"/>
               </a:rPr>
-              <a:t>cp file1/document</a:t>
-            </a:r>
-            <a:r>
-              <a:rPr lang="en-US" altLang="zh-CN" sz="3600">
-                <a:latin typeface="华文中宋" panose="02010600040101010101" pitchFamily="2" charset="-122"/>
-                <a:ea typeface="华文中宋" panose="02010600040101010101" pitchFamily="2" charset="-122"/>
-              </a:rPr>
-              <a:t> file2</a:t>
+              <a:t>cp file1/document file2</a:t>
             </a:r>
             <a:endParaRPr lang="zh-CN" altLang="en-US" sz="3600">
               <a:latin typeface="华文中宋" panose="02010600040101010101" pitchFamily="2" charset="-122"/>
@@ -7005,118 +6997,6 @@
 </file>
 
 <file path=ppt/slides/slide12.xml><?xml version="1.0" encoding="utf-8"?>
-<p:sld xmlns:a="http://schemas.openxmlformats.org/drawingml/2006/main" xmlns:r="http://schemas.openxmlformats.org/officeDocument/2006/relationships" xmlns:p="http://schemas.openxmlformats.org/presentationml/2006/main">
-  <p:cSld>
-    <p:spTree>
-      <p:nvGrpSpPr>
-        <p:cNvPr id="1" name=""/>
-        <p:cNvGrpSpPr/>
-        <p:nvPr/>
-      </p:nvGrpSpPr>
-      <p:grpSpPr/>
-      <p:sp>
-        <p:nvSpPr>
-          <p:cNvPr id="2" name="标题 1"/>
-          <p:cNvSpPr>
-            <a:spLocks noGrp="1"/>
-          </p:cNvSpPr>
-          <p:nvPr>
-            <p:ph type="title"/>
-          </p:nvPr>
-        </p:nvSpPr>
-        <p:spPr/>
-        <p:txBody>
-          <a:bodyPr/>
-          <a:p>
-            <a:r>
-              <a:rPr lang="zh-CN" altLang="en-US" sz="4800">
-                <a:latin typeface="华文中宋" panose="02010600040101010101" pitchFamily="2" charset="-122"/>
-                <a:ea typeface="华文中宋" panose="02010600040101010101" pitchFamily="2" charset="-122"/>
-                <a:sym typeface="+mn-ea"/>
-              </a:rPr>
-              <a:t>文件管理：文件的搜索</a:t>
-            </a:r>
-            <a:endParaRPr lang="zh-CN" altLang="en-US" sz="4800">
-              <a:latin typeface="华文中宋" panose="02010600040101010101" pitchFamily="2" charset="-122"/>
-              <a:ea typeface="华文中宋" panose="02010600040101010101" pitchFamily="2" charset="-122"/>
-              <a:sym typeface="+mn-ea"/>
-            </a:endParaRPr>
-          </a:p>
-        </p:txBody>
-      </p:sp>
-      <p:sp>
-        <p:nvSpPr>
-          <p:cNvPr id="3" name="内容占位符 2"/>
-          <p:cNvSpPr>
-            <a:spLocks noGrp="1"/>
-          </p:cNvSpPr>
-          <p:nvPr>
-            <p:ph idx="1"/>
-          </p:nvPr>
-        </p:nvSpPr>
-        <p:spPr/>
-        <p:txBody>
-          <a:bodyPr/>
-          <a:p>
-            <a:r>
-              <a:rPr lang="zh-CN" altLang="en-US" sz="3600">
-                <a:latin typeface="华文中宋" panose="02010600040101010101" pitchFamily="2" charset="-122"/>
-                <a:ea typeface="华文中宋" panose="02010600040101010101" pitchFamily="2" charset="-122"/>
-                <a:sym typeface="+mn-ea"/>
-              </a:rPr>
-              <a:t>使用方法：</a:t>
-            </a:r>
-            <a:r>
-              <a:rPr lang="en-US" altLang="zh-CN" sz="3600">
-                <a:latin typeface="华文中宋" panose="02010600040101010101" pitchFamily="2" charset="-122"/>
-                <a:ea typeface="华文中宋" panose="02010600040101010101" pitchFamily="2" charset="-122"/>
-                <a:sym typeface="+mn-ea"/>
-              </a:rPr>
-              <a:t>find file</a:t>
-            </a:r>
-            <a:endParaRPr lang="zh-CN" altLang="en-US">
-              <a:latin typeface="华文中宋" panose="02010600040101010101" pitchFamily="2" charset="-122"/>
-              <a:ea typeface="华文中宋" panose="02010600040101010101" pitchFamily="2" charset="-122"/>
-            </a:endParaRPr>
-          </a:p>
-          <a:p>
-            <a:endParaRPr lang="zh-CN" altLang="en-US"/>
-          </a:p>
-        </p:txBody>
-      </p:sp>
-      <p:pic>
-        <p:nvPicPr>
-          <p:cNvPr id="4" name="图片 3" descr="find2"/>
-          <p:cNvPicPr>
-            <a:picLocks noChangeAspect="1"/>
-          </p:cNvPicPr>
-          <p:nvPr/>
-        </p:nvPicPr>
-        <p:blipFill>
-          <a:blip r:embed="rId1"/>
-          <a:stretch>
-            <a:fillRect/>
-          </a:stretch>
-        </p:blipFill>
-        <p:spPr>
-          <a:xfrm>
-            <a:off x="2951480" y="3789045"/>
-            <a:ext cx="5361940" cy="1617980"/>
-          </a:xfrm>
-          <a:prstGeom prst="rect">
-            <a:avLst/>
-          </a:prstGeom>
-        </p:spPr>
-      </p:pic>
-    </p:spTree>
-  </p:cSld>
-  <p:clrMapOvr>
-    <a:masterClrMapping/>
-  </p:clrMapOvr>
-</p:sld>
-</file>
-
-<file path=ppt/slides/slide13.xml><?xml version="1.0" encoding="utf-8"?>
 <p:sld xmlns:a="http://schemas.openxmlformats.org/drawingml/2006/main" xmlns:r="http://schemas.openxmlformats.org/officeDocument/2006/relationships" xmlns:p="http://schemas.openxmlformats.org/presentationml/2006/main">
   <p:cSld>
     <p:spTree>
@@ -7423,7 +7303,7 @@
 </p:sld>
 </file>
 
-<file path=ppt/slides/slide14.xml><?xml version="1.0" encoding="utf-8"?>
+<file path=ppt/slides/slide13.xml><?xml version="1.0" encoding="utf-8"?>
 <p:sld xmlns:a="http://schemas.openxmlformats.org/drawingml/2006/main" xmlns:r="http://schemas.openxmlformats.org/officeDocument/2006/relationships" xmlns:p="http://schemas.openxmlformats.org/presentationml/2006/main">
   <p:cSld>
     <p:spTree>
@@ -7589,7 +7469,7 @@
 </p:sld>
 </file>
 
-<file path=ppt/slides/slide15.xml><?xml version="1.0" encoding="utf-8"?>
+<file path=ppt/slides/slide14.xml><?xml version="1.0" encoding="utf-8"?>
 <p:sld xmlns:a="http://schemas.openxmlformats.org/drawingml/2006/main" xmlns:r="http://schemas.openxmlformats.org/officeDocument/2006/relationships" xmlns:p="http://schemas.openxmlformats.org/presentationml/2006/main">
   <p:cSld>
     <p:spTree>
@@ -7779,7 +7659,7 @@
 </p:sld>
 </file>
 
-<file path=ppt/slides/slide16.xml><?xml version="1.0" encoding="utf-8"?>
+<file path=ppt/slides/slide15.xml><?xml version="1.0" encoding="utf-8"?>
 <p:sld xmlns:a="http://schemas.openxmlformats.org/drawingml/2006/main" xmlns:r="http://schemas.openxmlformats.org/officeDocument/2006/relationships" xmlns:p="http://schemas.openxmlformats.org/presentationml/2006/main">
   <p:cSld>
     <p:spTree>
@@ -7984,7 +7864,7 @@
 </p:sld>
 </file>
 
-<file path=ppt/slides/slide17.xml><?xml version="1.0" encoding="utf-8"?>
+<file path=ppt/slides/slide16.xml><?xml version="1.0" encoding="utf-8"?>
 <p:sld xmlns:a="http://schemas.openxmlformats.org/drawingml/2006/main" xmlns:r="http://schemas.openxmlformats.org/officeDocument/2006/relationships" xmlns:p="http://schemas.openxmlformats.org/presentationml/2006/main">
   <p:cSld>
     <p:spTree>
@@ -8267,148 +8147,7 @@
 </p:sld>
 </file>
 
-<file path=ppt/slides/slide18.xml><?xml version="1.0" encoding="utf-8"?>
-<p:sld xmlns:a="http://schemas.openxmlformats.org/drawingml/2006/main" xmlns:r="http://schemas.openxmlformats.org/officeDocument/2006/relationships" xmlns:p="http://schemas.openxmlformats.org/presentationml/2006/main">
-  <p:cSld>
-    <p:spTree>
-      <p:nvGrpSpPr>
-        <p:cNvPr id="1" name=""/>
-        <p:cNvGrpSpPr/>
-        <p:nvPr/>
-      </p:nvGrpSpPr>
-      <p:grpSpPr>
-        <a:xfrm>
-          <a:off x="0" y="0"/>
-          <a:ext cx="0" cy="0"/>
-          <a:chOff x="0" y="0"/>
-          <a:chExt cx="0" cy="0"/>
-        </a:xfrm>
-      </p:grpSpPr>
-      <p:sp>
-        <p:nvSpPr>
-          <p:cNvPr id="2" name="标题 1"/>
-          <p:cNvSpPr>
-            <a:spLocks noGrp="1"/>
-          </p:cNvSpPr>
-          <p:nvPr>
-            <p:ph type="title"/>
-          </p:nvPr>
-        </p:nvSpPr>
-        <p:spPr/>
-        <p:txBody>
-          <a:bodyPr>
-            <a:normAutofit/>
-          </a:bodyPr>
-          <a:lstStyle/>
-          <a:p>
-            <a:r>
-              <a:rPr lang="zh-CN" altLang="en-US" sz="4800" dirty="0" smtClean="0">
-                <a:latin typeface="华文中宋" panose="02010600040101010101" pitchFamily="2" charset="-122"/>
-                <a:ea typeface="华文中宋" panose="02010600040101010101" pitchFamily="2" charset="-122"/>
-              </a:rPr>
-              <a:t>文档编辑：其他</a:t>
-            </a:r>
-            <a:endParaRPr lang="zh-CN" altLang="en-US" sz="4800" dirty="0">
-              <a:latin typeface="华文中宋" panose="02010600040101010101" pitchFamily="2" charset="-122"/>
-              <a:ea typeface="华文中宋" panose="02010600040101010101" pitchFamily="2" charset="-122"/>
-            </a:endParaRPr>
-          </a:p>
-        </p:txBody>
-      </p:sp>
-      <p:sp>
-        <p:nvSpPr>
-          <p:cNvPr id="3" name="内容占位符 2"/>
-          <p:cNvSpPr>
-            <a:spLocks noGrp="1"/>
-          </p:cNvSpPr>
-          <p:nvPr>
-            <p:ph idx="1"/>
-          </p:nvPr>
-        </p:nvSpPr>
-        <p:spPr/>
-        <p:txBody>
-          <a:bodyPr>
-            <a:normAutofit/>
-          </a:bodyPr>
-          <a:lstStyle/>
-          <a:p>
-            <a:r>
-              <a:rPr lang="zh-CN" altLang="en-US" sz="2400" dirty="0" smtClean="0">
-                <a:latin typeface="华文中宋" panose="02010600040101010101" pitchFamily="2" charset="-122"/>
-                <a:ea typeface="华文中宋" panose="02010600040101010101" pitchFamily="2" charset="-122"/>
-              </a:rPr>
-              <a:t>识别特定代码并进行高亮处理</a:t>
-            </a:r>
-            <a:endParaRPr lang="en-US" altLang="zh-CN" sz="2400" dirty="0" smtClean="0">
-              <a:latin typeface="华文中宋" panose="02010600040101010101" pitchFamily="2" charset="-122"/>
-              <a:ea typeface="华文中宋" panose="02010600040101010101" pitchFamily="2" charset="-122"/>
-            </a:endParaRPr>
-          </a:p>
-          <a:p>
-            <a:r>
-              <a:rPr lang="zh-CN" altLang="en-US" sz="2400" dirty="0" smtClean="0">
-                <a:latin typeface="华文中宋" panose="02010600040101010101" pitchFamily="2" charset="-122"/>
-                <a:ea typeface="华文中宋" panose="02010600040101010101" pitchFamily="2" charset="-122"/>
-              </a:rPr>
-              <a:t>输出行号</a:t>
-            </a:r>
-            <a:endParaRPr lang="zh-CN" altLang="en-US" sz="2400" dirty="0">
-              <a:latin typeface="华文中宋" panose="02010600040101010101" pitchFamily="2" charset="-122"/>
-              <a:ea typeface="华文中宋" panose="02010600040101010101" pitchFamily="2" charset="-122"/>
-            </a:endParaRPr>
-          </a:p>
-        </p:txBody>
-      </p:sp>
-      <p:pic>
-        <p:nvPicPr>
-          <p:cNvPr id="7" name="图片 6"/>
-          <p:cNvPicPr>
-            <a:picLocks noChangeAspect="1"/>
-          </p:cNvPicPr>
-          <p:nvPr/>
-        </p:nvPicPr>
-        <p:blipFill rotWithShape="1">
-          <a:blip r:embed="rId1">
-            <a:extLst>
-              <a:ext uri="{28A0092B-C50C-407E-A947-70E740481C1C}">
-                <a14:useLocalDpi xmlns:a14="http://schemas.microsoft.com/office/drawing/2010/main" val="0"/>
-              </a:ext>
-            </a:extLst>
-          </a:blip>
-          <a:srcRect b="67077"/>
-          <a:stretch>
-            <a:fillRect/>
-          </a:stretch>
-        </p:blipFill>
-        <p:spPr>
-          <a:xfrm>
-            <a:off x="1884218" y="3179515"/>
-            <a:ext cx="3749964" cy="2600830"/>
-          </a:xfrm>
-          <a:prstGeom prst="rect">
-            <a:avLst/>
-          </a:prstGeom>
-        </p:spPr>
-      </p:pic>
-    </p:spTree>
-  </p:cSld>
-  <p:clrMapOvr>
-    <a:masterClrMapping/>
-  </p:clrMapOvr>
-  <p:transition spd="slow">
-    <p:wipe/>
-  </p:transition>
-  <p:timing>
-    <p:tnLst>
-      <p:par>
-        <p:cTn id="1" dur="indefinite" restart="never" nodeType="tmRoot"/>
-      </p:par>
-    </p:tnLst>
-  </p:timing>
-</p:sld>
-</file>
-
-<file path=ppt/slides/slide19.xml><?xml version="1.0" encoding="utf-8"?>
+<file path=ppt/slides/slide17.xml><?xml version="1.0" encoding="utf-8"?>
 <p:sld xmlns:a="http://schemas.openxmlformats.org/drawingml/2006/main" xmlns:r="http://schemas.openxmlformats.org/officeDocument/2006/relationships" xmlns:p="http://schemas.openxmlformats.org/presentationml/2006/main">
   <p:cSld>
     <p:spTree>
@@ -8669,6 +8408,147 @@
             </p:seq>
           </p:childTnLst>
         </p:cTn>
+      </p:par>
+    </p:tnLst>
+  </p:timing>
+</p:sld>
+</file>
+
+<file path=ppt/slides/slide18.xml><?xml version="1.0" encoding="utf-8"?>
+<p:sld xmlns:a="http://schemas.openxmlformats.org/drawingml/2006/main" xmlns:r="http://schemas.openxmlformats.org/officeDocument/2006/relationships" xmlns:p="http://schemas.openxmlformats.org/presentationml/2006/main">
+  <p:cSld>
+    <p:spTree>
+      <p:nvGrpSpPr>
+        <p:cNvPr id="1" name=""/>
+        <p:cNvGrpSpPr/>
+        <p:nvPr/>
+      </p:nvGrpSpPr>
+      <p:grpSpPr>
+        <a:xfrm>
+          <a:off x="0" y="0"/>
+          <a:ext cx="0" cy="0"/>
+          <a:chOff x="0" y="0"/>
+          <a:chExt cx="0" cy="0"/>
+        </a:xfrm>
+      </p:grpSpPr>
+      <p:sp>
+        <p:nvSpPr>
+          <p:cNvPr id="2" name="标题 1"/>
+          <p:cNvSpPr>
+            <a:spLocks noGrp="1"/>
+          </p:cNvSpPr>
+          <p:nvPr>
+            <p:ph type="title"/>
+          </p:nvPr>
+        </p:nvSpPr>
+        <p:spPr/>
+        <p:txBody>
+          <a:bodyPr>
+            <a:normAutofit/>
+          </a:bodyPr>
+          <a:lstStyle/>
+          <a:p>
+            <a:r>
+              <a:rPr lang="zh-CN" altLang="en-US" sz="4800" dirty="0" smtClean="0">
+                <a:latin typeface="华文中宋" panose="02010600040101010101" pitchFamily="2" charset="-122"/>
+                <a:ea typeface="华文中宋" panose="02010600040101010101" pitchFamily="2" charset="-122"/>
+              </a:rPr>
+              <a:t>文档编辑：其他</a:t>
+            </a:r>
+            <a:endParaRPr lang="zh-CN" altLang="en-US" sz="4800" dirty="0">
+              <a:latin typeface="华文中宋" panose="02010600040101010101" pitchFamily="2" charset="-122"/>
+              <a:ea typeface="华文中宋" panose="02010600040101010101" pitchFamily="2" charset="-122"/>
+            </a:endParaRPr>
+          </a:p>
+        </p:txBody>
+      </p:sp>
+      <p:sp>
+        <p:nvSpPr>
+          <p:cNvPr id="3" name="内容占位符 2"/>
+          <p:cNvSpPr>
+            <a:spLocks noGrp="1"/>
+          </p:cNvSpPr>
+          <p:nvPr>
+            <p:ph idx="1"/>
+          </p:nvPr>
+        </p:nvSpPr>
+        <p:spPr/>
+        <p:txBody>
+          <a:bodyPr>
+            <a:normAutofit/>
+          </a:bodyPr>
+          <a:lstStyle/>
+          <a:p>
+            <a:r>
+              <a:rPr lang="zh-CN" altLang="en-US" sz="2400" dirty="0" smtClean="0">
+                <a:latin typeface="华文中宋" panose="02010600040101010101" pitchFamily="2" charset="-122"/>
+                <a:ea typeface="华文中宋" panose="02010600040101010101" pitchFamily="2" charset="-122"/>
+              </a:rPr>
+              <a:t>识别特定代码并进行高亮处理</a:t>
+            </a:r>
+            <a:endParaRPr lang="en-US" altLang="zh-CN" sz="2400" dirty="0" smtClean="0">
+              <a:latin typeface="华文中宋" panose="02010600040101010101" pitchFamily="2" charset="-122"/>
+              <a:ea typeface="华文中宋" panose="02010600040101010101" pitchFamily="2" charset="-122"/>
+            </a:endParaRPr>
+          </a:p>
+          <a:p>
+            <a:r>
+              <a:rPr lang="zh-CN" altLang="en-US" sz="2400" dirty="0" smtClean="0">
+                <a:latin typeface="华文中宋" panose="02010600040101010101" pitchFamily="2" charset="-122"/>
+                <a:ea typeface="华文中宋" panose="02010600040101010101" pitchFamily="2" charset="-122"/>
+              </a:rPr>
+              <a:t>输出行号</a:t>
+            </a:r>
+            <a:endParaRPr lang="zh-CN" altLang="en-US" sz="2400" dirty="0">
+              <a:latin typeface="华文中宋" panose="02010600040101010101" pitchFamily="2" charset="-122"/>
+              <a:ea typeface="华文中宋" panose="02010600040101010101" pitchFamily="2" charset="-122"/>
+            </a:endParaRPr>
+          </a:p>
+        </p:txBody>
+      </p:sp>
+      <p:pic>
+        <p:nvPicPr>
+          <p:cNvPr id="7" name="图片 6"/>
+          <p:cNvPicPr>
+            <a:picLocks noChangeAspect="1"/>
+          </p:cNvPicPr>
+          <p:nvPr/>
+        </p:nvPicPr>
+        <p:blipFill rotWithShape="1">
+          <a:blip r:embed="rId1">
+            <a:extLst>
+              <a:ext uri="{28A0092B-C50C-407E-A947-70E740481C1C}">
+                <a14:useLocalDpi xmlns:a14="http://schemas.microsoft.com/office/drawing/2010/main" val="0"/>
+              </a:ext>
+            </a:extLst>
+          </a:blip>
+          <a:srcRect b="67077"/>
+          <a:stretch>
+            <a:fillRect/>
+          </a:stretch>
+        </p:blipFill>
+        <p:spPr>
+          <a:xfrm>
+            <a:off x="1884218" y="3179515"/>
+            <a:ext cx="3749964" cy="2600830"/>
+          </a:xfrm>
+          <a:prstGeom prst="rect">
+            <a:avLst/>
+          </a:prstGeom>
+        </p:spPr>
+      </p:pic>
+    </p:spTree>
+  </p:cSld>
+  <p:clrMapOvr>
+    <a:masterClrMapping/>
+  </p:clrMapOvr>
+  <p:transition spd="slow">
+    <p:wipe/>
+  </p:transition>
+  <p:timing>
+    <p:tnLst>
+      <p:par>
+        <p:cTn id="1" dur="indefinite" restart="never" nodeType="tmRoot"/>
       </p:par>
     </p:tnLst>
   </p:timing>
@@ -10867,37 +10747,6 @@
                 <a:ea typeface="华文中宋" panose="02010600040101010101" pitchFamily="2" charset="-122"/>
               </a:rPr>
               <a:t>移动</a:t>
-            </a:r>
-            <a:endParaRPr lang="en-US" altLang="zh-CN" sz="3600" dirty="0" smtClean="0">
-              <a:latin typeface="华文中宋" panose="02010600040101010101" pitchFamily="2" charset="-122"/>
-              <a:ea typeface="华文中宋" panose="02010600040101010101" pitchFamily="2" charset="-122"/>
-            </a:endParaRPr>
-          </a:p>
-          <a:p>
-            <a:pPr marL="457200" indent="-457200">
-              <a:buFont typeface="+mj-lt"/>
-              <a:buAutoNum type="arabicPeriod"/>
-            </a:pPr>
-            <a:r>
-              <a:rPr lang="zh-CN" altLang="en-US" sz="3600" dirty="0" smtClean="0">
-                <a:latin typeface="华文中宋" panose="02010600040101010101" pitchFamily="2" charset="-122"/>
-                <a:ea typeface="华文中宋" panose="02010600040101010101" pitchFamily="2" charset="-122"/>
-              </a:rPr>
-              <a:t>文件</a:t>
-            </a:r>
-            <a:r>
-              <a:rPr lang="zh-CN" altLang="en-US" sz="3600" dirty="0">
-                <a:latin typeface="华文中宋" panose="02010600040101010101" pitchFamily="2" charset="-122"/>
-                <a:ea typeface="华文中宋" panose="02010600040101010101" pitchFamily="2" charset="-122"/>
-              </a:rPr>
-              <a:t>的</a:t>
-            </a:r>
-            <a:r>
-              <a:rPr lang="zh-CN" altLang="en-US" sz="3600" dirty="0" smtClean="0">
-                <a:latin typeface="华文中宋" panose="02010600040101010101" pitchFamily="2" charset="-122"/>
-                <a:ea typeface="华文中宋" panose="02010600040101010101" pitchFamily="2" charset="-122"/>
-              </a:rPr>
-              <a:t>搜索</a:t>
             </a:r>
             <a:endParaRPr lang="en-US" altLang="zh-CN" sz="3600" dirty="0" smtClean="0">
               <a:latin typeface="华文中宋" panose="02010600040101010101" pitchFamily="2" charset="-122"/>

--- a/report/shell改进.pptx
+++ b/report/shell改进.pptx
@@ -3,30 +3,32 @@
 <p:presentation xmlns:a="http://schemas.openxmlformats.org/drawingml/2006/main" xmlns:r="http://schemas.openxmlformats.org/officeDocument/2006/relationships" xmlns:p="http://schemas.openxmlformats.org/presentationml/2006/main">
   <p:sldMasterIdLst>
     <p:sldMasterId id="2147483648" r:id="rId1"/>
-    <p:sldMasterId id="2147483660" r:id="rId3"/>
+    <p:sldMasterId id="2147483660" r:id="rId2"/>
   </p:sldMasterIdLst>
   <p:handoutMasterIdLst>
-    <p:handoutMasterId r:id="rId22"/>
+    <p:handoutMasterId r:id="rId23"/>
   </p:handoutMasterIdLst>
   <p:sldIdLst>
-    <p:sldId id="256" r:id="rId4"/>
-    <p:sldId id="257" r:id="rId5"/>
-    <p:sldId id="258" r:id="rId6"/>
-    <p:sldId id="261" r:id="rId7"/>
-    <p:sldId id="267" r:id="rId8"/>
-    <p:sldId id="263" r:id="rId9"/>
-    <p:sldId id="264" r:id="rId10"/>
-    <p:sldId id="265" r:id="rId11"/>
-    <p:sldId id="260" r:id="rId12"/>
-    <p:sldId id="279" r:id="rId13"/>
-    <p:sldId id="280" r:id="rId14"/>
-    <p:sldId id="268" r:id="rId15"/>
-    <p:sldId id="270" r:id="rId16"/>
-    <p:sldId id="269" r:id="rId17"/>
-    <p:sldId id="271" r:id="rId18"/>
-    <p:sldId id="272" r:id="rId19"/>
-    <p:sldId id="259" r:id="rId20"/>
-    <p:sldId id="273" r:id="rId21"/>
+    <p:sldId id="256" r:id="rId3"/>
+    <p:sldId id="257" r:id="rId4"/>
+    <p:sldId id="288" r:id="rId5"/>
+    <p:sldId id="289" r:id="rId6"/>
+    <p:sldId id="258" r:id="rId7"/>
+    <p:sldId id="261" r:id="rId8"/>
+    <p:sldId id="267" r:id="rId9"/>
+    <p:sldId id="263" r:id="rId10"/>
+    <p:sldId id="264" r:id="rId11"/>
+    <p:sldId id="265" r:id="rId12"/>
+    <p:sldId id="260" r:id="rId13"/>
+    <p:sldId id="279" r:id="rId14"/>
+    <p:sldId id="280" r:id="rId15"/>
+    <p:sldId id="268" r:id="rId16"/>
+    <p:sldId id="270" r:id="rId17"/>
+    <p:sldId id="269" r:id="rId18"/>
+    <p:sldId id="271" r:id="rId19"/>
+    <p:sldId id="272" r:id="rId20"/>
+    <p:sldId id="259" r:id="rId21"/>
+    <p:sldId id="273" r:id="rId22"/>
   </p:sldIdLst>
   <p:sldSz cx="12192000" cy="6858000"/>
   <p:notesSz cx="6858000" cy="9144000"/>
@@ -125,6 +127,14 @@
       </a:defRPr>
     </a:lvl9pPr>
   </p:defaultTextStyle>
+  <p:extLst>
+    <p:ext uri="{EFAFB233-063F-42B5-8137-9DF3F51BA10A}">
+      <p15:sldGuideLst xmlns:p15="http://schemas.microsoft.com/office/powerpoint/2012/main"/>
+    </p:ext>
+    <p:ext uri="{2D200454-40CA-4A62-9FC3-DE9A4176ACB9}">
+      <p15:notesGuideLst xmlns:p15="http://schemas.microsoft.com/office/powerpoint/2012/main"/>
+    </p:ext>
+  </p:extLst>
 </p:presentation>
 </file>
 
@@ -210,6 +220,7 @@
           <a:p>
             <a:fld id="{9F92F661-F35D-4A58-AC76-5E2F6C285E87}" type="datetimeFigureOut">
               <a:rPr lang="zh-CN" altLang="en-US" smtClean="0"/>
+              <a:t>2018/6/29</a:t>
             </a:fld>
             <a:endParaRPr lang="zh-CN" altLang="en-US"/>
           </a:p>
@@ -275,6 +286,7 @@
           <a:p>
             <a:fld id="{DAEBBFC0-00AB-46B3-BB3C-3C8EBCE6C6D1}" type="slidenum">
               <a:rPr lang="zh-CN" altLang="en-US" smtClean="0"/>
+              <a:t>‹#›</a:t>
             </a:fld>
             <a:endParaRPr lang="zh-CN" altLang="en-US"/>
           </a:p>
@@ -428,6 +440,7 @@
           <a:p>
             <a:fld id="{2858BA8F-555C-419C-A9C0-2C2309CFF272}" type="datetimeFigureOut">
               <a:rPr lang="zh-CN" altLang="en-US" smtClean="0"/>
+              <a:t>2018/6/29</a:t>
             </a:fld>
             <a:endParaRPr lang="zh-CN" altLang="en-US"/>
           </a:p>
@@ -469,6 +482,7 @@
           <a:p>
             <a:fld id="{2E5E38D8-10EC-484B-86A2-4E8D68055A5A}" type="slidenum">
               <a:rPr lang="zh-CN" altLang="en-US" smtClean="0"/>
+              <a:t>‹#›</a:t>
             </a:fld>
             <a:endParaRPr lang="zh-CN" altLang="en-US"/>
           </a:p>
@@ -542,7 +556,6 @@
               <a:rPr lang="zh-CN" altLang="en-US" smtClean="0"/>
               <a:t>编辑母版文本样式</a:t>
             </a:r>
-            <a:endParaRPr lang="zh-CN" altLang="en-US" smtClean="0"/>
           </a:p>
           <a:p>
             <a:pPr lvl="1"/>
@@ -550,7 +563,6 @@
               <a:rPr lang="zh-CN" altLang="en-US" smtClean="0"/>
               <a:t>第二级</a:t>
             </a:r>
-            <a:endParaRPr lang="zh-CN" altLang="en-US" smtClean="0"/>
           </a:p>
           <a:p>
             <a:pPr lvl="2"/>
@@ -558,7 +570,6 @@
               <a:rPr lang="zh-CN" altLang="en-US" smtClean="0"/>
               <a:t>第三级</a:t>
             </a:r>
-            <a:endParaRPr lang="zh-CN" altLang="en-US" smtClean="0"/>
           </a:p>
           <a:p>
             <a:pPr lvl="3"/>
@@ -566,7 +577,6 @@
               <a:rPr lang="zh-CN" altLang="en-US" smtClean="0"/>
               <a:t>第四级</a:t>
             </a:r>
-            <a:endParaRPr lang="zh-CN" altLang="en-US" smtClean="0"/>
           </a:p>
           <a:p>
             <a:pPr lvl="4"/>
@@ -595,6 +605,7 @@
           <a:p>
             <a:fld id="{2858BA8F-555C-419C-A9C0-2C2309CFF272}" type="datetimeFigureOut">
               <a:rPr lang="zh-CN" altLang="en-US" smtClean="0"/>
+              <a:t>2018/6/29</a:t>
             </a:fld>
             <a:endParaRPr lang="zh-CN" altLang="en-US"/>
           </a:p>
@@ -636,6 +647,7 @@
           <a:p>
             <a:fld id="{2E5E38D8-10EC-484B-86A2-4E8D68055A5A}" type="slidenum">
               <a:rPr lang="zh-CN" altLang="en-US" smtClean="0"/>
+              <a:t>‹#›</a:t>
             </a:fld>
             <a:endParaRPr lang="zh-CN" altLang="en-US"/>
           </a:p>
@@ -719,7 +731,6 @@
               <a:rPr lang="zh-CN" altLang="en-US" smtClean="0"/>
               <a:t>编辑母版文本样式</a:t>
             </a:r>
-            <a:endParaRPr lang="zh-CN" altLang="en-US" smtClean="0"/>
           </a:p>
           <a:p>
             <a:pPr lvl="1"/>
@@ -727,7 +738,6 @@
               <a:rPr lang="zh-CN" altLang="en-US" smtClean="0"/>
               <a:t>第二级</a:t>
             </a:r>
-            <a:endParaRPr lang="zh-CN" altLang="en-US" smtClean="0"/>
           </a:p>
           <a:p>
             <a:pPr lvl="2"/>
@@ -735,7 +745,6 @@
               <a:rPr lang="zh-CN" altLang="en-US" smtClean="0"/>
               <a:t>第三级</a:t>
             </a:r>
-            <a:endParaRPr lang="zh-CN" altLang="en-US" smtClean="0"/>
           </a:p>
           <a:p>
             <a:pPr lvl="3"/>
@@ -743,7 +752,6 @@
               <a:rPr lang="zh-CN" altLang="en-US" smtClean="0"/>
               <a:t>第四级</a:t>
             </a:r>
-            <a:endParaRPr lang="zh-CN" altLang="en-US" smtClean="0"/>
           </a:p>
           <a:p>
             <a:pPr lvl="4"/>
@@ -772,6 +780,7 @@
           <a:p>
             <a:fld id="{2858BA8F-555C-419C-A9C0-2C2309CFF272}" type="datetimeFigureOut">
               <a:rPr lang="zh-CN" altLang="en-US" smtClean="0"/>
+              <a:t>2018/6/29</a:t>
             </a:fld>
             <a:endParaRPr lang="zh-CN" altLang="en-US"/>
           </a:p>
@@ -813,6 +822,7 @@
           <a:p>
             <a:fld id="{2E5E38D8-10EC-484B-86A2-4E8D68055A5A}" type="slidenum">
               <a:rPr lang="zh-CN" altLang="en-US" smtClean="0"/>
+              <a:t>‹#›</a:t>
             </a:fld>
             <a:endParaRPr lang="zh-CN" altLang="en-US"/>
           </a:p>
@@ -965,6 +975,7 @@
           <a:p>
             <a:fld id="{2858BA8F-555C-419C-A9C0-2C2309CFF272}" type="datetimeFigureOut">
               <a:rPr lang="zh-CN" altLang="en-US" smtClean="0"/>
+              <a:t>2018/6/29</a:t>
             </a:fld>
             <a:endParaRPr lang="zh-CN" altLang="en-US"/>
           </a:p>
@@ -1016,6 +1027,7 @@
           <a:p>
             <a:fld id="{2E5E38D8-10EC-484B-86A2-4E8D68055A5A}" type="slidenum">
               <a:rPr lang="zh-CN" altLang="en-US" smtClean="0"/>
+              <a:t>‹#›</a:t>
             </a:fld>
             <a:endParaRPr lang="zh-CN" altLang="en-US"/>
           </a:p>
@@ -1120,7 +1132,6 @@
               <a:rPr lang="zh-CN" altLang="en-US" smtClean="0"/>
               <a:t>编辑母版文本样式</a:t>
             </a:r>
-            <a:endParaRPr lang="zh-CN" altLang="en-US" smtClean="0"/>
           </a:p>
           <a:p>
             <a:pPr lvl="1"/>
@@ -1128,7 +1139,6 @@
               <a:rPr lang="zh-CN" altLang="en-US" smtClean="0"/>
               <a:t>第二级</a:t>
             </a:r>
-            <a:endParaRPr lang="zh-CN" altLang="en-US" smtClean="0"/>
           </a:p>
           <a:p>
             <a:pPr lvl="2"/>
@@ -1136,7 +1146,6 @@
               <a:rPr lang="zh-CN" altLang="en-US" smtClean="0"/>
               <a:t>第三级</a:t>
             </a:r>
-            <a:endParaRPr lang="zh-CN" altLang="en-US" smtClean="0"/>
           </a:p>
           <a:p>
             <a:pPr lvl="3"/>
@@ -1144,7 +1153,6 @@
               <a:rPr lang="zh-CN" altLang="en-US" smtClean="0"/>
               <a:t>第四级</a:t>
             </a:r>
-            <a:endParaRPr lang="zh-CN" altLang="en-US" smtClean="0"/>
           </a:p>
           <a:p>
             <a:pPr lvl="4"/>
@@ -1173,6 +1181,7 @@
           <a:p>
             <a:fld id="{2858BA8F-555C-419C-A9C0-2C2309CFF272}" type="datetimeFigureOut">
               <a:rPr lang="zh-CN" altLang="en-US" smtClean="0"/>
+              <a:t>2018/6/29</a:t>
             </a:fld>
             <a:endParaRPr lang="zh-CN" altLang="en-US"/>
           </a:p>
@@ -1214,6 +1223,7 @@
           <a:p>
             <a:fld id="{2E5E38D8-10EC-484B-86A2-4E8D68055A5A}" type="slidenum">
               <a:rPr lang="zh-CN" altLang="en-US" smtClean="0"/>
+              <a:t>‹#›</a:t>
             </a:fld>
             <a:endParaRPr lang="zh-CN" altLang="en-US"/>
           </a:p>
@@ -1425,7 +1435,6 @@
               <a:rPr lang="zh-CN" altLang="en-US" smtClean="0"/>
               <a:t>编辑母版文本样式</a:t>
             </a:r>
-            <a:endParaRPr lang="zh-CN" altLang="en-US" smtClean="0"/>
           </a:p>
         </p:txBody>
       </p:sp>
@@ -1446,6 +1455,7 @@
           <a:p>
             <a:fld id="{2858BA8F-555C-419C-A9C0-2C2309CFF272}" type="datetimeFigureOut">
               <a:rPr lang="zh-CN" altLang="en-US" smtClean="0"/>
+              <a:t>2018/6/29</a:t>
             </a:fld>
             <a:endParaRPr lang="zh-CN" altLang="en-US"/>
           </a:p>
@@ -1487,6 +1497,7 @@
           <a:p>
             <a:fld id="{2E5E38D8-10EC-484B-86A2-4E8D68055A5A}" type="slidenum">
               <a:rPr lang="zh-CN" altLang="en-US" smtClean="0"/>
+              <a:t>‹#›</a:t>
             </a:fld>
             <a:endParaRPr lang="zh-CN" altLang="en-US"/>
           </a:p>
@@ -1601,7 +1612,6 @@
               <a:rPr lang="zh-CN" altLang="en-US" smtClean="0"/>
               <a:t>编辑母版文本样式</a:t>
             </a:r>
-            <a:endParaRPr lang="zh-CN" altLang="en-US" smtClean="0"/>
           </a:p>
           <a:p>
             <a:pPr lvl="1"/>
@@ -1609,7 +1619,6 @@
               <a:rPr lang="zh-CN" altLang="en-US" smtClean="0"/>
               <a:t>第二级</a:t>
             </a:r>
-            <a:endParaRPr lang="zh-CN" altLang="en-US" smtClean="0"/>
           </a:p>
           <a:p>
             <a:pPr lvl="2"/>
@@ -1617,7 +1626,6 @@
               <a:rPr lang="zh-CN" altLang="en-US" smtClean="0"/>
               <a:t>第三级</a:t>
             </a:r>
-            <a:endParaRPr lang="zh-CN" altLang="en-US" smtClean="0"/>
           </a:p>
           <a:p>
             <a:pPr lvl="3"/>
@@ -1625,7 +1633,6 @@
               <a:rPr lang="zh-CN" altLang="en-US" smtClean="0"/>
               <a:t>第四级</a:t>
             </a:r>
-            <a:endParaRPr lang="zh-CN" altLang="en-US" smtClean="0"/>
           </a:p>
           <a:p>
             <a:pPr lvl="4"/>
@@ -1662,7 +1669,6 @@
               <a:rPr lang="zh-CN" altLang="en-US" smtClean="0"/>
               <a:t>编辑母版文本样式</a:t>
             </a:r>
-            <a:endParaRPr lang="zh-CN" altLang="en-US" smtClean="0"/>
           </a:p>
           <a:p>
             <a:pPr lvl="1"/>
@@ -1670,7 +1676,6 @@
               <a:rPr lang="zh-CN" altLang="en-US" smtClean="0"/>
               <a:t>第二级</a:t>
             </a:r>
-            <a:endParaRPr lang="zh-CN" altLang="en-US" smtClean="0"/>
           </a:p>
           <a:p>
             <a:pPr lvl="2"/>
@@ -1678,7 +1683,6 @@
               <a:rPr lang="zh-CN" altLang="en-US" smtClean="0"/>
               <a:t>第三级</a:t>
             </a:r>
-            <a:endParaRPr lang="zh-CN" altLang="en-US" smtClean="0"/>
           </a:p>
           <a:p>
             <a:pPr lvl="3"/>
@@ -1686,7 +1690,6 @@
               <a:rPr lang="zh-CN" altLang="en-US" smtClean="0"/>
               <a:t>第四级</a:t>
             </a:r>
-            <a:endParaRPr lang="zh-CN" altLang="en-US" smtClean="0"/>
           </a:p>
           <a:p>
             <a:pPr lvl="4"/>
@@ -1715,6 +1718,7 @@
           <a:p>
             <a:fld id="{2858BA8F-555C-419C-A9C0-2C2309CFF272}" type="datetimeFigureOut">
               <a:rPr lang="zh-CN" altLang="en-US" smtClean="0"/>
+              <a:t>2018/6/29</a:t>
             </a:fld>
             <a:endParaRPr lang="zh-CN" altLang="en-US"/>
           </a:p>
@@ -1756,6 +1760,7 @@
           <a:p>
             <a:fld id="{2E5E38D8-10EC-484B-86A2-4E8D68055A5A}" type="slidenum">
               <a:rPr lang="zh-CN" altLang="en-US" smtClean="0"/>
+              <a:t>‹#›</a:t>
             </a:fld>
             <a:endParaRPr lang="zh-CN" altLang="en-US"/>
           </a:p>
@@ -1916,7 +1921,6 @@
               <a:rPr lang="zh-CN" altLang="en-US" smtClean="0"/>
               <a:t>编辑母版文本样式</a:t>
             </a:r>
-            <a:endParaRPr lang="zh-CN" altLang="en-US" smtClean="0"/>
           </a:p>
         </p:txBody>
       </p:sp>
@@ -1945,7 +1949,6 @@
               <a:rPr lang="zh-CN" altLang="en-US" smtClean="0"/>
               <a:t>编辑母版文本样式</a:t>
             </a:r>
-            <a:endParaRPr lang="zh-CN" altLang="en-US" smtClean="0"/>
           </a:p>
           <a:p>
             <a:pPr lvl="1"/>
@@ -1953,7 +1956,6 @@
               <a:rPr lang="zh-CN" altLang="en-US" smtClean="0"/>
               <a:t>第二级</a:t>
             </a:r>
-            <a:endParaRPr lang="zh-CN" altLang="en-US" smtClean="0"/>
           </a:p>
           <a:p>
             <a:pPr lvl="2"/>
@@ -1961,7 +1963,6 @@
               <a:rPr lang="zh-CN" altLang="en-US" smtClean="0"/>
               <a:t>第三级</a:t>
             </a:r>
-            <a:endParaRPr lang="zh-CN" altLang="en-US" smtClean="0"/>
           </a:p>
           <a:p>
             <a:pPr lvl="3"/>
@@ -1969,7 +1970,6 @@
               <a:rPr lang="zh-CN" altLang="en-US" smtClean="0"/>
               <a:t>第四级</a:t>
             </a:r>
-            <a:endParaRPr lang="zh-CN" altLang="en-US" smtClean="0"/>
           </a:p>
           <a:p>
             <a:pPr lvl="4"/>
@@ -2052,7 +2052,6 @@
               <a:rPr lang="zh-CN" altLang="en-US" smtClean="0"/>
               <a:t>编辑母版文本样式</a:t>
             </a:r>
-            <a:endParaRPr lang="zh-CN" altLang="en-US" smtClean="0"/>
           </a:p>
         </p:txBody>
       </p:sp>
@@ -2081,7 +2080,6 @@
               <a:rPr lang="zh-CN" altLang="en-US" smtClean="0"/>
               <a:t>编辑母版文本样式</a:t>
             </a:r>
-            <a:endParaRPr lang="zh-CN" altLang="en-US" smtClean="0"/>
           </a:p>
           <a:p>
             <a:pPr lvl="1"/>
@@ -2089,7 +2087,6 @@
               <a:rPr lang="zh-CN" altLang="en-US" smtClean="0"/>
               <a:t>第二级</a:t>
             </a:r>
-            <a:endParaRPr lang="zh-CN" altLang="en-US" smtClean="0"/>
           </a:p>
           <a:p>
             <a:pPr lvl="2"/>
@@ -2097,7 +2094,6 @@
               <a:rPr lang="zh-CN" altLang="en-US" smtClean="0"/>
               <a:t>第三级</a:t>
             </a:r>
-            <a:endParaRPr lang="zh-CN" altLang="en-US" smtClean="0"/>
           </a:p>
           <a:p>
             <a:pPr lvl="3"/>
@@ -2105,7 +2101,6 @@
               <a:rPr lang="zh-CN" altLang="en-US" smtClean="0"/>
               <a:t>第四级</a:t>
             </a:r>
-            <a:endParaRPr lang="zh-CN" altLang="en-US" smtClean="0"/>
           </a:p>
           <a:p>
             <a:pPr lvl="4"/>
@@ -2134,6 +2129,7 @@
           <a:p>
             <a:fld id="{2858BA8F-555C-419C-A9C0-2C2309CFF272}" type="datetimeFigureOut">
               <a:rPr lang="zh-CN" altLang="en-US" smtClean="0"/>
+              <a:t>2018/6/29</a:t>
             </a:fld>
             <a:endParaRPr lang="zh-CN" altLang="en-US"/>
           </a:p>
@@ -2175,6 +2171,7 @@
           <a:p>
             <a:fld id="{2E5E38D8-10EC-484B-86A2-4E8D68055A5A}" type="slidenum">
               <a:rPr lang="zh-CN" altLang="en-US" smtClean="0"/>
+              <a:t>‹#›</a:t>
             </a:fld>
             <a:endParaRPr lang="zh-CN" altLang="en-US"/>
           </a:p>
@@ -2276,6 +2273,7 @@
           <a:p>
             <a:fld id="{2858BA8F-555C-419C-A9C0-2C2309CFF272}" type="datetimeFigureOut">
               <a:rPr lang="zh-CN" altLang="en-US" smtClean="0"/>
+              <a:t>2018/6/29</a:t>
             </a:fld>
             <a:endParaRPr lang="zh-CN" altLang="en-US"/>
           </a:p>
@@ -2317,6 +2315,7 @@
           <a:p>
             <a:fld id="{2E5E38D8-10EC-484B-86A2-4E8D68055A5A}" type="slidenum">
               <a:rPr lang="zh-CN" altLang="en-US" smtClean="0"/>
+              <a:t>‹#›</a:t>
             </a:fld>
             <a:endParaRPr lang="zh-CN" altLang="en-US"/>
           </a:p>
@@ -2395,6 +2394,7 @@
           <a:p>
             <a:fld id="{2858BA8F-555C-419C-A9C0-2C2309CFF272}" type="datetimeFigureOut">
               <a:rPr lang="zh-CN" altLang="en-US" smtClean="0"/>
+              <a:t>2018/6/29</a:t>
             </a:fld>
             <a:endParaRPr lang="zh-CN" altLang="en-US"/>
           </a:p>
@@ -2436,6 +2436,7 @@
           <a:p>
             <a:fld id="{2E5E38D8-10EC-484B-86A2-4E8D68055A5A}" type="slidenum">
               <a:rPr lang="zh-CN" altLang="en-US" smtClean="0"/>
+              <a:t>‹#›</a:t>
             </a:fld>
             <a:endParaRPr lang="zh-CN" altLang="en-US"/>
           </a:p>
@@ -2525,7 +2526,6 @@
               <a:rPr lang="zh-CN" altLang="en-US" smtClean="0"/>
               <a:t>编辑母版文本样式</a:t>
             </a:r>
-            <a:endParaRPr lang="zh-CN" altLang="en-US" smtClean="0"/>
           </a:p>
           <a:p>
             <a:pPr lvl="1"/>
@@ -2533,7 +2533,6 @@
               <a:rPr lang="zh-CN" altLang="en-US" smtClean="0"/>
               <a:t>第二级</a:t>
             </a:r>
-            <a:endParaRPr lang="zh-CN" altLang="en-US" smtClean="0"/>
           </a:p>
           <a:p>
             <a:pPr lvl="2"/>
@@ -2541,7 +2540,6 @@
               <a:rPr lang="zh-CN" altLang="en-US" smtClean="0"/>
               <a:t>第三级</a:t>
             </a:r>
-            <a:endParaRPr lang="zh-CN" altLang="en-US" smtClean="0"/>
           </a:p>
           <a:p>
             <a:pPr lvl="3"/>
@@ -2549,7 +2547,6 @@
               <a:rPr lang="zh-CN" altLang="en-US" smtClean="0"/>
               <a:t>第四级</a:t>
             </a:r>
-            <a:endParaRPr lang="zh-CN" altLang="en-US" smtClean="0"/>
           </a:p>
           <a:p>
             <a:pPr lvl="4"/>
@@ -2623,7 +2620,6 @@
               <a:rPr lang="zh-CN" altLang="en-US" smtClean="0"/>
               <a:t>编辑母版文本样式</a:t>
             </a:r>
-            <a:endParaRPr lang="zh-CN" altLang="en-US" smtClean="0"/>
           </a:p>
         </p:txBody>
       </p:sp>
@@ -2644,6 +2640,7 @@
           <a:p>
             <a:fld id="{2858BA8F-555C-419C-A9C0-2C2309CFF272}" type="datetimeFigureOut">
               <a:rPr lang="zh-CN" altLang="en-US" smtClean="0"/>
+              <a:t>2018/6/29</a:t>
             </a:fld>
             <a:endParaRPr lang="zh-CN" altLang="en-US"/>
           </a:p>
@@ -2685,6 +2682,7 @@
           <a:p>
             <a:fld id="{2E5E38D8-10EC-484B-86A2-4E8D68055A5A}" type="slidenum">
               <a:rPr lang="zh-CN" altLang="en-US" smtClean="0"/>
+              <a:t>‹#›</a:t>
             </a:fld>
             <a:endParaRPr lang="zh-CN" altLang="en-US"/>
           </a:p>
@@ -2789,7 +2787,6 @@
               <a:rPr lang="zh-CN" altLang="en-US" smtClean="0"/>
               <a:t>编辑母版文本样式</a:t>
             </a:r>
-            <a:endParaRPr lang="zh-CN" altLang="en-US" smtClean="0"/>
           </a:p>
           <a:p>
             <a:pPr lvl="1"/>
@@ -2797,7 +2794,6 @@
               <a:rPr lang="zh-CN" altLang="en-US" smtClean="0"/>
               <a:t>第二级</a:t>
             </a:r>
-            <a:endParaRPr lang="zh-CN" altLang="en-US" smtClean="0"/>
           </a:p>
           <a:p>
             <a:pPr lvl="2"/>
@@ -2805,7 +2801,6 @@
               <a:rPr lang="zh-CN" altLang="en-US" smtClean="0"/>
               <a:t>第三级</a:t>
             </a:r>
-            <a:endParaRPr lang="zh-CN" altLang="en-US" smtClean="0"/>
           </a:p>
           <a:p>
             <a:pPr lvl="3"/>
@@ -2813,7 +2808,6 @@
               <a:rPr lang="zh-CN" altLang="en-US" smtClean="0"/>
               <a:t>第四级</a:t>
             </a:r>
-            <a:endParaRPr lang="zh-CN" altLang="en-US" smtClean="0"/>
           </a:p>
           <a:p>
             <a:pPr lvl="4"/>
@@ -2842,6 +2836,7 @@
           <a:p>
             <a:fld id="{2858BA8F-555C-419C-A9C0-2C2309CFF272}" type="datetimeFigureOut">
               <a:rPr lang="zh-CN" altLang="en-US" smtClean="0"/>
+              <a:t>2018/6/29</a:t>
             </a:fld>
             <a:endParaRPr lang="zh-CN" altLang="en-US"/>
           </a:p>
@@ -2883,6 +2878,7 @@
           <a:p>
             <a:fld id="{2E5E38D8-10EC-484B-86A2-4E8D68055A5A}" type="slidenum">
               <a:rPr lang="zh-CN" altLang="en-US" smtClean="0"/>
+              <a:t>‹#›</a:t>
             </a:fld>
             <a:endParaRPr lang="zh-CN" altLang="en-US"/>
           </a:p>
@@ -3220,7 +3216,6 @@
               <a:rPr lang="zh-CN" altLang="en-US" smtClean="0"/>
               <a:t>编辑母版文本样式</a:t>
             </a:r>
-            <a:endParaRPr lang="zh-CN" altLang="en-US" smtClean="0"/>
           </a:p>
         </p:txBody>
       </p:sp>
@@ -3250,6 +3245,7 @@
           <a:p>
             <a:fld id="{2858BA8F-555C-419C-A9C0-2C2309CFF272}" type="datetimeFigureOut">
               <a:rPr lang="zh-CN" altLang="en-US" smtClean="0"/>
+              <a:t>2018/6/29</a:t>
             </a:fld>
             <a:endParaRPr lang="zh-CN" altLang="en-US"/>
           </a:p>
@@ -3296,6 +3292,7 @@
           <a:p>
             <a:fld id="{2E5E38D8-10EC-484B-86A2-4E8D68055A5A}" type="slidenum">
               <a:rPr lang="zh-CN" altLang="en-US" smtClean="0"/>
+              <a:t>‹#›</a:t>
             </a:fld>
             <a:endParaRPr lang="zh-CN" altLang="en-US"/>
           </a:p>
@@ -3400,7 +3397,6 @@
               <a:rPr lang="zh-CN" altLang="en-US" smtClean="0"/>
               <a:t>编辑母版文本样式</a:t>
             </a:r>
-            <a:endParaRPr lang="zh-CN" altLang="en-US" smtClean="0"/>
           </a:p>
           <a:p>
             <a:pPr lvl="1"/>
@@ -3408,7 +3404,6 @@
               <a:rPr lang="zh-CN" altLang="en-US" smtClean="0"/>
               <a:t>第二级</a:t>
             </a:r>
-            <a:endParaRPr lang="zh-CN" altLang="en-US" smtClean="0"/>
           </a:p>
           <a:p>
             <a:pPr lvl="2"/>
@@ -3416,7 +3411,6 @@
               <a:rPr lang="zh-CN" altLang="en-US" smtClean="0"/>
               <a:t>第三级</a:t>
             </a:r>
-            <a:endParaRPr lang="zh-CN" altLang="en-US" smtClean="0"/>
           </a:p>
           <a:p>
             <a:pPr lvl="3"/>
@@ -3424,7 +3418,6 @@
               <a:rPr lang="zh-CN" altLang="en-US" smtClean="0"/>
               <a:t>第四级</a:t>
             </a:r>
-            <a:endParaRPr lang="zh-CN" altLang="en-US" smtClean="0"/>
           </a:p>
           <a:p>
             <a:pPr lvl="4"/>
@@ -3453,6 +3446,7 @@
           <a:p>
             <a:fld id="{2858BA8F-555C-419C-A9C0-2C2309CFF272}" type="datetimeFigureOut">
               <a:rPr lang="zh-CN" altLang="en-US" smtClean="0"/>
+              <a:t>2018/6/29</a:t>
             </a:fld>
             <a:endParaRPr lang="zh-CN" altLang="en-US"/>
           </a:p>
@@ -3494,6 +3488,7 @@
           <a:p>
             <a:fld id="{2E5E38D8-10EC-484B-86A2-4E8D68055A5A}" type="slidenum">
               <a:rPr lang="zh-CN" altLang="en-US" smtClean="0"/>
+              <a:t>‹#›</a:t>
             </a:fld>
             <a:endParaRPr lang="zh-CN" altLang="en-US"/>
           </a:p>
@@ -3612,7 +3607,6 @@
               <a:rPr lang="zh-CN" altLang="en-US" smtClean="0"/>
               <a:t>编辑母版文本样式</a:t>
             </a:r>
-            <a:endParaRPr lang="zh-CN" altLang="en-US" smtClean="0"/>
           </a:p>
           <a:p>
             <a:pPr lvl="1"/>
@@ -3620,7 +3614,6 @@
               <a:rPr lang="zh-CN" altLang="en-US" smtClean="0"/>
               <a:t>第二级</a:t>
             </a:r>
-            <a:endParaRPr lang="zh-CN" altLang="en-US" smtClean="0"/>
           </a:p>
           <a:p>
             <a:pPr lvl="2"/>
@@ -3628,7 +3621,6 @@
               <a:rPr lang="zh-CN" altLang="en-US" smtClean="0"/>
               <a:t>第三级</a:t>
             </a:r>
-            <a:endParaRPr lang="zh-CN" altLang="en-US" smtClean="0"/>
           </a:p>
           <a:p>
             <a:pPr lvl="3"/>
@@ -3636,7 +3628,6 @@
               <a:rPr lang="zh-CN" altLang="en-US" smtClean="0"/>
               <a:t>第四级</a:t>
             </a:r>
-            <a:endParaRPr lang="zh-CN" altLang="en-US" smtClean="0"/>
           </a:p>
           <a:p>
             <a:pPr lvl="4"/>
@@ -3665,6 +3656,7 @@
           <a:p>
             <a:fld id="{2858BA8F-555C-419C-A9C0-2C2309CFF272}" type="datetimeFigureOut">
               <a:rPr lang="zh-CN" altLang="en-US" smtClean="0"/>
+              <a:t>2018/6/29</a:t>
             </a:fld>
             <a:endParaRPr lang="zh-CN" altLang="en-US"/>
           </a:p>
@@ -3706,6 +3698,7 @@
           <a:p>
             <a:fld id="{2E5E38D8-10EC-484B-86A2-4E8D68055A5A}" type="slidenum">
               <a:rPr lang="zh-CN" altLang="en-US" smtClean="0"/>
+              <a:t>‹#›</a:t>
             </a:fld>
             <a:endParaRPr lang="zh-CN" altLang="en-US"/>
           </a:p>
@@ -3920,7 +3913,6 @@
               <a:rPr lang="zh-CN" altLang="en-US" smtClean="0"/>
               <a:t>编辑母版文本样式</a:t>
             </a:r>
-            <a:endParaRPr lang="zh-CN" altLang="en-US" smtClean="0"/>
           </a:p>
         </p:txBody>
       </p:sp>
@@ -3941,6 +3933,7 @@
           <a:p>
             <a:fld id="{2858BA8F-555C-419C-A9C0-2C2309CFF272}" type="datetimeFigureOut">
               <a:rPr lang="zh-CN" altLang="en-US" smtClean="0"/>
+              <a:t>2018/6/29</a:t>
             </a:fld>
             <a:endParaRPr lang="zh-CN" altLang="en-US"/>
           </a:p>
@@ -3982,6 +3975,7 @@
           <a:p>
             <a:fld id="{2E5E38D8-10EC-484B-86A2-4E8D68055A5A}" type="slidenum">
               <a:rPr lang="zh-CN" altLang="en-US" smtClean="0"/>
+              <a:t>‹#›</a:t>
             </a:fld>
             <a:endParaRPr lang="zh-CN" altLang="en-US"/>
           </a:p>
@@ -4060,7 +4054,6 @@
               <a:rPr lang="zh-CN" altLang="en-US" smtClean="0"/>
               <a:t>编辑母版文本样式</a:t>
             </a:r>
-            <a:endParaRPr lang="zh-CN" altLang="en-US" smtClean="0"/>
           </a:p>
           <a:p>
             <a:pPr lvl="1"/>
@@ -4068,7 +4061,6 @@
               <a:rPr lang="zh-CN" altLang="en-US" smtClean="0"/>
               <a:t>第二级</a:t>
             </a:r>
-            <a:endParaRPr lang="zh-CN" altLang="en-US" smtClean="0"/>
           </a:p>
           <a:p>
             <a:pPr lvl="2"/>
@@ -4076,7 +4068,6 @@
               <a:rPr lang="zh-CN" altLang="en-US" smtClean="0"/>
               <a:t>第三级</a:t>
             </a:r>
-            <a:endParaRPr lang="zh-CN" altLang="en-US" smtClean="0"/>
           </a:p>
           <a:p>
             <a:pPr lvl="3"/>
@@ -4084,7 +4075,6 @@
               <a:rPr lang="zh-CN" altLang="en-US" smtClean="0"/>
               <a:t>第四级</a:t>
             </a:r>
-            <a:endParaRPr lang="zh-CN" altLang="en-US" smtClean="0"/>
           </a:p>
           <a:p>
             <a:pPr lvl="4"/>
@@ -4121,7 +4111,6 @@
               <a:rPr lang="zh-CN" altLang="en-US" smtClean="0"/>
               <a:t>编辑母版文本样式</a:t>
             </a:r>
-            <a:endParaRPr lang="zh-CN" altLang="en-US" smtClean="0"/>
           </a:p>
           <a:p>
             <a:pPr lvl="1"/>
@@ -4129,7 +4118,6 @@
               <a:rPr lang="zh-CN" altLang="en-US" smtClean="0"/>
               <a:t>第二级</a:t>
             </a:r>
-            <a:endParaRPr lang="zh-CN" altLang="en-US" smtClean="0"/>
           </a:p>
           <a:p>
             <a:pPr lvl="2"/>
@@ -4137,7 +4125,6 @@
               <a:rPr lang="zh-CN" altLang="en-US" smtClean="0"/>
               <a:t>第三级</a:t>
             </a:r>
-            <a:endParaRPr lang="zh-CN" altLang="en-US" smtClean="0"/>
           </a:p>
           <a:p>
             <a:pPr lvl="3"/>
@@ -4145,7 +4132,6 @@
               <a:rPr lang="zh-CN" altLang="en-US" smtClean="0"/>
               <a:t>第四级</a:t>
             </a:r>
-            <a:endParaRPr lang="zh-CN" altLang="en-US" smtClean="0"/>
           </a:p>
           <a:p>
             <a:pPr lvl="4"/>
@@ -4174,6 +4160,7 @@
           <a:p>
             <a:fld id="{2858BA8F-555C-419C-A9C0-2C2309CFF272}" type="datetimeFigureOut">
               <a:rPr lang="zh-CN" altLang="en-US" smtClean="0"/>
+              <a:t>2018/6/29</a:t>
             </a:fld>
             <a:endParaRPr lang="zh-CN" altLang="en-US"/>
           </a:p>
@@ -4215,6 +4202,7 @@
           <a:p>
             <a:fld id="{2E5E38D8-10EC-484B-86A2-4E8D68055A5A}" type="slidenum">
               <a:rPr lang="zh-CN" altLang="en-US" smtClean="0"/>
+              <a:t>‹#›</a:t>
             </a:fld>
             <a:endParaRPr lang="zh-CN" altLang="en-US"/>
           </a:p>
@@ -4312,7 +4300,6 @@
               <a:rPr lang="zh-CN" altLang="en-US" smtClean="0"/>
               <a:t>编辑母版文本样式</a:t>
             </a:r>
-            <a:endParaRPr lang="zh-CN" altLang="en-US" smtClean="0"/>
           </a:p>
         </p:txBody>
       </p:sp>
@@ -4341,7 +4328,6 @@
               <a:rPr lang="zh-CN" altLang="en-US" smtClean="0"/>
               <a:t>编辑母版文本样式</a:t>
             </a:r>
-            <a:endParaRPr lang="zh-CN" altLang="en-US" smtClean="0"/>
           </a:p>
           <a:p>
             <a:pPr lvl="1"/>
@@ -4349,7 +4335,6 @@
               <a:rPr lang="zh-CN" altLang="en-US" smtClean="0"/>
               <a:t>第二级</a:t>
             </a:r>
-            <a:endParaRPr lang="zh-CN" altLang="en-US" smtClean="0"/>
           </a:p>
           <a:p>
             <a:pPr lvl="2"/>
@@ -4357,7 +4342,6 @@
               <a:rPr lang="zh-CN" altLang="en-US" smtClean="0"/>
               <a:t>第三级</a:t>
             </a:r>
-            <a:endParaRPr lang="zh-CN" altLang="en-US" smtClean="0"/>
           </a:p>
           <a:p>
             <a:pPr lvl="3"/>
@@ -4365,7 +4349,6 @@
               <a:rPr lang="zh-CN" altLang="en-US" smtClean="0"/>
               <a:t>第四级</a:t>
             </a:r>
-            <a:endParaRPr lang="zh-CN" altLang="en-US" smtClean="0"/>
           </a:p>
           <a:p>
             <a:pPr lvl="4"/>
@@ -4442,7 +4425,6 @@
               <a:rPr lang="zh-CN" altLang="en-US" smtClean="0"/>
               <a:t>编辑母版文本样式</a:t>
             </a:r>
-            <a:endParaRPr lang="zh-CN" altLang="en-US" smtClean="0"/>
           </a:p>
         </p:txBody>
       </p:sp>
@@ -4471,7 +4453,6 @@
               <a:rPr lang="zh-CN" altLang="en-US" smtClean="0"/>
               <a:t>编辑母版文本样式</a:t>
             </a:r>
-            <a:endParaRPr lang="zh-CN" altLang="en-US" smtClean="0"/>
           </a:p>
           <a:p>
             <a:pPr lvl="1"/>
@@ -4479,7 +4460,6 @@
               <a:rPr lang="zh-CN" altLang="en-US" smtClean="0"/>
               <a:t>第二级</a:t>
             </a:r>
-            <a:endParaRPr lang="zh-CN" altLang="en-US" smtClean="0"/>
           </a:p>
           <a:p>
             <a:pPr lvl="2"/>
@@ -4487,7 +4467,6 @@
               <a:rPr lang="zh-CN" altLang="en-US" smtClean="0"/>
               <a:t>第三级</a:t>
             </a:r>
-            <a:endParaRPr lang="zh-CN" altLang="en-US" smtClean="0"/>
           </a:p>
           <a:p>
             <a:pPr lvl="3"/>
@@ -4495,7 +4474,6 @@
               <a:rPr lang="zh-CN" altLang="en-US" smtClean="0"/>
               <a:t>第四级</a:t>
             </a:r>
-            <a:endParaRPr lang="zh-CN" altLang="en-US" smtClean="0"/>
           </a:p>
           <a:p>
             <a:pPr lvl="4"/>
@@ -4524,6 +4502,7 @@
           <a:p>
             <a:fld id="{2858BA8F-555C-419C-A9C0-2C2309CFF272}" type="datetimeFigureOut">
               <a:rPr lang="zh-CN" altLang="en-US" smtClean="0"/>
+              <a:t>2018/6/29</a:t>
             </a:fld>
             <a:endParaRPr lang="zh-CN" altLang="en-US"/>
           </a:p>
@@ -4565,6 +4544,7 @@
           <a:p>
             <a:fld id="{2E5E38D8-10EC-484B-86A2-4E8D68055A5A}" type="slidenum">
               <a:rPr lang="zh-CN" altLang="en-US" smtClean="0"/>
+              <a:t>‹#›</a:t>
             </a:fld>
             <a:endParaRPr lang="zh-CN" altLang="en-US"/>
           </a:p>
@@ -4635,6 +4615,7 @@
           <a:p>
             <a:fld id="{2858BA8F-555C-419C-A9C0-2C2309CFF272}" type="datetimeFigureOut">
               <a:rPr lang="zh-CN" altLang="en-US" smtClean="0"/>
+              <a:t>2018/6/29</a:t>
             </a:fld>
             <a:endParaRPr lang="zh-CN" altLang="en-US"/>
           </a:p>
@@ -4676,6 +4657,7 @@
           <a:p>
             <a:fld id="{2E5E38D8-10EC-484B-86A2-4E8D68055A5A}" type="slidenum">
               <a:rPr lang="zh-CN" altLang="en-US" smtClean="0"/>
+              <a:t>‹#›</a:t>
             </a:fld>
             <a:endParaRPr lang="zh-CN" altLang="en-US"/>
           </a:p>
@@ -4746,6 +4728,7 @@
           <a:p>
             <a:fld id="{2858BA8F-555C-419C-A9C0-2C2309CFF272}" type="datetimeFigureOut">
               <a:rPr lang="zh-CN" altLang="en-US" smtClean="0"/>
+              <a:t>2018/6/29</a:t>
             </a:fld>
             <a:endParaRPr lang="zh-CN" altLang="en-US"/>
           </a:p>
@@ -4787,6 +4770,7 @@
           <a:p>
             <a:fld id="{2E5E38D8-10EC-484B-86A2-4E8D68055A5A}" type="slidenum">
               <a:rPr lang="zh-CN" altLang="en-US" smtClean="0"/>
+              <a:t>‹#›</a:t>
             </a:fld>
             <a:endParaRPr lang="zh-CN" altLang="en-US"/>
           </a:p>
@@ -4904,7 +4888,6 @@
               <a:rPr lang="zh-CN" altLang="en-US" smtClean="0"/>
               <a:t>编辑母版文本样式</a:t>
             </a:r>
-            <a:endParaRPr lang="zh-CN" altLang="en-US" smtClean="0"/>
           </a:p>
           <a:p>
             <a:pPr lvl="1"/>
@@ -4912,7 +4895,6 @@
               <a:rPr lang="zh-CN" altLang="en-US" smtClean="0"/>
               <a:t>第二级</a:t>
             </a:r>
-            <a:endParaRPr lang="zh-CN" altLang="en-US" smtClean="0"/>
           </a:p>
           <a:p>
             <a:pPr lvl="2"/>
@@ -4920,7 +4902,6 @@
               <a:rPr lang="zh-CN" altLang="en-US" smtClean="0"/>
               <a:t>第三级</a:t>
             </a:r>
-            <a:endParaRPr lang="zh-CN" altLang="en-US" smtClean="0"/>
           </a:p>
           <a:p>
             <a:pPr lvl="3"/>
@@ -4928,7 +4909,6 @@
               <a:rPr lang="zh-CN" altLang="en-US" smtClean="0"/>
               <a:t>第四级</a:t>
             </a:r>
-            <a:endParaRPr lang="zh-CN" altLang="en-US" smtClean="0"/>
           </a:p>
           <a:p>
             <a:pPr lvl="4"/>
@@ -5007,7 +4987,6 @@
               <a:rPr lang="zh-CN" altLang="en-US" smtClean="0"/>
               <a:t>编辑母版文本样式</a:t>
             </a:r>
-            <a:endParaRPr lang="zh-CN" altLang="en-US" smtClean="0"/>
           </a:p>
         </p:txBody>
       </p:sp>
@@ -5028,6 +5007,7 @@
           <a:p>
             <a:fld id="{2858BA8F-555C-419C-A9C0-2C2309CFF272}" type="datetimeFigureOut">
               <a:rPr lang="zh-CN" altLang="en-US" smtClean="0"/>
+              <a:t>2018/6/29</a:t>
             </a:fld>
             <a:endParaRPr lang="zh-CN" altLang="en-US"/>
           </a:p>
@@ -5069,6 +5049,7 @@
           <a:p>
             <a:fld id="{2E5E38D8-10EC-484B-86A2-4E8D68055A5A}" type="slidenum">
               <a:rPr lang="zh-CN" altLang="en-US" smtClean="0"/>
+              <a:t>‹#›</a:t>
             </a:fld>
             <a:endParaRPr lang="zh-CN" altLang="en-US"/>
           </a:p>
@@ -5265,7 +5246,6 @@
               <a:rPr lang="zh-CN" altLang="en-US" smtClean="0"/>
               <a:t>编辑母版文本样式</a:t>
             </a:r>
-            <a:endParaRPr lang="zh-CN" altLang="en-US" smtClean="0"/>
           </a:p>
         </p:txBody>
       </p:sp>
@@ -5286,6 +5266,7 @@
           <a:p>
             <a:fld id="{2858BA8F-555C-419C-A9C0-2C2309CFF272}" type="datetimeFigureOut">
               <a:rPr lang="zh-CN" altLang="en-US" smtClean="0"/>
+              <a:t>2018/6/29</a:t>
             </a:fld>
             <a:endParaRPr lang="zh-CN" altLang="en-US"/>
           </a:p>
@@ -5327,6 +5308,7 @@
           <a:p>
             <a:fld id="{2E5E38D8-10EC-484B-86A2-4E8D68055A5A}" type="slidenum">
               <a:rPr lang="zh-CN" altLang="en-US" smtClean="0"/>
+              <a:t>‹#›</a:t>
             </a:fld>
             <a:endParaRPr lang="zh-CN" altLang="en-US"/>
           </a:p>
@@ -5425,7 +5407,6 @@
               <a:rPr lang="zh-CN" altLang="en-US" smtClean="0"/>
               <a:t>编辑母版文本样式</a:t>
             </a:r>
-            <a:endParaRPr lang="zh-CN" altLang="en-US" smtClean="0"/>
           </a:p>
           <a:p>
             <a:pPr lvl="1"/>
@@ -5433,7 +5414,6 @@
               <a:rPr lang="zh-CN" altLang="en-US" smtClean="0"/>
               <a:t>第二级</a:t>
             </a:r>
-            <a:endParaRPr lang="zh-CN" altLang="en-US" smtClean="0"/>
           </a:p>
           <a:p>
             <a:pPr lvl="2"/>
@@ -5441,7 +5421,6 @@
               <a:rPr lang="zh-CN" altLang="en-US" smtClean="0"/>
               <a:t>第三级</a:t>
             </a:r>
-            <a:endParaRPr lang="zh-CN" altLang="en-US" smtClean="0"/>
           </a:p>
           <a:p>
             <a:pPr lvl="3"/>
@@ -5449,7 +5428,6 @@
               <a:rPr lang="zh-CN" altLang="en-US" smtClean="0"/>
               <a:t>第四级</a:t>
             </a:r>
-            <a:endParaRPr lang="zh-CN" altLang="en-US" smtClean="0"/>
           </a:p>
           <a:p>
             <a:pPr lvl="4"/>
@@ -5497,6 +5475,7 @@
           <a:p>
             <a:fld id="{2858BA8F-555C-419C-A9C0-2C2309CFF272}" type="datetimeFigureOut">
               <a:rPr lang="zh-CN" altLang="en-US" smtClean="0"/>
+              <a:t>2018/6/29</a:t>
             </a:fld>
             <a:endParaRPr lang="zh-CN" altLang="en-US"/>
           </a:p>
@@ -5575,6 +5554,7 @@
           <a:p>
             <a:fld id="{2E5E38D8-10EC-484B-86A2-4E8D68055A5A}" type="slidenum">
               <a:rPr lang="zh-CN" altLang="en-US" smtClean="0"/>
+              <a:t>‹#›</a:t>
             </a:fld>
             <a:endParaRPr lang="zh-CN" altLang="en-US"/>
           </a:p>
@@ -5947,7 +5927,7 @@
           <p:nvPr/>
         </p:nvPicPr>
         <p:blipFill rotWithShape="1">
-          <a:blip r:embed="rId12">
+          <a:blip r:embed="rId13">
             <a:extLst>
               <a:ext uri="{28A0092B-C50C-407E-A947-70E740481C1C}">
                 <a14:useLocalDpi xmlns:a14="http://schemas.microsoft.com/office/drawing/2010/main" val="0"/>
@@ -6032,7 +6012,6 @@
               <a:rPr lang="en-US" dirty="0"/>
               <a:t>Edit Master text styles</a:t>
             </a:r>
-            <a:endParaRPr lang="en-US" dirty="0"/>
           </a:p>
           <a:p>
             <a:pPr lvl="1"/>
@@ -6040,7 +6019,6 @@
               <a:rPr lang="en-US" dirty="0"/>
               <a:t>Second level</a:t>
             </a:r>
-            <a:endParaRPr lang="en-US" dirty="0"/>
           </a:p>
           <a:p>
             <a:pPr lvl="2"/>
@@ -6048,7 +6026,6 @@
               <a:rPr lang="en-US" dirty="0"/>
               <a:t>Third level</a:t>
             </a:r>
-            <a:endParaRPr lang="en-US" dirty="0"/>
           </a:p>
           <a:p>
             <a:pPr lvl="3"/>
@@ -6056,7 +6033,6 @@
               <a:rPr lang="en-US" dirty="0"/>
               <a:t>Fourth level</a:t>
             </a:r>
-            <a:endParaRPr lang="en-US" dirty="0"/>
           </a:p>
           <a:p>
             <a:pPr lvl="4"/>
@@ -6064,7 +6040,6 @@
               <a:rPr lang="en-US" dirty="0"/>
               <a:t>Fifth level</a:t>
             </a:r>
-            <a:endParaRPr lang="en-US" dirty="0"/>
           </a:p>
         </p:txBody>
       </p:sp>
@@ -6103,6 +6078,7 @@
           <a:p>
             <a:fld id="{2858BA8F-555C-419C-A9C0-2C2309CFF272}" type="datetimeFigureOut">
               <a:rPr lang="zh-CN" altLang="en-US" smtClean="0"/>
+              <a:t>2018/6/29</a:t>
             </a:fld>
             <a:endParaRPr lang="zh-CN" altLang="en-US"/>
           </a:p>
@@ -6178,6 +6154,7 @@
           <a:p>
             <a:fld id="{2E5E38D8-10EC-484B-86A2-4E8D68055A5A}" type="slidenum">
               <a:rPr lang="zh-CN" altLang="en-US" smtClean="0"/>
+              <a:t>‹#›</a:t>
             </a:fld>
             <a:endParaRPr lang="zh-CN" altLang="en-US"/>
           </a:p>
@@ -6663,6 +6640,13 @@
               </a:rPr>
               <a:t>		2016013275</a:t>
             </a:r>
+            <a:r>
+              <a:rPr lang="en-US" altLang="zh-CN" sz="2000" dirty="0">
+                <a:latin typeface="华文中宋" panose="02010600040101010101" pitchFamily="2" charset="-122"/>
+                <a:ea typeface="华文中宋" panose="02010600040101010101" pitchFamily="2" charset="-122"/>
+              </a:rPr>
+              <a:t/>
+            </a:r>
             <a:br>
               <a:rPr lang="en-US" altLang="zh-CN" sz="2000" dirty="0">
                 <a:latin typeface="华文中宋" panose="02010600040101010101" pitchFamily="2" charset="-122"/>
@@ -6690,6 +6674,13 @@
               </a:rPr>
               <a:t>		2016013223</a:t>
             </a:r>
+            <a:r>
+              <a:rPr lang="en-US" altLang="zh-CN" sz="2000" dirty="0">
+                <a:latin typeface="华文中宋" panose="02010600040101010101" pitchFamily="2" charset="-122"/>
+                <a:ea typeface="华文中宋" panose="02010600040101010101" pitchFamily="2" charset="-122"/>
+              </a:rPr>
+              <a:t/>
+            </a:r>
             <a:br>
               <a:rPr lang="en-US" altLang="zh-CN" sz="2000" dirty="0">
                 <a:latin typeface="华文中宋" panose="02010600040101010101" pitchFamily="2" charset="-122"/>
@@ -6716,6 +6707,13 @@
                 <a:ea typeface="华文中宋" panose="02010600040101010101" pitchFamily="2" charset="-122"/>
               </a:rPr>
               <a:t>	2016080045</a:t>
+            </a:r>
+            <a:r>
+              <a:rPr lang="en-US" altLang="zh-CN" sz="2000" dirty="0">
+                <a:latin typeface="华文中宋" panose="02010600040101010101" pitchFamily="2" charset="-122"/>
+                <a:ea typeface="华文中宋" panose="02010600040101010101" pitchFamily="2" charset="-122"/>
+              </a:rPr>
+              <a:t/>
             </a:r>
             <a:br>
               <a:rPr lang="en-US" altLang="zh-CN" sz="2000" dirty="0">
@@ -6778,7 +6776,14 @@
         <p:cNvGrpSpPr/>
         <p:nvPr/>
       </p:nvGrpSpPr>
-      <p:grpSpPr/>
+      <p:grpSpPr>
+        <a:xfrm>
+          <a:off x="0" y="0"/>
+          <a:ext cx="0" cy="0"/>
+          <a:chOff x="0" y="0"/>
+          <a:chExt cx="0" cy="0"/>
+        </a:xfrm>
+      </p:grpSpPr>
       <p:sp>
         <p:nvSpPr>
           <p:cNvPr id="2" name="标题 1"/>
@@ -6791,16 +6796,19 @@
         </p:nvSpPr>
         <p:spPr/>
         <p:txBody>
-          <a:bodyPr/>
-          <a:p>
-            <a:r>
-              <a:rPr lang="zh-CN" altLang="en-US" sz="4800">
-                <a:latin typeface="华文中宋" panose="02010600040101010101" pitchFamily="2" charset="-122"/>
-                <a:ea typeface="华文中宋" panose="02010600040101010101" pitchFamily="2" charset="-122"/>
-              </a:rPr>
-              <a:t>文件管理：文件的复制</a:t>
-            </a:r>
-            <a:endParaRPr lang="zh-CN" altLang="en-US" sz="4800">
+          <a:bodyPr>
+            <a:noAutofit/>
+          </a:bodyPr>
+          <a:lstStyle/>
+          <a:p>
+            <a:r>
+              <a:rPr lang="zh-CN" altLang="en-US" sz="4800" dirty="0" smtClean="0">
+                <a:latin typeface="华文中宋" panose="02010600040101010101" pitchFamily="2" charset="-122"/>
+                <a:ea typeface="华文中宋" panose="02010600040101010101" pitchFamily="2" charset="-122"/>
+              </a:rPr>
+              <a:t>基础指令：清屏指令</a:t>
+            </a:r>
+            <a:endParaRPr lang="zh-CN" altLang="en-US" sz="4800" dirty="0">
               <a:latin typeface="华文中宋" panose="02010600040101010101" pitchFamily="2" charset="-122"/>
               <a:ea typeface="华文中宋" panose="02010600040101010101" pitchFamily="2" charset="-122"/>
             </a:endParaRPr>
@@ -6819,7 +6827,483 @@
         </p:nvSpPr>
         <p:spPr/>
         <p:txBody>
+          <a:bodyPr>
+            <a:noAutofit/>
+          </a:bodyPr>
+          <a:lstStyle/>
+          <a:p>
+            <a:r>
+              <a:rPr lang="zh-CN" altLang="en-US" sz="3200" dirty="0" smtClean="0">
+                <a:latin typeface="华文中宋" panose="02010600040101010101" pitchFamily="2" charset="-122"/>
+                <a:ea typeface="华文中宋" panose="02010600040101010101" pitchFamily="2" charset="-122"/>
+              </a:rPr>
+              <a:t>实现了系统调用 </a:t>
+            </a:r>
+            <a:r>
+              <a:rPr lang="en-US" altLang="zh-CN" sz="3200" dirty="0" smtClean="0">
+                <a:latin typeface="华文中宋" panose="02010600040101010101" pitchFamily="2" charset="-122"/>
+                <a:ea typeface="华文中宋" panose="02010600040101010101" pitchFamily="2" charset="-122"/>
+              </a:rPr>
+              <a:t>clear()</a:t>
+            </a:r>
+            <a:r>
+              <a:rPr lang="zh-CN" altLang="en-US" sz="3200" dirty="0" smtClean="0">
+                <a:latin typeface="华文中宋" panose="02010600040101010101" pitchFamily="2" charset="-122"/>
+                <a:ea typeface="华文中宋" panose="02010600040101010101" pitchFamily="2" charset="-122"/>
+              </a:rPr>
+              <a:t>。</a:t>
+            </a:r>
+            <a:r>
+              <a:rPr lang="en-US" altLang="zh-CN" sz="3200" dirty="0" smtClean="0">
+                <a:latin typeface="华文中宋" panose="02010600040101010101" pitchFamily="2" charset="-122"/>
+                <a:ea typeface="华文中宋" panose="02010600040101010101" pitchFamily="2" charset="-122"/>
+              </a:rPr>
+              <a:t> </a:t>
+            </a:r>
+            <a:r>
+              <a:rPr lang="zh-CN" altLang="en-US" sz="3200" dirty="0" smtClean="0">
+                <a:latin typeface="华文中宋" panose="02010600040101010101" pitchFamily="2" charset="-122"/>
+                <a:ea typeface="华文中宋" panose="02010600040101010101" pitchFamily="2" charset="-122"/>
+              </a:rPr>
+              <a:t>输入 </a:t>
+            </a:r>
+            <a:r>
+              <a:rPr lang="en-US" altLang="zh-CN" sz="3200" dirty="0" smtClean="0">
+                <a:latin typeface="华文中宋" panose="02010600040101010101" pitchFamily="2" charset="-122"/>
+                <a:ea typeface="华文中宋" panose="02010600040101010101" pitchFamily="2" charset="-122"/>
+              </a:rPr>
+              <a:t>clear </a:t>
+            </a:r>
+            <a:r>
+              <a:rPr lang="zh-CN" altLang="en-US" sz="3200" dirty="0" smtClean="0">
+                <a:latin typeface="华文中宋" panose="02010600040101010101" pitchFamily="2" charset="-122"/>
+                <a:ea typeface="华文中宋" panose="02010600040101010101" pitchFamily="2" charset="-122"/>
+              </a:rPr>
+              <a:t>即可执行清屏。</a:t>
+            </a:r>
+            <a:r>
+              <a:rPr lang="zh-CN" altLang="en-US" sz="3200" dirty="0"/>
+              <a:t/>
+            </a:r>
+            <a:br>
+              <a:rPr lang="zh-CN" altLang="en-US" sz="3200" dirty="0"/>
+            </a:br>
+            <a:endParaRPr lang="zh-CN" altLang="en-US" sz="3200" dirty="0"/>
+          </a:p>
+        </p:txBody>
+      </p:sp>
+      <p:pic>
+        <p:nvPicPr>
+          <p:cNvPr id="4" name="图片 3"/>
+          <p:cNvPicPr>
+            <a:picLocks noChangeAspect="1"/>
+          </p:cNvPicPr>
+          <p:nvPr/>
+        </p:nvPicPr>
+        <p:blipFill>
+          <a:blip r:embed="rId2"/>
+          <a:stretch>
+            <a:fillRect/>
+          </a:stretch>
+        </p:blipFill>
+        <p:spPr>
+          <a:xfrm>
+            <a:off x="2464697" y="2695575"/>
+            <a:ext cx="3267075" cy="4162425"/>
+          </a:xfrm>
+          <a:prstGeom prst="rect">
+            <a:avLst/>
+          </a:prstGeom>
+          <a:ln>
+            <a:noFill/>
+          </a:ln>
+          <a:effectLst>
+            <a:outerShdw blurRad="292100" dist="139700" dir="2700000" algn="tl" rotWithShape="0">
+              <a:srgbClr val="333333">
+                <a:alpha val="65000"/>
+              </a:srgbClr>
+            </a:outerShdw>
+          </a:effectLst>
+        </p:spPr>
+      </p:pic>
+      <p:pic>
+        <p:nvPicPr>
+          <p:cNvPr id="5" name="图片 4"/>
+          <p:cNvPicPr>
+            <a:picLocks noChangeAspect="1"/>
+          </p:cNvPicPr>
+          <p:nvPr/>
+        </p:nvPicPr>
+        <p:blipFill>
+          <a:blip r:embed="rId3"/>
+          <a:stretch>
+            <a:fillRect/>
+          </a:stretch>
+        </p:blipFill>
+        <p:spPr>
+          <a:xfrm>
+            <a:off x="6693100" y="2695575"/>
+            <a:ext cx="3400425" cy="4152900"/>
+          </a:xfrm>
+          <a:prstGeom prst="rect">
+            <a:avLst/>
+          </a:prstGeom>
+          <a:ln>
+            <a:noFill/>
+          </a:ln>
+          <a:effectLst>
+            <a:outerShdw blurRad="292100" dist="139700" dir="2700000" algn="tl" rotWithShape="0">
+              <a:srgbClr val="333333">
+                <a:alpha val="65000"/>
+              </a:srgbClr>
+            </a:outerShdw>
+          </a:effectLst>
+        </p:spPr>
+      </p:pic>
+    </p:spTree>
+  </p:cSld>
+  <p:clrMapOvr>
+    <a:masterClrMapping/>
+  </p:clrMapOvr>
+  <p:transition spd="slow">
+    <p:wipe/>
+  </p:transition>
+  <p:timing>
+    <p:tnLst>
+      <p:par>
+        <p:cTn id="1" dur="indefinite" restart="never" nodeType="tmRoot">
+          <p:childTnLst>
+            <p:seq concurrent="1" nextAc="seek">
+              <p:cTn id="2" dur="indefinite" nodeType="mainSeq">
+                <p:childTnLst>
+                  <p:par>
+                    <p:cTn id="3" fill="hold">
+                      <p:stCondLst>
+                        <p:cond delay="indefinite"/>
+                      </p:stCondLst>
+                      <p:childTnLst>
+                        <p:par>
+                          <p:cTn id="4" fill="hold">
+                            <p:stCondLst>
+                              <p:cond delay="0"/>
+                            </p:stCondLst>
+                            <p:childTnLst>
+                              <p:par>
+                                <p:cTn id="5" presetID="10" presetClass="entr" presetSubtype="0" fill="hold" nodeType="clickEffect">
+                                  <p:stCondLst>
+                                    <p:cond delay="0"/>
+                                  </p:stCondLst>
+                                  <p:childTnLst>
+                                    <p:set>
+                                      <p:cBhvr>
+                                        <p:cTn id="6" dur="1" fill="hold">
+                                          <p:stCondLst>
+                                            <p:cond delay="0"/>
+                                          </p:stCondLst>
+                                        </p:cTn>
+                                        <p:tgtEl>
+                                          <p:spTgt spid="4"/>
+                                        </p:tgtEl>
+                                        <p:attrNameLst>
+                                          <p:attrName>style.visibility</p:attrName>
+                                        </p:attrNameLst>
+                                      </p:cBhvr>
+                                      <p:to>
+                                        <p:strVal val="visible"/>
+                                      </p:to>
+                                    </p:set>
+                                    <p:animEffect transition="in" filter="fade">
+                                      <p:cBhvr>
+                                        <p:cTn id="7" dur="500"/>
+                                        <p:tgtEl>
+                                          <p:spTgt spid="4"/>
+                                        </p:tgtEl>
+                                      </p:cBhvr>
+                                    </p:animEffect>
+                                  </p:childTnLst>
+                                </p:cTn>
+                              </p:par>
+                              <p:par>
+                                <p:cTn id="8" presetID="10" presetClass="entr" presetSubtype="0" fill="hold" nodeType="withEffect">
+                                  <p:stCondLst>
+                                    <p:cond delay="0"/>
+                                  </p:stCondLst>
+                                  <p:childTnLst>
+                                    <p:set>
+                                      <p:cBhvr>
+                                        <p:cTn id="9" dur="1" fill="hold">
+                                          <p:stCondLst>
+                                            <p:cond delay="0"/>
+                                          </p:stCondLst>
+                                        </p:cTn>
+                                        <p:tgtEl>
+                                          <p:spTgt spid="5"/>
+                                        </p:tgtEl>
+                                        <p:attrNameLst>
+                                          <p:attrName>style.visibility</p:attrName>
+                                        </p:attrNameLst>
+                                      </p:cBhvr>
+                                      <p:to>
+                                        <p:strVal val="visible"/>
+                                      </p:to>
+                                    </p:set>
+                                    <p:animEffect transition="in" filter="fade">
+                                      <p:cBhvr>
+                                        <p:cTn id="10" dur="500"/>
+                                        <p:tgtEl>
+                                          <p:spTgt spid="5"/>
+                                        </p:tgtEl>
+                                      </p:cBhvr>
+                                    </p:animEffect>
+                                  </p:childTnLst>
+                                </p:cTn>
+                              </p:par>
+                            </p:childTnLst>
+                          </p:cTn>
+                        </p:par>
+                      </p:childTnLst>
+                    </p:cTn>
+                  </p:par>
+                </p:childTnLst>
+              </p:cTn>
+              <p:prevCondLst>
+                <p:cond evt="onPrev" delay="0">
+                  <p:tgtEl>
+                    <p:sldTgt/>
+                  </p:tgtEl>
+                </p:cond>
+              </p:prevCondLst>
+              <p:nextCondLst>
+                <p:cond evt="onNext" delay="0">
+                  <p:tgtEl>
+                    <p:sldTgt/>
+                  </p:tgtEl>
+                </p:cond>
+              </p:nextCondLst>
+            </p:seq>
+          </p:childTnLst>
+        </p:cTn>
+      </p:par>
+    </p:tnLst>
+  </p:timing>
+</p:sld>
+</file>
+
+<file path=ppt/slides/slide11.xml><?xml version="1.0" encoding="utf-8"?>
+<p:sld xmlns:a="http://schemas.openxmlformats.org/drawingml/2006/main" xmlns:r="http://schemas.openxmlformats.org/officeDocument/2006/relationships" xmlns:p="http://schemas.openxmlformats.org/presentationml/2006/main">
+  <p:cSld>
+    <p:spTree>
+      <p:nvGrpSpPr>
+        <p:cNvPr id="1" name=""/>
+        <p:cNvGrpSpPr/>
+        <p:nvPr/>
+      </p:nvGrpSpPr>
+      <p:grpSpPr>
+        <a:xfrm>
+          <a:off x="0" y="0"/>
+          <a:ext cx="0" cy="0"/>
+          <a:chOff x="0" y="0"/>
+          <a:chExt cx="0" cy="0"/>
+        </a:xfrm>
+      </p:grpSpPr>
+      <p:sp>
+        <p:nvSpPr>
+          <p:cNvPr id="2" name="标题 1"/>
+          <p:cNvSpPr>
+            <a:spLocks noGrp="1"/>
+          </p:cNvSpPr>
+          <p:nvPr>
+            <p:ph type="title"/>
+          </p:nvPr>
+        </p:nvSpPr>
+        <p:spPr/>
+        <p:txBody>
+          <a:bodyPr>
+            <a:normAutofit/>
+          </a:bodyPr>
+          <a:lstStyle/>
+          <a:p>
+            <a:r>
+              <a:rPr lang="zh-CN" altLang="en-US" sz="4800" dirty="0" smtClean="0">
+                <a:latin typeface="华文中宋" panose="02010600040101010101" pitchFamily="2" charset="-122"/>
+                <a:ea typeface="华文中宋" panose="02010600040101010101" pitchFamily="2" charset="-122"/>
+              </a:rPr>
+              <a:t>文件管理</a:t>
+            </a:r>
+            <a:endParaRPr lang="zh-CN" altLang="en-US" sz="4800" dirty="0">
+              <a:latin typeface="华文中宋" panose="02010600040101010101" pitchFamily="2" charset="-122"/>
+              <a:ea typeface="华文中宋" panose="02010600040101010101" pitchFamily="2" charset="-122"/>
+            </a:endParaRPr>
+          </a:p>
+        </p:txBody>
+      </p:sp>
+      <p:sp>
+        <p:nvSpPr>
+          <p:cNvPr id="3" name="内容占位符 2"/>
+          <p:cNvSpPr>
+            <a:spLocks noGrp="1"/>
+          </p:cNvSpPr>
+          <p:nvPr>
+            <p:ph idx="1"/>
+          </p:nvPr>
+        </p:nvSpPr>
+        <p:spPr/>
+        <p:txBody>
+          <a:bodyPr>
+            <a:normAutofit/>
+          </a:bodyPr>
+          <a:lstStyle/>
+          <a:p>
+            <a:pPr marL="457200" indent="-457200">
+              <a:buFont typeface="+mj-lt"/>
+              <a:buAutoNum type="arabicPeriod"/>
+            </a:pPr>
+            <a:r>
+              <a:rPr lang="zh-CN" altLang="en-US" sz="3600" dirty="0">
+                <a:latin typeface="华文中宋" panose="02010600040101010101" pitchFamily="2" charset="-122"/>
+                <a:ea typeface="华文中宋" panose="02010600040101010101" pitchFamily="2" charset="-122"/>
+              </a:rPr>
+              <a:t>文件</a:t>
+            </a:r>
+            <a:r>
+              <a:rPr lang="zh-CN" altLang="en-US" sz="3600" dirty="0" smtClean="0">
+                <a:latin typeface="华文中宋" panose="02010600040101010101" pitchFamily="2" charset="-122"/>
+                <a:ea typeface="华文中宋" panose="02010600040101010101" pitchFamily="2" charset="-122"/>
+              </a:rPr>
+              <a:t>的复制</a:t>
+            </a:r>
+            <a:endParaRPr lang="en-US" altLang="zh-CN" sz="3600" dirty="0" smtClean="0">
+              <a:latin typeface="华文中宋" panose="02010600040101010101" pitchFamily="2" charset="-122"/>
+              <a:ea typeface="华文中宋" panose="02010600040101010101" pitchFamily="2" charset="-122"/>
+            </a:endParaRPr>
+          </a:p>
+          <a:p>
+            <a:pPr marL="457200" indent="-457200">
+              <a:buFont typeface="+mj-lt"/>
+              <a:buAutoNum type="arabicPeriod"/>
+            </a:pPr>
+            <a:r>
+              <a:rPr lang="zh-CN" altLang="en-US" sz="3600" dirty="0" smtClean="0">
+                <a:latin typeface="华文中宋" panose="02010600040101010101" pitchFamily="2" charset="-122"/>
+                <a:ea typeface="华文中宋" panose="02010600040101010101" pitchFamily="2" charset="-122"/>
+              </a:rPr>
+              <a:t>文件</a:t>
+            </a:r>
+            <a:r>
+              <a:rPr lang="zh-CN" altLang="en-US" sz="3600" dirty="0">
+                <a:latin typeface="华文中宋" panose="02010600040101010101" pitchFamily="2" charset="-122"/>
+                <a:ea typeface="华文中宋" panose="02010600040101010101" pitchFamily="2" charset="-122"/>
+              </a:rPr>
+              <a:t>的</a:t>
+            </a:r>
+            <a:r>
+              <a:rPr lang="zh-CN" altLang="en-US" sz="3600" dirty="0" smtClean="0">
+                <a:latin typeface="华文中宋" panose="02010600040101010101" pitchFamily="2" charset="-122"/>
+                <a:ea typeface="华文中宋" panose="02010600040101010101" pitchFamily="2" charset="-122"/>
+              </a:rPr>
+              <a:t>移动</a:t>
+            </a:r>
+            <a:endParaRPr lang="en-US" altLang="zh-CN" sz="3600" dirty="0" smtClean="0">
+              <a:latin typeface="华文中宋" panose="02010600040101010101" pitchFamily="2" charset="-122"/>
+              <a:ea typeface="华文中宋" panose="02010600040101010101" pitchFamily="2" charset="-122"/>
+            </a:endParaRPr>
+          </a:p>
+          <a:p>
+            <a:pPr marL="457200" indent="-457200">
+              <a:buFont typeface="+mj-lt"/>
+              <a:buAutoNum type="arabicPeriod"/>
+            </a:pPr>
+            <a:r>
+              <a:rPr lang="zh-CN" altLang="en-US" sz="3600" dirty="0" smtClean="0">
+                <a:latin typeface="华文中宋" panose="02010600040101010101" pitchFamily="2" charset="-122"/>
+                <a:ea typeface="华文中宋" panose="02010600040101010101" pitchFamily="2" charset="-122"/>
+              </a:rPr>
+              <a:t>文件</a:t>
+            </a:r>
+            <a:r>
+              <a:rPr lang="zh-CN" altLang="en-US" sz="3600" dirty="0">
+                <a:latin typeface="华文中宋" panose="02010600040101010101" pitchFamily="2" charset="-122"/>
+                <a:ea typeface="华文中宋" panose="02010600040101010101" pitchFamily="2" charset="-122"/>
+              </a:rPr>
+              <a:t>的更名</a:t>
+            </a:r>
+          </a:p>
+        </p:txBody>
+      </p:sp>
+    </p:spTree>
+  </p:cSld>
+  <p:clrMapOvr>
+    <a:masterClrMapping/>
+  </p:clrMapOvr>
+  <p:transition spd="slow">
+    <p:wipe/>
+  </p:transition>
+  <p:timing>
+    <p:tnLst>
+      <p:par>
+        <p:cTn id="1" dur="indefinite" restart="never" nodeType="tmRoot"/>
+      </p:par>
+    </p:tnLst>
+  </p:timing>
+</p:sld>
+</file>
+
+<file path=ppt/slides/slide12.xml><?xml version="1.0" encoding="utf-8"?>
+<p:sld xmlns:a="http://schemas.openxmlformats.org/drawingml/2006/main" xmlns:r="http://schemas.openxmlformats.org/officeDocument/2006/relationships" xmlns:p="http://schemas.openxmlformats.org/presentationml/2006/main">
+  <p:cSld>
+    <p:spTree>
+      <p:nvGrpSpPr>
+        <p:cNvPr id="1" name=""/>
+        <p:cNvGrpSpPr/>
+        <p:nvPr/>
+      </p:nvGrpSpPr>
+      <p:grpSpPr>
+        <a:xfrm>
+          <a:off x="0" y="0"/>
+          <a:ext cx="0" cy="0"/>
+          <a:chOff x="0" y="0"/>
+          <a:chExt cx="0" cy="0"/>
+        </a:xfrm>
+      </p:grpSpPr>
+      <p:sp>
+        <p:nvSpPr>
+          <p:cNvPr id="2" name="标题 1"/>
+          <p:cNvSpPr>
+            <a:spLocks noGrp="1"/>
+          </p:cNvSpPr>
+          <p:nvPr>
+            <p:ph type="title"/>
+          </p:nvPr>
+        </p:nvSpPr>
+        <p:spPr/>
+        <p:txBody>
           <a:bodyPr/>
+          <a:lstStyle/>
+          <a:p>
+            <a:r>
+              <a:rPr lang="zh-CN" altLang="en-US" sz="4800">
+                <a:latin typeface="华文中宋" panose="02010600040101010101" pitchFamily="2" charset="-122"/>
+                <a:ea typeface="华文中宋" panose="02010600040101010101" pitchFamily="2" charset="-122"/>
+              </a:rPr>
+              <a:t>文件管理：文件的复制</a:t>
+            </a:r>
+          </a:p>
+        </p:txBody>
+      </p:sp>
+      <p:sp>
+        <p:nvSpPr>
+          <p:cNvPr id="3" name="内容占位符 2"/>
+          <p:cNvSpPr>
+            <a:spLocks noGrp="1"/>
+          </p:cNvSpPr>
+          <p:nvPr>
+            <p:ph idx="1"/>
+          </p:nvPr>
+        </p:nvSpPr>
+        <p:spPr/>
+        <p:txBody>
+          <a:bodyPr/>
+          <a:lstStyle/>
           <a:p>
             <a:r>
               <a:rPr lang="zh-CN" altLang="en-US" sz="3600">
@@ -6833,7 +7317,7 @@
                 <a:latin typeface="华文中宋" panose="02010600040101010101" pitchFamily="2" charset="-122"/>
                 <a:ea typeface="华文中宋" panose="02010600040101010101" pitchFamily="2" charset="-122"/>
               </a:rPr>
-              <a:t>cp file1/document file2</a:t>
+              <a:t>cp document file2</a:t>
             </a:r>
             <a:endParaRPr lang="zh-CN" altLang="en-US" sz="3600">
               <a:latin typeface="华文中宋" panose="02010600040101010101" pitchFamily="2" charset="-122"/>
@@ -6851,7 +7335,7 @@
           <p:nvPr/>
         </p:nvPicPr>
         <p:blipFill>
-          <a:blip r:embed="rId1"/>
+          <a:blip r:embed="rId2"/>
           <a:stretch>
             <a:fillRect/>
           </a:stretch>
@@ -6874,7 +7358,7 @@
 </p:sld>
 </file>
 
-<file path=ppt/slides/slide11.xml><?xml version="1.0" encoding="utf-8"?>
+<file path=ppt/slides/slide13.xml><?xml version="1.0" encoding="utf-8"?>
 <p:sld xmlns:a="http://schemas.openxmlformats.org/drawingml/2006/main" xmlns:r="http://schemas.openxmlformats.org/officeDocument/2006/relationships" xmlns:p="http://schemas.openxmlformats.org/presentationml/2006/main">
   <p:cSld>
     <p:spTree>
@@ -6883,7 +7367,14 @@
         <p:cNvGrpSpPr/>
         <p:nvPr/>
       </p:nvGrpSpPr>
-      <p:grpSpPr/>
+      <p:grpSpPr>
+        <a:xfrm>
+          <a:off x="0" y="0"/>
+          <a:ext cx="0" cy="0"/>
+          <a:chOff x="0" y="0"/>
+          <a:chExt cx="0" cy="0"/>
+        </a:xfrm>
+      </p:grpSpPr>
       <p:sp>
         <p:nvSpPr>
           <p:cNvPr id="2" name="标题 1"/>
@@ -6897,6 +7388,7 @@
         <p:spPr/>
         <p:txBody>
           <a:bodyPr/>
+          <a:lstStyle/>
           <a:p>
             <a:r>
               <a:rPr lang="zh-CN" altLang="en-US" sz="4800">
@@ -6906,11 +7398,6 @@
               </a:rPr>
               <a:t>文件管理：文件的移动</a:t>
             </a:r>
-            <a:endParaRPr lang="zh-CN" altLang="en-US" sz="4800">
-              <a:latin typeface="华文中宋" panose="02010600040101010101" pitchFamily="2" charset="-122"/>
-              <a:ea typeface="华文中宋" panose="02010600040101010101" pitchFamily="2" charset="-122"/>
-              <a:sym typeface="+mn-ea"/>
-            </a:endParaRPr>
           </a:p>
         </p:txBody>
       </p:sp>
@@ -6927,6 +7414,7 @@
         <p:spPr/>
         <p:txBody>
           <a:bodyPr/>
+          <a:lstStyle/>
           <a:p>
             <a:r>
               <a:rPr lang="zh-CN" altLang="en-US" sz="3600">
@@ -6944,11 +7432,6 @@
               </a:rPr>
               <a:t>mv file1 file2</a:t>
             </a:r>
-            <a:endParaRPr lang="en-US" altLang="zh-CN" sz="3600">
-              <a:latin typeface="华文中宋" panose="02010600040101010101" pitchFamily="2" charset="-122"/>
-              <a:ea typeface="华文中宋" panose="02010600040101010101" pitchFamily="2" charset="-122"/>
-              <a:sym typeface="+mn-ea"/>
-            </a:endParaRPr>
           </a:p>
           <a:p>
             <a:pPr marL="0" indent="0">
@@ -6973,7 +7456,7 @@
           <p:nvPr/>
         </p:nvPicPr>
         <p:blipFill>
-          <a:blip r:embed="rId1"/>
+          <a:blip r:embed="rId2"/>
           <a:stretch>
             <a:fillRect/>
           </a:stretch>
@@ -6996,7 +7479,7 @@
 </p:sld>
 </file>
 
-<file path=ppt/slides/slide12.xml><?xml version="1.0" encoding="utf-8"?>
+<file path=ppt/slides/slide14.xml><?xml version="1.0" encoding="utf-8"?>
 <p:sld xmlns:a="http://schemas.openxmlformats.org/drawingml/2006/main" xmlns:r="http://schemas.openxmlformats.org/officeDocument/2006/relationships" xmlns:p="http://schemas.openxmlformats.org/presentationml/2006/main">
   <p:cSld>
     <p:spTree>
@@ -7119,7 +7602,7 @@
           <p:nvPr/>
         </p:nvPicPr>
         <p:blipFill>
-          <a:blip r:embed="rId1"/>
+          <a:blip r:embed="rId2"/>
           <a:stretch>
             <a:fillRect/>
           </a:stretch>
@@ -7159,7 +7642,7 @@
           <p:nvPr/>
         </p:nvPicPr>
         <p:blipFill>
-          <a:blip r:embed="rId2"/>
+          <a:blip r:embed="rId3"/>
           <a:stretch>
             <a:fillRect/>
           </a:stretch>
@@ -7303,7 +7786,7 @@
 </p:sld>
 </file>
 
-<file path=ppt/slides/slide13.xml><?xml version="1.0" encoding="utf-8"?>
+<file path=ppt/slides/slide15.xml><?xml version="1.0" encoding="utf-8"?>
 <p:sld xmlns:a="http://schemas.openxmlformats.org/drawingml/2006/main" xmlns:r="http://schemas.openxmlformats.org/officeDocument/2006/relationships" xmlns:p="http://schemas.openxmlformats.org/presentationml/2006/main">
   <p:cSld>
     <p:spTree>
@@ -7444,10 +7927,6 @@
               </a:rPr>
               <a:t>其他</a:t>
             </a:r>
-            <a:endParaRPr lang="zh-CN" altLang="en-US" sz="3600" dirty="0">
-              <a:latin typeface="华文中宋" panose="02010600040101010101" pitchFamily="2" charset="-122"/>
-              <a:ea typeface="华文中宋" panose="02010600040101010101" pitchFamily="2" charset="-122"/>
-            </a:endParaRPr>
           </a:p>
         </p:txBody>
       </p:sp>
@@ -7469,7 +7948,7 @@
 </p:sld>
 </file>
 
-<file path=ppt/slides/slide14.xml><?xml version="1.0" encoding="utf-8"?>
+<file path=ppt/slides/slide16.xml><?xml version="1.0" encoding="utf-8"?>
 <p:sld xmlns:a="http://schemas.openxmlformats.org/drawingml/2006/main" xmlns:r="http://schemas.openxmlformats.org/officeDocument/2006/relationships" xmlns:p="http://schemas.openxmlformats.org/presentationml/2006/main">
   <p:cSld>
     <p:spTree>
@@ -7548,20 +8027,20 @@
               </a:rPr>
               <a:t>edit filename</a:t>
             </a:r>
-            <a:endParaRPr lang="en-US" altLang="zh-CN" sz="2400" dirty="0">
+            <a:endParaRPr lang="en-US" altLang="zh-CN" sz="3600" dirty="0">
               <a:latin typeface="华文中宋" panose="02010600040101010101" pitchFamily="2" charset="-122"/>
               <a:ea typeface="华文中宋" panose="02010600040101010101" pitchFamily="2" charset="-122"/>
             </a:endParaRPr>
           </a:p>
           <a:p>
             <a:r>
-              <a:rPr lang="zh-CN" altLang="en-US" sz="2400" dirty="0" smtClean="0">
+              <a:rPr lang="zh-CN" altLang="en-US" sz="3600" dirty="0" smtClean="0">
                 <a:latin typeface="华文中宋" panose="02010600040101010101" pitchFamily="2" charset="-122"/>
                 <a:ea typeface="华文中宋" panose="02010600040101010101" pitchFamily="2" charset="-122"/>
               </a:rPr>
               <a:t>若存在文件则读取文件，否则创建新文件</a:t>
             </a:r>
-            <a:endParaRPr lang="en-US" altLang="zh-CN" sz="2400" dirty="0" smtClean="0">
+            <a:endParaRPr lang="en-US" altLang="zh-CN" sz="3600" dirty="0" smtClean="0">
               <a:latin typeface="华文中宋" panose="02010600040101010101" pitchFamily="2" charset="-122"/>
               <a:ea typeface="华文中宋" panose="02010600040101010101" pitchFamily="2" charset="-122"/>
             </a:endParaRPr>
@@ -7589,7 +8068,7 @@
           <p:nvPr/>
         </p:nvPicPr>
         <p:blipFill rotWithShape="1">
-          <a:blip r:embed="rId1">
+          <a:blip r:embed="rId2">
             <a:extLst>
               <a:ext uri="{28A0092B-C50C-407E-A947-70E740481C1C}">
                 <a14:useLocalDpi xmlns:a14="http://schemas.microsoft.com/office/drawing/2010/main" val="0"/>
@@ -7620,7 +8099,7 @@
           <p:nvPr/>
         </p:nvPicPr>
         <p:blipFill>
-          <a:blip r:embed="rId2">
+          <a:blip r:embed="rId3">
             <a:extLst>
               <a:ext uri="{28A0092B-C50C-407E-A947-70E740481C1C}">
                 <a14:useLocalDpi xmlns:a14="http://schemas.microsoft.com/office/drawing/2010/main" val="0"/>
@@ -7659,7 +8138,7 @@
 </p:sld>
 </file>
 
-<file path=ppt/slides/slide15.xml><?xml version="1.0" encoding="utf-8"?>
+<file path=ppt/slides/slide17.xml><?xml version="1.0" encoding="utf-8"?>
 <p:sld xmlns:a="http://schemas.openxmlformats.org/drawingml/2006/main" xmlns:r="http://schemas.openxmlformats.org/officeDocument/2006/relationships" xmlns:p="http://schemas.openxmlformats.org/presentationml/2006/main">
   <p:cSld>
     <p:spTree>
@@ -7717,7 +8196,12 @@
             <p:ph idx="1"/>
           </p:nvPr>
         </p:nvSpPr>
-        <p:spPr/>
+        <p:spPr>
+          <a:xfrm>
+            <a:off x="1451580" y="2015732"/>
+            <a:ext cx="7066256" cy="3450613"/>
+          </a:xfrm>
+        </p:spPr>
         <p:txBody>
           <a:bodyPr>
             <a:normAutofit/>
@@ -7725,100 +8209,66 @@
           <a:lstStyle/>
           <a:p>
             <a:r>
-              <a:rPr lang="zh-CN" altLang="en-US" sz="2400" dirty="0" smtClean="0">
+              <a:rPr lang="zh-CN" altLang="en-US" sz="3600" dirty="0" smtClean="0">
                 <a:latin typeface="华文中宋" panose="02010600040101010101" pitchFamily="2" charset="-122"/>
                 <a:ea typeface="华文中宋" panose="02010600040101010101" pitchFamily="2" charset="-122"/>
               </a:rPr>
               <a:t>命令模式：进入编辑模式</a:t>
             </a:r>
             <a:r>
-              <a:rPr lang="en-US" altLang="zh-CN" sz="2400" dirty="0" smtClean="0">
+              <a:rPr lang="en-US" altLang="zh-CN" sz="3600" dirty="0" smtClean="0">
                 <a:latin typeface="华文中宋" panose="02010600040101010101" pitchFamily="2" charset="-122"/>
                 <a:ea typeface="华文中宋" panose="02010600040101010101" pitchFamily="2" charset="-122"/>
               </a:rPr>
               <a:t>(e)</a:t>
             </a:r>
             <a:r>
-              <a:rPr lang="zh-CN" altLang="en-US" sz="2400" dirty="0" smtClean="0">
+              <a:rPr lang="zh-CN" altLang="en-US" sz="3600" dirty="0" smtClean="0">
                 <a:latin typeface="华文中宋" panose="02010600040101010101" pitchFamily="2" charset="-122"/>
                 <a:ea typeface="华文中宋" panose="02010600040101010101" pitchFamily="2" charset="-122"/>
               </a:rPr>
               <a:t>、退出</a:t>
             </a:r>
             <a:r>
-              <a:rPr lang="en-US" altLang="zh-CN" sz="2400" dirty="0" smtClean="0">
+              <a:rPr lang="en-US" altLang="zh-CN" sz="3600" dirty="0" smtClean="0">
                 <a:latin typeface="华文中宋" panose="02010600040101010101" pitchFamily="2" charset="-122"/>
                 <a:ea typeface="华文中宋" panose="02010600040101010101" pitchFamily="2" charset="-122"/>
               </a:rPr>
               <a:t>(q)</a:t>
             </a:r>
             <a:r>
-              <a:rPr lang="zh-CN" altLang="en-US" sz="2400" dirty="0" smtClean="0">
+              <a:rPr lang="zh-CN" altLang="en-US" sz="3600" dirty="0" smtClean="0">
                 <a:latin typeface="华文中宋" panose="02010600040101010101" pitchFamily="2" charset="-122"/>
                 <a:ea typeface="华文中宋" panose="02010600040101010101" pitchFamily="2" charset="-122"/>
               </a:rPr>
               <a:t>、保存</a:t>
             </a:r>
             <a:r>
-              <a:rPr lang="en-US" altLang="zh-CN" sz="2400" dirty="0" smtClean="0">
+              <a:rPr lang="en-US" altLang="zh-CN" sz="3600" dirty="0" smtClean="0">
                 <a:latin typeface="华文中宋" panose="02010600040101010101" pitchFamily="2" charset="-122"/>
                 <a:ea typeface="华文中宋" panose="02010600040101010101" pitchFamily="2" charset="-122"/>
               </a:rPr>
               <a:t>(s)</a:t>
             </a:r>
-            <a:endParaRPr lang="en-US" altLang="zh-CN" sz="2400" dirty="0" smtClean="0">
+          </a:p>
+          <a:p>
+            <a:r>
+              <a:rPr lang="zh-CN" altLang="en-US" sz="3600" dirty="0" smtClean="0">
+                <a:latin typeface="华文中宋" panose="02010600040101010101" pitchFamily="2" charset="-122"/>
+                <a:ea typeface="华文中宋" panose="02010600040101010101" pitchFamily="2" charset="-122"/>
+              </a:rPr>
+              <a:t>输入模式：上方显示编辑结果，下方为编辑区</a:t>
+            </a:r>
+            <a:endParaRPr lang="zh-CN" altLang="en-US" sz="3600" dirty="0">
               <a:latin typeface="华文中宋" panose="02010600040101010101" pitchFamily="2" charset="-122"/>
               <a:ea typeface="华文中宋" panose="02010600040101010101" pitchFamily="2" charset="-122"/>
             </a:endParaRPr>
           </a:p>
-          <a:p>
-            <a:r>
-              <a:rPr lang="zh-CN" altLang="en-US" sz="2400" dirty="0" smtClean="0">
-                <a:latin typeface="华文中宋" panose="02010600040101010101" pitchFamily="2" charset="-122"/>
-                <a:ea typeface="华文中宋" panose="02010600040101010101" pitchFamily="2" charset="-122"/>
-              </a:rPr>
-              <a:t>输入模式：上方显示编辑结果，下方为编辑区</a:t>
-            </a:r>
-            <a:endParaRPr lang="zh-CN" altLang="en-US" sz="2400" dirty="0">
-              <a:latin typeface="华文中宋" panose="02010600040101010101" pitchFamily="2" charset="-122"/>
-              <a:ea typeface="华文中宋" panose="02010600040101010101" pitchFamily="2" charset="-122"/>
-            </a:endParaRPr>
-          </a:p>
         </p:txBody>
       </p:sp>
       <p:pic>
         <p:nvPicPr>
           <p:cNvPr id="4" name="图片 3"/>
-          <p:cNvPicPr>
-            <a:picLocks noChangeAspect="1"/>
-          </p:cNvPicPr>
-          <p:nvPr/>
-        </p:nvPicPr>
-        <p:blipFill>
-          <a:blip r:embed="rId1">
-            <a:extLst>
-              <a:ext uri="{28A0092B-C50C-407E-A947-70E740481C1C}">
-                <a14:useLocalDpi xmlns:a14="http://schemas.microsoft.com/office/drawing/2010/main" val="0"/>
-              </a:ext>
-            </a:extLst>
-          </a:blip>
-          <a:stretch>
-            <a:fillRect/>
-          </a:stretch>
-        </p:blipFill>
-        <p:spPr>
-          <a:xfrm>
-            <a:off x="8820727" y="2015732"/>
-            <a:ext cx="2234127" cy="4706410"/>
-          </a:xfrm>
-          <a:prstGeom prst="rect">
-            <a:avLst/>
-          </a:prstGeom>
-        </p:spPr>
-      </p:pic>
-      <p:pic>
-        <p:nvPicPr>
-          <p:cNvPr id="7" name="图片 6"/>
           <p:cNvPicPr>
             <a:picLocks noChangeAspect="1"/>
           </p:cNvPicPr>
@@ -7838,7 +8288,37 @@
         </p:blipFill>
         <p:spPr>
           <a:xfrm>
-            <a:off x="1772870" y="3213546"/>
+            <a:off x="8820727" y="1853754"/>
+            <a:ext cx="2234127" cy="4706410"/>
+          </a:xfrm>
+          <a:prstGeom prst="rect">
+            <a:avLst/>
+          </a:prstGeom>
+        </p:spPr>
+      </p:pic>
+      <p:pic>
+        <p:nvPicPr>
+          <p:cNvPr id="7" name="图片 6"/>
+          <p:cNvPicPr>
+            <a:picLocks noChangeAspect="1"/>
+          </p:cNvPicPr>
+          <p:nvPr/>
+        </p:nvPicPr>
+        <p:blipFill>
+          <a:blip r:embed="rId3">
+            <a:extLst>
+              <a:ext uri="{28A0092B-C50C-407E-A947-70E740481C1C}">
+                <a14:useLocalDpi xmlns:a14="http://schemas.microsoft.com/office/drawing/2010/main" val="0"/>
+              </a:ext>
+            </a:extLst>
+          </a:blip>
+          <a:stretch>
+            <a:fillRect/>
+          </a:stretch>
+        </p:blipFill>
+        <p:spPr>
+          <a:xfrm>
+            <a:off x="5718705" y="4654720"/>
             <a:ext cx="2313341" cy="656489"/>
           </a:xfrm>
           <a:prstGeom prst="rect">
@@ -7864,7 +8344,7 @@
 </p:sld>
 </file>
 
-<file path=ppt/slides/slide16.xml><?xml version="1.0" encoding="utf-8"?>
+<file path=ppt/slides/slide18.xml><?xml version="1.0" encoding="utf-8"?>
 <p:sld xmlns:a="http://schemas.openxmlformats.org/drawingml/2006/main" xmlns:r="http://schemas.openxmlformats.org/officeDocument/2006/relationships" xmlns:p="http://schemas.openxmlformats.org/presentationml/2006/main">
   <p:cSld>
     <p:spTree>
@@ -7922,7 +8402,12 @@
             <p:ph idx="1"/>
           </p:nvPr>
         </p:nvSpPr>
-        <p:spPr/>
+        <p:spPr>
+          <a:xfrm>
+            <a:off x="1451580" y="2015732"/>
+            <a:ext cx="4988978" cy="3450613"/>
+          </a:xfrm>
+        </p:spPr>
         <p:txBody>
           <a:bodyPr>
             <a:normAutofit/>
@@ -7943,40 +8428,40 @@
           </a:p>
           <a:p>
             <a:r>
-              <a:rPr lang="zh-CN" altLang="en-US" dirty="0" smtClean="0">
+              <a:rPr lang="zh-CN" altLang="en-US" sz="2400" dirty="0" smtClean="0">
                 <a:latin typeface="华文中宋" panose="02010600040101010101" pitchFamily="2" charset="-122"/>
                 <a:ea typeface="华文中宋" panose="02010600040101010101" pitchFamily="2" charset="-122"/>
               </a:rPr>
               <a:t>插入：将光标移动到相应位置直接输入即可</a:t>
             </a:r>
-            <a:endParaRPr lang="en-US" altLang="zh-CN" dirty="0" smtClean="0">
+            <a:endParaRPr lang="en-US" altLang="zh-CN" sz="2400" dirty="0" smtClean="0">
               <a:latin typeface="华文中宋" panose="02010600040101010101" pitchFamily="2" charset="-122"/>
               <a:ea typeface="华文中宋" panose="02010600040101010101" pitchFamily="2" charset="-122"/>
             </a:endParaRPr>
           </a:p>
           <a:p>
             <a:r>
-              <a:rPr lang="zh-CN" altLang="en-US" dirty="0" smtClean="0">
+              <a:rPr lang="zh-CN" altLang="en-US" sz="2400" dirty="0" smtClean="0">
                 <a:latin typeface="华文中宋" panose="02010600040101010101" pitchFamily="2" charset="-122"/>
                 <a:ea typeface="华文中宋" panose="02010600040101010101" pitchFamily="2" charset="-122"/>
               </a:rPr>
               <a:t>删除：将光标移动到相应位置输入</a:t>
             </a:r>
             <a:r>
-              <a:rPr lang="en-US" altLang="zh-CN" dirty="0" smtClean="0">
+              <a:rPr lang="en-US" altLang="zh-CN" sz="2400" dirty="0" smtClean="0">
                 <a:latin typeface="华文中宋" panose="02010600040101010101" pitchFamily="2" charset="-122"/>
                 <a:ea typeface="华文中宋" panose="02010600040101010101" pitchFamily="2" charset="-122"/>
               </a:rPr>
               <a:t>@</a:t>
             </a:r>
             <a:r>
-              <a:rPr lang="zh-CN" altLang="en-US" dirty="0" smtClean="0">
+              <a:rPr lang="zh-CN" altLang="en-US" sz="2400" dirty="0" smtClean="0">
                 <a:latin typeface="华文中宋" panose="02010600040101010101" pitchFamily="2" charset="-122"/>
                 <a:ea typeface="华文中宋" panose="02010600040101010101" pitchFamily="2" charset="-122"/>
               </a:rPr>
               <a:t>进行删除字符</a:t>
             </a:r>
-            <a:endParaRPr lang="en-US" altLang="zh-CN" dirty="0" smtClean="0">
+            <a:endParaRPr lang="en-US" altLang="zh-CN" sz="2400" dirty="0" smtClean="0">
               <a:latin typeface="华文中宋" panose="02010600040101010101" pitchFamily="2" charset="-122"/>
               <a:ea typeface="华文中宋" panose="02010600040101010101" pitchFamily="2" charset="-122"/>
             </a:endParaRPr>
@@ -7998,7 +8483,7 @@
           <p:nvPr/>
         </p:nvPicPr>
         <p:blipFill rotWithShape="1">
-          <a:blip r:embed="rId1">
+          <a:blip r:embed="rId2">
             <a:extLst>
               <a:ext uri="{28A0092B-C50C-407E-A947-70E740481C1C}">
                 <a14:useLocalDpi xmlns:a14="http://schemas.microsoft.com/office/drawing/2010/main" val="0"/>
@@ -8012,7 +8497,7 @@
         </p:blipFill>
         <p:spPr>
           <a:xfrm>
-            <a:off x="7461408" y="2643682"/>
+            <a:off x="7872674" y="2015732"/>
             <a:ext cx="1553284" cy="3777022"/>
           </a:xfrm>
           <a:prstGeom prst="rect">
@@ -8028,7 +8513,7 @@
         </p:nvSpPr>
         <p:spPr>
           <a:xfrm>
-            <a:off x="9319492" y="4119418"/>
+            <a:off x="9730758" y="3491468"/>
             <a:ext cx="341745" cy="412775"/>
           </a:xfrm>
           <a:prstGeom prst="rightArrow">
@@ -8069,7 +8554,7 @@
           <p:nvPr/>
         </p:nvPicPr>
         <p:blipFill rotWithShape="1">
-          <a:blip r:embed="rId2">
+          <a:blip r:embed="rId3">
             <a:extLst>
               <a:ext uri="{28A0092B-C50C-407E-A947-70E740481C1C}">
                 <a14:useLocalDpi xmlns:a14="http://schemas.microsoft.com/office/drawing/2010/main" val="0"/>
@@ -8083,7 +8568,7 @@
         </p:blipFill>
         <p:spPr>
           <a:xfrm>
-            <a:off x="9869809" y="2643682"/>
+            <a:off x="10281075" y="2015732"/>
             <a:ext cx="1435500" cy="3777022"/>
           </a:xfrm>
           <a:prstGeom prst="rect">
@@ -8099,8 +8584,8 @@
         </p:nvSpPr>
         <p:spPr>
           <a:xfrm>
-            <a:off x="5650723" y="4162861"/>
-            <a:ext cx="2743200" cy="369332"/>
+            <a:off x="6440558" y="3442578"/>
+            <a:ext cx="1053546" cy="923330"/>
           </a:xfrm>
           <a:prstGeom prst="rect">
             <a:avLst/>
@@ -8114,18 +8599,18 @@
           <a:lstStyle/>
           <a:p>
             <a:r>
-              <a:rPr lang="zh-CN" altLang="en-US" dirty="0" smtClean="0"/>
+              <a:rPr lang="zh-CN" altLang="en-US" b="1" dirty="0" smtClean="0"/>
               <a:t>在‘</a:t>
             </a:r>
             <a:r>
-              <a:rPr lang="en-US" altLang="zh-CN" dirty="0" err="1" smtClean="0"/>
+              <a:rPr lang="en-US" altLang="zh-CN" b="1" dirty="0" err="1" smtClean="0"/>
               <a:t>int</a:t>
             </a:r>
             <a:r>
-              <a:rPr lang="zh-CN" altLang="en-US" dirty="0" smtClean="0"/>
+              <a:rPr lang="zh-CN" altLang="en-US" b="1" dirty="0" smtClean="0"/>
               <a:t>’左侧插入*</a:t>
             </a:r>
-            <a:endParaRPr lang="zh-CN" altLang="en-US" dirty="0"/>
+            <a:endParaRPr lang="zh-CN" altLang="en-US" b="1" dirty="0"/>
           </a:p>
         </p:txBody>
       </p:sp>
@@ -8147,7 +8632,7 @@
 </p:sld>
 </file>
 
-<file path=ppt/slides/slide17.xml><?xml version="1.0" encoding="utf-8"?>
+<file path=ppt/slides/slide19.xml><?xml version="1.0" encoding="utf-8"?>
 <p:sld xmlns:a="http://schemas.openxmlformats.org/drawingml/2006/main" xmlns:r="http://schemas.openxmlformats.org/officeDocument/2006/relationships" xmlns:p="http://schemas.openxmlformats.org/presentationml/2006/main">
   <p:cSld>
     <p:spTree>
@@ -8265,7 +8750,30 @@
                 <a:latin typeface="华文中宋" panose="02010600040101010101" pitchFamily="2" charset="-122"/>
                 <a:ea typeface="华文中宋" panose="02010600040101010101" pitchFamily="2" charset="-122"/>
               </a:rPr>
-              <a:t>+ - * / ! ( ) </a:t>
+              <a:t>+ - * / ! ( )</a:t>
+            </a:r>
+          </a:p>
+          <a:p>
+            <a:r>
+              <a:rPr lang="zh-CN" altLang="en-US" sz="3600" dirty="0" smtClean="0">
+                <a:latin typeface="华文中宋" panose="02010600040101010101" pitchFamily="2" charset="-122"/>
+                <a:ea typeface="华文中宋" panose="02010600040101010101" pitchFamily="2" charset="-122"/>
+              </a:rPr>
+              <a:t>实现了标准库的某些函数</a:t>
+            </a:r>
+            <a:r>
+              <a:rPr lang="en-US" altLang="zh-CN" sz="3600" dirty="0" smtClean="0">
+                <a:latin typeface="华文中宋" panose="02010600040101010101" pitchFamily="2" charset="-122"/>
+                <a:ea typeface="华文中宋" panose="02010600040101010101" pitchFamily="2" charset="-122"/>
+              </a:rPr>
+              <a:t> </a:t>
+            </a:r>
+            <a:r>
+              <a:rPr lang="zh-CN" altLang="en-US" sz="3600" dirty="0">
+                <a:latin typeface="华文中宋" panose="02010600040101010101" pitchFamily="2" charset="-122"/>
+                <a:ea typeface="华文中宋" panose="02010600040101010101" pitchFamily="2" charset="-122"/>
+              </a:rPr>
+              <a:t/>
             </a:r>
             <a:br>
               <a:rPr lang="zh-CN" altLang="en-US" sz="3600" dirty="0">
@@ -8289,7 +8797,7 @@
           <p:nvPr/>
         </p:nvPicPr>
         <p:blipFill>
-          <a:blip r:embed="rId1"/>
+          <a:blip r:embed="rId2"/>
           <a:stretch>
             <a:fillRect/>
           </a:stretch>
@@ -8414,7 +8922,7 @@
 </p:sld>
 </file>
 
-<file path=ppt/slides/slide18.xml><?xml version="1.0" encoding="utf-8"?>
+<file path=ppt/slides/slide2.xml><?xml version="1.0" encoding="utf-8"?>
 <p:sld xmlns:a="http://schemas.openxmlformats.org/drawingml/2006/main" xmlns:r="http://schemas.openxmlformats.org/officeDocument/2006/relationships" xmlns:p="http://schemas.openxmlformats.org/presentationml/2006/main">
   <p:cSld>
     <p:spTree>
@@ -8453,6 +8961,161 @@
                 <a:latin typeface="华文中宋" panose="02010600040101010101" pitchFamily="2" charset="-122"/>
                 <a:ea typeface="华文中宋" panose="02010600040101010101" pitchFamily="2" charset="-122"/>
               </a:rPr>
+              <a:t>选题介绍与主要</a:t>
+            </a:r>
+            <a:r>
+              <a:rPr lang="zh-CN" altLang="en-US" sz="4800" dirty="0" smtClean="0">
+                <a:latin typeface="华文中宋" panose="02010600040101010101" pitchFamily="2" charset="-122"/>
+                <a:ea typeface="华文中宋" panose="02010600040101010101" pitchFamily="2" charset="-122"/>
+              </a:rPr>
+              <a:t>工作</a:t>
+            </a:r>
+            <a:endParaRPr lang="zh-CN" altLang="en-US" sz="4800" dirty="0">
+              <a:latin typeface="华文中宋" panose="02010600040101010101" pitchFamily="2" charset="-122"/>
+              <a:ea typeface="华文中宋" panose="02010600040101010101" pitchFamily="2" charset="-122"/>
+            </a:endParaRPr>
+          </a:p>
+        </p:txBody>
+      </p:sp>
+      <p:sp>
+        <p:nvSpPr>
+          <p:cNvPr id="3" name="内容占位符 2"/>
+          <p:cNvSpPr>
+            <a:spLocks noGrp="1"/>
+          </p:cNvSpPr>
+          <p:nvPr>
+            <p:ph idx="1"/>
+          </p:nvPr>
+        </p:nvSpPr>
+        <p:spPr/>
+        <p:txBody>
+          <a:bodyPr/>
+          <a:lstStyle/>
+          <a:p>
+            <a:r>
+              <a:rPr lang="zh-CN" altLang="en-US" sz="3600" dirty="0">
+                <a:latin typeface="华文中宋" panose="02010600040101010101" pitchFamily="2" charset="-122"/>
+                <a:ea typeface="华文中宋" panose="02010600040101010101" pitchFamily="2" charset="-122"/>
+              </a:rPr>
+              <a:t>基础</a:t>
+            </a:r>
+            <a:r>
+              <a:rPr lang="zh-CN" altLang="en-US" sz="3600" dirty="0" smtClean="0">
+                <a:latin typeface="华文中宋" panose="02010600040101010101" pitchFamily="2" charset="-122"/>
+                <a:ea typeface="华文中宋" panose="02010600040101010101" pitchFamily="2" charset="-122"/>
+              </a:rPr>
+              <a:t>命令</a:t>
+            </a:r>
+            <a:endParaRPr lang="en-US" altLang="zh-CN" sz="3600" dirty="0" smtClean="0">
+              <a:latin typeface="华文中宋" panose="02010600040101010101" pitchFamily="2" charset="-122"/>
+              <a:ea typeface="华文中宋" panose="02010600040101010101" pitchFamily="2" charset="-122"/>
+            </a:endParaRPr>
+          </a:p>
+          <a:p>
+            <a:r>
+              <a:rPr lang="zh-CN" altLang="en-US" sz="3600" dirty="0" smtClean="0">
+                <a:latin typeface="华文中宋" panose="02010600040101010101" pitchFamily="2" charset="-122"/>
+                <a:ea typeface="华文中宋" panose="02010600040101010101" pitchFamily="2" charset="-122"/>
+              </a:rPr>
+              <a:t>文件管理</a:t>
+            </a:r>
+            <a:endParaRPr lang="en-US" altLang="zh-CN" sz="3600" dirty="0" smtClean="0">
+              <a:latin typeface="华文中宋" panose="02010600040101010101" pitchFamily="2" charset="-122"/>
+              <a:ea typeface="华文中宋" panose="02010600040101010101" pitchFamily="2" charset="-122"/>
+            </a:endParaRPr>
+          </a:p>
+          <a:p>
+            <a:r>
+              <a:rPr lang="zh-CN" altLang="en-US" sz="3600" dirty="0">
+                <a:latin typeface="华文中宋" panose="02010600040101010101" pitchFamily="2" charset="-122"/>
+                <a:ea typeface="华文中宋" panose="02010600040101010101" pitchFamily="2" charset="-122"/>
+              </a:rPr>
+              <a:t>文档</a:t>
+            </a:r>
+            <a:r>
+              <a:rPr lang="zh-CN" altLang="en-US" sz="3600" dirty="0" smtClean="0">
+                <a:latin typeface="华文中宋" panose="02010600040101010101" pitchFamily="2" charset="-122"/>
+                <a:ea typeface="华文中宋" panose="02010600040101010101" pitchFamily="2" charset="-122"/>
+              </a:rPr>
+              <a:t>编辑</a:t>
+            </a:r>
+            <a:endParaRPr lang="en-US" altLang="zh-CN" sz="3600" dirty="0" smtClean="0">
+              <a:latin typeface="华文中宋" panose="02010600040101010101" pitchFamily="2" charset="-122"/>
+              <a:ea typeface="华文中宋" panose="02010600040101010101" pitchFamily="2" charset="-122"/>
+            </a:endParaRPr>
+          </a:p>
+          <a:p>
+            <a:r>
+              <a:rPr lang="zh-CN" altLang="en-US" sz="3600" dirty="0" smtClean="0">
+                <a:latin typeface="华文中宋" panose="02010600040101010101" pitchFamily="2" charset="-122"/>
+                <a:ea typeface="华文中宋" panose="02010600040101010101" pitchFamily="2" charset="-122"/>
+              </a:rPr>
+              <a:t>其余改进</a:t>
+            </a:r>
+            <a:endParaRPr lang="zh-CN" altLang="en-US" sz="3600" dirty="0">
+              <a:latin typeface="华文中宋" panose="02010600040101010101" pitchFamily="2" charset="-122"/>
+              <a:ea typeface="华文中宋" panose="02010600040101010101" pitchFamily="2" charset="-122"/>
+            </a:endParaRPr>
+          </a:p>
+        </p:txBody>
+      </p:sp>
+    </p:spTree>
+  </p:cSld>
+  <p:clrMapOvr>
+    <a:masterClrMapping/>
+  </p:clrMapOvr>
+  <p:transition spd="slow">
+    <p:wipe/>
+  </p:transition>
+  <p:timing>
+    <p:tnLst>
+      <p:par>
+        <p:cTn id="1" dur="indefinite" restart="never" nodeType="tmRoot"/>
+      </p:par>
+    </p:tnLst>
+  </p:timing>
+</p:sld>
+</file>
+
+<file path=ppt/slides/slide20.xml><?xml version="1.0" encoding="utf-8"?>
+<p:sld xmlns:a="http://schemas.openxmlformats.org/drawingml/2006/main" xmlns:r="http://schemas.openxmlformats.org/officeDocument/2006/relationships" xmlns:p="http://schemas.openxmlformats.org/presentationml/2006/main">
+  <p:cSld>
+    <p:spTree>
+      <p:nvGrpSpPr>
+        <p:cNvPr id="1" name=""/>
+        <p:cNvGrpSpPr/>
+        <p:nvPr/>
+      </p:nvGrpSpPr>
+      <p:grpSpPr>
+        <a:xfrm>
+          <a:off x="0" y="0"/>
+          <a:ext cx="0" cy="0"/>
+          <a:chOff x="0" y="0"/>
+          <a:chExt cx="0" cy="0"/>
+        </a:xfrm>
+      </p:grpSpPr>
+      <p:sp>
+        <p:nvSpPr>
+          <p:cNvPr id="2" name="标题 1"/>
+          <p:cNvSpPr>
+            <a:spLocks noGrp="1"/>
+          </p:cNvSpPr>
+          <p:nvPr>
+            <p:ph type="title"/>
+          </p:nvPr>
+        </p:nvSpPr>
+        <p:spPr/>
+        <p:txBody>
+          <a:bodyPr>
+            <a:normAutofit/>
+          </a:bodyPr>
+          <a:lstStyle/>
+          <a:p>
+            <a:r>
+              <a:rPr lang="zh-CN" altLang="en-US" sz="4800" dirty="0" smtClean="0">
+                <a:latin typeface="华文中宋" panose="02010600040101010101" pitchFamily="2" charset="-122"/>
+                <a:ea typeface="华文中宋" panose="02010600040101010101" pitchFamily="2" charset="-122"/>
+              </a:rPr>
               <a:t>文档编辑：其他</a:t>
             </a:r>
             <a:endParaRPr lang="zh-CN" altLang="en-US" sz="4800" dirty="0">
@@ -8515,7 +9178,7 @@
           <p:nvPr/>
         </p:nvPicPr>
         <p:blipFill rotWithShape="1">
-          <a:blip r:embed="rId1">
+          <a:blip r:embed="rId2">
             <a:extLst>
               <a:ext uri="{28A0092B-C50C-407E-A947-70E740481C1C}">
                 <a14:useLocalDpi xmlns:a14="http://schemas.microsoft.com/office/drawing/2010/main" val="0"/>
@@ -8555,154 +9218,6 @@
 </p:sld>
 </file>
 
-<file path=ppt/slides/slide2.xml><?xml version="1.0" encoding="utf-8"?>
-<p:sld xmlns:a="http://schemas.openxmlformats.org/drawingml/2006/main" xmlns:r="http://schemas.openxmlformats.org/officeDocument/2006/relationships" xmlns:p="http://schemas.openxmlformats.org/presentationml/2006/main">
-  <p:cSld>
-    <p:spTree>
-      <p:nvGrpSpPr>
-        <p:cNvPr id="1" name=""/>
-        <p:cNvGrpSpPr/>
-        <p:nvPr/>
-      </p:nvGrpSpPr>
-      <p:grpSpPr>
-        <a:xfrm>
-          <a:off x="0" y="0"/>
-          <a:ext cx="0" cy="0"/>
-          <a:chOff x="0" y="0"/>
-          <a:chExt cx="0" cy="0"/>
-        </a:xfrm>
-      </p:grpSpPr>
-      <p:sp>
-        <p:nvSpPr>
-          <p:cNvPr id="2" name="标题 1"/>
-          <p:cNvSpPr>
-            <a:spLocks noGrp="1"/>
-          </p:cNvSpPr>
-          <p:nvPr>
-            <p:ph type="title"/>
-          </p:nvPr>
-        </p:nvSpPr>
-        <p:spPr/>
-        <p:txBody>
-          <a:bodyPr>
-            <a:normAutofit/>
-          </a:bodyPr>
-          <a:lstStyle/>
-          <a:p>
-            <a:r>
-              <a:rPr lang="zh-CN" altLang="en-US" sz="4800" dirty="0" smtClean="0">
-                <a:latin typeface="华文中宋" panose="02010600040101010101" pitchFamily="2" charset="-122"/>
-                <a:ea typeface="华文中宋" panose="02010600040101010101" pitchFamily="2" charset="-122"/>
-              </a:rPr>
-              <a:t>主要工作</a:t>
-            </a:r>
-            <a:endParaRPr lang="zh-CN" altLang="en-US" sz="4800" dirty="0">
-              <a:latin typeface="华文中宋" panose="02010600040101010101" pitchFamily="2" charset="-122"/>
-              <a:ea typeface="华文中宋" panose="02010600040101010101" pitchFamily="2" charset="-122"/>
-            </a:endParaRPr>
-          </a:p>
-        </p:txBody>
-      </p:sp>
-      <p:sp>
-        <p:nvSpPr>
-          <p:cNvPr id="3" name="内容占位符 2"/>
-          <p:cNvSpPr>
-            <a:spLocks noGrp="1"/>
-          </p:cNvSpPr>
-          <p:nvPr>
-            <p:ph idx="1"/>
-          </p:nvPr>
-        </p:nvSpPr>
-        <p:spPr/>
-        <p:txBody>
-          <a:bodyPr/>
-          <a:lstStyle/>
-          <a:p>
-            <a:r>
-              <a:rPr lang="zh-CN" altLang="en-US" sz="3600" dirty="0">
-                <a:latin typeface="华文中宋" panose="02010600040101010101" pitchFamily="2" charset="-122"/>
-                <a:ea typeface="华文中宋" panose="02010600040101010101" pitchFamily="2" charset="-122"/>
-              </a:rPr>
-              <a:t>基础</a:t>
-            </a:r>
-            <a:r>
-              <a:rPr lang="zh-CN" altLang="en-US" sz="3600" dirty="0" smtClean="0">
-                <a:latin typeface="华文中宋" panose="02010600040101010101" pitchFamily="2" charset="-122"/>
-                <a:ea typeface="华文中宋" panose="02010600040101010101" pitchFamily="2" charset="-122"/>
-              </a:rPr>
-              <a:t>命令</a:t>
-            </a:r>
-            <a:endParaRPr lang="en-US" altLang="zh-CN" sz="3600" dirty="0" smtClean="0">
-              <a:latin typeface="华文中宋" panose="02010600040101010101" pitchFamily="2" charset="-122"/>
-              <a:ea typeface="华文中宋" panose="02010600040101010101" pitchFamily="2" charset="-122"/>
-            </a:endParaRPr>
-          </a:p>
-          <a:p>
-            <a:r>
-              <a:rPr lang="zh-CN" altLang="en-US" sz="3600" dirty="0" smtClean="0">
-                <a:latin typeface="华文中宋" panose="02010600040101010101" pitchFamily="2" charset="-122"/>
-                <a:ea typeface="华文中宋" panose="02010600040101010101" pitchFamily="2" charset="-122"/>
-              </a:rPr>
-              <a:t>文件管理</a:t>
-            </a:r>
-            <a:endParaRPr lang="en-US" altLang="zh-CN" sz="3600" dirty="0" smtClean="0">
-              <a:latin typeface="华文中宋" panose="02010600040101010101" pitchFamily="2" charset="-122"/>
-              <a:ea typeface="华文中宋" panose="02010600040101010101" pitchFamily="2" charset="-122"/>
-            </a:endParaRPr>
-          </a:p>
-          <a:p>
-            <a:r>
-              <a:rPr lang="zh-CN" altLang="en-US" sz="3600" dirty="0">
-                <a:latin typeface="华文中宋" panose="02010600040101010101" pitchFamily="2" charset="-122"/>
-                <a:ea typeface="华文中宋" panose="02010600040101010101" pitchFamily="2" charset="-122"/>
-              </a:rPr>
-              <a:t>文档</a:t>
-            </a:r>
-            <a:r>
-              <a:rPr lang="zh-CN" altLang="en-US" sz="3600" dirty="0" smtClean="0">
-                <a:latin typeface="华文中宋" panose="02010600040101010101" pitchFamily="2" charset="-122"/>
-                <a:ea typeface="华文中宋" panose="02010600040101010101" pitchFamily="2" charset="-122"/>
-              </a:rPr>
-              <a:t>编辑</a:t>
-            </a:r>
-            <a:endParaRPr lang="en-US" altLang="zh-CN" sz="3600" dirty="0" smtClean="0">
-              <a:latin typeface="华文中宋" panose="02010600040101010101" pitchFamily="2" charset="-122"/>
-              <a:ea typeface="华文中宋" panose="02010600040101010101" pitchFamily="2" charset="-122"/>
-            </a:endParaRPr>
-          </a:p>
-          <a:p>
-            <a:r>
-              <a:rPr lang="zh-CN" altLang="en-US" sz="3600" dirty="0" smtClean="0">
-                <a:latin typeface="华文中宋" panose="02010600040101010101" pitchFamily="2" charset="-122"/>
-                <a:ea typeface="华文中宋" panose="02010600040101010101" pitchFamily="2" charset="-122"/>
-              </a:rPr>
-              <a:t>其余改进</a:t>
-            </a:r>
-            <a:endParaRPr lang="zh-CN" altLang="en-US" sz="3600" dirty="0">
-              <a:latin typeface="华文中宋" panose="02010600040101010101" pitchFamily="2" charset="-122"/>
-              <a:ea typeface="华文中宋" panose="02010600040101010101" pitchFamily="2" charset="-122"/>
-            </a:endParaRPr>
-          </a:p>
-        </p:txBody>
-      </p:sp>
-    </p:spTree>
-  </p:cSld>
-  <p:clrMapOvr>
-    <a:masterClrMapping/>
-  </p:clrMapOvr>
-  <p:transition spd="slow">
-    <p:wipe/>
-  </p:transition>
-  <p:timing>
-    <p:tnLst>
-      <p:par>
-        <p:cTn id="1" dur="indefinite" restart="never" nodeType="tmRoot"/>
-      </p:par>
-    </p:tnLst>
-  </p:timing>
-</p:sld>
-</file>
-
 <file path=ppt/slides/slide3.xml><?xml version="1.0" encoding="utf-8"?>
 <p:sld xmlns:a="http://schemas.openxmlformats.org/drawingml/2006/main" xmlns:r="http://schemas.openxmlformats.org/officeDocument/2006/relationships" xmlns:p="http://schemas.openxmlformats.org/presentationml/2006/main">
   <p:cSld>
@@ -8732,167 +9247,70 @@
         </p:nvSpPr>
         <p:spPr/>
         <p:txBody>
+          <a:bodyPr/>
+          <a:lstStyle/>
+          <a:p>
+            <a:r>
+              <a:rPr lang="zh-CN" altLang="en-US" sz="4800">
+                <a:latin typeface="华文中宋" panose="02010600040101010101" pitchFamily="2" charset="-122"/>
+                <a:ea typeface="华文中宋" panose="02010600040101010101" pitchFamily="2" charset="-122"/>
+              </a:rPr>
+              <a:t>组员分工</a:t>
+            </a:r>
+          </a:p>
+        </p:txBody>
+      </p:sp>
+      <p:sp>
+        <p:nvSpPr>
+          <p:cNvPr id="3" name="内容占位符 2"/>
+          <p:cNvSpPr>
+            <a:spLocks noGrp="1"/>
+          </p:cNvSpPr>
+          <p:nvPr>
+            <p:ph idx="1"/>
+          </p:nvPr>
+        </p:nvSpPr>
+        <p:spPr/>
+        <p:txBody>
           <a:bodyPr>
             <a:noAutofit/>
           </a:bodyPr>
           <a:lstStyle/>
           <a:p>
             <a:r>
-              <a:rPr lang="zh-CN" altLang="en-US" sz="4800" dirty="0" smtClean="0">
-                <a:latin typeface="华文中宋" panose="02010600040101010101" pitchFamily="2" charset="-122"/>
-                <a:ea typeface="华文中宋" panose="02010600040101010101" pitchFamily="2" charset="-122"/>
-              </a:rPr>
-              <a:t>基础指令</a:t>
-            </a:r>
-            <a:endParaRPr lang="zh-CN" altLang="en-US" sz="4800" dirty="0">
-              <a:latin typeface="华文中宋" panose="02010600040101010101" pitchFamily="2" charset="-122"/>
-              <a:ea typeface="华文中宋" panose="02010600040101010101" pitchFamily="2" charset="-122"/>
-            </a:endParaRPr>
-          </a:p>
-        </p:txBody>
-      </p:sp>
-      <p:sp>
-        <p:nvSpPr>
-          <p:cNvPr id="3" name="内容占位符 2"/>
-          <p:cNvSpPr>
-            <a:spLocks noGrp="1"/>
-          </p:cNvSpPr>
-          <p:nvPr>
-            <p:ph idx="1"/>
-          </p:nvPr>
-        </p:nvSpPr>
-        <p:spPr/>
-        <p:txBody>
-          <a:bodyPr>
-            <a:noAutofit/>
-          </a:bodyPr>
-          <a:lstStyle/>
-          <a:p>
-            <a:pPr marL="457200" indent="-457200">
-              <a:buFont typeface="+mj-lt"/>
-              <a:buAutoNum type="arabicPeriod"/>
-            </a:pPr>
-            <a:r>
-              <a:rPr lang="zh-CN" altLang="en-US" sz="3200" dirty="0">
-                <a:latin typeface="华文中宋" panose="02010600040101010101" pitchFamily="2" charset="-122"/>
-                <a:ea typeface="华文中宋" panose="02010600040101010101" pitchFamily="2" charset="-122"/>
-              </a:rPr>
-              <a:t>命令</a:t>
-            </a:r>
-            <a:r>
-              <a:rPr lang="zh-CN" altLang="en-US" sz="3200" dirty="0" smtClean="0">
-                <a:latin typeface="华文中宋" panose="02010600040101010101" pitchFamily="2" charset="-122"/>
-                <a:ea typeface="华文中宋" panose="02010600040101010101" pitchFamily="2" charset="-122"/>
-              </a:rPr>
-              <a:t>自动</a:t>
-            </a:r>
-            <a:r>
-              <a:rPr lang="zh-CN" altLang="en-US" sz="3200" dirty="0">
-                <a:latin typeface="华文中宋" panose="02010600040101010101" pitchFamily="2" charset="-122"/>
-                <a:ea typeface="华文中宋" panose="02010600040101010101" pitchFamily="2" charset="-122"/>
-              </a:rPr>
-              <a:t>补</a:t>
-            </a:r>
-            <a:r>
-              <a:rPr lang="zh-CN" altLang="en-US" sz="3200" dirty="0" smtClean="0">
-                <a:latin typeface="华文中宋" panose="02010600040101010101" pitchFamily="2" charset="-122"/>
-                <a:ea typeface="华文中宋" panose="02010600040101010101" pitchFamily="2" charset="-122"/>
-              </a:rPr>
-              <a:t>全</a:t>
-            </a:r>
-            <a:endParaRPr lang="en-US" altLang="zh-CN" sz="3200" dirty="0" smtClean="0">
-              <a:latin typeface="华文中宋" panose="02010600040101010101" pitchFamily="2" charset="-122"/>
-              <a:ea typeface="华文中宋" panose="02010600040101010101" pitchFamily="2" charset="-122"/>
-            </a:endParaRPr>
-          </a:p>
-          <a:p>
-            <a:pPr marL="457200" indent="-457200">
-              <a:buFont typeface="+mj-lt"/>
-              <a:buAutoNum type="arabicPeriod"/>
-            </a:pPr>
-            <a:r>
-              <a:rPr lang="zh-CN" altLang="en-US" sz="3200" dirty="0" smtClean="0">
-                <a:latin typeface="华文中宋" panose="02010600040101010101" pitchFamily="2" charset="-122"/>
-                <a:ea typeface="华文中宋" panose="02010600040101010101" pitchFamily="2" charset="-122"/>
-              </a:rPr>
-              <a:t>命令自动修复</a:t>
-            </a:r>
-            <a:endParaRPr lang="en-US" altLang="zh-CN" sz="3200" dirty="0" smtClean="0">
-              <a:latin typeface="华文中宋" panose="02010600040101010101" pitchFamily="2" charset="-122"/>
-              <a:ea typeface="华文中宋" panose="02010600040101010101" pitchFamily="2" charset="-122"/>
-            </a:endParaRPr>
-          </a:p>
-          <a:p>
-            <a:pPr marL="457200" indent="-457200">
-              <a:buFont typeface="+mj-lt"/>
-              <a:buAutoNum type="arabicPeriod"/>
-            </a:pPr>
-            <a:r>
-              <a:rPr lang="zh-CN" altLang="en-US" sz="3200" dirty="0" smtClean="0">
-                <a:latin typeface="华文中宋" panose="02010600040101010101" pitchFamily="2" charset="-122"/>
-                <a:ea typeface="华文中宋" panose="02010600040101010101" pitchFamily="2" charset="-122"/>
-              </a:rPr>
-              <a:t>查看</a:t>
-            </a:r>
-            <a:r>
-              <a:rPr lang="en-US" altLang="zh-CN" sz="3200" dirty="0" smtClean="0">
-                <a:latin typeface="华文中宋" panose="02010600040101010101" pitchFamily="2" charset="-122"/>
-                <a:ea typeface="华文中宋" panose="02010600040101010101" pitchFamily="2" charset="-122"/>
-              </a:rPr>
-              <a:t>/</a:t>
-            </a:r>
-            <a:r>
-              <a:rPr lang="zh-CN" altLang="en-US" sz="3200" dirty="0" smtClean="0">
-                <a:latin typeface="华文中宋" panose="02010600040101010101" pitchFamily="2" charset="-122"/>
-                <a:ea typeface="华文中宋" panose="02010600040101010101" pitchFamily="2" charset="-122"/>
-              </a:rPr>
-              <a:t>调用历史指令</a:t>
-            </a:r>
-            <a:endParaRPr lang="en-US" altLang="zh-CN" sz="3200" dirty="0">
-              <a:latin typeface="华文中宋" panose="02010600040101010101" pitchFamily="2" charset="-122"/>
-              <a:ea typeface="华文中宋" panose="02010600040101010101" pitchFamily="2" charset="-122"/>
-            </a:endParaRPr>
-          </a:p>
-          <a:p>
-            <a:pPr marL="457200" indent="-457200">
-              <a:buFont typeface="+mj-lt"/>
-              <a:buAutoNum type="arabicPeriod"/>
-            </a:pPr>
-            <a:r>
-              <a:rPr lang="zh-CN" altLang="en-US" sz="3200" dirty="0" smtClean="0">
-                <a:latin typeface="华文中宋" panose="02010600040101010101" pitchFamily="2" charset="-122"/>
-                <a:ea typeface="华文中宋" panose="02010600040101010101" pitchFamily="2" charset="-122"/>
-              </a:rPr>
-              <a:t>清屏指令</a:t>
-            </a:r>
-            <a:endParaRPr lang="en-US" altLang="zh-CN" sz="3200" dirty="0" smtClean="0">
-              <a:latin typeface="华文中宋" panose="02010600040101010101" pitchFamily="2" charset="-122"/>
-              <a:ea typeface="华文中宋" panose="02010600040101010101" pitchFamily="2" charset="-122"/>
-            </a:endParaRPr>
-          </a:p>
-          <a:p>
-            <a:pPr marL="457200" indent="-457200">
-              <a:buFont typeface="+mj-lt"/>
-              <a:buAutoNum type="arabicPeriod"/>
-            </a:pPr>
-            <a:r>
-              <a:rPr lang="zh-CN" altLang="en-US" sz="3200" dirty="0">
-                <a:latin typeface="华文中宋" panose="02010600040101010101" pitchFamily="2" charset="-122"/>
-                <a:ea typeface="华文中宋" panose="02010600040101010101" pitchFamily="2" charset="-122"/>
-              </a:rPr>
-              <a:t>光标</a:t>
-            </a:r>
-            <a:r>
-              <a:rPr lang="zh-CN" altLang="en-US" sz="3200" dirty="0" smtClean="0">
-                <a:latin typeface="华文中宋" panose="02010600040101010101" pitchFamily="2" charset="-122"/>
-                <a:ea typeface="华文中宋" panose="02010600040101010101" pitchFamily="2" charset="-122"/>
-              </a:rPr>
-              <a:t>的前后向移动</a:t>
-            </a:r>
-            <a:br>
-              <a:rPr lang="zh-CN" altLang="en-US" sz="3200" dirty="0"/>
-            </a:br>
-            <a:endParaRPr lang="zh-CN" altLang="en-US" sz="3200" dirty="0"/>
+              <a:rPr lang="zh-CN" altLang="en-US" sz="3200">
+                <a:latin typeface="华文中宋" panose="02010600040101010101" pitchFamily="2" charset="-122"/>
+                <a:ea typeface="华文中宋" panose="02010600040101010101" pitchFamily="2" charset="-122"/>
+              </a:rPr>
+              <a:t>陈曦：资料的搜集、实现多功能文本编辑器</a:t>
+            </a:r>
+          </a:p>
+          <a:p>
+            <a:r>
+              <a:rPr lang="zh-CN" altLang="en-US" sz="3200">
+                <a:latin typeface="华文中宋" panose="02010600040101010101" pitchFamily="2" charset="-122"/>
+                <a:ea typeface="华文中宋" panose="02010600040101010101" pitchFamily="2" charset="-122"/>
+              </a:rPr>
+              <a:t>吴海旭：资料的搜集、实现多功能文本编辑器</a:t>
+            </a:r>
+          </a:p>
+          <a:p>
+            <a:r>
+              <a:rPr lang="zh-CN" altLang="en-US" sz="3200">
+                <a:latin typeface="华文中宋" panose="02010600040101010101" pitchFamily="2" charset="-122"/>
+                <a:ea typeface="华文中宋" panose="02010600040101010101" pitchFamily="2" charset="-122"/>
+              </a:rPr>
+              <a:t>山本宇多子：资料的搜集、实现基础命令、文件管理相关、命令行计算器</a:t>
+            </a:r>
+          </a:p>
+          <a:p>
+            <a:r>
+              <a:rPr lang="zh-CN" altLang="en-US" sz="3200">
+                <a:latin typeface="华文中宋" panose="02010600040101010101" pitchFamily="2" charset="-122"/>
+                <a:ea typeface="华文中宋" panose="02010600040101010101" pitchFamily="2" charset="-122"/>
+              </a:rPr>
+              <a:t>苏宇荣：资料的搜集、实现基础命令、文件管理相关、命令行计算器</a:t>
+            </a:r>
           </a:p>
         </p:txBody>
       </p:sp>
@@ -8901,16 +9319,6 @@
   <p:clrMapOvr>
     <a:masterClrMapping/>
   </p:clrMapOvr>
-  <p:transition spd="slow">
-    <p:wipe/>
-  </p:transition>
-  <p:timing>
-    <p:tnLst>
-      <p:par>
-        <p:cTn id="1" dur="indefinite" restart="never" nodeType="tmRoot"/>
-      </p:par>
-    </p:tnLst>
-  </p:timing>
 </p:sld>
 </file>
 
@@ -8943,9 +9351,7 @@
         </p:nvSpPr>
         <p:spPr/>
         <p:txBody>
-          <a:bodyPr>
-            <a:noAutofit/>
-          </a:bodyPr>
+          <a:bodyPr/>
           <a:lstStyle/>
           <a:p>
             <a:r>
@@ -8953,7 +9359,7 @@
                 <a:latin typeface="华文中宋" panose="02010600040101010101" pitchFamily="2" charset="-122"/>
                 <a:ea typeface="华文中宋" panose="02010600040101010101" pitchFamily="2" charset="-122"/>
               </a:rPr>
-              <a:t>基础指令：命令自动补全</a:t>
+              <a:t>代码管理</a:t>
             </a:r>
             <a:endParaRPr lang="zh-CN" altLang="en-US" sz="4800" dirty="0">
               <a:latin typeface="华文中宋" panose="02010600040101010101" pitchFamily="2" charset="-122"/>
@@ -8975,37 +9381,191 @@
         <p:spPr/>
         <p:txBody>
           <a:bodyPr>
+            <a:normAutofit/>
+          </a:bodyPr>
+          <a:lstStyle/>
+          <a:p>
+            <a:r>
+              <a:rPr lang="zh-CN" altLang="en-US" sz="3600" dirty="0" smtClean="0">
+                <a:latin typeface="华文中宋" panose="02010600040101010101" pitchFamily="2" charset="-122"/>
+                <a:ea typeface="华文中宋" panose="02010600040101010101" pitchFamily="2" charset="-122"/>
+                <a:cs typeface="华文中宋" panose="02010600040101010101" pitchFamily="2" charset="-122"/>
+              </a:rPr>
+              <a:t>使用</a:t>
+            </a:r>
+            <a:r>
+              <a:rPr lang="zh-CN" altLang="en-US" sz="3600" dirty="0">
+                <a:latin typeface="华文中宋" panose="02010600040101010101" pitchFamily="2" charset="-122"/>
+                <a:ea typeface="华文中宋" panose="02010600040101010101" pitchFamily="2" charset="-122"/>
+                <a:cs typeface="华文中宋" panose="02010600040101010101" pitchFamily="2" charset="-122"/>
+              </a:rPr>
+              <a:t>git工具进行版本控制，并使用github作为远程库。</a:t>
+            </a:r>
+          </a:p>
+          <a:p>
+            <a:r>
+              <a:rPr lang="zh-CN" altLang="en-US" sz="3200" b="1" dirty="0">
+                <a:latin typeface="Consolas" panose="020B0609020204030204" pitchFamily="49" charset="0"/>
+                <a:ea typeface="华文中宋" panose="02010600040101010101" pitchFamily="2" charset="-122"/>
+                <a:cs typeface="华文中宋" panose="02010600040101010101" pitchFamily="2" charset="-122"/>
+              </a:rPr>
+              <a:t>https://github.com/wuhaixu2016/xv6_OS.git</a:t>
+            </a:r>
+          </a:p>
+        </p:txBody>
+      </p:sp>
+    </p:spTree>
+  </p:cSld>
+  <p:clrMapOvr>
+    <a:masterClrMapping/>
+  </p:clrMapOvr>
+</p:sld>
+</file>
+
+<file path=ppt/slides/slide5.xml><?xml version="1.0" encoding="utf-8"?>
+<p:sld xmlns:a="http://schemas.openxmlformats.org/drawingml/2006/main" xmlns:r="http://schemas.openxmlformats.org/officeDocument/2006/relationships" xmlns:p="http://schemas.openxmlformats.org/presentationml/2006/main">
+  <p:cSld>
+    <p:spTree>
+      <p:nvGrpSpPr>
+        <p:cNvPr id="1" name=""/>
+        <p:cNvGrpSpPr/>
+        <p:nvPr/>
+      </p:nvGrpSpPr>
+      <p:grpSpPr>
+        <a:xfrm>
+          <a:off x="0" y="0"/>
+          <a:ext cx="0" cy="0"/>
+          <a:chOff x="0" y="0"/>
+          <a:chExt cx="0" cy="0"/>
+        </a:xfrm>
+      </p:grpSpPr>
+      <p:sp>
+        <p:nvSpPr>
+          <p:cNvPr id="2" name="标题 1"/>
+          <p:cNvSpPr>
+            <a:spLocks noGrp="1"/>
+          </p:cNvSpPr>
+          <p:nvPr>
+            <p:ph type="title"/>
+          </p:nvPr>
+        </p:nvSpPr>
+        <p:spPr/>
+        <p:txBody>
+          <a:bodyPr>
             <a:noAutofit/>
           </a:bodyPr>
           <a:lstStyle/>
           <a:p>
             <a:r>
+              <a:rPr lang="zh-CN" altLang="en-US" sz="4800" dirty="0" smtClean="0">
+                <a:latin typeface="华文中宋" panose="02010600040101010101" pitchFamily="2" charset="-122"/>
+                <a:ea typeface="华文中宋" panose="02010600040101010101" pitchFamily="2" charset="-122"/>
+              </a:rPr>
+              <a:t>基础指令</a:t>
+            </a:r>
+            <a:endParaRPr lang="zh-CN" altLang="en-US" sz="4800" dirty="0">
+              <a:latin typeface="华文中宋" panose="02010600040101010101" pitchFamily="2" charset="-122"/>
+              <a:ea typeface="华文中宋" panose="02010600040101010101" pitchFamily="2" charset="-122"/>
+            </a:endParaRPr>
+          </a:p>
+        </p:txBody>
+      </p:sp>
+      <p:sp>
+        <p:nvSpPr>
+          <p:cNvPr id="3" name="内容占位符 2"/>
+          <p:cNvSpPr>
+            <a:spLocks noGrp="1"/>
+          </p:cNvSpPr>
+          <p:nvPr>
+            <p:ph idx="1"/>
+          </p:nvPr>
+        </p:nvSpPr>
+        <p:spPr/>
+        <p:txBody>
+          <a:bodyPr>
+            <a:noAutofit/>
+          </a:bodyPr>
+          <a:lstStyle/>
+          <a:p>
+            <a:pPr marL="457200" indent="-457200">
+              <a:buFont typeface="+mj-lt"/>
+              <a:buAutoNum type="arabicPeriod"/>
+            </a:pPr>
+            <a:r>
+              <a:rPr lang="zh-CN" altLang="en-US" sz="3200" dirty="0">
+                <a:latin typeface="华文中宋" panose="02010600040101010101" pitchFamily="2" charset="-122"/>
+                <a:ea typeface="华文中宋" panose="02010600040101010101" pitchFamily="2" charset="-122"/>
+              </a:rPr>
+              <a:t>命令</a:t>
+            </a:r>
+            <a:r>
               <a:rPr lang="zh-CN" altLang="en-US" sz="3200" dirty="0" smtClean="0">
                 <a:latin typeface="华文中宋" panose="02010600040101010101" pitchFamily="2" charset="-122"/>
                 <a:ea typeface="华文中宋" panose="02010600040101010101" pitchFamily="2" charset="-122"/>
               </a:rPr>
-              <a:t>输入两个指令字符后，再输入</a:t>
+              <a:t>自动</a:t>
+            </a:r>
+            <a:r>
+              <a:rPr lang="zh-CN" altLang="en-US" sz="3200" dirty="0">
+                <a:latin typeface="华文中宋" panose="02010600040101010101" pitchFamily="2" charset="-122"/>
+                <a:ea typeface="华文中宋" panose="02010600040101010101" pitchFamily="2" charset="-122"/>
+              </a:rPr>
+              <a:t>补</a:t>
+            </a:r>
+            <a:r>
+              <a:rPr lang="zh-CN" altLang="en-US" sz="3200" dirty="0" smtClean="0">
+                <a:latin typeface="华文中宋" panose="02010600040101010101" pitchFamily="2" charset="-122"/>
+                <a:ea typeface="华文中宋" panose="02010600040101010101" pitchFamily="2" charset="-122"/>
+              </a:rPr>
+              <a:t>全</a:t>
+            </a:r>
+            <a:endParaRPr lang="en-US" altLang="zh-CN" sz="3200" dirty="0" smtClean="0">
+              <a:latin typeface="华文中宋" panose="02010600040101010101" pitchFamily="2" charset="-122"/>
+              <a:ea typeface="华文中宋" panose="02010600040101010101" pitchFamily="2" charset="-122"/>
+            </a:endParaRPr>
+          </a:p>
+          <a:p>
+            <a:pPr marL="457200" indent="-457200">
+              <a:buFont typeface="+mj-lt"/>
+              <a:buAutoNum type="arabicPeriod"/>
+            </a:pPr>
+            <a:r>
+              <a:rPr lang="zh-CN" altLang="en-US" sz="3200" dirty="0" smtClean="0">
+                <a:latin typeface="华文中宋" panose="02010600040101010101" pitchFamily="2" charset="-122"/>
+                <a:ea typeface="华文中宋" panose="02010600040101010101" pitchFamily="2" charset="-122"/>
+              </a:rPr>
+              <a:t>命令自动修复</a:t>
+            </a:r>
+            <a:endParaRPr lang="en-US" altLang="zh-CN" sz="3200" dirty="0" smtClean="0">
+              <a:latin typeface="华文中宋" panose="02010600040101010101" pitchFamily="2" charset="-122"/>
+              <a:ea typeface="华文中宋" panose="02010600040101010101" pitchFamily="2" charset="-122"/>
+            </a:endParaRPr>
+          </a:p>
+          <a:p>
+            <a:pPr marL="457200" indent="-457200">
+              <a:buFont typeface="+mj-lt"/>
+              <a:buAutoNum type="arabicPeriod"/>
+            </a:pPr>
+            <a:r>
+              <a:rPr lang="zh-CN" altLang="en-US" sz="3200" dirty="0" smtClean="0">
+                <a:latin typeface="华文中宋" panose="02010600040101010101" pitchFamily="2" charset="-122"/>
+                <a:ea typeface="华文中宋" panose="02010600040101010101" pitchFamily="2" charset="-122"/>
+              </a:rPr>
+              <a:t>查看</a:t>
             </a:r>
             <a:r>
               <a:rPr lang="en-US" altLang="zh-CN" sz="3200" dirty="0" smtClean="0">
                 <a:latin typeface="华文中宋" panose="02010600040101010101" pitchFamily="2" charset="-122"/>
                 <a:ea typeface="华文中宋" panose="02010600040101010101" pitchFamily="2" charset="-122"/>
               </a:rPr>
-              <a:t>*</a:t>
-            </a:r>
-            <a:r>
-              <a:rPr lang="zh-CN" altLang="en-US" sz="3200" dirty="0">
-                <a:latin typeface="华文中宋" panose="02010600040101010101" pitchFamily="2" charset="-122"/>
-                <a:ea typeface="华文中宋" panose="02010600040101010101" pitchFamily="2" charset="-122"/>
-              </a:rPr>
-              <a:t>即</a:t>
+              <a:t>/</a:t>
             </a:r>
             <a:r>
               <a:rPr lang="zh-CN" altLang="en-US" sz="3200" dirty="0" smtClean="0">
                 <a:latin typeface="华文中宋" panose="02010600040101010101" pitchFamily="2" charset="-122"/>
                 <a:ea typeface="华文中宋" panose="02010600040101010101" pitchFamily="2" charset="-122"/>
               </a:rPr>
-              <a:t>可让系统猜测命令：</a:t>
+              <a:t>调用历史指令</a:t>
             </a:r>
             <a:endParaRPr lang="en-US" altLang="zh-CN" sz="3200" dirty="0">
               <a:latin typeface="华文中宋" panose="02010600040101010101" pitchFamily="2" charset="-122"/>
@@ -9013,19 +9573,16 @@
             </a:endParaRPr>
           </a:p>
           <a:p>
+            <a:pPr marL="457200" indent="-457200">
+              <a:buFont typeface="+mj-lt"/>
+              <a:buAutoNum type="arabicPeriod"/>
+            </a:pPr>
             <a:r>
               <a:rPr lang="zh-CN" altLang="en-US" sz="3200" dirty="0" smtClean="0">
                 <a:latin typeface="华文中宋" panose="02010600040101010101" pitchFamily="2" charset="-122"/>
                 <a:ea typeface="华文中宋" panose="02010600040101010101" pitchFamily="2" charset="-122"/>
               </a:rPr>
-              <a:t>例如：</a:t>
-            </a:r>
-            <a:r>
-              <a:rPr lang="en-US" altLang="zh-CN" sz="3200" dirty="0" smtClean="0">
-                <a:latin typeface="华文中宋" panose="02010600040101010101" pitchFamily="2" charset="-122"/>
-                <a:ea typeface="华文中宋" panose="02010600040101010101" pitchFamily="2" charset="-122"/>
-              </a:rPr>
-              <a:t>fork*</a:t>
+              <a:t>清屏指令</a:t>
             </a:r>
             <a:endParaRPr lang="en-US" altLang="zh-CN" sz="3200" dirty="0" smtClean="0">
               <a:latin typeface="华文中宋" panose="02010600040101010101" pitchFamily="2" charset="-122"/>
@@ -9033,11 +9590,173 @@
             </a:endParaRPr>
           </a:p>
           <a:p>
+            <a:pPr marL="457200" indent="-457200">
+              <a:buFont typeface="+mj-lt"/>
+              <a:buAutoNum type="arabicPeriod"/>
+            </a:pPr>
+            <a:r>
+              <a:rPr lang="zh-CN" altLang="en-US" sz="3200" dirty="0">
+                <a:latin typeface="华文中宋" panose="02010600040101010101" pitchFamily="2" charset="-122"/>
+                <a:ea typeface="华文中宋" panose="02010600040101010101" pitchFamily="2" charset="-122"/>
+              </a:rPr>
+              <a:t>光标</a:t>
+            </a:r>
             <a:r>
               <a:rPr lang="zh-CN" altLang="en-US" sz="3200" dirty="0" smtClean="0">
                 <a:latin typeface="华文中宋" panose="02010600040101010101" pitchFamily="2" charset="-122"/>
                 <a:ea typeface="华文中宋" panose="02010600040101010101" pitchFamily="2" charset="-122"/>
               </a:rPr>
+              <a:t>的前后向移动</a:t>
+            </a:r>
+            <a:r>
+              <a:rPr lang="zh-CN" altLang="en-US" sz="3200" dirty="0"/>
+              <a:t/>
+            </a:r>
+            <a:br>
+              <a:rPr lang="zh-CN" altLang="en-US" sz="3200" dirty="0"/>
+            </a:br>
+            <a:endParaRPr lang="zh-CN" altLang="en-US" sz="3200" dirty="0"/>
+          </a:p>
+        </p:txBody>
+      </p:sp>
+    </p:spTree>
+  </p:cSld>
+  <p:clrMapOvr>
+    <a:masterClrMapping/>
+  </p:clrMapOvr>
+  <p:transition spd="slow">
+    <p:wipe/>
+  </p:transition>
+  <p:timing>
+    <p:tnLst>
+      <p:par>
+        <p:cTn id="1" dur="indefinite" restart="never" nodeType="tmRoot"/>
+      </p:par>
+    </p:tnLst>
+  </p:timing>
+</p:sld>
+</file>
+
+<file path=ppt/slides/slide6.xml><?xml version="1.0" encoding="utf-8"?>
+<p:sld xmlns:a="http://schemas.openxmlformats.org/drawingml/2006/main" xmlns:r="http://schemas.openxmlformats.org/officeDocument/2006/relationships" xmlns:p="http://schemas.openxmlformats.org/presentationml/2006/main">
+  <p:cSld>
+    <p:spTree>
+      <p:nvGrpSpPr>
+        <p:cNvPr id="1" name=""/>
+        <p:cNvGrpSpPr/>
+        <p:nvPr/>
+      </p:nvGrpSpPr>
+      <p:grpSpPr>
+        <a:xfrm>
+          <a:off x="0" y="0"/>
+          <a:ext cx="0" cy="0"/>
+          <a:chOff x="0" y="0"/>
+          <a:chExt cx="0" cy="0"/>
+        </a:xfrm>
+      </p:grpSpPr>
+      <p:sp>
+        <p:nvSpPr>
+          <p:cNvPr id="2" name="标题 1"/>
+          <p:cNvSpPr>
+            <a:spLocks noGrp="1"/>
+          </p:cNvSpPr>
+          <p:nvPr>
+            <p:ph type="title"/>
+          </p:nvPr>
+        </p:nvSpPr>
+        <p:spPr/>
+        <p:txBody>
+          <a:bodyPr>
+            <a:noAutofit/>
+          </a:bodyPr>
+          <a:lstStyle/>
+          <a:p>
+            <a:r>
+              <a:rPr lang="zh-CN" altLang="en-US" sz="4800" dirty="0" smtClean="0">
+                <a:latin typeface="华文中宋" panose="02010600040101010101" pitchFamily="2" charset="-122"/>
+                <a:ea typeface="华文中宋" panose="02010600040101010101" pitchFamily="2" charset="-122"/>
+              </a:rPr>
+              <a:t>基础指令：命令自动补全</a:t>
+            </a:r>
+            <a:endParaRPr lang="zh-CN" altLang="en-US" sz="4800" dirty="0">
+              <a:latin typeface="华文中宋" panose="02010600040101010101" pitchFamily="2" charset="-122"/>
+              <a:ea typeface="华文中宋" panose="02010600040101010101" pitchFamily="2" charset="-122"/>
+            </a:endParaRPr>
+          </a:p>
+        </p:txBody>
+      </p:sp>
+      <p:sp>
+        <p:nvSpPr>
+          <p:cNvPr id="3" name="内容占位符 2"/>
+          <p:cNvSpPr>
+            <a:spLocks noGrp="1"/>
+          </p:cNvSpPr>
+          <p:nvPr>
+            <p:ph idx="1"/>
+          </p:nvPr>
+        </p:nvSpPr>
+        <p:spPr/>
+        <p:txBody>
+          <a:bodyPr>
+            <a:noAutofit/>
+          </a:bodyPr>
+          <a:lstStyle/>
+          <a:p>
+            <a:r>
+              <a:rPr lang="zh-CN" altLang="en-US" sz="3200" dirty="0" smtClean="0">
+                <a:latin typeface="华文中宋" panose="02010600040101010101" pitchFamily="2" charset="-122"/>
+                <a:ea typeface="华文中宋" panose="02010600040101010101" pitchFamily="2" charset="-122"/>
+              </a:rPr>
+              <a:t>输入两个指令字符后，再输入</a:t>
+            </a:r>
+            <a:r>
+              <a:rPr lang="en-US" altLang="zh-CN" sz="3200" dirty="0" smtClean="0">
+                <a:latin typeface="华文中宋" panose="02010600040101010101" pitchFamily="2" charset="-122"/>
+                <a:ea typeface="华文中宋" panose="02010600040101010101" pitchFamily="2" charset="-122"/>
+              </a:rPr>
+              <a:t>*</a:t>
+            </a:r>
+            <a:r>
+              <a:rPr lang="zh-CN" altLang="en-US" sz="3200" dirty="0">
+                <a:latin typeface="华文中宋" panose="02010600040101010101" pitchFamily="2" charset="-122"/>
+                <a:ea typeface="华文中宋" panose="02010600040101010101" pitchFamily="2" charset="-122"/>
+              </a:rPr>
+              <a:t>即</a:t>
+            </a:r>
+            <a:r>
+              <a:rPr lang="zh-CN" altLang="en-US" sz="3200" dirty="0" smtClean="0">
+                <a:latin typeface="华文中宋" panose="02010600040101010101" pitchFamily="2" charset="-122"/>
+                <a:ea typeface="华文中宋" panose="02010600040101010101" pitchFamily="2" charset="-122"/>
+              </a:rPr>
+              <a:t>可让系统猜测命令：</a:t>
+            </a:r>
+            <a:endParaRPr lang="en-US" altLang="zh-CN" sz="3200" dirty="0">
+              <a:latin typeface="华文中宋" panose="02010600040101010101" pitchFamily="2" charset="-122"/>
+              <a:ea typeface="华文中宋" panose="02010600040101010101" pitchFamily="2" charset="-122"/>
+            </a:endParaRPr>
+          </a:p>
+          <a:p>
+            <a:r>
+              <a:rPr lang="zh-CN" altLang="en-US" sz="3200" dirty="0" smtClean="0">
+                <a:latin typeface="华文中宋" panose="02010600040101010101" pitchFamily="2" charset="-122"/>
+                <a:ea typeface="华文中宋" panose="02010600040101010101" pitchFamily="2" charset="-122"/>
+              </a:rPr>
+              <a:t>例如：</a:t>
+            </a:r>
+            <a:r>
+              <a:rPr lang="en-US" altLang="zh-CN" sz="3200" dirty="0" smtClean="0">
+                <a:latin typeface="华文中宋" panose="02010600040101010101" pitchFamily="2" charset="-122"/>
+                <a:ea typeface="华文中宋" panose="02010600040101010101" pitchFamily="2" charset="-122"/>
+              </a:rPr>
+              <a:t>fork*</a:t>
+            </a:r>
+          </a:p>
+          <a:p>
+            <a:r>
+              <a:rPr lang="zh-CN" altLang="en-US" sz="3200" dirty="0" smtClean="0">
+                <a:latin typeface="华文中宋" panose="02010600040101010101" pitchFamily="2" charset="-122"/>
+                <a:ea typeface="华文中宋" panose="02010600040101010101" pitchFamily="2" charset="-122"/>
+              </a:rPr>
               <a:t>运行：</a:t>
             </a:r>
             <a:r>
@@ -9046,6 +9765,10 @@
                 <a:ea typeface="华文中宋" panose="02010600040101010101" pitchFamily="2" charset="-122"/>
               </a:rPr>
               <a:t>forktest</a:t>
+            </a:r>
+            <a:r>
+              <a:rPr lang="zh-CN" altLang="en-US" sz="3200" dirty="0"/>
+              <a:t/>
             </a:r>
             <a:br>
               <a:rPr lang="zh-CN" altLang="en-US" sz="3200" dirty="0"/>
@@ -9063,7 +9786,7 @@
           <p:nvPr/>
         </p:nvPicPr>
         <p:blipFill>
-          <a:blip r:embed="rId1"/>
+          <a:blip r:embed="rId2"/>
           <a:stretch>
             <a:fillRect/>
           </a:stretch>
@@ -9101,7 +9824,7 @@
           <p:nvPr/>
         </p:nvPicPr>
         <p:blipFill>
-          <a:blip r:embed="rId2"/>
+          <a:blip r:embed="rId3"/>
           <a:stretch>
             <a:fillRect/>
           </a:stretch>
@@ -9139,7 +9862,7 @@
           <p:nvPr/>
         </p:nvPicPr>
         <p:blipFill>
-          <a:blip r:embed="rId3"/>
+          <a:blip r:embed="rId4"/>
           <a:stretch>
             <a:fillRect/>
           </a:stretch>
@@ -9368,7 +10091,7 @@
 </p:sld>
 </file>
 
-<file path=ppt/slides/slide5.xml><?xml version="1.0" encoding="utf-8"?>
+<file path=ppt/slides/slide7.xml><?xml version="1.0" encoding="utf-8"?>
 <p:sld xmlns:a="http://schemas.openxmlformats.org/drawingml/2006/main" xmlns:r="http://schemas.openxmlformats.org/officeDocument/2006/relationships" xmlns:p="http://schemas.openxmlformats.org/presentationml/2006/main">
   <p:cSld>
     <p:spTree>
@@ -9467,10 +10190,6 @@
               </a:rPr>
               <a:t> README</a:t>
             </a:r>
-            <a:endParaRPr lang="en-US" altLang="zh-CN" sz="3200" dirty="0" smtClean="0">
-              <a:latin typeface="华文中宋" panose="02010600040101010101" pitchFamily="2" charset="-122"/>
-              <a:ea typeface="华文中宋" panose="02010600040101010101" pitchFamily="2" charset="-122"/>
-            </a:endParaRPr>
           </a:p>
           <a:p>
             <a:r>
@@ -9500,6 +10219,10 @@
                 <a:ea typeface="华文中宋" panose="02010600040101010101" pitchFamily="2" charset="-122"/>
               </a:rPr>
               <a:t>cat README</a:t>
+            </a:r>
+            <a:r>
+              <a:rPr lang="zh-CN" altLang="en-US" sz="3200" dirty="0"/>
+              <a:t/>
             </a:r>
             <a:br>
               <a:rPr lang="zh-CN" altLang="en-US" sz="3200" dirty="0"/>
@@ -9517,7 +10240,7 @@
           <p:nvPr/>
         </p:nvPicPr>
         <p:blipFill>
-          <a:blip r:embed="rId1"/>
+          <a:blip r:embed="rId2"/>
           <a:stretch>
             <a:fillRect/>
           </a:stretch>
@@ -9640,7 +10363,7 @@
 </p:sld>
 </file>
 
-<file path=ppt/slides/slide6.xml><?xml version="1.0" encoding="utf-8"?>
+<file path=ppt/slides/slide8.xml><?xml version="1.0" encoding="utf-8"?>
 <p:sld xmlns:a="http://schemas.openxmlformats.org/drawingml/2006/main" xmlns:r="http://schemas.openxmlformats.org/officeDocument/2006/relationships" xmlns:p="http://schemas.openxmlformats.org/presentationml/2006/main">
   <p:cSld>
     <p:spTree>
@@ -9767,6 +10490,10 @@
               </a:rPr>
               <a:t>条指令。</a:t>
             </a:r>
+            <a:r>
+              <a:rPr lang="zh-CN" altLang="en-US" sz="3200" dirty="0"/>
+              <a:t/>
+            </a:r>
             <a:br>
               <a:rPr lang="zh-CN" altLang="en-US" sz="3200" dirty="0"/>
             </a:br>
@@ -9783,7 +10510,7 @@
           <p:nvPr/>
         </p:nvPicPr>
         <p:blipFill>
-          <a:blip r:embed="rId1"/>
+          <a:blip r:embed="rId2"/>
           <a:stretch>
             <a:fillRect/>
           </a:stretch>
@@ -9821,7 +10548,7 @@
           <p:nvPr/>
         </p:nvPicPr>
         <p:blipFill>
-          <a:blip r:embed="rId2"/>
+          <a:blip r:embed="rId3"/>
           <a:stretch>
             <a:fillRect/>
           </a:stretch>
@@ -9979,7 +10706,7 @@
 </p:sld>
 </file>
 
-<file path=ppt/slides/slide7.xml><?xml version="1.0" encoding="utf-8"?>
+<file path=ppt/slides/slide9.xml><?xml version="1.0" encoding="utf-8"?>
 <p:sld xmlns:a="http://schemas.openxmlformats.org/drawingml/2006/main" xmlns:r="http://schemas.openxmlformats.org/officeDocument/2006/relationships" xmlns:p="http://schemas.openxmlformats.org/presentationml/2006/main">
   <p:cSld>
     <p:spTree>
@@ -10084,7 +10811,39 @@
                 <a:latin typeface="华文中宋" panose="02010600040101010101" pitchFamily="2" charset="-122"/>
                 <a:ea typeface="华文中宋" panose="02010600040101010101" pitchFamily="2" charset="-122"/>
               </a:rPr>
-              <a:t>条历史指令。</a:t>
+              <a:t>条历史指令，调用时会检查</a:t>
+            </a:r>
+            <a:r>
+              <a:rPr lang="en-US" altLang="zh-CN" sz="3200" dirty="0" smtClean="0">
+                <a:latin typeface="华文中宋" panose="02010600040101010101" pitchFamily="2" charset="-122"/>
+                <a:ea typeface="华文中宋" panose="02010600040101010101" pitchFamily="2" charset="-122"/>
+              </a:rPr>
+              <a:t>number</a:t>
+            </a:r>
+            <a:r>
+              <a:rPr lang="zh-CN" altLang="en-US" sz="3200" dirty="0" smtClean="0">
+                <a:latin typeface="华文中宋" panose="02010600040101010101" pitchFamily="2" charset="-122"/>
+                <a:ea typeface="华文中宋" panose="02010600040101010101" pitchFamily="2" charset="-122"/>
+              </a:rPr>
+              <a:t>的合法性，将对应的历史指令以文本方式提供给</a:t>
+            </a:r>
+            <a:r>
+              <a:rPr lang="en-US" altLang="zh-CN" sz="3200" dirty="0" smtClean="0">
+                <a:latin typeface="华文中宋" panose="02010600040101010101" pitchFamily="2" charset="-122"/>
+                <a:ea typeface="华文中宋" panose="02010600040101010101" pitchFamily="2" charset="-122"/>
+              </a:rPr>
+              <a:t>shell</a:t>
+            </a:r>
+            <a:r>
+              <a:rPr lang="zh-CN" altLang="en-US" sz="3200" dirty="0" smtClean="0">
+                <a:latin typeface="华文中宋" panose="02010600040101010101" pitchFamily="2" charset="-122"/>
+                <a:ea typeface="华文中宋" panose="02010600040101010101" pitchFamily="2" charset="-122"/>
+              </a:rPr>
+              <a:t>执行。</a:t>
+            </a:r>
+            <a:r>
+              <a:rPr lang="zh-CN" altLang="en-US" sz="3200" dirty="0"/>
+              <a:t/>
             </a:r>
             <a:br>
               <a:rPr lang="zh-CN" altLang="en-US" sz="3200" dirty="0"/>
@@ -10102,7 +10861,7 @@
           <p:nvPr/>
         </p:nvPicPr>
         <p:blipFill>
-          <a:blip r:embed="rId1"/>
+          <a:blip r:embed="rId2"/>
           <a:stretch>
             <a:fillRect/>
           </a:stretch>
@@ -10140,7 +10899,7 @@
           <p:nvPr/>
         </p:nvPicPr>
         <p:blipFill>
-          <a:blip r:embed="rId2"/>
+          <a:blip r:embed="rId3"/>
           <a:stretch>
             <a:fillRect/>
           </a:stretch>
@@ -10310,487 +11069,6 @@
             </p:seq>
           </p:childTnLst>
         </p:cTn>
-      </p:par>
-    </p:tnLst>
-  </p:timing>
-</p:sld>
-</file>
-
-<file path=ppt/slides/slide8.xml><?xml version="1.0" encoding="utf-8"?>
-<p:sld xmlns:a="http://schemas.openxmlformats.org/drawingml/2006/main" xmlns:r="http://schemas.openxmlformats.org/officeDocument/2006/relationships" xmlns:p="http://schemas.openxmlformats.org/presentationml/2006/main">
-  <p:cSld>
-    <p:spTree>
-      <p:nvGrpSpPr>
-        <p:cNvPr id="1" name=""/>
-        <p:cNvGrpSpPr/>
-        <p:nvPr/>
-      </p:nvGrpSpPr>
-      <p:grpSpPr>
-        <a:xfrm>
-          <a:off x="0" y="0"/>
-          <a:ext cx="0" cy="0"/>
-          <a:chOff x="0" y="0"/>
-          <a:chExt cx="0" cy="0"/>
-        </a:xfrm>
-      </p:grpSpPr>
-      <p:sp>
-        <p:nvSpPr>
-          <p:cNvPr id="2" name="标题 1"/>
-          <p:cNvSpPr>
-            <a:spLocks noGrp="1"/>
-          </p:cNvSpPr>
-          <p:nvPr>
-            <p:ph type="title"/>
-          </p:nvPr>
-        </p:nvSpPr>
-        <p:spPr/>
-        <p:txBody>
-          <a:bodyPr>
-            <a:noAutofit/>
-          </a:bodyPr>
-          <a:lstStyle/>
-          <a:p>
-            <a:r>
-              <a:rPr lang="zh-CN" altLang="en-US" sz="4800" dirty="0" smtClean="0">
-                <a:latin typeface="华文中宋" panose="02010600040101010101" pitchFamily="2" charset="-122"/>
-                <a:ea typeface="华文中宋" panose="02010600040101010101" pitchFamily="2" charset="-122"/>
-              </a:rPr>
-              <a:t>基础指令：清屏指令</a:t>
-            </a:r>
-            <a:endParaRPr lang="zh-CN" altLang="en-US" sz="4800" dirty="0">
-              <a:latin typeface="华文中宋" panose="02010600040101010101" pitchFamily="2" charset="-122"/>
-              <a:ea typeface="华文中宋" panose="02010600040101010101" pitchFamily="2" charset="-122"/>
-            </a:endParaRPr>
-          </a:p>
-        </p:txBody>
-      </p:sp>
-      <p:sp>
-        <p:nvSpPr>
-          <p:cNvPr id="3" name="内容占位符 2"/>
-          <p:cNvSpPr>
-            <a:spLocks noGrp="1"/>
-          </p:cNvSpPr>
-          <p:nvPr>
-            <p:ph idx="1"/>
-          </p:nvPr>
-        </p:nvSpPr>
-        <p:spPr/>
-        <p:txBody>
-          <a:bodyPr>
-            <a:noAutofit/>
-          </a:bodyPr>
-          <a:lstStyle/>
-          <a:p>
-            <a:r>
-              <a:rPr lang="zh-CN" altLang="en-US" sz="3200" dirty="0" smtClean="0">
-                <a:latin typeface="华文中宋" panose="02010600040101010101" pitchFamily="2" charset="-122"/>
-                <a:ea typeface="华文中宋" panose="02010600040101010101" pitchFamily="2" charset="-122"/>
-              </a:rPr>
-              <a:t>实现了系统调用 </a:t>
-            </a:r>
-            <a:r>
-              <a:rPr lang="en-US" altLang="zh-CN" sz="3200" dirty="0" smtClean="0">
-                <a:latin typeface="华文中宋" panose="02010600040101010101" pitchFamily="2" charset="-122"/>
-                <a:ea typeface="华文中宋" panose="02010600040101010101" pitchFamily="2" charset="-122"/>
-              </a:rPr>
-              <a:t>clear()</a:t>
-            </a:r>
-            <a:r>
-              <a:rPr lang="zh-CN" altLang="en-US" sz="3200" dirty="0" smtClean="0">
-                <a:latin typeface="华文中宋" panose="02010600040101010101" pitchFamily="2" charset="-122"/>
-                <a:ea typeface="华文中宋" panose="02010600040101010101" pitchFamily="2" charset="-122"/>
-              </a:rPr>
-              <a:t>。</a:t>
-            </a:r>
-            <a:r>
-              <a:rPr lang="en-US" altLang="zh-CN" sz="3200" dirty="0" smtClean="0">
-                <a:latin typeface="华文中宋" panose="02010600040101010101" pitchFamily="2" charset="-122"/>
-                <a:ea typeface="华文中宋" panose="02010600040101010101" pitchFamily="2" charset="-122"/>
-              </a:rPr>
-              <a:t> </a:t>
-            </a:r>
-            <a:r>
-              <a:rPr lang="zh-CN" altLang="en-US" sz="3200" dirty="0" smtClean="0">
-                <a:latin typeface="华文中宋" panose="02010600040101010101" pitchFamily="2" charset="-122"/>
-                <a:ea typeface="华文中宋" panose="02010600040101010101" pitchFamily="2" charset="-122"/>
-              </a:rPr>
-              <a:t>输入 </a:t>
-            </a:r>
-            <a:r>
-              <a:rPr lang="en-US" altLang="zh-CN" sz="3200" dirty="0" smtClean="0">
-                <a:latin typeface="华文中宋" panose="02010600040101010101" pitchFamily="2" charset="-122"/>
-                <a:ea typeface="华文中宋" panose="02010600040101010101" pitchFamily="2" charset="-122"/>
-              </a:rPr>
-              <a:t>clear </a:t>
-            </a:r>
-            <a:r>
-              <a:rPr lang="zh-CN" altLang="en-US" sz="3200" dirty="0" smtClean="0">
-                <a:latin typeface="华文中宋" panose="02010600040101010101" pitchFamily="2" charset="-122"/>
-                <a:ea typeface="华文中宋" panose="02010600040101010101" pitchFamily="2" charset="-122"/>
-              </a:rPr>
-              <a:t>即可执行清屏。</a:t>
-            </a:r>
-            <a:br>
-              <a:rPr lang="zh-CN" altLang="en-US" sz="3200" dirty="0"/>
-            </a:br>
-            <a:endParaRPr lang="zh-CN" altLang="en-US" sz="3200" dirty="0"/>
-          </a:p>
-        </p:txBody>
-      </p:sp>
-      <p:pic>
-        <p:nvPicPr>
-          <p:cNvPr id="4" name="图片 3"/>
-          <p:cNvPicPr>
-            <a:picLocks noChangeAspect="1"/>
-          </p:cNvPicPr>
-          <p:nvPr/>
-        </p:nvPicPr>
-        <p:blipFill>
-          <a:blip r:embed="rId1"/>
-          <a:stretch>
-            <a:fillRect/>
-          </a:stretch>
-        </p:blipFill>
-        <p:spPr>
-          <a:xfrm>
-            <a:off x="2464697" y="2695575"/>
-            <a:ext cx="3267075" cy="4162425"/>
-          </a:xfrm>
-          <a:prstGeom prst="rect">
-            <a:avLst/>
-          </a:prstGeom>
-          <a:ln>
-            <a:noFill/>
-          </a:ln>
-          <a:effectLst>
-            <a:outerShdw blurRad="292100" dist="139700" dir="2700000" algn="tl" rotWithShape="0">
-              <a:srgbClr val="333333">
-                <a:alpha val="65000"/>
-              </a:srgbClr>
-            </a:outerShdw>
-          </a:effectLst>
-        </p:spPr>
-      </p:pic>
-      <p:pic>
-        <p:nvPicPr>
-          <p:cNvPr id="5" name="图片 4"/>
-          <p:cNvPicPr>
-            <a:picLocks noChangeAspect="1"/>
-          </p:cNvPicPr>
-          <p:nvPr/>
-        </p:nvPicPr>
-        <p:blipFill>
-          <a:blip r:embed="rId2"/>
-          <a:stretch>
-            <a:fillRect/>
-          </a:stretch>
-        </p:blipFill>
-        <p:spPr>
-          <a:xfrm>
-            <a:off x="6693100" y="2695575"/>
-            <a:ext cx="3400425" cy="4152900"/>
-          </a:xfrm>
-          <a:prstGeom prst="rect">
-            <a:avLst/>
-          </a:prstGeom>
-          <a:ln>
-            <a:noFill/>
-          </a:ln>
-          <a:effectLst>
-            <a:outerShdw blurRad="292100" dist="139700" dir="2700000" algn="tl" rotWithShape="0">
-              <a:srgbClr val="333333">
-                <a:alpha val="65000"/>
-              </a:srgbClr>
-            </a:outerShdw>
-          </a:effectLst>
-        </p:spPr>
-      </p:pic>
-    </p:spTree>
-  </p:cSld>
-  <p:clrMapOvr>
-    <a:masterClrMapping/>
-  </p:clrMapOvr>
-  <p:transition spd="slow">
-    <p:wipe/>
-  </p:transition>
-  <p:timing>
-    <p:tnLst>
-      <p:par>
-        <p:cTn id="1" dur="indefinite" restart="never" nodeType="tmRoot">
-          <p:childTnLst>
-            <p:seq concurrent="1" nextAc="seek">
-              <p:cTn id="2" dur="indefinite" nodeType="mainSeq">
-                <p:childTnLst>
-                  <p:par>
-                    <p:cTn id="3" fill="hold">
-                      <p:stCondLst>
-                        <p:cond delay="indefinite"/>
-                      </p:stCondLst>
-                      <p:childTnLst>
-                        <p:par>
-                          <p:cTn id="4" fill="hold">
-                            <p:stCondLst>
-                              <p:cond delay="0"/>
-                            </p:stCondLst>
-                            <p:childTnLst>
-                              <p:par>
-                                <p:cTn id="5" presetID="10" presetClass="entr" presetSubtype="0" fill="hold" nodeType="clickEffect">
-                                  <p:stCondLst>
-                                    <p:cond delay="0"/>
-                                  </p:stCondLst>
-                                  <p:childTnLst>
-                                    <p:set>
-                                      <p:cBhvr>
-                                        <p:cTn id="6" dur="1" fill="hold">
-                                          <p:stCondLst>
-                                            <p:cond delay="0"/>
-                                          </p:stCondLst>
-                                        </p:cTn>
-                                        <p:tgtEl>
-                                          <p:spTgt spid="4"/>
-                                        </p:tgtEl>
-                                        <p:attrNameLst>
-                                          <p:attrName>style.visibility</p:attrName>
-                                        </p:attrNameLst>
-                                      </p:cBhvr>
-                                      <p:to>
-                                        <p:strVal val="visible"/>
-                                      </p:to>
-                                    </p:set>
-                                    <p:animEffect transition="in" filter="fade">
-                                      <p:cBhvr>
-                                        <p:cTn id="7" dur="500"/>
-                                        <p:tgtEl>
-                                          <p:spTgt spid="4"/>
-                                        </p:tgtEl>
-                                      </p:cBhvr>
-                                    </p:animEffect>
-                                  </p:childTnLst>
-                                </p:cTn>
-                              </p:par>
-                              <p:par>
-                                <p:cTn id="8" presetID="10" presetClass="entr" presetSubtype="0" fill="hold" nodeType="withEffect">
-                                  <p:stCondLst>
-                                    <p:cond delay="0"/>
-                                  </p:stCondLst>
-                                  <p:childTnLst>
-                                    <p:set>
-                                      <p:cBhvr>
-                                        <p:cTn id="9" dur="1" fill="hold">
-                                          <p:stCondLst>
-                                            <p:cond delay="0"/>
-                                          </p:stCondLst>
-                                        </p:cTn>
-                                        <p:tgtEl>
-                                          <p:spTgt spid="5"/>
-                                        </p:tgtEl>
-                                        <p:attrNameLst>
-                                          <p:attrName>style.visibility</p:attrName>
-                                        </p:attrNameLst>
-                                      </p:cBhvr>
-                                      <p:to>
-                                        <p:strVal val="visible"/>
-                                      </p:to>
-                                    </p:set>
-                                    <p:animEffect transition="in" filter="fade">
-                                      <p:cBhvr>
-                                        <p:cTn id="10" dur="500"/>
-                                        <p:tgtEl>
-                                          <p:spTgt spid="5"/>
-                                        </p:tgtEl>
-                                      </p:cBhvr>
-                                    </p:animEffect>
-                                  </p:childTnLst>
-                                </p:cTn>
-                              </p:par>
-                            </p:childTnLst>
-                          </p:cTn>
-                        </p:par>
-                      </p:childTnLst>
-                    </p:cTn>
-                  </p:par>
-                </p:childTnLst>
-              </p:cTn>
-              <p:prevCondLst>
-                <p:cond evt="onPrev" delay="0">
-                  <p:tgtEl>
-                    <p:sldTgt/>
-                  </p:tgtEl>
-                </p:cond>
-              </p:prevCondLst>
-              <p:nextCondLst>
-                <p:cond evt="onNext" delay="0">
-                  <p:tgtEl>
-                    <p:sldTgt/>
-                  </p:tgtEl>
-                </p:cond>
-              </p:nextCondLst>
-            </p:seq>
-          </p:childTnLst>
-        </p:cTn>
-      </p:par>
-    </p:tnLst>
-  </p:timing>
-</p:sld>
-</file>
-
-<file path=ppt/slides/slide9.xml><?xml version="1.0" encoding="utf-8"?>
-<p:sld xmlns:a="http://schemas.openxmlformats.org/drawingml/2006/main" xmlns:r="http://schemas.openxmlformats.org/officeDocument/2006/relationships" xmlns:p="http://schemas.openxmlformats.org/presentationml/2006/main">
-  <p:cSld>
-    <p:spTree>
-      <p:nvGrpSpPr>
-        <p:cNvPr id="1" name=""/>
-        <p:cNvGrpSpPr/>
-        <p:nvPr/>
-      </p:nvGrpSpPr>
-      <p:grpSpPr>
-        <a:xfrm>
-          <a:off x="0" y="0"/>
-          <a:ext cx="0" cy="0"/>
-          <a:chOff x="0" y="0"/>
-          <a:chExt cx="0" cy="0"/>
-        </a:xfrm>
-      </p:grpSpPr>
-      <p:sp>
-        <p:nvSpPr>
-          <p:cNvPr id="2" name="标题 1"/>
-          <p:cNvSpPr>
-            <a:spLocks noGrp="1"/>
-          </p:cNvSpPr>
-          <p:nvPr>
-            <p:ph type="title"/>
-          </p:nvPr>
-        </p:nvSpPr>
-        <p:spPr/>
-        <p:txBody>
-          <a:bodyPr>
-            <a:normAutofit/>
-          </a:bodyPr>
-          <a:lstStyle/>
-          <a:p>
-            <a:r>
-              <a:rPr lang="zh-CN" altLang="en-US" sz="4800" dirty="0" smtClean="0">
-                <a:latin typeface="华文中宋" panose="02010600040101010101" pitchFamily="2" charset="-122"/>
-                <a:ea typeface="华文中宋" panose="02010600040101010101" pitchFamily="2" charset="-122"/>
-              </a:rPr>
-              <a:t>文件管理</a:t>
-            </a:r>
-            <a:endParaRPr lang="zh-CN" altLang="en-US" sz="4800" dirty="0">
-              <a:latin typeface="华文中宋" panose="02010600040101010101" pitchFamily="2" charset="-122"/>
-              <a:ea typeface="华文中宋" panose="02010600040101010101" pitchFamily="2" charset="-122"/>
-            </a:endParaRPr>
-          </a:p>
-        </p:txBody>
-      </p:sp>
-      <p:sp>
-        <p:nvSpPr>
-          <p:cNvPr id="3" name="内容占位符 2"/>
-          <p:cNvSpPr>
-            <a:spLocks noGrp="1"/>
-          </p:cNvSpPr>
-          <p:nvPr>
-            <p:ph idx="1"/>
-          </p:nvPr>
-        </p:nvSpPr>
-        <p:spPr/>
-        <p:txBody>
-          <a:bodyPr>
-            <a:normAutofit/>
-          </a:bodyPr>
-          <a:lstStyle/>
-          <a:p>
-            <a:pPr marL="457200" indent="-457200">
-              <a:buFont typeface="+mj-lt"/>
-              <a:buAutoNum type="arabicPeriod"/>
-            </a:pPr>
-            <a:r>
-              <a:rPr lang="zh-CN" altLang="en-US" sz="3600" dirty="0">
-                <a:latin typeface="华文中宋" panose="02010600040101010101" pitchFamily="2" charset="-122"/>
-                <a:ea typeface="华文中宋" panose="02010600040101010101" pitchFamily="2" charset="-122"/>
-              </a:rPr>
-              <a:t>文件</a:t>
-            </a:r>
-            <a:r>
-              <a:rPr lang="zh-CN" altLang="en-US" sz="3600" dirty="0" smtClean="0">
-                <a:latin typeface="华文中宋" panose="02010600040101010101" pitchFamily="2" charset="-122"/>
-                <a:ea typeface="华文中宋" panose="02010600040101010101" pitchFamily="2" charset="-122"/>
-              </a:rPr>
-              <a:t>的复制</a:t>
-            </a:r>
-            <a:endParaRPr lang="en-US" altLang="zh-CN" sz="3600" dirty="0" smtClean="0">
-              <a:latin typeface="华文中宋" panose="02010600040101010101" pitchFamily="2" charset="-122"/>
-              <a:ea typeface="华文中宋" panose="02010600040101010101" pitchFamily="2" charset="-122"/>
-            </a:endParaRPr>
-          </a:p>
-          <a:p>
-            <a:pPr marL="457200" indent="-457200">
-              <a:buFont typeface="+mj-lt"/>
-              <a:buAutoNum type="arabicPeriod"/>
-            </a:pPr>
-            <a:r>
-              <a:rPr lang="zh-CN" altLang="en-US" sz="3600" dirty="0" smtClean="0">
-                <a:latin typeface="华文中宋" panose="02010600040101010101" pitchFamily="2" charset="-122"/>
-                <a:ea typeface="华文中宋" panose="02010600040101010101" pitchFamily="2" charset="-122"/>
-              </a:rPr>
-              <a:t>文件</a:t>
-            </a:r>
-            <a:r>
-              <a:rPr lang="zh-CN" altLang="en-US" sz="3600" dirty="0">
-                <a:latin typeface="华文中宋" panose="02010600040101010101" pitchFamily="2" charset="-122"/>
-                <a:ea typeface="华文中宋" panose="02010600040101010101" pitchFamily="2" charset="-122"/>
-              </a:rPr>
-              <a:t>的</a:t>
-            </a:r>
-            <a:r>
-              <a:rPr lang="zh-CN" altLang="en-US" sz="3600" dirty="0" smtClean="0">
-                <a:latin typeface="华文中宋" panose="02010600040101010101" pitchFamily="2" charset="-122"/>
-                <a:ea typeface="华文中宋" panose="02010600040101010101" pitchFamily="2" charset="-122"/>
-              </a:rPr>
-              <a:t>移动</a:t>
-            </a:r>
-            <a:endParaRPr lang="en-US" altLang="zh-CN" sz="3600" dirty="0" smtClean="0">
-              <a:latin typeface="华文中宋" panose="02010600040101010101" pitchFamily="2" charset="-122"/>
-              <a:ea typeface="华文中宋" panose="02010600040101010101" pitchFamily="2" charset="-122"/>
-            </a:endParaRPr>
-          </a:p>
-          <a:p>
-            <a:pPr marL="457200" indent="-457200">
-              <a:buFont typeface="+mj-lt"/>
-              <a:buAutoNum type="arabicPeriod"/>
-            </a:pPr>
-            <a:r>
-              <a:rPr lang="zh-CN" altLang="en-US" sz="3600" dirty="0" smtClean="0">
-                <a:latin typeface="华文中宋" panose="02010600040101010101" pitchFamily="2" charset="-122"/>
-                <a:ea typeface="华文中宋" panose="02010600040101010101" pitchFamily="2" charset="-122"/>
-              </a:rPr>
-              <a:t>文件</a:t>
-            </a:r>
-            <a:r>
-              <a:rPr lang="zh-CN" altLang="en-US" sz="3600" dirty="0">
-                <a:latin typeface="华文中宋" panose="02010600040101010101" pitchFamily="2" charset="-122"/>
-                <a:ea typeface="华文中宋" panose="02010600040101010101" pitchFamily="2" charset="-122"/>
-              </a:rPr>
-              <a:t>的更名</a:t>
-            </a:r>
-            <a:endParaRPr lang="zh-CN" altLang="en-US" sz="3600" dirty="0">
-              <a:latin typeface="华文中宋" panose="02010600040101010101" pitchFamily="2" charset="-122"/>
-              <a:ea typeface="华文中宋" panose="02010600040101010101" pitchFamily="2" charset="-122"/>
-            </a:endParaRPr>
-          </a:p>
-        </p:txBody>
-      </p:sp>
-    </p:spTree>
-  </p:cSld>
-  <p:clrMapOvr>
-    <a:masterClrMapping/>
-  </p:clrMapOvr>
-  <p:transition spd="slow">
-    <p:wipe/>
-  </p:transition>
-  <p:timing>
-    <p:tnLst>
-      <p:par>
-        <p:cTn id="1" dur="indefinite" restart="never" nodeType="tmRoot"/>
       </p:par>
     </p:tnLst>
   </p:timing>
@@ -11045,6 +11323,8 @@
       </a:bgFillStyleLst>
     </a:fmtScheme>
   </a:themeElements>
+  <a:objectDefaults/>
+  <a:extraClrSchemeLst/>
   <a:extLst>
     <a:ext uri="{05A4C25C-085E-4340-85A3-A5531E510DB2}">
       <thm15:themeFamily xmlns:thm15="http://schemas.microsoft.com/office/thememl/2012/main" name="Office Theme" id="{62F939B6-93AF-4DB8-9C6B-D6C7DFDC589F}" vid="{4A3C46E8-61CC-4603-A589-7422A47A8E4A}"/>
@@ -11296,6 +11576,8 @@
       </a:bgFillStyleLst>
     </a:fmtScheme>
   </a:themeElements>
+  <a:objectDefaults/>
+  <a:extraClrSchemeLst/>
   <a:extLst>
     <a:ext uri="{05A4C25C-085E-4340-85A3-A5531E510DB2}">
       <thm15:themeFamily xmlns:thm15="http://schemas.microsoft.com/office/thememl/2012/main" name="Office Theme" id="{62F939B6-93AF-4DB8-9C6B-D6C7DFDC589F}" vid="{4A3C46E8-61CC-4603-A589-7422A47A8E4A}"/>
@@ -11555,6 +11837,8 @@
       </a:bgFillStyleLst>
     </a:fmtScheme>
   </a:themeElements>
+  <a:objectDefaults/>
+  <a:extraClrSchemeLst/>
   <a:extLst>
     <a:ext uri="{05A4C25C-085E-4340-85A3-A5531E510DB2}">
       <thm15:themeFamily xmlns:thm15="http://schemas.microsoft.com/office/thememl/2012/main" name="Office Theme" id="{62F939B6-93AF-4DB8-9C6B-D6C7DFDC589F}" vid="{4A3C46E8-61CC-4603-A589-7422A47A8E4A}"/>

--- a/report/shell改进.pptx
+++ b/report/shell改进.pptx
@@ -27,8 +27,8 @@
     <p:sldId id="269" r:id="rId18"/>
     <p:sldId id="271" r:id="rId19"/>
     <p:sldId id="272" r:id="rId20"/>
-    <p:sldId id="259" r:id="rId21"/>
-    <p:sldId id="273" r:id="rId22"/>
+    <p:sldId id="273" r:id="rId21"/>
+    <p:sldId id="259" r:id="rId22"/>
   </p:sldIdLst>
   <p:sldSz cx="12192000" cy="6858000"/>
   <p:notesSz cx="6858000" cy="9144000"/>
@@ -8671,6 +8671,295 @@
                 <a:latin typeface="华文中宋" panose="02010600040101010101" pitchFamily="2" charset="-122"/>
                 <a:ea typeface="华文中宋" panose="02010600040101010101" pitchFamily="2" charset="-122"/>
               </a:rPr>
+              <a:t>文档编辑：其他</a:t>
+            </a:r>
+            <a:endParaRPr lang="zh-CN" altLang="en-US" sz="4800" dirty="0">
+              <a:latin typeface="华文中宋" panose="02010600040101010101" pitchFamily="2" charset="-122"/>
+              <a:ea typeface="华文中宋" panose="02010600040101010101" pitchFamily="2" charset="-122"/>
+            </a:endParaRPr>
+          </a:p>
+        </p:txBody>
+      </p:sp>
+      <p:sp>
+        <p:nvSpPr>
+          <p:cNvPr id="3" name="内容占位符 2"/>
+          <p:cNvSpPr>
+            <a:spLocks noGrp="1"/>
+          </p:cNvSpPr>
+          <p:nvPr>
+            <p:ph idx="1"/>
+          </p:nvPr>
+        </p:nvSpPr>
+        <p:spPr/>
+        <p:txBody>
+          <a:bodyPr>
+            <a:normAutofit/>
+          </a:bodyPr>
+          <a:lstStyle/>
+          <a:p>
+            <a:r>
+              <a:rPr lang="zh-CN" altLang="en-US" sz="3600" dirty="0" smtClean="0">
+                <a:latin typeface="华文中宋" panose="02010600040101010101" pitchFamily="2" charset="-122"/>
+                <a:ea typeface="华文中宋" panose="02010600040101010101" pitchFamily="2" charset="-122"/>
+              </a:rPr>
+              <a:t>识别特定代码并进行高亮处理</a:t>
+            </a:r>
+            <a:endParaRPr lang="en-US" altLang="zh-CN" sz="3600" dirty="0" smtClean="0">
+              <a:latin typeface="华文中宋" panose="02010600040101010101" pitchFamily="2" charset="-122"/>
+              <a:ea typeface="华文中宋" panose="02010600040101010101" pitchFamily="2" charset="-122"/>
+            </a:endParaRPr>
+          </a:p>
+          <a:p>
+            <a:r>
+              <a:rPr lang="zh-CN" altLang="en-US" sz="3600" dirty="0" smtClean="0">
+                <a:latin typeface="华文中宋" panose="02010600040101010101" pitchFamily="2" charset="-122"/>
+                <a:ea typeface="华文中宋" panose="02010600040101010101" pitchFamily="2" charset="-122"/>
+              </a:rPr>
+              <a:t>输出行号</a:t>
+            </a:r>
+            <a:endParaRPr lang="zh-CN" altLang="en-US" sz="3600" dirty="0">
+              <a:latin typeface="华文中宋" panose="02010600040101010101" pitchFamily="2" charset="-122"/>
+              <a:ea typeface="华文中宋" panose="02010600040101010101" pitchFamily="2" charset="-122"/>
+            </a:endParaRPr>
+          </a:p>
+        </p:txBody>
+      </p:sp>
+      <p:pic>
+        <p:nvPicPr>
+          <p:cNvPr id="7" name="图片 6"/>
+          <p:cNvPicPr>
+            <a:picLocks noChangeAspect="1"/>
+          </p:cNvPicPr>
+          <p:nvPr/>
+        </p:nvPicPr>
+        <p:blipFill rotWithShape="1">
+          <a:blip r:embed="rId2">
+            <a:extLst>
+              <a:ext uri="{28A0092B-C50C-407E-A947-70E740481C1C}">
+                <a14:useLocalDpi xmlns:a14="http://schemas.microsoft.com/office/drawing/2010/main" val="0"/>
+              </a:ext>
+            </a:extLst>
+          </a:blip>
+          <a:srcRect b="67077"/>
+          <a:stretch>
+            <a:fillRect/>
+          </a:stretch>
+        </p:blipFill>
+        <p:spPr>
+          <a:xfrm>
+            <a:off x="7304890" y="2865515"/>
+            <a:ext cx="3749964" cy="2600830"/>
+          </a:xfrm>
+          <a:prstGeom prst="rect">
+            <a:avLst/>
+          </a:prstGeom>
+        </p:spPr>
+      </p:pic>
+    </p:spTree>
+  </p:cSld>
+  <p:clrMapOvr>
+    <a:masterClrMapping/>
+  </p:clrMapOvr>
+  <p:transition spd="slow">
+    <p:wipe/>
+  </p:transition>
+  <p:timing>
+    <p:tnLst>
+      <p:par>
+        <p:cTn id="1" dur="indefinite" restart="never" nodeType="tmRoot"/>
+      </p:par>
+    </p:tnLst>
+  </p:timing>
+</p:sld>
+</file>
+
+<file path=ppt/slides/slide2.xml><?xml version="1.0" encoding="utf-8"?>
+<p:sld xmlns:a="http://schemas.openxmlformats.org/drawingml/2006/main" xmlns:r="http://schemas.openxmlformats.org/officeDocument/2006/relationships" xmlns:p="http://schemas.openxmlformats.org/presentationml/2006/main">
+  <p:cSld>
+    <p:spTree>
+      <p:nvGrpSpPr>
+        <p:cNvPr id="1" name=""/>
+        <p:cNvGrpSpPr/>
+        <p:nvPr/>
+      </p:nvGrpSpPr>
+      <p:grpSpPr>
+        <a:xfrm>
+          <a:off x="0" y="0"/>
+          <a:ext cx="0" cy="0"/>
+          <a:chOff x="0" y="0"/>
+          <a:chExt cx="0" cy="0"/>
+        </a:xfrm>
+      </p:grpSpPr>
+      <p:sp>
+        <p:nvSpPr>
+          <p:cNvPr id="2" name="标题 1"/>
+          <p:cNvSpPr>
+            <a:spLocks noGrp="1"/>
+          </p:cNvSpPr>
+          <p:nvPr>
+            <p:ph type="title"/>
+          </p:nvPr>
+        </p:nvSpPr>
+        <p:spPr/>
+        <p:txBody>
+          <a:bodyPr>
+            <a:normAutofit/>
+          </a:bodyPr>
+          <a:lstStyle/>
+          <a:p>
+            <a:r>
+              <a:rPr lang="zh-CN" altLang="en-US" sz="4800" dirty="0" smtClean="0">
+                <a:latin typeface="华文中宋" panose="02010600040101010101" pitchFamily="2" charset="-122"/>
+                <a:ea typeface="华文中宋" panose="02010600040101010101" pitchFamily="2" charset="-122"/>
+              </a:rPr>
+              <a:t>选题介绍与主要工作</a:t>
+            </a:r>
+            <a:endParaRPr lang="zh-CN" altLang="en-US" sz="4800" dirty="0">
+              <a:latin typeface="华文中宋" panose="02010600040101010101" pitchFamily="2" charset="-122"/>
+              <a:ea typeface="华文中宋" panose="02010600040101010101" pitchFamily="2" charset="-122"/>
+            </a:endParaRPr>
+          </a:p>
+        </p:txBody>
+      </p:sp>
+      <p:sp>
+        <p:nvSpPr>
+          <p:cNvPr id="3" name="内容占位符 2"/>
+          <p:cNvSpPr>
+            <a:spLocks noGrp="1"/>
+          </p:cNvSpPr>
+          <p:nvPr>
+            <p:ph idx="1"/>
+          </p:nvPr>
+        </p:nvSpPr>
+        <p:spPr/>
+        <p:txBody>
+          <a:bodyPr/>
+          <a:lstStyle/>
+          <a:p>
+            <a:r>
+              <a:rPr lang="zh-CN" altLang="en-US" sz="3600" dirty="0">
+                <a:latin typeface="华文中宋" panose="02010600040101010101" pitchFamily="2" charset="-122"/>
+                <a:ea typeface="华文中宋" panose="02010600040101010101" pitchFamily="2" charset="-122"/>
+              </a:rPr>
+              <a:t>基础</a:t>
+            </a:r>
+            <a:r>
+              <a:rPr lang="zh-CN" altLang="en-US" sz="3600" dirty="0" smtClean="0">
+                <a:latin typeface="华文中宋" panose="02010600040101010101" pitchFamily="2" charset="-122"/>
+                <a:ea typeface="华文中宋" panose="02010600040101010101" pitchFamily="2" charset="-122"/>
+              </a:rPr>
+              <a:t>命令</a:t>
+            </a:r>
+            <a:endParaRPr lang="en-US" altLang="zh-CN" sz="3600" dirty="0" smtClean="0">
+              <a:latin typeface="华文中宋" panose="02010600040101010101" pitchFamily="2" charset="-122"/>
+              <a:ea typeface="华文中宋" panose="02010600040101010101" pitchFamily="2" charset="-122"/>
+            </a:endParaRPr>
+          </a:p>
+          <a:p>
+            <a:r>
+              <a:rPr lang="zh-CN" altLang="en-US" sz="3600" dirty="0" smtClean="0">
+                <a:latin typeface="华文中宋" panose="02010600040101010101" pitchFamily="2" charset="-122"/>
+                <a:ea typeface="华文中宋" panose="02010600040101010101" pitchFamily="2" charset="-122"/>
+              </a:rPr>
+              <a:t>文件管理</a:t>
+            </a:r>
+            <a:endParaRPr lang="en-US" altLang="zh-CN" sz="3600" dirty="0" smtClean="0">
+              <a:latin typeface="华文中宋" panose="02010600040101010101" pitchFamily="2" charset="-122"/>
+              <a:ea typeface="华文中宋" panose="02010600040101010101" pitchFamily="2" charset="-122"/>
+            </a:endParaRPr>
+          </a:p>
+          <a:p>
+            <a:r>
+              <a:rPr lang="zh-CN" altLang="en-US" sz="3600" dirty="0">
+                <a:latin typeface="华文中宋" panose="02010600040101010101" pitchFamily="2" charset="-122"/>
+                <a:ea typeface="华文中宋" panose="02010600040101010101" pitchFamily="2" charset="-122"/>
+              </a:rPr>
+              <a:t>文档</a:t>
+            </a:r>
+            <a:r>
+              <a:rPr lang="zh-CN" altLang="en-US" sz="3600" dirty="0" smtClean="0">
+                <a:latin typeface="华文中宋" panose="02010600040101010101" pitchFamily="2" charset="-122"/>
+                <a:ea typeface="华文中宋" panose="02010600040101010101" pitchFamily="2" charset="-122"/>
+              </a:rPr>
+              <a:t>编辑</a:t>
+            </a:r>
+            <a:endParaRPr lang="en-US" altLang="zh-CN" sz="3600" dirty="0" smtClean="0">
+              <a:latin typeface="华文中宋" panose="02010600040101010101" pitchFamily="2" charset="-122"/>
+              <a:ea typeface="华文中宋" panose="02010600040101010101" pitchFamily="2" charset="-122"/>
+            </a:endParaRPr>
+          </a:p>
+          <a:p>
+            <a:r>
+              <a:rPr lang="zh-CN" altLang="en-US" sz="3600" dirty="0" smtClean="0">
+                <a:latin typeface="华文中宋" panose="02010600040101010101" pitchFamily="2" charset="-122"/>
+                <a:ea typeface="华文中宋" panose="02010600040101010101" pitchFamily="2" charset="-122"/>
+              </a:rPr>
+              <a:t>其余改进</a:t>
+            </a:r>
+            <a:endParaRPr lang="zh-CN" altLang="en-US" sz="3600" dirty="0">
+              <a:latin typeface="华文中宋" panose="02010600040101010101" pitchFamily="2" charset="-122"/>
+              <a:ea typeface="华文中宋" panose="02010600040101010101" pitchFamily="2" charset="-122"/>
+            </a:endParaRPr>
+          </a:p>
+        </p:txBody>
+      </p:sp>
+    </p:spTree>
+  </p:cSld>
+  <p:clrMapOvr>
+    <a:masterClrMapping/>
+  </p:clrMapOvr>
+  <p:transition spd="slow">
+    <p:wipe/>
+  </p:transition>
+  <p:timing>
+    <p:tnLst>
+      <p:par>
+        <p:cTn id="1" dur="indefinite" restart="never" nodeType="tmRoot"/>
+      </p:par>
+    </p:tnLst>
+  </p:timing>
+</p:sld>
+</file>
+
+<file path=ppt/slides/slide20.xml><?xml version="1.0" encoding="utf-8"?>
+<p:sld xmlns:a="http://schemas.openxmlformats.org/drawingml/2006/main" xmlns:r="http://schemas.openxmlformats.org/officeDocument/2006/relationships" xmlns:p="http://schemas.openxmlformats.org/presentationml/2006/main">
+  <p:cSld>
+    <p:spTree>
+      <p:nvGrpSpPr>
+        <p:cNvPr id="1" name=""/>
+        <p:cNvGrpSpPr/>
+        <p:nvPr/>
+      </p:nvGrpSpPr>
+      <p:grpSpPr>
+        <a:xfrm>
+          <a:off x="0" y="0"/>
+          <a:ext cx="0" cy="0"/>
+          <a:chOff x="0" y="0"/>
+          <a:chExt cx="0" cy="0"/>
+        </a:xfrm>
+      </p:grpSpPr>
+      <p:sp>
+        <p:nvSpPr>
+          <p:cNvPr id="2" name="标题 1"/>
+          <p:cNvSpPr>
+            <a:spLocks noGrp="1"/>
+          </p:cNvSpPr>
+          <p:nvPr>
+            <p:ph type="title"/>
+          </p:nvPr>
+        </p:nvSpPr>
+        <p:spPr/>
+        <p:txBody>
+          <a:bodyPr>
+            <a:normAutofit/>
+          </a:bodyPr>
+          <a:lstStyle/>
+          <a:p>
+            <a:r>
+              <a:rPr lang="zh-CN" altLang="en-US" sz="4800" dirty="0" smtClean="0">
+                <a:latin typeface="华文中宋" panose="02010600040101010101" pitchFamily="2" charset="-122"/>
+                <a:ea typeface="华文中宋" panose="02010600040101010101" pitchFamily="2" charset="-122"/>
+              </a:rPr>
               <a:t>其余改进</a:t>
             </a:r>
             <a:r>
@@ -8916,302 +9205,6 @@
             </p:seq>
           </p:childTnLst>
         </p:cTn>
-      </p:par>
-    </p:tnLst>
-  </p:timing>
-</p:sld>
-</file>
-
-<file path=ppt/slides/slide2.xml><?xml version="1.0" encoding="utf-8"?>
-<p:sld xmlns:a="http://schemas.openxmlformats.org/drawingml/2006/main" xmlns:r="http://schemas.openxmlformats.org/officeDocument/2006/relationships" xmlns:p="http://schemas.openxmlformats.org/presentationml/2006/main">
-  <p:cSld>
-    <p:spTree>
-      <p:nvGrpSpPr>
-        <p:cNvPr id="1" name=""/>
-        <p:cNvGrpSpPr/>
-        <p:nvPr/>
-      </p:nvGrpSpPr>
-      <p:grpSpPr>
-        <a:xfrm>
-          <a:off x="0" y="0"/>
-          <a:ext cx="0" cy="0"/>
-          <a:chOff x="0" y="0"/>
-          <a:chExt cx="0" cy="0"/>
-        </a:xfrm>
-      </p:grpSpPr>
-      <p:sp>
-        <p:nvSpPr>
-          <p:cNvPr id="2" name="标题 1"/>
-          <p:cNvSpPr>
-            <a:spLocks noGrp="1"/>
-          </p:cNvSpPr>
-          <p:nvPr>
-            <p:ph type="title"/>
-          </p:nvPr>
-        </p:nvSpPr>
-        <p:spPr/>
-        <p:txBody>
-          <a:bodyPr>
-            <a:normAutofit/>
-          </a:bodyPr>
-          <a:lstStyle/>
-          <a:p>
-            <a:r>
-              <a:rPr lang="zh-CN" altLang="en-US" sz="4800" dirty="0" smtClean="0">
-                <a:latin typeface="华文中宋" panose="02010600040101010101" pitchFamily="2" charset="-122"/>
-                <a:ea typeface="华文中宋" panose="02010600040101010101" pitchFamily="2" charset="-122"/>
-              </a:rPr>
-              <a:t>选题介绍与主要</a:t>
-            </a:r>
-            <a:r>
-              <a:rPr lang="zh-CN" altLang="en-US" sz="4800" dirty="0" smtClean="0">
-                <a:latin typeface="华文中宋" panose="02010600040101010101" pitchFamily="2" charset="-122"/>
-                <a:ea typeface="华文中宋" panose="02010600040101010101" pitchFamily="2" charset="-122"/>
-              </a:rPr>
-              <a:t>工作</a:t>
-            </a:r>
-            <a:endParaRPr lang="zh-CN" altLang="en-US" sz="4800" dirty="0">
-              <a:latin typeface="华文中宋" panose="02010600040101010101" pitchFamily="2" charset="-122"/>
-              <a:ea typeface="华文中宋" panose="02010600040101010101" pitchFamily="2" charset="-122"/>
-            </a:endParaRPr>
-          </a:p>
-        </p:txBody>
-      </p:sp>
-      <p:sp>
-        <p:nvSpPr>
-          <p:cNvPr id="3" name="内容占位符 2"/>
-          <p:cNvSpPr>
-            <a:spLocks noGrp="1"/>
-          </p:cNvSpPr>
-          <p:nvPr>
-            <p:ph idx="1"/>
-          </p:nvPr>
-        </p:nvSpPr>
-        <p:spPr/>
-        <p:txBody>
-          <a:bodyPr/>
-          <a:lstStyle/>
-          <a:p>
-            <a:r>
-              <a:rPr lang="zh-CN" altLang="en-US" sz="3600" dirty="0">
-                <a:latin typeface="华文中宋" panose="02010600040101010101" pitchFamily="2" charset="-122"/>
-                <a:ea typeface="华文中宋" panose="02010600040101010101" pitchFamily="2" charset="-122"/>
-              </a:rPr>
-              <a:t>基础</a:t>
-            </a:r>
-            <a:r>
-              <a:rPr lang="zh-CN" altLang="en-US" sz="3600" dirty="0" smtClean="0">
-                <a:latin typeface="华文中宋" panose="02010600040101010101" pitchFamily="2" charset="-122"/>
-                <a:ea typeface="华文中宋" panose="02010600040101010101" pitchFamily="2" charset="-122"/>
-              </a:rPr>
-              <a:t>命令</a:t>
-            </a:r>
-            <a:endParaRPr lang="en-US" altLang="zh-CN" sz="3600" dirty="0" smtClean="0">
-              <a:latin typeface="华文中宋" panose="02010600040101010101" pitchFamily="2" charset="-122"/>
-              <a:ea typeface="华文中宋" panose="02010600040101010101" pitchFamily="2" charset="-122"/>
-            </a:endParaRPr>
-          </a:p>
-          <a:p>
-            <a:r>
-              <a:rPr lang="zh-CN" altLang="en-US" sz="3600" dirty="0" smtClean="0">
-                <a:latin typeface="华文中宋" panose="02010600040101010101" pitchFamily="2" charset="-122"/>
-                <a:ea typeface="华文中宋" panose="02010600040101010101" pitchFamily="2" charset="-122"/>
-              </a:rPr>
-              <a:t>文件管理</a:t>
-            </a:r>
-            <a:endParaRPr lang="en-US" altLang="zh-CN" sz="3600" dirty="0" smtClean="0">
-              <a:latin typeface="华文中宋" panose="02010600040101010101" pitchFamily="2" charset="-122"/>
-              <a:ea typeface="华文中宋" panose="02010600040101010101" pitchFamily="2" charset="-122"/>
-            </a:endParaRPr>
-          </a:p>
-          <a:p>
-            <a:r>
-              <a:rPr lang="zh-CN" altLang="en-US" sz="3600" dirty="0">
-                <a:latin typeface="华文中宋" panose="02010600040101010101" pitchFamily="2" charset="-122"/>
-                <a:ea typeface="华文中宋" panose="02010600040101010101" pitchFamily="2" charset="-122"/>
-              </a:rPr>
-              <a:t>文档</a:t>
-            </a:r>
-            <a:r>
-              <a:rPr lang="zh-CN" altLang="en-US" sz="3600" dirty="0" smtClean="0">
-                <a:latin typeface="华文中宋" panose="02010600040101010101" pitchFamily="2" charset="-122"/>
-                <a:ea typeface="华文中宋" panose="02010600040101010101" pitchFamily="2" charset="-122"/>
-              </a:rPr>
-              <a:t>编辑</a:t>
-            </a:r>
-            <a:endParaRPr lang="en-US" altLang="zh-CN" sz="3600" dirty="0" smtClean="0">
-              <a:latin typeface="华文中宋" panose="02010600040101010101" pitchFamily="2" charset="-122"/>
-              <a:ea typeface="华文中宋" panose="02010600040101010101" pitchFamily="2" charset="-122"/>
-            </a:endParaRPr>
-          </a:p>
-          <a:p>
-            <a:r>
-              <a:rPr lang="zh-CN" altLang="en-US" sz="3600" dirty="0" smtClean="0">
-                <a:latin typeface="华文中宋" panose="02010600040101010101" pitchFamily="2" charset="-122"/>
-                <a:ea typeface="华文中宋" panose="02010600040101010101" pitchFamily="2" charset="-122"/>
-              </a:rPr>
-              <a:t>其余改进</a:t>
-            </a:r>
-            <a:endParaRPr lang="zh-CN" altLang="en-US" sz="3600" dirty="0">
-              <a:latin typeface="华文中宋" panose="02010600040101010101" pitchFamily="2" charset="-122"/>
-              <a:ea typeface="华文中宋" panose="02010600040101010101" pitchFamily="2" charset="-122"/>
-            </a:endParaRPr>
-          </a:p>
-        </p:txBody>
-      </p:sp>
-    </p:spTree>
-  </p:cSld>
-  <p:clrMapOvr>
-    <a:masterClrMapping/>
-  </p:clrMapOvr>
-  <p:transition spd="slow">
-    <p:wipe/>
-  </p:transition>
-  <p:timing>
-    <p:tnLst>
-      <p:par>
-        <p:cTn id="1" dur="indefinite" restart="never" nodeType="tmRoot"/>
-      </p:par>
-    </p:tnLst>
-  </p:timing>
-</p:sld>
-</file>
-
-<file path=ppt/slides/slide20.xml><?xml version="1.0" encoding="utf-8"?>
-<p:sld xmlns:a="http://schemas.openxmlformats.org/drawingml/2006/main" xmlns:r="http://schemas.openxmlformats.org/officeDocument/2006/relationships" xmlns:p="http://schemas.openxmlformats.org/presentationml/2006/main">
-  <p:cSld>
-    <p:spTree>
-      <p:nvGrpSpPr>
-        <p:cNvPr id="1" name=""/>
-        <p:cNvGrpSpPr/>
-        <p:nvPr/>
-      </p:nvGrpSpPr>
-      <p:grpSpPr>
-        <a:xfrm>
-          <a:off x="0" y="0"/>
-          <a:ext cx="0" cy="0"/>
-          <a:chOff x="0" y="0"/>
-          <a:chExt cx="0" cy="0"/>
-        </a:xfrm>
-      </p:grpSpPr>
-      <p:sp>
-        <p:nvSpPr>
-          <p:cNvPr id="2" name="标题 1"/>
-          <p:cNvSpPr>
-            <a:spLocks noGrp="1"/>
-          </p:cNvSpPr>
-          <p:nvPr>
-            <p:ph type="title"/>
-          </p:nvPr>
-        </p:nvSpPr>
-        <p:spPr/>
-        <p:txBody>
-          <a:bodyPr>
-            <a:normAutofit/>
-          </a:bodyPr>
-          <a:lstStyle/>
-          <a:p>
-            <a:r>
-              <a:rPr lang="zh-CN" altLang="en-US" sz="4800" dirty="0" smtClean="0">
-                <a:latin typeface="华文中宋" panose="02010600040101010101" pitchFamily="2" charset="-122"/>
-                <a:ea typeface="华文中宋" panose="02010600040101010101" pitchFamily="2" charset="-122"/>
-              </a:rPr>
-              <a:t>文档编辑：其他</a:t>
-            </a:r>
-            <a:endParaRPr lang="zh-CN" altLang="en-US" sz="4800" dirty="0">
-              <a:latin typeface="华文中宋" panose="02010600040101010101" pitchFamily="2" charset="-122"/>
-              <a:ea typeface="华文中宋" panose="02010600040101010101" pitchFamily="2" charset="-122"/>
-            </a:endParaRPr>
-          </a:p>
-        </p:txBody>
-      </p:sp>
-      <p:sp>
-        <p:nvSpPr>
-          <p:cNvPr id="3" name="内容占位符 2"/>
-          <p:cNvSpPr>
-            <a:spLocks noGrp="1"/>
-          </p:cNvSpPr>
-          <p:nvPr>
-            <p:ph idx="1"/>
-          </p:nvPr>
-        </p:nvSpPr>
-        <p:spPr/>
-        <p:txBody>
-          <a:bodyPr>
-            <a:normAutofit/>
-          </a:bodyPr>
-          <a:lstStyle/>
-          <a:p>
-            <a:r>
-              <a:rPr lang="zh-CN" altLang="en-US" sz="2400" dirty="0" smtClean="0">
-                <a:latin typeface="华文中宋" panose="02010600040101010101" pitchFamily="2" charset="-122"/>
-                <a:ea typeface="华文中宋" panose="02010600040101010101" pitchFamily="2" charset="-122"/>
-              </a:rPr>
-              <a:t>识别特定代码并进行高亮处理</a:t>
-            </a:r>
-            <a:endParaRPr lang="en-US" altLang="zh-CN" sz="2400" dirty="0" smtClean="0">
-              <a:latin typeface="华文中宋" panose="02010600040101010101" pitchFamily="2" charset="-122"/>
-              <a:ea typeface="华文中宋" panose="02010600040101010101" pitchFamily="2" charset="-122"/>
-            </a:endParaRPr>
-          </a:p>
-          <a:p>
-            <a:r>
-              <a:rPr lang="zh-CN" altLang="en-US" sz="2400" dirty="0" smtClean="0">
-                <a:latin typeface="华文中宋" panose="02010600040101010101" pitchFamily="2" charset="-122"/>
-                <a:ea typeface="华文中宋" panose="02010600040101010101" pitchFamily="2" charset="-122"/>
-              </a:rPr>
-              <a:t>输出行号</a:t>
-            </a:r>
-            <a:endParaRPr lang="zh-CN" altLang="en-US" sz="2400" dirty="0">
-              <a:latin typeface="华文中宋" panose="02010600040101010101" pitchFamily="2" charset="-122"/>
-              <a:ea typeface="华文中宋" panose="02010600040101010101" pitchFamily="2" charset="-122"/>
-            </a:endParaRPr>
-          </a:p>
-        </p:txBody>
-      </p:sp>
-      <p:pic>
-        <p:nvPicPr>
-          <p:cNvPr id="7" name="图片 6"/>
-          <p:cNvPicPr>
-            <a:picLocks noChangeAspect="1"/>
-          </p:cNvPicPr>
-          <p:nvPr/>
-        </p:nvPicPr>
-        <p:blipFill rotWithShape="1">
-          <a:blip r:embed="rId2">
-            <a:extLst>
-              <a:ext uri="{28A0092B-C50C-407E-A947-70E740481C1C}">
-                <a14:useLocalDpi xmlns:a14="http://schemas.microsoft.com/office/drawing/2010/main" val="0"/>
-              </a:ext>
-            </a:extLst>
-          </a:blip>
-          <a:srcRect b="67077"/>
-          <a:stretch>
-            <a:fillRect/>
-          </a:stretch>
-        </p:blipFill>
-        <p:spPr>
-          <a:xfrm>
-            <a:off x="1884218" y="3179515"/>
-            <a:ext cx="3749964" cy="2600830"/>
-          </a:xfrm>
-          <a:prstGeom prst="rect">
-            <a:avLst/>
-          </a:prstGeom>
-        </p:spPr>
-      </p:pic>
-    </p:spTree>
-  </p:cSld>
-  <p:clrMapOvr>
-    <a:masterClrMapping/>
-  </p:clrMapOvr>
-  <p:transition spd="slow">
-    <p:wipe/>
-  </p:transition>
-  <p:timing>
-    <p:tnLst>
-      <p:par>
-        <p:cTn id="1" dur="indefinite" restart="never" nodeType="tmRoot"/>
       </p:par>
     </p:tnLst>
   </p:timing>
